--- a/study-note/자바/2022-08-19 내용정리.pptx
+++ b/study-note/자바/2022-08-19 내용정리.pptx
@@ -11323,17 +11323,17 @@
           </a:prstGeom>
         </p:spPr>
         <p:style>
-          <a:lnRef idx="3">
+          <a:lnRef idx="2">
+            <a:schemeClr val="dk1"/>
+          </a:lnRef>
+          <a:fillRef idx="1">
             <a:schemeClr val="lt1"/>
-          </a:lnRef>
-          <a:fillRef idx="1">
+          </a:fillRef>
+          <a:effectRef idx="0">
             <a:schemeClr val="dk1"/>
-          </a:fillRef>
-          <a:effectRef idx="1">
+          </a:effectRef>
+          <a:fontRef idx="minor">
             <a:schemeClr val="dk1"/>
-          </a:effectRef>
-          <a:fontRef idx="minor">
-            <a:schemeClr val="lt1"/>
           </a:fontRef>
         </p:style>
         <p:txBody>
@@ -11368,7 +11368,7 @@
         </p:nvSpPr>
         <p:spPr>
           <a:xfrm>
-            <a:off x="353714" y="4176416"/>
+            <a:off x="407579" y="4943671"/>
             <a:ext cx="2732690" cy="819807"/>
           </a:xfrm>
           <a:prstGeom prst="rect">
@@ -11422,8 +11422,8 @@
         </p:nvCxnSpPr>
         <p:spPr>
           <a:xfrm flipV="1">
-            <a:off x="5297517" y="1842387"/>
-            <a:ext cx="508438" cy="994485"/>
+            <a:off x="5351382" y="1842387"/>
+            <a:ext cx="454573" cy="1761740"/>
           </a:xfrm>
           <a:prstGeom prst="straightConnector1">
             <a:avLst/>
@@ -11516,7 +11516,7 @@
         </p:nvCxnSpPr>
         <p:spPr>
           <a:xfrm rot="5400000" flipH="1" flipV="1">
-            <a:off x="2360795" y="2606040"/>
+            <a:off x="2414660" y="3373295"/>
             <a:ext cx="929640" cy="2211113"/>
           </a:xfrm>
           <a:prstGeom prst="curvedConnector2">
@@ -11559,7 +11559,7 @@
         </p:nvCxnSpPr>
         <p:spPr>
           <a:xfrm rot="5400000">
-            <a:off x="2839016" y="2537722"/>
+            <a:off x="2892881" y="3304977"/>
             <a:ext cx="1339544" cy="3577458"/>
           </a:xfrm>
           <a:prstGeom prst="curvedConnector3">
@@ -11600,7 +11600,7 @@
         </p:nvSpPr>
         <p:spPr>
           <a:xfrm>
-            <a:off x="2546741" y="3188471"/>
+            <a:off x="2600606" y="3955726"/>
             <a:ext cx="751487" cy="276999"/>
           </a:xfrm>
           <a:prstGeom prst="rect">
@@ -11650,7 +11650,7 @@
         </p:nvSpPr>
         <p:spPr>
           <a:xfrm>
-            <a:off x="3431930" y="5048932"/>
+            <a:off x="3485795" y="5816187"/>
             <a:ext cx="751487" cy="276999"/>
           </a:xfrm>
           <a:prstGeom prst="rect">
@@ -11700,25 +11700,25 @@
         </p:nvSpPr>
         <p:spPr>
           <a:xfrm>
-            <a:off x="386309" y="2553332"/>
-            <a:ext cx="2988576" cy="369332"/>
+            <a:off x="407882" y="3213791"/>
+            <a:ext cx="2988576" cy="646331"/>
           </a:xfrm>
           <a:prstGeom prst="rect">
             <a:avLst/>
           </a:prstGeom>
         </p:spPr>
         <p:style>
-          <a:lnRef idx="3">
+          <a:lnRef idx="2">
+            <a:schemeClr val="dk1"/>
+          </a:lnRef>
+          <a:fillRef idx="1">
             <a:schemeClr val="lt1"/>
-          </a:lnRef>
-          <a:fillRef idx="1">
+          </a:fillRef>
+          <a:effectRef idx="0">
             <a:schemeClr val="dk1"/>
-          </a:fillRef>
-          <a:effectRef idx="1">
+          </a:effectRef>
+          <a:fontRef idx="minor">
             <a:schemeClr val="dk1"/>
-          </a:effectRef>
-          <a:fontRef idx="minor">
-            <a:schemeClr val="lt1"/>
           </a:fontRef>
         </p:style>
         <p:txBody>
@@ -11728,6 +11728,16 @@
           <a:lstStyle/>
           <a:p>
             <a:r>
+              <a:rPr kumimoji="1" lang="ko-KR" altLang="en-US" dirty="0"/>
+              <a:t>이후 구조</a:t>
+            </a:r>
+            <a:r>
+              <a:rPr kumimoji="1" lang="en-US" altLang="ko-KR" dirty="0"/>
+              <a:t>:</a:t>
+            </a:r>
+          </a:p>
+          <a:p>
+            <a:r>
               <a:rPr kumimoji="1" lang="en-US" altLang="ko-Kore-KR" dirty="0"/>
               <a:t>Proxy </a:t>
             </a:r>
@@ -11757,7 +11767,7 @@
         </p:nvSpPr>
         <p:spPr>
           <a:xfrm>
-            <a:off x="3931172" y="2836872"/>
+            <a:off x="3985037" y="3604127"/>
             <a:ext cx="2732690" cy="819807"/>
           </a:xfrm>
           <a:prstGeom prst="rect">
@@ -11807,7 +11817,7 @@
         </p:nvSpPr>
         <p:spPr>
           <a:xfrm>
-            <a:off x="745662" y="5958101"/>
+            <a:off x="799527" y="6725356"/>
             <a:ext cx="662150" cy="662150"/>
           </a:xfrm>
           <a:prstGeom prst="smileyFace">
@@ -11853,7 +11863,7 @@
         </p:nvSpPr>
         <p:spPr>
           <a:xfrm>
-            <a:off x="1616261" y="6108318"/>
+            <a:off x="1670126" y="6875573"/>
             <a:ext cx="2567156" cy="369332"/>
           </a:xfrm>
           <a:prstGeom prst="rect">
@@ -11906,7 +11916,7 @@
         </p:nvSpPr>
         <p:spPr>
           <a:xfrm>
-            <a:off x="8763957" y="4468501"/>
+            <a:off x="8817822" y="5235756"/>
             <a:ext cx="2567156" cy="369332"/>
           </a:xfrm>
           <a:prstGeom prst="rect">
@@ -11959,7 +11969,7 @@
         </p:nvSpPr>
         <p:spPr>
           <a:xfrm>
-            <a:off x="9388539" y="3648695"/>
+            <a:off x="9442404" y="4415950"/>
             <a:ext cx="662150" cy="662150"/>
           </a:xfrm>
           <a:prstGeom prst="smileyFace">
@@ -12009,7 +12019,7 @@
         </p:nvCxnSpPr>
         <p:spPr>
           <a:xfrm flipV="1">
-            <a:off x="1076737" y="4996223"/>
+            <a:off x="1130602" y="5763478"/>
             <a:ext cx="643322" cy="961878"/>
           </a:xfrm>
           <a:prstGeom prst="straightConnector1">
@@ -12048,7 +12058,7 @@
         </p:nvSpPr>
         <p:spPr>
           <a:xfrm>
-            <a:off x="861274" y="5486129"/>
+            <a:off x="915139" y="6253384"/>
             <a:ext cx="662151" cy="307777"/>
           </a:xfrm>
           <a:prstGeom prst="rect">
@@ -12102,7 +12112,7 @@
         </p:nvCxnSpPr>
         <p:spPr>
           <a:xfrm flipH="1" flipV="1">
-            <a:off x="6663862" y="3246776"/>
+            <a:off x="6717727" y="4014031"/>
             <a:ext cx="2821647" cy="498889"/>
           </a:xfrm>
           <a:prstGeom prst="straightConnector1">
@@ -12113,17 +12123,17 @@
           </a:ln>
         </p:spPr>
         <p:style>
-          <a:lnRef idx="2">
+          <a:lnRef idx="3">
             <a:schemeClr val="accent5"/>
           </a:lnRef>
-          <a:fillRef idx="1">
-            <a:schemeClr val="lt1"/>
-          </a:fillRef>
-          <a:effectRef idx="0">
+          <a:fillRef idx="0">
             <a:schemeClr val="accent5"/>
-          </a:effectRef>
-          <a:fontRef idx="minor">
-            <a:schemeClr val="dk1"/>
+          </a:fillRef>
+          <a:effectRef idx="2">
+            <a:schemeClr val="accent5"/>
+          </a:effectRef>
+          <a:fontRef idx="minor">
+            <a:schemeClr val="tx1"/>
           </a:fontRef>
         </p:style>
       </p:cxnSp>
@@ -12146,7 +12156,7 @@
         <p:spPr>
           <a:xfrm flipH="1" flipV="1">
             <a:off x="5805955" y="1842387"/>
-            <a:ext cx="3679554" cy="1903278"/>
+            <a:ext cx="3733419" cy="2670533"/>
           </a:xfrm>
           <a:prstGeom prst="straightConnector1">
             <a:avLst/>
@@ -12156,17 +12166,17 @@
           </a:ln>
         </p:spPr>
         <p:style>
-          <a:lnRef idx="2">
+          <a:lnRef idx="3">
             <a:schemeClr val="accent5"/>
           </a:lnRef>
-          <a:fillRef idx="1">
-            <a:schemeClr val="lt1"/>
-          </a:fillRef>
-          <a:effectRef idx="0">
+          <a:fillRef idx="0">
             <a:schemeClr val="accent5"/>
-          </a:effectRef>
-          <a:fontRef idx="minor">
-            <a:schemeClr val="dk1"/>
+          </a:fillRef>
+          <a:effectRef idx="2">
+            <a:schemeClr val="accent5"/>
+          </a:effectRef>
+          <a:fontRef idx="minor">
+            <a:schemeClr val="tx1"/>
           </a:fontRef>
         </p:style>
       </p:cxnSp>
@@ -12188,8 +12198,8 @@
         </p:nvCxnSpPr>
         <p:spPr>
           <a:xfrm flipV="1">
-            <a:off x="9485509" y="1842386"/>
-            <a:ext cx="732163" cy="1903279"/>
+            <a:off x="9539374" y="1842386"/>
+            <a:ext cx="678298" cy="2670534"/>
           </a:xfrm>
           <a:prstGeom prst="straightConnector1">
             <a:avLst/>
@@ -12199,17 +12209,17 @@
           </a:ln>
         </p:spPr>
         <p:style>
-          <a:lnRef idx="2">
+          <a:lnRef idx="3">
             <a:schemeClr val="accent5"/>
           </a:lnRef>
-          <a:fillRef idx="1">
-            <a:schemeClr val="lt1"/>
-          </a:fillRef>
-          <a:effectRef idx="0">
+          <a:fillRef idx="0">
             <a:schemeClr val="accent5"/>
-          </a:effectRef>
-          <a:fontRef idx="minor">
-            <a:schemeClr val="dk1"/>
+          </a:fillRef>
+          <a:effectRef idx="2">
+            <a:schemeClr val="accent5"/>
+          </a:effectRef>
+          <a:fontRef idx="minor">
+            <a:schemeClr val="tx1"/>
           </a:fontRef>
         </p:style>
       </p:cxnSp>
@@ -12227,7 +12237,7 @@
         </p:nvSpPr>
         <p:spPr>
           <a:xfrm>
-            <a:off x="8416931" y="3184871"/>
+            <a:off x="8470796" y="3952126"/>
             <a:ext cx="751487" cy="307777"/>
           </a:xfrm>
           <a:prstGeom prst="rect">
@@ -12263,6 +12273,44 @@
           </a:p>
         </p:txBody>
       </p:sp>
+      <p:cxnSp>
+        <p:nvCxnSpPr>
+          <p:cNvPr id="68" name="직선 연결선[R] 67">
+            <a:extLst>
+              <a:ext uri="{FF2B5EF4-FFF2-40B4-BE49-F238E27FC236}">
+                <a16:creationId xmlns:a16="http://schemas.microsoft.com/office/drawing/2014/main" id="{52965252-696B-ACCE-98A7-749486D4A01D}"/>
+              </a:ext>
+            </a:extLst>
+          </p:cNvPr>
+          <p:cNvCxnSpPr>
+            <a:cxnSpLocks/>
+          </p:cNvCxnSpPr>
+          <p:nvPr/>
+        </p:nvCxnSpPr>
+        <p:spPr>
+          <a:xfrm>
+            <a:off x="281759" y="2546789"/>
+            <a:ext cx="11200189" cy="564273"/>
+          </a:xfrm>
+          <a:prstGeom prst="line">
+            <a:avLst/>
+          </a:prstGeom>
+        </p:spPr>
+        <p:style>
+          <a:lnRef idx="3">
+            <a:schemeClr val="lt1"/>
+          </a:lnRef>
+          <a:fillRef idx="1">
+            <a:schemeClr val="dk1"/>
+          </a:fillRef>
+          <a:effectRef idx="1">
+            <a:schemeClr val="dk1"/>
+          </a:effectRef>
+          <a:fontRef idx="minor">
+            <a:schemeClr val="lt1"/>
+          </a:fontRef>
+        </p:style>
+      </p:cxnSp>
     </p:spTree>
     <p:extLst>
       <p:ext uri="{BB962C8B-B14F-4D97-AF65-F5344CB8AC3E}">
@@ -12293,6 +12341,106 @@
           <a:chExt cx="0" cy="0"/>
         </a:xfrm>
       </p:grpSpPr>
+      <p:sp>
+        <p:nvSpPr>
+          <p:cNvPr id="2" name="직사각형 1">
+            <a:extLst>
+              <a:ext uri="{FF2B5EF4-FFF2-40B4-BE49-F238E27FC236}">
+                <a16:creationId xmlns:a16="http://schemas.microsoft.com/office/drawing/2014/main" id="{D1DFB84F-4103-62DE-A819-56DF92E23607}"/>
+              </a:ext>
+            </a:extLst>
+          </p:cNvPr>
+          <p:cNvSpPr/>
+          <p:nvPr/>
+        </p:nvSpPr>
+        <p:spPr>
+          <a:xfrm>
+            <a:off x="1229710" y="1639614"/>
+            <a:ext cx="1713187" cy="893379"/>
+          </a:xfrm>
+          <a:prstGeom prst="rect">
+            <a:avLst/>
+          </a:prstGeom>
+        </p:spPr>
+        <p:style>
+          <a:lnRef idx="2">
+            <a:schemeClr val="accent1">
+              <a:shade val="50000"/>
+            </a:schemeClr>
+          </a:lnRef>
+          <a:fillRef idx="1">
+            <a:schemeClr val="accent1"/>
+          </a:fillRef>
+          <a:effectRef idx="0">
+            <a:schemeClr val="accent1"/>
+          </a:effectRef>
+          <a:fontRef idx="minor">
+            <a:schemeClr val="lt1"/>
+          </a:fontRef>
+        </p:style>
+        <p:txBody>
+          <a:bodyPr rtlCol="0" anchor="ctr"/>
+          <a:lstStyle/>
+          <a:p>
+            <a:pPr algn="ctr"/>
+            <a:r>
+              <a:rPr kumimoji="1" lang="en-US" altLang="ko-Kore-KR" dirty="0"/>
+              <a:t>app-server</a:t>
+            </a:r>
+            <a:endParaRPr kumimoji="1" lang="ko-Kore-KR" altLang="en-US" dirty="0"/>
+          </a:p>
+        </p:txBody>
+      </p:sp>
+      <p:sp>
+        <p:nvSpPr>
+          <p:cNvPr id="3" name="직사각형 2">
+            <a:extLst>
+              <a:ext uri="{FF2B5EF4-FFF2-40B4-BE49-F238E27FC236}">
+                <a16:creationId xmlns:a16="http://schemas.microsoft.com/office/drawing/2014/main" id="{9B591D57-DEBD-F650-AC36-2B3F691E427F}"/>
+              </a:ext>
+            </a:extLst>
+          </p:cNvPr>
+          <p:cNvSpPr/>
+          <p:nvPr/>
+        </p:nvSpPr>
+        <p:spPr>
+          <a:xfrm>
+            <a:off x="1229710" y="3967655"/>
+            <a:ext cx="1713187" cy="893379"/>
+          </a:xfrm>
+          <a:prstGeom prst="rect">
+            <a:avLst/>
+          </a:prstGeom>
+        </p:spPr>
+        <p:style>
+          <a:lnRef idx="2">
+            <a:schemeClr val="accent1">
+              <a:shade val="50000"/>
+            </a:schemeClr>
+          </a:lnRef>
+          <a:fillRef idx="1">
+            <a:schemeClr val="accent1"/>
+          </a:fillRef>
+          <a:effectRef idx="0">
+            <a:schemeClr val="accent1"/>
+          </a:effectRef>
+          <a:fontRef idx="minor">
+            <a:schemeClr val="lt1"/>
+          </a:fontRef>
+        </p:style>
+        <p:txBody>
+          <a:bodyPr rtlCol="0" anchor="ctr"/>
+          <a:lstStyle/>
+          <a:p>
+            <a:pPr algn="ctr"/>
+            <a:r>
+              <a:rPr kumimoji="1" lang="en-US" altLang="ko-Kore-KR"/>
+              <a:t>app-client</a:t>
+            </a:r>
+            <a:endParaRPr kumimoji="1" lang="ko-Kore-KR" altLang="en-US" dirty="0"/>
+          </a:p>
+        </p:txBody>
+      </p:sp>
     </p:spTree>
     <p:extLst>
       <p:ext uri="{BB962C8B-B14F-4D97-AF65-F5344CB8AC3E}">

--- a/study-note/자바/2022-08-19 내용정리.pptx
+++ b/study-note/자바/2022-08-19 내용정리.pptx
@@ -3779,6 +3779,333 @@
           <a:chExt cx="0" cy="0"/>
         </a:xfrm>
       </p:grpSpPr>
+      <p:sp>
+        <p:nvSpPr>
+          <p:cNvPr id="2" name="직사각형 1">
+            <a:extLst>
+              <a:ext uri="{FF2B5EF4-FFF2-40B4-BE49-F238E27FC236}">
+                <a16:creationId xmlns:a16="http://schemas.microsoft.com/office/drawing/2014/main" id="{DF573061-83BA-D3F8-8FB8-A64815831369}"/>
+              </a:ext>
+            </a:extLst>
+          </p:cNvPr>
+          <p:cNvSpPr/>
+          <p:nvPr/>
+        </p:nvSpPr>
+        <p:spPr>
+          <a:xfrm>
+            <a:off x="1534510" y="1996966"/>
+            <a:ext cx="1702676" cy="557048"/>
+          </a:xfrm>
+          <a:prstGeom prst="rect">
+            <a:avLst/>
+          </a:prstGeom>
+        </p:spPr>
+        <p:style>
+          <a:lnRef idx="2">
+            <a:schemeClr val="accent1">
+              <a:shade val="50000"/>
+            </a:schemeClr>
+          </a:lnRef>
+          <a:fillRef idx="1">
+            <a:schemeClr val="accent1"/>
+          </a:fillRef>
+          <a:effectRef idx="0">
+            <a:schemeClr val="accent1"/>
+          </a:effectRef>
+          <a:fontRef idx="minor">
+            <a:schemeClr val="lt1"/>
+          </a:fontRef>
+        </p:style>
+        <p:txBody>
+          <a:bodyPr rtlCol="0" anchor="ctr"/>
+          <a:lstStyle/>
+          <a:p>
+            <a:pPr algn="ctr"/>
+            <a:r>
+              <a:rPr kumimoji="1" lang="en-US" altLang="ko-Kore-KR" dirty="0"/>
+              <a:t>app</a:t>
+            </a:r>
+            <a:endParaRPr kumimoji="1" lang="ko-Kore-KR" altLang="en-US" dirty="0"/>
+          </a:p>
+        </p:txBody>
+      </p:sp>
+      <p:sp>
+        <p:nvSpPr>
+          <p:cNvPr id="3" name="직사각형 2">
+            <a:extLst>
+              <a:ext uri="{FF2B5EF4-FFF2-40B4-BE49-F238E27FC236}">
+                <a16:creationId xmlns:a16="http://schemas.microsoft.com/office/drawing/2014/main" id="{8C5FC188-7A6F-00C2-BB91-154B356C9DFB}"/>
+              </a:ext>
+            </a:extLst>
+          </p:cNvPr>
+          <p:cNvSpPr/>
+          <p:nvPr/>
+        </p:nvSpPr>
+        <p:spPr>
+          <a:xfrm>
+            <a:off x="1534510" y="3347545"/>
+            <a:ext cx="1702676" cy="557048"/>
+          </a:xfrm>
+          <a:prstGeom prst="rect">
+            <a:avLst/>
+          </a:prstGeom>
+        </p:spPr>
+        <p:style>
+          <a:lnRef idx="2">
+            <a:schemeClr val="accent1">
+              <a:shade val="50000"/>
+            </a:schemeClr>
+          </a:lnRef>
+          <a:fillRef idx="1">
+            <a:schemeClr val="accent1"/>
+          </a:fillRef>
+          <a:effectRef idx="0">
+            <a:schemeClr val="accent1"/>
+          </a:effectRef>
+          <a:fontRef idx="minor">
+            <a:schemeClr val="lt1"/>
+          </a:fontRef>
+        </p:style>
+        <p:txBody>
+          <a:bodyPr rtlCol="0" anchor="ctr"/>
+          <a:lstStyle/>
+          <a:p>
+            <a:pPr algn="ctr"/>
+            <a:r>
+              <a:rPr kumimoji="1" lang="en-US" altLang="ko-Kore-KR" dirty="0"/>
+              <a:t>utilities</a:t>
+            </a:r>
+            <a:endParaRPr kumimoji="1" lang="ko-Kore-KR" altLang="en-US" dirty="0"/>
+          </a:p>
+        </p:txBody>
+      </p:sp>
+      <p:sp>
+        <p:nvSpPr>
+          <p:cNvPr id="4" name="직사각형 3">
+            <a:extLst>
+              <a:ext uri="{FF2B5EF4-FFF2-40B4-BE49-F238E27FC236}">
+                <a16:creationId xmlns:a16="http://schemas.microsoft.com/office/drawing/2014/main" id="{EA3A4CB2-14CA-ED15-0F87-A7A3D4AFDDD6}"/>
+              </a:ext>
+            </a:extLst>
+          </p:cNvPr>
+          <p:cNvSpPr/>
+          <p:nvPr/>
+        </p:nvSpPr>
+        <p:spPr>
+          <a:xfrm>
+            <a:off x="1534510" y="4545724"/>
+            <a:ext cx="1702676" cy="557048"/>
+          </a:xfrm>
+          <a:prstGeom prst="rect">
+            <a:avLst/>
+          </a:prstGeom>
+        </p:spPr>
+        <p:style>
+          <a:lnRef idx="2">
+            <a:schemeClr val="accent1">
+              <a:shade val="50000"/>
+            </a:schemeClr>
+          </a:lnRef>
+          <a:fillRef idx="1">
+            <a:schemeClr val="accent1"/>
+          </a:fillRef>
+          <a:effectRef idx="0">
+            <a:schemeClr val="accent1"/>
+          </a:effectRef>
+          <a:fontRef idx="minor">
+            <a:schemeClr val="lt1"/>
+          </a:fontRef>
+        </p:style>
+        <p:txBody>
+          <a:bodyPr rtlCol="0" anchor="ctr"/>
+          <a:lstStyle/>
+          <a:p>
+            <a:pPr algn="ctr"/>
+            <a:r>
+              <a:rPr kumimoji="1" lang="en-US" altLang="ko-Kore-KR" dirty="0"/>
+              <a:t>library</a:t>
+            </a:r>
+            <a:endParaRPr kumimoji="1" lang="ko-Kore-KR" altLang="en-US" dirty="0"/>
+          </a:p>
+        </p:txBody>
+      </p:sp>
+      <p:cxnSp>
+        <p:nvCxnSpPr>
+          <p:cNvPr id="6" name="직선 화살표 연결선 5">
+            <a:extLst>
+              <a:ext uri="{FF2B5EF4-FFF2-40B4-BE49-F238E27FC236}">
+                <a16:creationId xmlns:a16="http://schemas.microsoft.com/office/drawing/2014/main" id="{15940AB1-573E-B4ED-8A16-86A74794EEF7}"/>
+              </a:ext>
+            </a:extLst>
+          </p:cNvPr>
+          <p:cNvCxnSpPr>
+            <a:stCxn id="2" idx="2"/>
+            <a:endCxn id="3" idx="0"/>
+          </p:cNvCxnSpPr>
+          <p:nvPr/>
+        </p:nvCxnSpPr>
+        <p:spPr>
+          <a:xfrm>
+            <a:off x="2385848" y="2554014"/>
+            <a:ext cx="0" cy="793531"/>
+          </a:xfrm>
+          <a:prstGeom prst="straightConnector1">
+            <a:avLst/>
+          </a:prstGeom>
+          <a:ln>
+            <a:tailEnd type="triangle"/>
+          </a:ln>
+        </p:spPr>
+        <p:style>
+          <a:lnRef idx="3">
+            <a:schemeClr val="accent1"/>
+          </a:lnRef>
+          <a:fillRef idx="0">
+            <a:schemeClr val="accent1"/>
+          </a:fillRef>
+          <a:effectRef idx="2">
+            <a:schemeClr val="accent1"/>
+          </a:effectRef>
+          <a:fontRef idx="minor">
+            <a:schemeClr val="tx1"/>
+          </a:fontRef>
+        </p:style>
+      </p:cxnSp>
+      <p:cxnSp>
+        <p:nvCxnSpPr>
+          <p:cNvPr id="7" name="직선 화살표 연결선 6">
+            <a:extLst>
+              <a:ext uri="{FF2B5EF4-FFF2-40B4-BE49-F238E27FC236}">
+                <a16:creationId xmlns:a16="http://schemas.microsoft.com/office/drawing/2014/main" id="{631694DC-FB4E-7B36-C26F-7626F50B8A6B}"/>
+              </a:ext>
+            </a:extLst>
+          </p:cNvPr>
+          <p:cNvCxnSpPr>
+            <a:cxnSpLocks/>
+            <a:stCxn id="3" idx="2"/>
+            <a:endCxn id="4" idx="0"/>
+          </p:cNvCxnSpPr>
+          <p:nvPr/>
+        </p:nvCxnSpPr>
+        <p:spPr>
+          <a:xfrm>
+            <a:off x="2385848" y="3904593"/>
+            <a:ext cx="0" cy="641131"/>
+          </a:xfrm>
+          <a:prstGeom prst="straightConnector1">
+            <a:avLst/>
+          </a:prstGeom>
+          <a:ln>
+            <a:tailEnd type="triangle"/>
+          </a:ln>
+        </p:spPr>
+        <p:style>
+          <a:lnRef idx="3">
+            <a:schemeClr val="accent1"/>
+          </a:lnRef>
+          <a:fillRef idx="0">
+            <a:schemeClr val="accent1"/>
+          </a:fillRef>
+          <a:effectRef idx="2">
+            <a:schemeClr val="accent1"/>
+          </a:effectRef>
+          <a:fontRef idx="minor">
+            <a:schemeClr val="tx1"/>
+          </a:fontRef>
+        </p:style>
+      </p:cxnSp>
+      <p:sp>
+        <p:nvSpPr>
+          <p:cNvPr id="10" name="다이아몬드 9">
+            <a:extLst>
+              <a:ext uri="{FF2B5EF4-FFF2-40B4-BE49-F238E27FC236}">
+                <a16:creationId xmlns:a16="http://schemas.microsoft.com/office/drawing/2014/main" id="{AC38754B-DAF0-7A67-3E0F-3B26DBAD3850}"/>
+              </a:ext>
+            </a:extLst>
+          </p:cNvPr>
+          <p:cNvSpPr/>
+          <p:nvPr/>
+        </p:nvSpPr>
+        <p:spPr>
+          <a:xfrm>
+            <a:off x="2264979" y="2569779"/>
+            <a:ext cx="241738" cy="241738"/>
+          </a:xfrm>
+          <a:prstGeom prst="diamond">
+            <a:avLst/>
+          </a:prstGeom>
+        </p:spPr>
+        <p:style>
+          <a:lnRef idx="2">
+            <a:schemeClr val="accent1">
+              <a:shade val="50000"/>
+            </a:schemeClr>
+          </a:lnRef>
+          <a:fillRef idx="1">
+            <a:schemeClr val="accent1"/>
+          </a:fillRef>
+          <a:effectRef idx="0">
+            <a:schemeClr val="accent1"/>
+          </a:effectRef>
+          <a:fontRef idx="minor">
+            <a:schemeClr val="lt1"/>
+          </a:fontRef>
+        </p:style>
+        <p:txBody>
+          <a:bodyPr rtlCol="0" anchor="ctr"/>
+          <a:lstStyle/>
+          <a:p>
+            <a:pPr algn="ctr"/>
+            <a:endParaRPr kumimoji="1" lang="ko-Kore-KR" altLang="en-US"/>
+          </a:p>
+        </p:txBody>
+      </p:sp>
+      <p:sp>
+        <p:nvSpPr>
+          <p:cNvPr id="11" name="다이아몬드 10">
+            <a:extLst>
+              <a:ext uri="{FF2B5EF4-FFF2-40B4-BE49-F238E27FC236}">
+                <a16:creationId xmlns:a16="http://schemas.microsoft.com/office/drawing/2014/main" id="{3A336CE2-05C8-7ACB-043D-C77C3390C2D8}"/>
+              </a:ext>
+            </a:extLst>
+          </p:cNvPr>
+          <p:cNvSpPr/>
+          <p:nvPr/>
+        </p:nvSpPr>
+        <p:spPr>
+          <a:xfrm>
+            <a:off x="2264979" y="3883573"/>
+            <a:ext cx="241738" cy="241738"/>
+          </a:xfrm>
+          <a:prstGeom prst="diamond">
+            <a:avLst/>
+          </a:prstGeom>
+        </p:spPr>
+        <p:style>
+          <a:lnRef idx="2">
+            <a:schemeClr val="accent1">
+              <a:shade val="50000"/>
+            </a:schemeClr>
+          </a:lnRef>
+          <a:fillRef idx="1">
+            <a:schemeClr val="accent1"/>
+          </a:fillRef>
+          <a:effectRef idx="0">
+            <a:schemeClr val="accent1"/>
+          </a:effectRef>
+          <a:fontRef idx="minor">
+            <a:schemeClr val="lt1"/>
+          </a:fontRef>
+        </p:style>
+        <p:txBody>
+          <a:bodyPr rtlCol="0" anchor="ctr"/>
+          <a:lstStyle/>
+          <a:p>
+            <a:pPr algn="ctr"/>
+            <a:endParaRPr kumimoji="1" lang="ko-Kore-KR" altLang="en-US"/>
+          </a:p>
+        </p:txBody>
+      </p:sp>
     </p:spTree>
     <p:extLst>
       <p:ext uri="{BB962C8B-B14F-4D97-AF65-F5344CB8AC3E}">
@@ -12434,7 +12761,548 @@
           <a:p>
             <a:pPr algn="ctr"/>
             <a:r>
-              <a:rPr kumimoji="1" lang="en-US" altLang="ko-Kore-KR"/>
+              <a:rPr kumimoji="1" lang="en-US" altLang="ko-Kore-KR" dirty="0"/>
+              <a:t>app-client</a:t>
+            </a:r>
+            <a:endParaRPr kumimoji="1" lang="ko-Kore-KR" altLang="en-US" dirty="0"/>
+          </a:p>
+        </p:txBody>
+      </p:sp>
+      <p:sp>
+        <p:nvSpPr>
+          <p:cNvPr id="4" name="TextBox 3">
+            <a:extLst>
+              <a:ext uri="{FF2B5EF4-FFF2-40B4-BE49-F238E27FC236}">
+                <a16:creationId xmlns:a16="http://schemas.microsoft.com/office/drawing/2014/main" id="{EB028D0D-4732-6E93-993A-266FB5AC61D8}"/>
+              </a:ext>
+            </a:extLst>
+          </p:cNvPr>
+          <p:cNvSpPr txBox="1"/>
+          <p:nvPr/>
+        </p:nvSpPr>
+        <p:spPr>
+          <a:xfrm>
+            <a:off x="2291255" y="2785241"/>
+            <a:ext cx="2154621" cy="923330"/>
+          </a:xfrm>
+          <a:prstGeom prst="rect">
+            <a:avLst/>
+          </a:prstGeom>
+        </p:spPr>
+        <p:style>
+          <a:lnRef idx="2">
+            <a:schemeClr val="accent1"/>
+          </a:lnRef>
+          <a:fillRef idx="1">
+            <a:schemeClr val="lt1"/>
+          </a:fillRef>
+          <a:effectRef idx="0">
+            <a:schemeClr val="accent1"/>
+          </a:effectRef>
+          <a:fontRef idx="minor">
+            <a:schemeClr val="dk1"/>
+          </a:fontRef>
+        </p:style>
+        <p:txBody>
+          <a:bodyPr wrap="square" rtlCol="0">
+            <a:spAutoFit/>
+          </a:bodyPr>
+          <a:lstStyle/>
+          <a:p>
+            <a:pPr marL="285750" indent="-285750">
+              <a:buFont typeface="Arial" panose="020B0604020202020204" pitchFamily="34" charset="0"/>
+              <a:buChar char="•"/>
+            </a:pPr>
+            <a:r>
+              <a:rPr kumimoji="1" lang="en-US" altLang="ko-Kore-KR" b="1" dirty="0"/>
+              <a:t>Domain </a:t>
+            </a:r>
+            <a:r>
+              <a:rPr kumimoji="1" lang="ko-KR" altLang="en-US" b="1" dirty="0"/>
+              <a:t>클래스</a:t>
+            </a:r>
+            <a:endParaRPr kumimoji="1" lang="en-US" altLang="ko-KR" b="1" dirty="0"/>
+          </a:p>
+          <a:p>
+            <a:pPr marL="285750" indent="-285750">
+              <a:buFont typeface="Arial" panose="020B0604020202020204" pitchFamily="34" charset="0"/>
+              <a:buChar char="•"/>
+            </a:pPr>
+            <a:r>
+              <a:rPr kumimoji="1" lang="en-US" altLang="ko-Kore-KR" b="1" dirty="0"/>
+              <a:t>Proxy </a:t>
+            </a:r>
+            <a:r>
+              <a:rPr kumimoji="1" lang="ko-KR" altLang="en-US" b="1" dirty="0"/>
+              <a:t>클래스</a:t>
+            </a:r>
+            <a:endParaRPr kumimoji="1" lang="en-US" altLang="ko-KR" b="1" dirty="0"/>
+          </a:p>
+          <a:p>
+            <a:pPr marL="285750" indent="-285750">
+              <a:buFont typeface="Arial" panose="020B0604020202020204" pitchFamily="34" charset="0"/>
+              <a:buChar char="•"/>
+            </a:pPr>
+            <a:r>
+              <a:rPr kumimoji="1" lang="en-US" altLang="ko-Kore-KR" dirty="0"/>
+              <a:t>…</a:t>
+            </a:r>
+          </a:p>
+        </p:txBody>
+      </p:sp>
+      <p:sp>
+        <p:nvSpPr>
+          <p:cNvPr id="5" name="TextBox 4">
+            <a:extLst>
+              <a:ext uri="{FF2B5EF4-FFF2-40B4-BE49-F238E27FC236}">
+                <a16:creationId xmlns:a16="http://schemas.microsoft.com/office/drawing/2014/main" id="{6933BC3F-479D-F375-0FF5-7D934579DC65}"/>
+              </a:ext>
+            </a:extLst>
+          </p:cNvPr>
+          <p:cNvSpPr txBox="1"/>
+          <p:nvPr/>
+        </p:nvSpPr>
+        <p:spPr>
+          <a:xfrm>
+            <a:off x="2086303" y="5218386"/>
+            <a:ext cx="2154621" cy="923330"/>
+          </a:xfrm>
+          <a:prstGeom prst="rect">
+            <a:avLst/>
+          </a:prstGeom>
+        </p:spPr>
+        <p:style>
+          <a:lnRef idx="2">
+            <a:schemeClr val="accent1"/>
+          </a:lnRef>
+          <a:fillRef idx="1">
+            <a:schemeClr val="lt1"/>
+          </a:fillRef>
+          <a:effectRef idx="0">
+            <a:schemeClr val="accent1"/>
+          </a:effectRef>
+          <a:fontRef idx="minor">
+            <a:schemeClr val="dk1"/>
+          </a:fontRef>
+        </p:style>
+        <p:txBody>
+          <a:bodyPr wrap="square" rtlCol="0">
+            <a:spAutoFit/>
+          </a:bodyPr>
+          <a:lstStyle/>
+          <a:p>
+            <a:pPr marL="285750" indent="-285750">
+              <a:buFont typeface="Arial" panose="020B0604020202020204" pitchFamily="34" charset="0"/>
+              <a:buChar char="•"/>
+            </a:pPr>
+            <a:r>
+              <a:rPr kumimoji="1" lang="en-US" altLang="ko-Kore-KR" b="1" dirty="0"/>
+              <a:t>Domain </a:t>
+            </a:r>
+            <a:r>
+              <a:rPr kumimoji="1" lang="ko-KR" altLang="en-US" b="1" dirty="0"/>
+              <a:t>클래스</a:t>
+            </a:r>
+            <a:endParaRPr kumimoji="1" lang="en-US" altLang="ko-KR" b="1" dirty="0"/>
+          </a:p>
+          <a:p>
+            <a:pPr marL="285750" indent="-285750">
+              <a:buFont typeface="Arial" panose="020B0604020202020204" pitchFamily="34" charset="0"/>
+              <a:buChar char="•"/>
+            </a:pPr>
+            <a:r>
+              <a:rPr kumimoji="1" lang="en-US" altLang="ko-Kore-KR" b="1" dirty="0"/>
+              <a:t>Proxy </a:t>
+            </a:r>
+            <a:r>
+              <a:rPr kumimoji="1" lang="ko-KR" altLang="en-US" b="1" dirty="0"/>
+              <a:t>클래스</a:t>
+            </a:r>
+            <a:endParaRPr kumimoji="1" lang="en-US" altLang="ko-KR" b="1" dirty="0"/>
+          </a:p>
+          <a:p>
+            <a:pPr marL="285750" indent="-285750">
+              <a:buFont typeface="Arial" panose="020B0604020202020204" pitchFamily="34" charset="0"/>
+              <a:buChar char="•"/>
+            </a:pPr>
+            <a:r>
+              <a:rPr kumimoji="1" lang="en-US" altLang="ko-Kore-KR" dirty="0"/>
+              <a:t>…</a:t>
+            </a:r>
+            <a:endParaRPr kumimoji="1" lang="ko-Kore-KR" altLang="en-US" dirty="0"/>
+          </a:p>
+        </p:txBody>
+      </p:sp>
+      <p:cxnSp>
+        <p:nvCxnSpPr>
+          <p:cNvPr id="7" name="직선 화살표 연결선 6">
+            <a:extLst>
+              <a:ext uri="{FF2B5EF4-FFF2-40B4-BE49-F238E27FC236}">
+                <a16:creationId xmlns:a16="http://schemas.microsoft.com/office/drawing/2014/main" id="{5F658310-22C9-3606-89DD-1AAFFD93B505}"/>
+              </a:ext>
+            </a:extLst>
+          </p:cNvPr>
+          <p:cNvCxnSpPr>
+            <a:cxnSpLocks/>
+            <a:stCxn id="4" idx="3"/>
+            <a:endCxn id="11" idx="1"/>
+          </p:cNvCxnSpPr>
+          <p:nvPr/>
+        </p:nvCxnSpPr>
+        <p:spPr>
+          <a:xfrm flipV="1">
+            <a:off x="4445876" y="2532993"/>
+            <a:ext cx="4312961" cy="713913"/>
+          </a:xfrm>
+          <a:prstGeom prst="straightConnector1">
+            <a:avLst/>
+          </a:prstGeom>
+          <a:ln>
+            <a:solidFill>
+              <a:srgbClr val="FF00A8"/>
+            </a:solidFill>
+            <a:tailEnd type="triangle"/>
+          </a:ln>
+        </p:spPr>
+        <p:style>
+          <a:lnRef idx="3">
+            <a:schemeClr val="accent1"/>
+          </a:lnRef>
+          <a:fillRef idx="0">
+            <a:schemeClr val="accent1"/>
+          </a:fillRef>
+          <a:effectRef idx="2">
+            <a:schemeClr val="accent1"/>
+          </a:effectRef>
+          <a:fontRef idx="minor">
+            <a:schemeClr val="tx1"/>
+          </a:fontRef>
+        </p:style>
+      </p:cxnSp>
+      <p:cxnSp>
+        <p:nvCxnSpPr>
+          <p:cNvPr id="9" name="직선 화살표 연결선 8">
+            <a:extLst>
+              <a:ext uri="{FF2B5EF4-FFF2-40B4-BE49-F238E27FC236}">
+                <a16:creationId xmlns:a16="http://schemas.microsoft.com/office/drawing/2014/main" id="{F06D76B9-C58F-3737-670B-F2EFBF2A21C6}"/>
+              </a:ext>
+            </a:extLst>
+          </p:cNvPr>
+          <p:cNvCxnSpPr>
+            <a:cxnSpLocks/>
+            <a:stCxn id="5" idx="3"/>
+            <a:endCxn id="11" idx="1"/>
+          </p:cNvCxnSpPr>
+          <p:nvPr/>
+        </p:nvCxnSpPr>
+        <p:spPr>
+          <a:xfrm flipV="1">
+            <a:off x="4240924" y="2532993"/>
+            <a:ext cx="4517913" cy="3147058"/>
+          </a:xfrm>
+          <a:prstGeom prst="straightConnector1">
+            <a:avLst/>
+          </a:prstGeom>
+          <a:ln>
+            <a:solidFill>
+              <a:srgbClr val="FF00A8"/>
+            </a:solidFill>
+            <a:tailEnd type="triangle"/>
+          </a:ln>
+        </p:spPr>
+        <p:style>
+          <a:lnRef idx="3">
+            <a:schemeClr val="accent1"/>
+          </a:lnRef>
+          <a:fillRef idx="0">
+            <a:schemeClr val="accent1"/>
+          </a:fillRef>
+          <a:effectRef idx="2">
+            <a:schemeClr val="accent1"/>
+          </a:effectRef>
+          <a:fontRef idx="minor">
+            <a:schemeClr val="tx1"/>
+          </a:fontRef>
+        </p:style>
+      </p:cxnSp>
+      <p:sp>
+        <p:nvSpPr>
+          <p:cNvPr id="11" name="직사각형 10">
+            <a:extLst>
+              <a:ext uri="{FF2B5EF4-FFF2-40B4-BE49-F238E27FC236}">
+                <a16:creationId xmlns:a16="http://schemas.microsoft.com/office/drawing/2014/main" id="{C533667D-FB11-05B0-9E14-005802012AA7}"/>
+              </a:ext>
+            </a:extLst>
+          </p:cNvPr>
+          <p:cNvSpPr/>
+          <p:nvPr/>
+        </p:nvSpPr>
+        <p:spPr>
+          <a:xfrm>
+            <a:off x="8758837" y="2086303"/>
+            <a:ext cx="1713187" cy="893379"/>
+          </a:xfrm>
+          <a:prstGeom prst="rect">
+            <a:avLst/>
+          </a:prstGeom>
+        </p:spPr>
+        <p:style>
+          <a:lnRef idx="2">
+            <a:schemeClr val="accent1">
+              <a:shade val="50000"/>
+            </a:schemeClr>
+          </a:lnRef>
+          <a:fillRef idx="1">
+            <a:schemeClr val="accent1"/>
+          </a:fillRef>
+          <a:effectRef idx="0">
+            <a:schemeClr val="accent1"/>
+          </a:effectRef>
+          <a:fontRef idx="minor">
+            <a:schemeClr val="lt1"/>
+          </a:fontRef>
+        </p:style>
+        <p:txBody>
+          <a:bodyPr rtlCol="0" anchor="ctr"/>
+          <a:lstStyle/>
+          <a:p>
+            <a:pPr algn="ctr"/>
+            <a:r>
+              <a:rPr kumimoji="1" lang="en-US" altLang="ko-Kore-KR" dirty="0"/>
+              <a:t>app-common</a:t>
+            </a:r>
+            <a:endParaRPr kumimoji="1" lang="ko-Kore-KR" altLang="en-US" dirty="0"/>
+          </a:p>
+        </p:txBody>
+      </p:sp>
+      <p:sp>
+        <p:nvSpPr>
+          <p:cNvPr id="6" name="TextBox 5">
+            <a:extLst>
+              <a:ext uri="{FF2B5EF4-FFF2-40B4-BE49-F238E27FC236}">
+                <a16:creationId xmlns:a16="http://schemas.microsoft.com/office/drawing/2014/main" id="{4226682C-6F6C-A97E-51F0-0A7E172F76AE}"/>
+              </a:ext>
+            </a:extLst>
+          </p:cNvPr>
+          <p:cNvSpPr txBox="1"/>
+          <p:nvPr/>
+        </p:nvSpPr>
+        <p:spPr>
+          <a:xfrm>
+            <a:off x="4821949" y="3180848"/>
+            <a:ext cx="2954940" cy="646331"/>
+          </a:xfrm>
+          <a:prstGeom prst="rect">
+            <a:avLst/>
+          </a:prstGeom>
+          <a:ln>
+            <a:solidFill>
+              <a:srgbClr val="FF00A8"/>
+            </a:solidFill>
+          </a:ln>
+        </p:spPr>
+        <p:style>
+          <a:lnRef idx="2">
+            <a:schemeClr val="accent3"/>
+          </a:lnRef>
+          <a:fillRef idx="1">
+            <a:schemeClr val="lt1"/>
+          </a:fillRef>
+          <a:effectRef idx="0">
+            <a:schemeClr val="accent3"/>
+          </a:effectRef>
+          <a:fontRef idx="minor">
+            <a:schemeClr val="dk1"/>
+          </a:fontRef>
+        </p:style>
+        <p:txBody>
+          <a:bodyPr wrap="square" rtlCol="0">
+            <a:spAutoFit/>
+          </a:bodyPr>
+          <a:lstStyle/>
+          <a:p>
+            <a:pPr algn="ctr"/>
+            <a:r>
+              <a:rPr kumimoji="1" lang="en-US" altLang="ko-Kore-KR" dirty="0"/>
+              <a:t>Server/Client</a:t>
+            </a:r>
+          </a:p>
+          <a:p>
+            <a:pPr algn="ctr"/>
+            <a:r>
+              <a:rPr kumimoji="1" lang="ko-KR" altLang="en-US" dirty="0"/>
+              <a:t>공통코드 분리</a:t>
+            </a:r>
+            <a:endParaRPr kumimoji="1" lang="ko-Kore-KR" altLang="en-US" dirty="0"/>
+          </a:p>
+        </p:txBody>
+      </p:sp>
+      <p:sp>
+        <p:nvSpPr>
+          <p:cNvPr id="12" name="TextBox 11">
+            <a:extLst>
+              <a:ext uri="{FF2B5EF4-FFF2-40B4-BE49-F238E27FC236}">
+                <a16:creationId xmlns:a16="http://schemas.microsoft.com/office/drawing/2014/main" id="{D68AED98-3B2B-A738-CB6F-384633B7A30D}"/>
+              </a:ext>
+            </a:extLst>
+          </p:cNvPr>
+          <p:cNvSpPr txBox="1"/>
+          <p:nvPr/>
+        </p:nvSpPr>
+        <p:spPr>
+          <a:xfrm>
+            <a:off x="8758837" y="3416654"/>
+            <a:ext cx="2154621" cy="646331"/>
+          </a:xfrm>
+          <a:prstGeom prst="rect">
+            <a:avLst/>
+          </a:prstGeom>
+        </p:spPr>
+        <p:style>
+          <a:lnRef idx="2">
+            <a:schemeClr val="accent1"/>
+          </a:lnRef>
+          <a:fillRef idx="1">
+            <a:schemeClr val="lt1"/>
+          </a:fillRef>
+          <a:effectRef idx="0">
+            <a:schemeClr val="accent1"/>
+          </a:effectRef>
+          <a:fontRef idx="minor">
+            <a:schemeClr val="dk1"/>
+          </a:fontRef>
+        </p:style>
+        <p:txBody>
+          <a:bodyPr wrap="square" rtlCol="0">
+            <a:spAutoFit/>
+          </a:bodyPr>
+          <a:lstStyle/>
+          <a:p>
+            <a:pPr marL="285750" indent="-285750">
+              <a:buFont typeface="Arial" panose="020B0604020202020204" pitchFamily="34" charset="0"/>
+              <a:buChar char="•"/>
+            </a:pPr>
+            <a:r>
+              <a:rPr kumimoji="1" lang="en-US" altLang="ko-Kore-KR" b="1" dirty="0"/>
+              <a:t>Domain </a:t>
+            </a:r>
+            <a:r>
+              <a:rPr kumimoji="1" lang="ko-KR" altLang="en-US" b="1" dirty="0"/>
+              <a:t>클래스</a:t>
+            </a:r>
+            <a:endParaRPr kumimoji="1" lang="en-US" altLang="ko-KR" b="1" dirty="0"/>
+          </a:p>
+          <a:p>
+            <a:pPr marL="285750" indent="-285750">
+              <a:buFont typeface="Arial" panose="020B0604020202020204" pitchFamily="34" charset="0"/>
+              <a:buChar char="•"/>
+            </a:pPr>
+            <a:r>
+              <a:rPr kumimoji="1" lang="en-US" altLang="ko-Kore-KR" b="1" dirty="0"/>
+              <a:t>Proxy </a:t>
+            </a:r>
+            <a:r>
+              <a:rPr kumimoji="1" lang="ko-KR" altLang="en-US" b="1" dirty="0"/>
+              <a:t>클래스</a:t>
+            </a:r>
+            <a:endParaRPr kumimoji="1" lang="en-US" altLang="ko-Kore-KR" dirty="0"/>
+          </a:p>
+        </p:txBody>
+      </p:sp>
+      <p:sp>
+        <p:nvSpPr>
+          <p:cNvPr id="21" name="직사각형 20">
+            <a:extLst>
+              <a:ext uri="{FF2B5EF4-FFF2-40B4-BE49-F238E27FC236}">
+                <a16:creationId xmlns:a16="http://schemas.microsoft.com/office/drawing/2014/main" id="{8D5D1C84-8517-17EA-7160-EA5F4EE83865}"/>
+              </a:ext>
+            </a:extLst>
+          </p:cNvPr>
+          <p:cNvSpPr/>
+          <p:nvPr/>
+        </p:nvSpPr>
+        <p:spPr>
+          <a:xfrm>
+            <a:off x="8778322" y="388882"/>
+            <a:ext cx="1713187" cy="893379"/>
+          </a:xfrm>
+          <a:prstGeom prst="rect">
+            <a:avLst/>
+          </a:prstGeom>
+        </p:spPr>
+        <p:style>
+          <a:lnRef idx="2">
+            <a:schemeClr val="accent1">
+              <a:shade val="50000"/>
+            </a:schemeClr>
+          </a:lnRef>
+          <a:fillRef idx="1">
+            <a:schemeClr val="accent1"/>
+          </a:fillRef>
+          <a:effectRef idx="0">
+            <a:schemeClr val="accent1"/>
+          </a:effectRef>
+          <a:fontRef idx="minor">
+            <a:schemeClr val="lt1"/>
+          </a:fontRef>
+        </p:style>
+        <p:txBody>
+          <a:bodyPr rtlCol="0" anchor="ctr"/>
+          <a:lstStyle/>
+          <a:p>
+            <a:pPr algn="ctr"/>
+            <a:r>
+              <a:rPr kumimoji="1" lang="en-US" altLang="ko-Kore-KR" dirty="0"/>
+              <a:t>app-server</a:t>
+            </a:r>
+            <a:endParaRPr kumimoji="1" lang="ko-Kore-KR" altLang="en-US" dirty="0"/>
+          </a:p>
+        </p:txBody>
+      </p:sp>
+      <p:sp>
+        <p:nvSpPr>
+          <p:cNvPr id="22" name="직사각형 21">
+            <a:extLst>
+              <a:ext uri="{FF2B5EF4-FFF2-40B4-BE49-F238E27FC236}">
+                <a16:creationId xmlns:a16="http://schemas.microsoft.com/office/drawing/2014/main" id="{F45E7F2C-6B5A-39DC-B11E-C7D409141399}"/>
+              </a:ext>
+            </a:extLst>
+          </p:cNvPr>
+          <p:cNvSpPr/>
+          <p:nvPr/>
+        </p:nvSpPr>
+        <p:spPr>
+          <a:xfrm>
+            <a:off x="8773453" y="4861034"/>
+            <a:ext cx="1713187" cy="893379"/>
+          </a:xfrm>
+          <a:prstGeom prst="rect">
+            <a:avLst/>
+          </a:prstGeom>
+        </p:spPr>
+        <p:style>
+          <a:lnRef idx="2">
+            <a:schemeClr val="accent1">
+              <a:shade val="50000"/>
+            </a:schemeClr>
+          </a:lnRef>
+          <a:fillRef idx="1">
+            <a:schemeClr val="accent1"/>
+          </a:fillRef>
+          <a:effectRef idx="0">
+            <a:schemeClr val="accent1"/>
+          </a:effectRef>
+          <a:fontRef idx="minor">
+            <a:schemeClr val="lt1"/>
+          </a:fontRef>
+        </p:style>
+        <p:txBody>
+          <a:bodyPr rtlCol="0" anchor="ctr"/>
+          <a:lstStyle/>
+          <a:p>
+            <a:pPr algn="ctr"/>
+            <a:r>
+              <a:rPr kumimoji="1" lang="en-US" altLang="ko-Kore-KR" dirty="0"/>
               <a:t>app-client</a:t>
             </a:r>
             <a:endParaRPr kumimoji="1" lang="ko-Kore-KR" altLang="en-US" dirty="0"/>

--- a/study-note/자바/2022-08-19 내용정리.pptx
+++ b/study-note/자바/2022-08-19 내용정리.pptx
@@ -3982,13 +3982,13 @@
           </p:cNvPr>
           <p:cNvCxnSpPr>
             <a:cxnSpLocks/>
-            <a:stCxn id="3" idx="2"/>
-            <a:endCxn id="4" idx="0"/>
+            <a:stCxn id="4" idx="0"/>
+            <a:endCxn id="3" idx="2"/>
           </p:cNvCxnSpPr>
           <p:nvPr/>
         </p:nvCxnSpPr>
         <p:spPr>
-          <a:xfrm>
+          <a:xfrm flipV="1">
             <a:off x="2385848" y="3904593"/>
             <a:ext cx="0" cy="641131"/>
           </a:xfrm>
@@ -4074,7 +4074,7 @@
         </p:nvSpPr>
         <p:spPr>
           <a:xfrm>
-            <a:off x="2264979" y="3883573"/>
+            <a:off x="2264979" y="4303986"/>
             <a:ext cx="241738" cy="241738"/>
           </a:xfrm>
           <a:prstGeom prst="diamond">
@@ -4136,6 +4136,2358 @@
           <a:chExt cx="0" cy="0"/>
         </a:xfrm>
       </p:grpSpPr>
+      <p:sp>
+        <p:nvSpPr>
+          <p:cNvPr id="2" name="TextBox 1">
+            <a:extLst>
+              <a:ext uri="{FF2B5EF4-FFF2-40B4-BE49-F238E27FC236}">
+                <a16:creationId xmlns:a16="http://schemas.microsoft.com/office/drawing/2014/main" id="{13DB143C-28B1-822C-BA73-9607DD594E9E}"/>
+              </a:ext>
+            </a:extLst>
+          </p:cNvPr>
+          <p:cNvSpPr txBox="1"/>
+          <p:nvPr/>
+        </p:nvSpPr>
+        <p:spPr>
+          <a:xfrm>
+            <a:off x="281759" y="184429"/>
+            <a:ext cx="2988576" cy="369332"/>
+          </a:xfrm>
+          <a:prstGeom prst="rect">
+            <a:avLst/>
+          </a:prstGeom>
+        </p:spPr>
+        <p:style>
+          <a:lnRef idx="2">
+            <a:schemeClr val="dk1"/>
+          </a:lnRef>
+          <a:fillRef idx="1">
+            <a:schemeClr val="lt1"/>
+          </a:fillRef>
+          <a:effectRef idx="0">
+            <a:schemeClr val="dk1"/>
+          </a:effectRef>
+          <a:fontRef idx="minor">
+            <a:schemeClr val="dk1"/>
+          </a:fontRef>
+        </p:style>
+        <p:txBody>
+          <a:bodyPr wrap="square" rtlCol="0">
+            <a:spAutoFit/>
+          </a:bodyPr>
+          <a:lstStyle/>
+          <a:p>
+            <a:r>
+              <a:rPr kumimoji="1" lang="en-US" altLang="ko-Kore-KR" dirty="0"/>
+              <a:t>1.</a:t>
+            </a:r>
+            <a:r>
+              <a:rPr kumimoji="1" lang="ko-KR" altLang="en-US" dirty="0"/>
+              <a:t> </a:t>
+            </a:r>
+            <a:r>
+              <a:rPr kumimoji="1" lang="en-US" altLang="ko-KR" dirty="0"/>
+              <a:t>Stateful</a:t>
+            </a:r>
+            <a:endParaRPr kumimoji="1" lang="ko-Kore-KR" altLang="en-US" dirty="0"/>
+          </a:p>
+        </p:txBody>
+      </p:sp>
+      <p:cxnSp>
+        <p:nvCxnSpPr>
+          <p:cNvPr id="4" name="직선 연결선[R] 3">
+            <a:extLst>
+              <a:ext uri="{FF2B5EF4-FFF2-40B4-BE49-F238E27FC236}">
+                <a16:creationId xmlns:a16="http://schemas.microsoft.com/office/drawing/2014/main" id="{9E26098D-5E36-B5E4-0373-B272C17E8957}"/>
+              </a:ext>
+            </a:extLst>
+          </p:cNvPr>
+          <p:cNvCxnSpPr/>
+          <p:nvPr/>
+        </p:nvCxnSpPr>
+        <p:spPr>
+          <a:xfrm>
+            <a:off x="1114097" y="1135117"/>
+            <a:ext cx="0" cy="5722883"/>
+          </a:xfrm>
+          <a:prstGeom prst="line">
+            <a:avLst/>
+          </a:prstGeom>
+        </p:spPr>
+        <p:style>
+          <a:lnRef idx="3">
+            <a:schemeClr val="accent5"/>
+          </a:lnRef>
+          <a:fillRef idx="0">
+            <a:schemeClr val="accent5"/>
+          </a:fillRef>
+          <a:effectRef idx="2">
+            <a:schemeClr val="accent5"/>
+          </a:effectRef>
+          <a:fontRef idx="minor">
+            <a:schemeClr val="tx1"/>
+          </a:fontRef>
+        </p:style>
+      </p:cxnSp>
+      <p:cxnSp>
+        <p:nvCxnSpPr>
+          <p:cNvPr id="5" name="직선 연결선[R] 4">
+            <a:extLst>
+              <a:ext uri="{FF2B5EF4-FFF2-40B4-BE49-F238E27FC236}">
+                <a16:creationId xmlns:a16="http://schemas.microsoft.com/office/drawing/2014/main" id="{E0D4EB37-6D0B-CD2B-7DAB-FB3D1DA7746A}"/>
+              </a:ext>
+            </a:extLst>
+          </p:cNvPr>
+          <p:cNvCxnSpPr/>
+          <p:nvPr/>
+        </p:nvCxnSpPr>
+        <p:spPr>
+          <a:xfrm>
+            <a:off x="3641835" y="1135117"/>
+            <a:ext cx="0" cy="5722883"/>
+          </a:xfrm>
+          <a:prstGeom prst="line">
+            <a:avLst/>
+          </a:prstGeom>
+        </p:spPr>
+        <p:style>
+          <a:lnRef idx="3">
+            <a:schemeClr val="accent5"/>
+          </a:lnRef>
+          <a:fillRef idx="0">
+            <a:schemeClr val="accent5"/>
+          </a:fillRef>
+          <a:effectRef idx="2">
+            <a:schemeClr val="accent5"/>
+          </a:effectRef>
+          <a:fontRef idx="minor">
+            <a:schemeClr val="tx1"/>
+          </a:fontRef>
+        </p:style>
+      </p:cxnSp>
+      <p:sp>
+        <p:nvSpPr>
+          <p:cNvPr id="7" name="TextBox 6">
+            <a:extLst>
+              <a:ext uri="{FF2B5EF4-FFF2-40B4-BE49-F238E27FC236}">
+                <a16:creationId xmlns:a16="http://schemas.microsoft.com/office/drawing/2014/main" id="{2D8A36FE-6286-15DD-839A-1AD9DC6ADD41}"/>
+              </a:ext>
+            </a:extLst>
+          </p:cNvPr>
+          <p:cNvSpPr txBox="1"/>
+          <p:nvPr/>
+        </p:nvSpPr>
+        <p:spPr>
+          <a:xfrm>
+            <a:off x="738353" y="827340"/>
+            <a:ext cx="751487" cy="307777"/>
+          </a:xfrm>
+          <a:prstGeom prst="rect">
+            <a:avLst/>
+          </a:prstGeom>
+        </p:spPr>
+        <p:style>
+          <a:lnRef idx="2">
+            <a:schemeClr val="accent5"/>
+          </a:lnRef>
+          <a:fillRef idx="1">
+            <a:schemeClr val="lt1"/>
+          </a:fillRef>
+          <a:effectRef idx="0">
+            <a:schemeClr val="accent5"/>
+          </a:effectRef>
+          <a:fontRef idx="minor">
+            <a:schemeClr val="dk1"/>
+          </a:fontRef>
+        </p:style>
+        <p:txBody>
+          <a:bodyPr wrap="square" rtlCol="0">
+            <a:spAutoFit/>
+          </a:bodyPr>
+          <a:lstStyle/>
+          <a:p>
+            <a:pPr algn="ctr"/>
+            <a:r>
+              <a:rPr kumimoji="1" lang="en-US" altLang="ko-Kore-KR" sz="1400" dirty="0"/>
+              <a:t>Client</a:t>
+            </a:r>
+            <a:endParaRPr kumimoji="1" lang="ko-Kore-KR" altLang="en-US" sz="1400" dirty="0"/>
+          </a:p>
+        </p:txBody>
+      </p:sp>
+      <p:sp>
+        <p:nvSpPr>
+          <p:cNvPr id="8" name="TextBox 7">
+            <a:extLst>
+              <a:ext uri="{FF2B5EF4-FFF2-40B4-BE49-F238E27FC236}">
+                <a16:creationId xmlns:a16="http://schemas.microsoft.com/office/drawing/2014/main" id="{620EA538-CCDC-42F4-BA3A-1721440099F1}"/>
+              </a:ext>
+            </a:extLst>
+          </p:cNvPr>
+          <p:cNvSpPr txBox="1"/>
+          <p:nvPr/>
+        </p:nvSpPr>
+        <p:spPr>
+          <a:xfrm>
+            <a:off x="3270335" y="827339"/>
+            <a:ext cx="751487" cy="307777"/>
+          </a:xfrm>
+          <a:prstGeom prst="rect">
+            <a:avLst/>
+          </a:prstGeom>
+        </p:spPr>
+        <p:style>
+          <a:lnRef idx="2">
+            <a:schemeClr val="accent5"/>
+          </a:lnRef>
+          <a:fillRef idx="1">
+            <a:schemeClr val="lt1"/>
+          </a:fillRef>
+          <a:effectRef idx="0">
+            <a:schemeClr val="accent5"/>
+          </a:effectRef>
+          <a:fontRef idx="minor">
+            <a:schemeClr val="dk1"/>
+          </a:fontRef>
+        </p:style>
+        <p:txBody>
+          <a:bodyPr wrap="square" rtlCol="0">
+            <a:spAutoFit/>
+          </a:bodyPr>
+          <a:lstStyle/>
+          <a:p>
+            <a:pPr algn="ctr"/>
+            <a:r>
+              <a:rPr kumimoji="1" lang="en-US" altLang="ko-Kore-KR" sz="1400" dirty="0"/>
+              <a:t>Server</a:t>
+            </a:r>
+            <a:endParaRPr kumimoji="1" lang="ko-Kore-KR" altLang="en-US" sz="1400" dirty="0"/>
+          </a:p>
+        </p:txBody>
+      </p:sp>
+      <p:cxnSp>
+        <p:nvCxnSpPr>
+          <p:cNvPr id="10" name="직선 화살표 연결선 9">
+            <a:extLst>
+              <a:ext uri="{FF2B5EF4-FFF2-40B4-BE49-F238E27FC236}">
+                <a16:creationId xmlns:a16="http://schemas.microsoft.com/office/drawing/2014/main" id="{3B4273EE-971B-B9DC-DED8-99D524D40022}"/>
+              </a:ext>
+            </a:extLst>
+          </p:cNvPr>
+          <p:cNvCxnSpPr/>
+          <p:nvPr/>
+        </p:nvCxnSpPr>
+        <p:spPr>
+          <a:xfrm>
+            <a:off x="1114096" y="1608083"/>
+            <a:ext cx="2527739" cy="0"/>
+          </a:xfrm>
+          <a:prstGeom prst="straightConnector1">
+            <a:avLst/>
+          </a:prstGeom>
+          <a:ln>
+            <a:tailEnd type="triangle"/>
+          </a:ln>
+        </p:spPr>
+        <p:style>
+          <a:lnRef idx="3">
+            <a:schemeClr val="accent6"/>
+          </a:lnRef>
+          <a:fillRef idx="0">
+            <a:schemeClr val="accent6"/>
+          </a:fillRef>
+          <a:effectRef idx="2">
+            <a:schemeClr val="accent6"/>
+          </a:effectRef>
+          <a:fontRef idx="minor">
+            <a:schemeClr val="tx1"/>
+          </a:fontRef>
+        </p:style>
+      </p:cxnSp>
+      <p:cxnSp>
+        <p:nvCxnSpPr>
+          <p:cNvPr id="11" name="직선 화살표 연결선 10">
+            <a:extLst>
+              <a:ext uri="{FF2B5EF4-FFF2-40B4-BE49-F238E27FC236}">
+                <a16:creationId xmlns:a16="http://schemas.microsoft.com/office/drawing/2014/main" id="{F688E08B-B403-6823-BA8E-7422EF58C334}"/>
+              </a:ext>
+            </a:extLst>
+          </p:cNvPr>
+          <p:cNvCxnSpPr/>
+          <p:nvPr/>
+        </p:nvCxnSpPr>
+        <p:spPr>
+          <a:xfrm>
+            <a:off x="1114095" y="2107324"/>
+            <a:ext cx="2527739" cy="0"/>
+          </a:xfrm>
+          <a:prstGeom prst="straightConnector1">
+            <a:avLst/>
+          </a:prstGeom>
+          <a:ln>
+            <a:tailEnd type="triangle"/>
+          </a:ln>
+        </p:spPr>
+        <p:style>
+          <a:lnRef idx="3">
+            <a:schemeClr val="accent6"/>
+          </a:lnRef>
+          <a:fillRef idx="0">
+            <a:schemeClr val="accent6"/>
+          </a:fillRef>
+          <a:effectRef idx="2">
+            <a:schemeClr val="accent6"/>
+          </a:effectRef>
+          <a:fontRef idx="minor">
+            <a:schemeClr val="tx1"/>
+          </a:fontRef>
+        </p:style>
+      </p:cxnSp>
+      <p:cxnSp>
+        <p:nvCxnSpPr>
+          <p:cNvPr id="13" name="직선 화살표 연결선 12">
+            <a:extLst>
+              <a:ext uri="{FF2B5EF4-FFF2-40B4-BE49-F238E27FC236}">
+                <a16:creationId xmlns:a16="http://schemas.microsoft.com/office/drawing/2014/main" id="{87BCD4B3-C818-5463-2130-4857C1754BB8}"/>
+              </a:ext>
+            </a:extLst>
+          </p:cNvPr>
+          <p:cNvCxnSpPr/>
+          <p:nvPr/>
+        </p:nvCxnSpPr>
+        <p:spPr>
+          <a:xfrm flipH="1">
+            <a:off x="1114096" y="2774731"/>
+            <a:ext cx="2527739" cy="0"/>
+          </a:xfrm>
+          <a:prstGeom prst="straightConnector1">
+            <a:avLst/>
+          </a:prstGeom>
+          <a:ln>
+            <a:tailEnd type="triangle"/>
+          </a:ln>
+        </p:spPr>
+        <p:style>
+          <a:lnRef idx="3">
+            <a:schemeClr val="accent2"/>
+          </a:lnRef>
+          <a:fillRef idx="0">
+            <a:schemeClr val="accent2"/>
+          </a:fillRef>
+          <a:effectRef idx="2">
+            <a:schemeClr val="accent2"/>
+          </a:effectRef>
+          <a:fontRef idx="minor">
+            <a:schemeClr val="tx1"/>
+          </a:fontRef>
+        </p:style>
+      </p:cxnSp>
+      <p:cxnSp>
+        <p:nvCxnSpPr>
+          <p:cNvPr id="14" name="직선 화살표 연결선 13">
+            <a:extLst>
+              <a:ext uri="{FF2B5EF4-FFF2-40B4-BE49-F238E27FC236}">
+                <a16:creationId xmlns:a16="http://schemas.microsoft.com/office/drawing/2014/main" id="{90AF5C2C-EF54-EF35-1D80-D5DBF9251F08}"/>
+              </a:ext>
+            </a:extLst>
+          </p:cNvPr>
+          <p:cNvCxnSpPr/>
+          <p:nvPr/>
+        </p:nvCxnSpPr>
+        <p:spPr>
+          <a:xfrm flipH="1">
+            <a:off x="1114095" y="4104290"/>
+            <a:ext cx="2527739" cy="0"/>
+          </a:xfrm>
+          <a:prstGeom prst="straightConnector1">
+            <a:avLst/>
+          </a:prstGeom>
+          <a:ln>
+            <a:tailEnd type="triangle"/>
+          </a:ln>
+        </p:spPr>
+        <p:style>
+          <a:lnRef idx="3">
+            <a:schemeClr val="accent2"/>
+          </a:lnRef>
+          <a:fillRef idx="0">
+            <a:schemeClr val="accent2"/>
+          </a:fillRef>
+          <a:effectRef idx="2">
+            <a:schemeClr val="accent2"/>
+          </a:effectRef>
+          <a:fontRef idx="minor">
+            <a:schemeClr val="tx1"/>
+          </a:fontRef>
+        </p:style>
+      </p:cxnSp>
+      <p:cxnSp>
+        <p:nvCxnSpPr>
+          <p:cNvPr id="15" name="직선 화살표 연결선 14">
+            <a:extLst>
+              <a:ext uri="{FF2B5EF4-FFF2-40B4-BE49-F238E27FC236}">
+                <a16:creationId xmlns:a16="http://schemas.microsoft.com/office/drawing/2014/main" id="{2D4301FA-5AF2-4D37-3661-410C039A68CA}"/>
+              </a:ext>
+            </a:extLst>
+          </p:cNvPr>
+          <p:cNvCxnSpPr/>
+          <p:nvPr/>
+        </p:nvCxnSpPr>
+        <p:spPr>
+          <a:xfrm>
+            <a:off x="1114094" y="3450021"/>
+            <a:ext cx="2527739" cy="0"/>
+          </a:xfrm>
+          <a:prstGeom prst="straightConnector1">
+            <a:avLst/>
+          </a:prstGeom>
+          <a:ln>
+            <a:tailEnd type="triangle"/>
+          </a:ln>
+        </p:spPr>
+        <p:style>
+          <a:lnRef idx="3">
+            <a:schemeClr val="accent6"/>
+          </a:lnRef>
+          <a:fillRef idx="0">
+            <a:schemeClr val="accent6"/>
+          </a:fillRef>
+          <a:effectRef idx="2">
+            <a:schemeClr val="accent6"/>
+          </a:effectRef>
+          <a:fontRef idx="minor">
+            <a:schemeClr val="tx1"/>
+          </a:fontRef>
+        </p:style>
+      </p:cxnSp>
+      <p:cxnSp>
+        <p:nvCxnSpPr>
+          <p:cNvPr id="16" name="직선 화살표 연결선 15">
+            <a:extLst>
+              <a:ext uri="{FF2B5EF4-FFF2-40B4-BE49-F238E27FC236}">
+                <a16:creationId xmlns:a16="http://schemas.microsoft.com/office/drawing/2014/main" id="{77E26F50-42D5-0B3C-5FA4-F9C3BAA6B19B}"/>
+              </a:ext>
+            </a:extLst>
+          </p:cNvPr>
+          <p:cNvCxnSpPr/>
+          <p:nvPr/>
+        </p:nvCxnSpPr>
+        <p:spPr>
+          <a:xfrm>
+            <a:off x="1114093" y="6072352"/>
+            <a:ext cx="2527739" cy="0"/>
+          </a:xfrm>
+          <a:prstGeom prst="straightConnector1">
+            <a:avLst/>
+          </a:prstGeom>
+          <a:ln>
+            <a:tailEnd type="triangle"/>
+          </a:ln>
+        </p:spPr>
+        <p:style>
+          <a:lnRef idx="3">
+            <a:schemeClr val="accent6"/>
+          </a:lnRef>
+          <a:fillRef idx="0">
+            <a:schemeClr val="accent6"/>
+          </a:fillRef>
+          <a:effectRef idx="2">
+            <a:schemeClr val="accent6"/>
+          </a:effectRef>
+          <a:fontRef idx="minor">
+            <a:schemeClr val="tx1"/>
+          </a:fontRef>
+        </p:style>
+      </p:cxnSp>
+      <p:sp>
+        <p:nvSpPr>
+          <p:cNvPr id="17" name="TextBox 16">
+            <a:extLst>
+              <a:ext uri="{FF2B5EF4-FFF2-40B4-BE49-F238E27FC236}">
+                <a16:creationId xmlns:a16="http://schemas.microsoft.com/office/drawing/2014/main" id="{268FACD3-AD9E-7BAF-5D7A-9C07194B6A2C}"/>
+              </a:ext>
+            </a:extLst>
+          </p:cNvPr>
+          <p:cNvSpPr txBox="1"/>
+          <p:nvPr/>
+        </p:nvSpPr>
+        <p:spPr>
+          <a:xfrm>
+            <a:off x="1976757" y="1415548"/>
+            <a:ext cx="751487" cy="276999"/>
+          </a:xfrm>
+          <a:prstGeom prst="rect">
+            <a:avLst/>
+          </a:prstGeom>
+        </p:spPr>
+        <p:style>
+          <a:lnRef idx="2">
+            <a:schemeClr val="accent6"/>
+          </a:lnRef>
+          <a:fillRef idx="1">
+            <a:schemeClr val="lt1"/>
+          </a:fillRef>
+          <a:effectRef idx="0">
+            <a:schemeClr val="accent6"/>
+          </a:effectRef>
+          <a:fontRef idx="minor">
+            <a:schemeClr val="dk1"/>
+          </a:fontRef>
+        </p:style>
+        <p:txBody>
+          <a:bodyPr wrap="square" rtlCol="0">
+            <a:spAutoFit/>
+          </a:bodyPr>
+          <a:lstStyle/>
+          <a:p>
+            <a:pPr algn="ctr"/>
+            <a:r>
+              <a:rPr kumimoji="1" lang="ko-KR" altLang="en-US" sz="1200" dirty="0"/>
+              <a:t>연결</a:t>
+            </a:r>
+            <a:endParaRPr kumimoji="1" lang="ko-Kore-KR" altLang="en-US" sz="1200" dirty="0"/>
+          </a:p>
+        </p:txBody>
+      </p:sp>
+      <p:sp>
+        <p:nvSpPr>
+          <p:cNvPr id="18" name="TextBox 17">
+            <a:extLst>
+              <a:ext uri="{FF2B5EF4-FFF2-40B4-BE49-F238E27FC236}">
+                <a16:creationId xmlns:a16="http://schemas.microsoft.com/office/drawing/2014/main" id="{7058D58A-93F2-7CBE-EA67-4616AF6F5194}"/>
+              </a:ext>
+            </a:extLst>
+          </p:cNvPr>
+          <p:cNvSpPr txBox="1"/>
+          <p:nvPr/>
+        </p:nvSpPr>
+        <p:spPr>
+          <a:xfrm>
+            <a:off x="1977666" y="2623093"/>
+            <a:ext cx="751487" cy="276999"/>
+          </a:xfrm>
+          <a:prstGeom prst="rect">
+            <a:avLst/>
+          </a:prstGeom>
+        </p:spPr>
+        <p:style>
+          <a:lnRef idx="2">
+            <a:schemeClr val="accent2"/>
+          </a:lnRef>
+          <a:fillRef idx="1">
+            <a:schemeClr val="lt1"/>
+          </a:fillRef>
+          <a:effectRef idx="0">
+            <a:schemeClr val="accent2"/>
+          </a:effectRef>
+          <a:fontRef idx="minor">
+            <a:schemeClr val="dk1"/>
+          </a:fontRef>
+        </p:style>
+        <p:txBody>
+          <a:bodyPr wrap="square" rtlCol="0">
+            <a:spAutoFit/>
+          </a:bodyPr>
+          <a:lstStyle/>
+          <a:p>
+            <a:pPr algn="ctr"/>
+            <a:r>
+              <a:rPr kumimoji="1" lang="ko-KR" altLang="en-US" sz="1200" dirty="0"/>
+              <a:t>응답</a:t>
+            </a:r>
+            <a:endParaRPr kumimoji="1" lang="ko-Kore-KR" altLang="en-US" sz="1200" dirty="0"/>
+          </a:p>
+        </p:txBody>
+      </p:sp>
+      <p:sp>
+        <p:nvSpPr>
+          <p:cNvPr id="19" name="TextBox 18">
+            <a:extLst>
+              <a:ext uri="{FF2B5EF4-FFF2-40B4-BE49-F238E27FC236}">
+                <a16:creationId xmlns:a16="http://schemas.microsoft.com/office/drawing/2014/main" id="{E7E4E18D-55D6-8E8B-2BB3-050A75D73113}"/>
+              </a:ext>
+            </a:extLst>
+          </p:cNvPr>
+          <p:cNvSpPr txBox="1"/>
+          <p:nvPr/>
+        </p:nvSpPr>
+        <p:spPr>
+          <a:xfrm>
+            <a:off x="1977667" y="1960942"/>
+            <a:ext cx="751487" cy="276999"/>
+          </a:xfrm>
+          <a:prstGeom prst="rect">
+            <a:avLst/>
+          </a:prstGeom>
+        </p:spPr>
+        <p:style>
+          <a:lnRef idx="2">
+            <a:schemeClr val="accent6"/>
+          </a:lnRef>
+          <a:fillRef idx="1">
+            <a:schemeClr val="lt1"/>
+          </a:fillRef>
+          <a:effectRef idx="0">
+            <a:schemeClr val="accent6"/>
+          </a:effectRef>
+          <a:fontRef idx="minor">
+            <a:schemeClr val="dk1"/>
+          </a:fontRef>
+        </p:style>
+        <p:txBody>
+          <a:bodyPr wrap="square" rtlCol="0">
+            <a:spAutoFit/>
+          </a:bodyPr>
+          <a:lstStyle/>
+          <a:p>
+            <a:pPr algn="ctr"/>
+            <a:r>
+              <a:rPr kumimoji="1" lang="ko-KR" altLang="en-US" sz="1200" dirty="0"/>
+              <a:t>요청</a:t>
+            </a:r>
+            <a:endParaRPr kumimoji="1" lang="ko-Kore-KR" altLang="en-US" sz="1200" dirty="0"/>
+          </a:p>
+        </p:txBody>
+      </p:sp>
+      <p:sp>
+        <p:nvSpPr>
+          <p:cNvPr id="20" name="TextBox 19">
+            <a:extLst>
+              <a:ext uri="{FF2B5EF4-FFF2-40B4-BE49-F238E27FC236}">
+                <a16:creationId xmlns:a16="http://schemas.microsoft.com/office/drawing/2014/main" id="{F53EE0D5-D8CB-376F-61E5-AFFE3EA49BCF}"/>
+              </a:ext>
+            </a:extLst>
+          </p:cNvPr>
+          <p:cNvSpPr txBox="1"/>
+          <p:nvPr/>
+        </p:nvSpPr>
+        <p:spPr>
+          <a:xfrm>
+            <a:off x="1977665" y="3311521"/>
+            <a:ext cx="751487" cy="276999"/>
+          </a:xfrm>
+          <a:prstGeom prst="rect">
+            <a:avLst/>
+          </a:prstGeom>
+        </p:spPr>
+        <p:style>
+          <a:lnRef idx="2">
+            <a:schemeClr val="accent6"/>
+          </a:lnRef>
+          <a:fillRef idx="1">
+            <a:schemeClr val="lt1"/>
+          </a:fillRef>
+          <a:effectRef idx="0">
+            <a:schemeClr val="accent6"/>
+          </a:effectRef>
+          <a:fontRef idx="minor">
+            <a:schemeClr val="dk1"/>
+          </a:fontRef>
+        </p:style>
+        <p:txBody>
+          <a:bodyPr wrap="square" rtlCol="0">
+            <a:spAutoFit/>
+          </a:bodyPr>
+          <a:lstStyle/>
+          <a:p>
+            <a:pPr algn="ctr"/>
+            <a:r>
+              <a:rPr kumimoji="1" lang="ko-KR" altLang="en-US" sz="1200" dirty="0"/>
+              <a:t>요청</a:t>
+            </a:r>
+            <a:endParaRPr kumimoji="1" lang="ko-Kore-KR" altLang="en-US" sz="1200" dirty="0"/>
+          </a:p>
+        </p:txBody>
+      </p:sp>
+      <p:sp>
+        <p:nvSpPr>
+          <p:cNvPr id="21" name="TextBox 20">
+            <a:extLst>
+              <a:ext uri="{FF2B5EF4-FFF2-40B4-BE49-F238E27FC236}">
+                <a16:creationId xmlns:a16="http://schemas.microsoft.com/office/drawing/2014/main" id="{D50EAF65-8685-C23D-586F-F30B671F9ABF}"/>
+              </a:ext>
+            </a:extLst>
+          </p:cNvPr>
+          <p:cNvSpPr txBox="1"/>
+          <p:nvPr/>
+        </p:nvSpPr>
+        <p:spPr>
+          <a:xfrm>
+            <a:off x="1976756" y="4037878"/>
+            <a:ext cx="751487" cy="276999"/>
+          </a:xfrm>
+          <a:prstGeom prst="rect">
+            <a:avLst/>
+          </a:prstGeom>
+        </p:spPr>
+        <p:style>
+          <a:lnRef idx="2">
+            <a:schemeClr val="accent2"/>
+          </a:lnRef>
+          <a:fillRef idx="1">
+            <a:schemeClr val="lt1"/>
+          </a:fillRef>
+          <a:effectRef idx="0">
+            <a:schemeClr val="accent2"/>
+          </a:effectRef>
+          <a:fontRef idx="minor">
+            <a:schemeClr val="dk1"/>
+          </a:fontRef>
+        </p:style>
+        <p:txBody>
+          <a:bodyPr wrap="square" rtlCol="0">
+            <a:spAutoFit/>
+          </a:bodyPr>
+          <a:lstStyle/>
+          <a:p>
+            <a:pPr algn="ctr"/>
+            <a:r>
+              <a:rPr kumimoji="1" lang="ko-KR" altLang="en-US" sz="1200" dirty="0"/>
+              <a:t>응답</a:t>
+            </a:r>
+            <a:endParaRPr kumimoji="1" lang="ko-Kore-KR" altLang="en-US" sz="1200" dirty="0"/>
+          </a:p>
+        </p:txBody>
+      </p:sp>
+      <p:sp>
+        <p:nvSpPr>
+          <p:cNvPr id="22" name="TextBox 21">
+            <a:extLst>
+              <a:ext uri="{FF2B5EF4-FFF2-40B4-BE49-F238E27FC236}">
+                <a16:creationId xmlns:a16="http://schemas.microsoft.com/office/drawing/2014/main" id="{8563C1C7-9E03-4459-2664-F303030B6E8E}"/>
+              </a:ext>
+            </a:extLst>
+          </p:cNvPr>
+          <p:cNvSpPr txBox="1"/>
+          <p:nvPr/>
+        </p:nvSpPr>
+        <p:spPr>
+          <a:xfrm>
+            <a:off x="1976755" y="5933852"/>
+            <a:ext cx="751487" cy="461665"/>
+          </a:xfrm>
+          <a:prstGeom prst="rect">
+            <a:avLst/>
+          </a:prstGeom>
+        </p:spPr>
+        <p:style>
+          <a:lnRef idx="2">
+            <a:schemeClr val="accent6"/>
+          </a:lnRef>
+          <a:fillRef idx="1">
+            <a:schemeClr val="lt1"/>
+          </a:fillRef>
+          <a:effectRef idx="0">
+            <a:schemeClr val="accent6"/>
+          </a:effectRef>
+          <a:fontRef idx="minor">
+            <a:schemeClr val="dk1"/>
+          </a:fontRef>
+        </p:style>
+        <p:txBody>
+          <a:bodyPr wrap="square" rtlCol="0">
+            <a:spAutoFit/>
+          </a:bodyPr>
+          <a:lstStyle/>
+          <a:p>
+            <a:pPr algn="ctr"/>
+            <a:r>
+              <a:rPr kumimoji="1" lang="ko-KR" altLang="en-US" sz="1200" dirty="0"/>
+              <a:t>끊기</a:t>
+            </a:r>
+            <a:endParaRPr kumimoji="1" lang="en-US" altLang="ko-KR" sz="1200" dirty="0"/>
+          </a:p>
+          <a:p>
+            <a:pPr algn="ctr"/>
+            <a:r>
+              <a:rPr kumimoji="1" lang="en-US" altLang="ko-KR" sz="1200" dirty="0"/>
+              <a:t>(exit)</a:t>
+            </a:r>
+            <a:endParaRPr kumimoji="1" lang="ko-Kore-KR" altLang="en-US" sz="1200" dirty="0"/>
+          </a:p>
+        </p:txBody>
+      </p:sp>
+      <p:sp>
+        <p:nvSpPr>
+          <p:cNvPr id="23" name="TextBox 22">
+            <a:extLst>
+              <a:ext uri="{FF2B5EF4-FFF2-40B4-BE49-F238E27FC236}">
+                <a16:creationId xmlns:a16="http://schemas.microsoft.com/office/drawing/2014/main" id="{8C96F71B-37B0-A98B-D3B4-B536B375E979}"/>
+              </a:ext>
+            </a:extLst>
+          </p:cNvPr>
+          <p:cNvSpPr txBox="1"/>
+          <p:nvPr/>
+        </p:nvSpPr>
+        <p:spPr>
+          <a:xfrm>
+            <a:off x="1976755" y="4710727"/>
+            <a:ext cx="751487" cy="738664"/>
+          </a:xfrm>
+          <a:prstGeom prst="rect">
+            <a:avLst/>
+          </a:prstGeom>
+        </p:spPr>
+        <p:style>
+          <a:lnRef idx="2">
+            <a:schemeClr val="accent5"/>
+          </a:lnRef>
+          <a:fillRef idx="1">
+            <a:schemeClr val="lt1"/>
+          </a:fillRef>
+          <a:effectRef idx="0">
+            <a:schemeClr val="accent5"/>
+          </a:effectRef>
+          <a:fontRef idx="minor">
+            <a:schemeClr val="dk1"/>
+          </a:fontRef>
+        </p:style>
+        <p:txBody>
+          <a:bodyPr wrap="square" rtlCol="0">
+            <a:spAutoFit/>
+          </a:bodyPr>
+          <a:lstStyle/>
+          <a:p>
+            <a:pPr algn="ctr"/>
+            <a:r>
+              <a:rPr kumimoji="1" lang="en-US" altLang="ko-KR" sz="1400" dirty="0"/>
+              <a:t>.</a:t>
+            </a:r>
+          </a:p>
+          <a:p>
+            <a:pPr algn="ctr"/>
+            <a:r>
+              <a:rPr kumimoji="1" lang="en-US" altLang="ko-KR" sz="1400" dirty="0"/>
+              <a:t>.</a:t>
+            </a:r>
+          </a:p>
+          <a:p>
+            <a:pPr algn="ctr"/>
+            <a:r>
+              <a:rPr kumimoji="1" lang="en-US" altLang="ko-KR" sz="1400" dirty="0"/>
+              <a:t>.</a:t>
+            </a:r>
+            <a:endParaRPr kumimoji="1" lang="ko-Kore-KR" altLang="en-US" sz="1400" dirty="0"/>
+          </a:p>
+        </p:txBody>
+      </p:sp>
+      <p:sp>
+        <p:nvSpPr>
+          <p:cNvPr id="24" name="TextBox 23">
+            <a:extLst>
+              <a:ext uri="{FF2B5EF4-FFF2-40B4-BE49-F238E27FC236}">
+                <a16:creationId xmlns:a16="http://schemas.microsoft.com/office/drawing/2014/main" id="{17D083AE-96C1-7AB1-7571-1C0772AD8084}"/>
+              </a:ext>
+            </a:extLst>
+          </p:cNvPr>
+          <p:cNvSpPr txBox="1"/>
+          <p:nvPr/>
+        </p:nvSpPr>
+        <p:spPr>
+          <a:xfrm>
+            <a:off x="4221524" y="1483865"/>
+            <a:ext cx="1317430" cy="523220"/>
+          </a:xfrm>
+          <a:prstGeom prst="rect">
+            <a:avLst/>
+          </a:prstGeom>
+        </p:spPr>
+        <p:style>
+          <a:lnRef idx="2">
+            <a:schemeClr val="accent5"/>
+          </a:lnRef>
+          <a:fillRef idx="1">
+            <a:schemeClr val="lt1"/>
+          </a:fillRef>
+          <a:effectRef idx="0">
+            <a:schemeClr val="accent5"/>
+          </a:effectRef>
+          <a:fontRef idx="minor">
+            <a:schemeClr val="dk1"/>
+          </a:fontRef>
+        </p:style>
+        <p:txBody>
+          <a:bodyPr wrap="square" rtlCol="0">
+            <a:spAutoFit/>
+          </a:bodyPr>
+          <a:lstStyle/>
+          <a:p>
+            <a:r>
+              <a:rPr kumimoji="1" lang="ko-KR" altLang="en-US" sz="1400" dirty="0"/>
+              <a:t>일상의 예</a:t>
+            </a:r>
+            <a:r>
+              <a:rPr kumimoji="1" lang="en-US" altLang="ko-KR" sz="1400" dirty="0"/>
+              <a:t>)</a:t>
+            </a:r>
+          </a:p>
+          <a:p>
+            <a:pPr marL="285750" indent="-285750">
+              <a:buFontTx/>
+              <a:buChar char="-"/>
+            </a:pPr>
+            <a:r>
+              <a:rPr kumimoji="1" lang="ko-KR" altLang="en-US" sz="1400" dirty="0"/>
+              <a:t>은행업무</a:t>
+            </a:r>
+            <a:endParaRPr kumimoji="1" lang="en-US" altLang="ko-KR" sz="1400" dirty="0"/>
+          </a:p>
+        </p:txBody>
+      </p:sp>
+      <p:sp>
+        <p:nvSpPr>
+          <p:cNvPr id="25" name="TextBox 24">
+            <a:extLst>
+              <a:ext uri="{FF2B5EF4-FFF2-40B4-BE49-F238E27FC236}">
+                <a16:creationId xmlns:a16="http://schemas.microsoft.com/office/drawing/2014/main" id="{97165990-DB78-1959-F387-B053AC2B81A6}"/>
+              </a:ext>
+            </a:extLst>
+          </p:cNvPr>
+          <p:cNvSpPr txBox="1"/>
+          <p:nvPr/>
+        </p:nvSpPr>
+        <p:spPr>
+          <a:xfrm>
+            <a:off x="6495296" y="184429"/>
+            <a:ext cx="2988576" cy="369332"/>
+          </a:xfrm>
+          <a:prstGeom prst="rect">
+            <a:avLst/>
+          </a:prstGeom>
+        </p:spPr>
+        <p:style>
+          <a:lnRef idx="2">
+            <a:schemeClr val="dk1"/>
+          </a:lnRef>
+          <a:fillRef idx="1">
+            <a:schemeClr val="lt1"/>
+          </a:fillRef>
+          <a:effectRef idx="0">
+            <a:schemeClr val="dk1"/>
+          </a:effectRef>
+          <a:fontRef idx="minor">
+            <a:schemeClr val="dk1"/>
+          </a:fontRef>
+        </p:style>
+        <p:txBody>
+          <a:bodyPr wrap="square" rtlCol="0">
+            <a:spAutoFit/>
+          </a:bodyPr>
+          <a:lstStyle/>
+          <a:p>
+            <a:r>
+              <a:rPr kumimoji="1" lang="en-US" altLang="ko-KR" dirty="0"/>
+              <a:t>2</a:t>
+            </a:r>
+            <a:r>
+              <a:rPr kumimoji="1" lang="en-US" altLang="ko-Kore-KR" dirty="0"/>
+              <a:t>.</a:t>
+            </a:r>
+            <a:r>
+              <a:rPr kumimoji="1" lang="ko-KR" altLang="en-US" dirty="0"/>
+              <a:t> </a:t>
+            </a:r>
+            <a:r>
+              <a:rPr kumimoji="1" lang="en-US" altLang="ko-KR" dirty="0"/>
+              <a:t>Stateless</a:t>
+            </a:r>
+            <a:endParaRPr kumimoji="1" lang="ko-Kore-KR" altLang="en-US" dirty="0"/>
+          </a:p>
+        </p:txBody>
+      </p:sp>
+      <p:cxnSp>
+        <p:nvCxnSpPr>
+          <p:cNvPr id="26" name="직선 연결선[R] 25">
+            <a:extLst>
+              <a:ext uri="{FF2B5EF4-FFF2-40B4-BE49-F238E27FC236}">
+                <a16:creationId xmlns:a16="http://schemas.microsoft.com/office/drawing/2014/main" id="{5A60E29F-BFBB-9CA7-34D8-D19FA6A17C09}"/>
+              </a:ext>
+            </a:extLst>
+          </p:cNvPr>
+          <p:cNvCxnSpPr/>
+          <p:nvPr/>
+        </p:nvCxnSpPr>
+        <p:spPr>
+          <a:xfrm>
+            <a:off x="6521670" y="1135117"/>
+            <a:ext cx="0" cy="5722883"/>
+          </a:xfrm>
+          <a:prstGeom prst="line">
+            <a:avLst/>
+          </a:prstGeom>
+        </p:spPr>
+        <p:style>
+          <a:lnRef idx="3">
+            <a:schemeClr val="accent5"/>
+          </a:lnRef>
+          <a:fillRef idx="0">
+            <a:schemeClr val="accent5"/>
+          </a:fillRef>
+          <a:effectRef idx="2">
+            <a:schemeClr val="accent5"/>
+          </a:effectRef>
+          <a:fontRef idx="minor">
+            <a:schemeClr val="tx1"/>
+          </a:fontRef>
+        </p:style>
+      </p:cxnSp>
+      <p:cxnSp>
+        <p:nvCxnSpPr>
+          <p:cNvPr id="27" name="직선 연결선[R] 26">
+            <a:extLst>
+              <a:ext uri="{FF2B5EF4-FFF2-40B4-BE49-F238E27FC236}">
+                <a16:creationId xmlns:a16="http://schemas.microsoft.com/office/drawing/2014/main" id="{240B6244-0C6F-32B6-6E9D-96977A36261B}"/>
+              </a:ext>
+            </a:extLst>
+          </p:cNvPr>
+          <p:cNvCxnSpPr/>
+          <p:nvPr/>
+        </p:nvCxnSpPr>
+        <p:spPr>
+          <a:xfrm>
+            <a:off x="9049408" y="1135117"/>
+            <a:ext cx="0" cy="5722883"/>
+          </a:xfrm>
+          <a:prstGeom prst="line">
+            <a:avLst/>
+          </a:prstGeom>
+        </p:spPr>
+        <p:style>
+          <a:lnRef idx="3">
+            <a:schemeClr val="accent5"/>
+          </a:lnRef>
+          <a:fillRef idx="0">
+            <a:schemeClr val="accent5"/>
+          </a:fillRef>
+          <a:effectRef idx="2">
+            <a:schemeClr val="accent5"/>
+          </a:effectRef>
+          <a:fontRef idx="minor">
+            <a:schemeClr val="tx1"/>
+          </a:fontRef>
+        </p:style>
+      </p:cxnSp>
+      <p:sp>
+        <p:nvSpPr>
+          <p:cNvPr id="28" name="TextBox 27">
+            <a:extLst>
+              <a:ext uri="{FF2B5EF4-FFF2-40B4-BE49-F238E27FC236}">
+                <a16:creationId xmlns:a16="http://schemas.microsoft.com/office/drawing/2014/main" id="{F51A4041-65B8-BDD4-7879-58DA234B669E}"/>
+              </a:ext>
+            </a:extLst>
+          </p:cNvPr>
+          <p:cNvSpPr txBox="1"/>
+          <p:nvPr/>
+        </p:nvSpPr>
+        <p:spPr>
+          <a:xfrm>
+            <a:off x="6145926" y="827340"/>
+            <a:ext cx="751487" cy="307777"/>
+          </a:xfrm>
+          <a:prstGeom prst="rect">
+            <a:avLst/>
+          </a:prstGeom>
+        </p:spPr>
+        <p:style>
+          <a:lnRef idx="2">
+            <a:schemeClr val="accent5"/>
+          </a:lnRef>
+          <a:fillRef idx="1">
+            <a:schemeClr val="lt1"/>
+          </a:fillRef>
+          <a:effectRef idx="0">
+            <a:schemeClr val="accent5"/>
+          </a:effectRef>
+          <a:fontRef idx="minor">
+            <a:schemeClr val="dk1"/>
+          </a:fontRef>
+        </p:style>
+        <p:txBody>
+          <a:bodyPr wrap="square" rtlCol="0">
+            <a:spAutoFit/>
+          </a:bodyPr>
+          <a:lstStyle/>
+          <a:p>
+            <a:pPr algn="ctr"/>
+            <a:r>
+              <a:rPr kumimoji="1" lang="en-US" altLang="ko-Kore-KR" sz="1400" dirty="0"/>
+              <a:t>Client</a:t>
+            </a:r>
+            <a:endParaRPr kumimoji="1" lang="ko-Kore-KR" altLang="en-US" sz="1400" dirty="0"/>
+          </a:p>
+        </p:txBody>
+      </p:sp>
+      <p:sp>
+        <p:nvSpPr>
+          <p:cNvPr id="29" name="TextBox 28">
+            <a:extLst>
+              <a:ext uri="{FF2B5EF4-FFF2-40B4-BE49-F238E27FC236}">
+                <a16:creationId xmlns:a16="http://schemas.microsoft.com/office/drawing/2014/main" id="{9D5088C2-78DC-45CC-4F89-52ADAB98E51A}"/>
+              </a:ext>
+            </a:extLst>
+          </p:cNvPr>
+          <p:cNvSpPr txBox="1"/>
+          <p:nvPr/>
+        </p:nvSpPr>
+        <p:spPr>
+          <a:xfrm>
+            <a:off x="8677908" y="827339"/>
+            <a:ext cx="751487" cy="307777"/>
+          </a:xfrm>
+          <a:prstGeom prst="rect">
+            <a:avLst/>
+          </a:prstGeom>
+        </p:spPr>
+        <p:style>
+          <a:lnRef idx="2">
+            <a:schemeClr val="accent5"/>
+          </a:lnRef>
+          <a:fillRef idx="1">
+            <a:schemeClr val="lt1"/>
+          </a:fillRef>
+          <a:effectRef idx="0">
+            <a:schemeClr val="accent5"/>
+          </a:effectRef>
+          <a:fontRef idx="minor">
+            <a:schemeClr val="dk1"/>
+          </a:fontRef>
+        </p:style>
+        <p:txBody>
+          <a:bodyPr wrap="square" rtlCol="0">
+            <a:spAutoFit/>
+          </a:bodyPr>
+          <a:lstStyle/>
+          <a:p>
+            <a:pPr algn="ctr"/>
+            <a:r>
+              <a:rPr kumimoji="1" lang="en-US" altLang="ko-Kore-KR" sz="1400" dirty="0"/>
+              <a:t>Server</a:t>
+            </a:r>
+            <a:endParaRPr kumimoji="1" lang="ko-Kore-KR" altLang="en-US" sz="1400" dirty="0"/>
+          </a:p>
+        </p:txBody>
+      </p:sp>
+      <p:cxnSp>
+        <p:nvCxnSpPr>
+          <p:cNvPr id="30" name="직선 화살표 연결선 29">
+            <a:extLst>
+              <a:ext uri="{FF2B5EF4-FFF2-40B4-BE49-F238E27FC236}">
+                <a16:creationId xmlns:a16="http://schemas.microsoft.com/office/drawing/2014/main" id="{C828CE94-1DF3-2E66-6AA8-9ADB69109024}"/>
+              </a:ext>
+            </a:extLst>
+          </p:cNvPr>
+          <p:cNvCxnSpPr/>
+          <p:nvPr/>
+        </p:nvCxnSpPr>
+        <p:spPr>
+          <a:xfrm>
+            <a:off x="6521669" y="1608083"/>
+            <a:ext cx="2527739" cy="0"/>
+          </a:xfrm>
+          <a:prstGeom prst="straightConnector1">
+            <a:avLst/>
+          </a:prstGeom>
+          <a:ln>
+            <a:tailEnd type="triangle"/>
+          </a:ln>
+        </p:spPr>
+        <p:style>
+          <a:lnRef idx="3">
+            <a:schemeClr val="accent6"/>
+          </a:lnRef>
+          <a:fillRef idx="0">
+            <a:schemeClr val="accent6"/>
+          </a:fillRef>
+          <a:effectRef idx="2">
+            <a:schemeClr val="accent6"/>
+          </a:effectRef>
+          <a:fontRef idx="minor">
+            <a:schemeClr val="tx1"/>
+          </a:fontRef>
+        </p:style>
+      </p:cxnSp>
+      <p:cxnSp>
+        <p:nvCxnSpPr>
+          <p:cNvPr id="31" name="직선 화살표 연결선 30">
+            <a:extLst>
+              <a:ext uri="{FF2B5EF4-FFF2-40B4-BE49-F238E27FC236}">
+                <a16:creationId xmlns:a16="http://schemas.microsoft.com/office/drawing/2014/main" id="{0A27CB51-590E-4B69-4729-BF115E69CFB3}"/>
+              </a:ext>
+            </a:extLst>
+          </p:cNvPr>
+          <p:cNvCxnSpPr/>
+          <p:nvPr/>
+        </p:nvCxnSpPr>
+        <p:spPr>
+          <a:xfrm>
+            <a:off x="6521668" y="2107324"/>
+            <a:ext cx="2527739" cy="0"/>
+          </a:xfrm>
+          <a:prstGeom prst="straightConnector1">
+            <a:avLst/>
+          </a:prstGeom>
+          <a:ln>
+            <a:tailEnd type="triangle"/>
+          </a:ln>
+        </p:spPr>
+        <p:style>
+          <a:lnRef idx="3">
+            <a:schemeClr val="accent6"/>
+          </a:lnRef>
+          <a:fillRef idx="0">
+            <a:schemeClr val="accent6"/>
+          </a:fillRef>
+          <a:effectRef idx="2">
+            <a:schemeClr val="accent6"/>
+          </a:effectRef>
+          <a:fontRef idx="minor">
+            <a:schemeClr val="tx1"/>
+          </a:fontRef>
+        </p:style>
+      </p:cxnSp>
+      <p:cxnSp>
+        <p:nvCxnSpPr>
+          <p:cNvPr id="32" name="직선 화살표 연결선 31">
+            <a:extLst>
+              <a:ext uri="{FF2B5EF4-FFF2-40B4-BE49-F238E27FC236}">
+                <a16:creationId xmlns:a16="http://schemas.microsoft.com/office/drawing/2014/main" id="{F5F6DD55-3E50-3AB2-682B-7F86749D92AE}"/>
+              </a:ext>
+            </a:extLst>
+          </p:cNvPr>
+          <p:cNvCxnSpPr/>
+          <p:nvPr/>
+        </p:nvCxnSpPr>
+        <p:spPr>
+          <a:xfrm flipH="1">
+            <a:off x="6519850" y="2662406"/>
+            <a:ext cx="2527739" cy="0"/>
+          </a:xfrm>
+          <a:prstGeom prst="straightConnector1">
+            <a:avLst/>
+          </a:prstGeom>
+          <a:ln>
+            <a:tailEnd type="triangle"/>
+          </a:ln>
+        </p:spPr>
+        <p:style>
+          <a:lnRef idx="3">
+            <a:schemeClr val="accent2"/>
+          </a:lnRef>
+          <a:fillRef idx="0">
+            <a:schemeClr val="accent2"/>
+          </a:fillRef>
+          <a:effectRef idx="2">
+            <a:schemeClr val="accent2"/>
+          </a:effectRef>
+          <a:fontRef idx="minor">
+            <a:schemeClr val="tx1"/>
+          </a:fontRef>
+        </p:style>
+      </p:cxnSp>
+      <p:cxnSp>
+        <p:nvCxnSpPr>
+          <p:cNvPr id="34" name="직선 화살표 연결선 33">
+            <a:extLst>
+              <a:ext uri="{FF2B5EF4-FFF2-40B4-BE49-F238E27FC236}">
+                <a16:creationId xmlns:a16="http://schemas.microsoft.com/office/drawing/2014/main" id="{8CFD0C41-45C2-9E30-8D87-71D105A4D4DB}"/>
+              </a:ext>
+            </a:extLst>
+          </p:cNvPr>
+          <p:cNvCxnSpPr/>
+          <p:nvPr/>
+        </p:nvCxnSpPr>
+        <p:spPr>
+          <a:xfrm>
+            <a:off x="6518940" y="3222082"/>
+            <a:ext cx="2527739" cy="0"/>
+          </a:xfrm>
+          <a:prstGeom prst="straightConnector1">
+            <a:avLst/>
+          </a:prstGeom>
+          <a:ln>
+            <a:tailEnd type="triangle"/>
+          </a:ln>
+        </p:spPr>
+        <p:style>
+          <a:lnRef idx="3">
+            <a:schemeClr val="accent6"/>
+          </a:lnRef>
+          <a:fillRef idx="0">
+            <a:schemeClr val="accent6"/>
+          </a:fillRef>
+          <a:effectRef idx="2">
+            <a:schemeClr val="accent6"/>
+          </a:effectRef>
+          <a:fontRef idx="minor">
+            <a:schemeClr val="tx1"/>
+          </a:fontRef>
+        </p:style>
+      </p:cxnSp>
+      <p:sp>
+        <p:nvSpPr>
+          <p:cNvPr id="36" name="TextBox 35">
+            <a:extLst>
+              <a:ext uri="{FF2B5EF4-FFF2-40B4-BE49-F238E27FC236}">
+                <a16:creationId xmlns:a16="http://schemas.microsoft.com/office/drawing/2014/main" id="{012D7B45-9F19-8882-A431-EE0E9E442439}"/>
+              </a:ext>
+            </a:extLst>
+          </p:cNvPr>
+          <p:cNvSpPr txBox="1"/>
+          <p:nvPr/>
+        </p:nvSpPr>
+        <p:spPr>
+          <a:xfrm>
+            <a:off x="7384330" y="1415548"/>
+            <a:ext cx="751487" cy="276999"/>
+          </a:xfrm>
+          <a:prstGeom prst="rect">
+            <a:avLst/>
+          </a:prstGeom>
+        </p:spPr>
+        <p:style>
+          <a:lnRef idx="2">
+            <a:schemeClr val="accent6"/>
+          </a:lnRef>
+          <a:fillRef idx="1">
+            <a:schemeClr val="lt1"/>
+          </a:fillRef>
+          <a:effectRef idx="0">
+            <a:schemeClr val="accent6"/>
+          </a:effectRef>
+          <a:fontRef idx="minor">
+            <a:schemeClr val="dk1"/>
+          </a:fontRef>
+        </p:style>
+        <p:txBody>
+          <a:bodyPr wrap="square" rtlCol="0">
+            <a:spAutoFit/>
+          </a:bodyPr>
+          <a:lstStyle/>
+          <a:p>
+            <a:pPr algn="ctr"/>
+            <a:r>
+              <a:rPr kumimoji="1" lang="ko-KR" altLang="en-US" sz="1200" dirty="0"/>
+              <a:t>연결</a:t>
+            </a:r>
+            <a:endParaRPr kumimoji="1" lang="ko-Kore-KR" altLang="en-US" sz="1200" dirty="0"/>
+          </a:p>
+        </p:txBody>
+      </p:sp>
+      <p:sp>
+        <p:nvSpPr>
+          <p:cNvPr id="37" name="TextBox 36">
+            <a:extLst>
+              <a:ext uri="{FF2B5EF4-FFF2-40B4-BE49-F238E27FC236}">
+                <a16:creationId xmlns:a16="http://schemas.microsoft.com/office/drawing/2014/main" id="{C2649B4A-887B-019F-6640-4AC57C6703F0}"/>
+              </a:ext>
+            </a:extLst>
+          </p:cNvPr>
+          <p:cNvSpPr txBox="1"/>
+          <p:nvPr/>
+        </p:nvSpPr>
+        <p:spPr>
+          <a:xfrm>
+            <a:off x="7383420" y="2510768"/>
+            <a:ext cx="751487" cy="276999"/>
+          </a:xfrm>
+          <a:prstGeom prst="rect">
+            <a:avLst/>
+          </a:prstGeom>
+        </p:spPr>
+        <p:style>
+          <a:lnRef idx="2">
+            <a:schemeClr val="accent2"/>
+          </a:lnRef>
+          <a:fillRef idx="1">
+            <a:schemeClr val="lt1"/>
+          </a:fillRef>
+          <a:effectRef idx="0">
+            <a:schemeClr val="accent2"/>
+          </a:effectRef>
+          <a:fontRef idx="minor">
+            <a:schemeClr val="dk1"/>
+          </a:fontRef>
+        </p:style>
+        <p:txBody>
+          <a:bodyPr wrap="square" rtlCol="0">
+            <a:spAutoFit/>
+          </a:bodyPr>
+          <a:lstStyle/>
+          <a:p>
+            <a:pPr algn="ctr"/>
+            <a:r>
+              <a:rPr kumimoji="1" lang="ko-KR" altLang="en-US" sz="1200" dirty="0"/>
+              <a:t>응답</a:t>
+            </a:r>
+            <a:endParaRPr kumimoji="1" lang="ko-Kore-KR" altLang="en-US" sz="1200" dirty="0"/>
+          </a:p>
+        </p:txBody>
+      </p:sp>
+      <p:sp>
+        <p:nvSpPr>
+          <p:cNvPr id="38" name="TextBox 37">
+            <a:extLst>
+              <a:ext uri="{FF2B5EF4-FFF2-40B4-BE49-F238E27FC236}">
+                <a16:creationId xmlns:a16="http://schemas.microsoft.com/office/drawing/2014/main" id="{CC5A687B-8055-9E03-4046-7B05F5B21F4A}"/>
+              </a:ext>
+            </a:extLst>
+          </p:cNvPr>
+          <p:cNvSpPr txBox="1"/>
+          <p:nvPr/>
+        </p:nvSpPr>
+        <p:spPr>
+          <a:xfrm>
+            <a:off x="7385240" y="1960942"/>
+            <a:ext cx="751487" cy="276999"/>
+          </a:xfrm>
+          <a:prstGeom prst="rect">
+            <a:avLst/>
+          </a:prstGeom>
+        </p:spPr>
+        <p:style>
+          <a:lnRef idx="2">
+            <a:schemeClr val="accent6"/>
+          </a:lnRef>
+          <a:fillRef idx="1">
+            <a:schemeClr val="lt1"/>
+          </a:fillRef>
+          <a:effectRef idx="0">
+            <a:schemeClr val="accent6"/>
+          </a:effectRef>
+          <a:fontRef idx="minor">
+            <a:schemeClr val="dk1"/>
+          </a:fontRef>
+        </p:style>
+        <p:txBody>
+          <a:bodyPr wrap="square" rtlCol="0">
+            <a:spAutoFit/>
+          </a:bodyPr>
+          <a:lstStyle/>
+          <a:p>
+            <a:pPr algn="ctr"/>
+            <a:r>
+              <a:rPr kumimoji="1" lang="ko-KR" altLang="en-US" sz="1200" dirty="0"/>
+              <a:t>요청</a:t>
+            </a:r>
+            <a:endParaRPr kumimoji="1" lang="ko-Kore-KR" altLang="en-US" sz="1200" dirty="0"/>
+          </a:p>
+        </p:txBody>
+      </p:sp>
+      <p:sp>
+        <p:nvSpPr>
+          <p:cNvPr id="39" name="TextBox 38">
+            <a:extLst>
+              <a:ext uri="{FF2B5EF4-FFF2-40B4-BE49-F238E27FC236}">
+                <a16:creationId xmlns:a16="http://schemas.microsoft.com/office/drawing/2014/main" id="{41736ACE-F93D-B4DB-363E-C4E5835495C6}"/>
+              </a:ext>
+            </a:extLst>
+          </p:cNvPr>
+          <p:cNvSpPr txBox="1"/>
+          <p:nvPr/>
+        </p:nvSpPr>
+        <p:spPr>
+          <a:xfrm>
+            <a:off x="7382511" y="3083582"/>
+            <a:ext cx="751487" cy="276999"/>
+          </a:xfrm>
+          <a:prstGeom prst="rect">
+            <a:avLst/>
+          </a:prstGeom>
+        </p:spPr>
+        <p:style>
+          <a:lnRef idx="2">
+            <a:schemeClr val="accent6"/>
+          </a:lnRef>
+          <a:fillRef idx="1">
+            <a:schemeClr val="lt1"/>
+          </a:fillRef>
+          <a:effectRef idx="0">
+            <a:schemeClr val="accent6"/>
+          </a:effectRef>
+          <a:fontRef idx="minor">
+            <a:schemeClr val="dk1"/>
+          </a:fontRef>
+        </p:style>
+        <p:txBody>
+          <a:bodyPr wrap="square" rtlCol="0">
+            <a:spAutoFit/>
+          </a:bodyPr>
+          <a:lstStyle/>
+          <a:p>
+            <a:pPr algn="ctr"/>
+            <a:r>
+              <a:rPr kumimoji="1" lang="ko-Kore-KR" altLang="en-US" sz="1200" dirty="0"/>
+              <a:t>끊기</a:t>
+            </a:r>
+          </a:p>
+        </p:txBody>
+      </p:sp>
+      <p:sp>
+        <p:nvSpPr>
+          <p:cNvPr id="43" name="TextBox 42">
+            <a:extLst>
+              <a:ext uri="{FF2B5EF4-FFF2-40B4-BE49-F238E27FC236}">
+                <a16:creationId xmlns:a16="http://schemas.microsoft.com/office/drawing/2014/main" id="{DD0C67DC-2AE3-F0EB-0C88-D61429030B45}"/>
+              </a:ext>
+            </a:extLst>
+          </p:cNvPr>
+          <p:cNvSpPr txBox="1"/>
+          <p:nvPr/>
+        </p:nvSpPr>
+        <p:spPr>
+          <a:xfrm>
+            <a:off x="9629096" y="1483865"/>
+            <a:ext cx="2100446" cy="738664"/>
+          </a:xfrm>
+          <a:prstGeom prst="rect">
+            <a:avLst/>
+          </a:prstGeom>
+        </p:spPr>
+        <p:style>
+          <a:lnRef idx="2">
+            <a:schemeClr val="accent5"/>
+          </a:lnRef>
+          <a:fillRef idx="1">
+            <a:schemeClr val="lt1"/>
+          </a:fillRef>
+          <a:effectRef idx="0">
+            <a:schemeClr val="accent5"/>
+          </a:effectRef>
+          <a:fontRef idx="minor">
+            <a:schemeClr val="dk1"/>
+          </a:fontRef>
+        </p:style>
+        <p:txBody>
+          <a:bodyPr wrap="square" rtlCol="0">
+            <a:spAutoFit/>
+          </a:bodyPr>
+          <a:lstStyle/>
+          <a:p>
+            <a:r>
+              <a:rPr kumimoji="1" lang="ko-KR" altLang="en-US" sz="1400" dirty="0"/>
+              <a:t>일상의 예</a:t>
+            </a:r>
+            <a:r>
+              <a:rPr kumimoji="1" lang="en-US" altLang="ko-KR" sz="1400" dirty="0"/>
+              <a:t>)</a:t>
+            </a:r>
+          </a:p>
+          <a:p>
+            <a:pPr marL="285750" indent="-285750">
+              <a:buFontTx/>
+              <a:buChar char="-"/>
+            </a:pPr>
+            <a:r>
+              <a:rPr kumimoji="1" lang="en-US" altLang="ko-KR" sz="1400" dirty="0"/>
+              <a:t>ARS</a:t>
+            </a:r>
+            <a:r>
+              <a:rPr kumimoji="1" lang="ko-KR" altLang="en-US" sz="1400" dirty="0"/>
+              <a:t> 인증</a:t>
+            </a:r>
+            <a:endParaRPr kumimoji="1" lang="en-US" altLang="ko-KR" sz="1400" dirty="0"/>
+          </a:p>
+          <a:p>
+            <a:pPr marL="285750" indent="-285750">
+              <a:buFontTx/>
+              <a:buChar char="-"/>
+            </a:pPr>
+            <a:r>
+              <a:rPr kumimoji="1" lang="en-US" altLang="ko-KR" sz="1400" dirty="0"/>
+              <a:t>114</a:t>
+            </a:r>
+            <a:r>
+              <a:rPr kumimoji="1" lang="ko-KR" altLang="en-US" sz="1400" dirty="0"/>
+              <a:t> 전화번호 안내</a:t>
+            </a:r>
+            <a:endParaRPr kumimoji="1" lang="en-US" altLang="ko-KR" sz="1400" dirty="0"/>
+          </a:p>
+        </p:txBody>
+      </p:sp>
+      <p:cxnSp>
+        <p:nvCxnSpPr>
+          <p:cNvPr id="44" name="직선 화살표 연결선 43">
+            <a:extLst>
+              <a:ext uri="{FF2B5EF4-FFF2-40B4-BE49-F238E27FC236}">
+                <a16:creationId xmlns:a16="http://schemas.microsoft.com/office/drawing/2014/main" id="{EB423A17-11F5-768E-CB6F-D173E52F7B5B}"/>
+              </a:ext>
+            </a:extLst>
+          </p:cNvPr>
+          <p:cNvCxnSpPr/>
+          <p:nvPr/>
+        </p:nvCxnSpPr>
+        <p:spPr>
+          <a:xfrm>
+            <a:off x="6521669" y="3947397"/>
+            <a:ext cx="2527739" cy="0"/>
+          </a:xfrm>
+          <a:prstGeom prst="straightConnector1">
+            <a:avLst/>
+          </a:prstGeom>
+          <a:ln>
+            <a:tailEnd type="triangle"/>
+          </a:ln>
+        </p:spPr>
+        <p:style>
+          <a:lnRef idx="3">
+            <a:schemeClr val="accent6"/>
+          </a:lnRef>
+          <a:fillRef idx="0">
+            <a:schemeClr val="accent6"/>
+          </a:fillRef>
+          <a:effectRef idx="2">
+            <a:schemeClr val="accent6"/>
+          </a:effectRef>
+          <a:fontRef idx="minor">
+            <a:schemeClr val="tx1"/>
+          </a:fontRef>
+        </p:style>
+      </p:cxnSp>
+      <p:cxnSp>
+        <p:nvCxnSpPr>
+          <p:cNvPr id="45" name="직선 화살표 연결선 44">
+            <a:extLst>
+              <a:ext uri="{FF2B5EF4-FFF2-40B4-BE49-F238E27FC236}">
+                <a16:creationId xmlns:a16="http://schemas.microsoft.com/office/drawing/2014/main" id="{DCCB0712-764F-E80E-7BF5-A7E686BE546B}"/>
+              </a:ext>
+            </a:extLst>
+          </p:cNvPr>
+          <p:cNvCxnSpPr/>
+          <p:nvPr/>
+        </p:nvCxnSpPr>
+        <p:spPr>
+          <a:xfrm>
+            <a:off x="6521668" y="4446638"/>
+            <a:ext cx="2527739" cy="0"/>
+          </a:xfrm>
+          <a:prstGeom prst="straightConnector1">
+            <a:avLst/>
+          </a:prstGeom>
+          <a:ln>
+            <a:tailEnd type="triangle"/>
+          </a:ln>
+        </p:spPr>
+        <p:style>
+          <a:lnRef idx="3">
+            <a:schemeClr val="accent6"/>
+          </a:lnRef>
+          <a:fillRef idx="0">
+            <a:schemeClr val="accent6"/>
+          </a:fillRef>
+          <a:effectRef idx="2">
+            <a:schemeClr val="accent6"/>
+          </a:effectRef>
+          <a:fontRef idx="minor">
+            <a:schemeClr val="tx1"/>
+          </a:fontRef>
+        </p:style>
+      </p:cxnSp>
+      <p:cxnSp>
+        <p:nvCxnSpPr>
+          <p:cNvPr id="46" name="직선 화살표 연결선 45">
+            <a:extLst>
+              <a:ext uri="{FF2B5EF4-FFF2-40B4-BE49-F238E27FC236}">
+                <a16:creationId xmlns:a16="http://schemas.microsoft.com/office/drawing/2014/main" id="{45E31BEF-DF62-8190-73B2-40E738EBCB7B}"/>
+              </a:ext>
+            </a:extLst>
+          </p:cNvPr>
+          <p:cNvCxnSpPr/>
+          <p:nvPr/>
+        </p:nvCxnSpPr>
+        <p:spPr>
+          <a:xfrm flipH="1">
+            <a:off x="6519850" y="5001720"/>
+            <a:ext cx="2527739" cy="0"/>
+          </a:xfrm>
+          <a:prstGeom prst="straightConnector1">
+            <a:avLst/>
+          </a:prstGeom>
+          <a:ln>
+            <a:tailEnd type="triangle"/>
+          </a:ln>
+        </p:spPr>
+        <p:style>
+          <a:lnRef idx="3">
+            <a:schemeClr val="accent2"/>
+          </a:lnRef>
+          <a:fillRef idx="0">
+            <a:schemeClr val="accent2"/>
+          </a:fillRef>
+          <a:effectRef idx="2">
+            <a:schemeClr val="accent2"/>
+          </a:effectRef>
+          <a:fontRef idx="minor">
+            <a:schemeClr val="tx1"/>
+          </a:fontRef>
+        </p:style>
+      </p:cxnSp>
+      <p:cxnSp>
+        <p:nvCxnSpPr>
+          <p:cNvPr id="47" name="직선 화살표 연결선 46">
+            <a:extLst>
+              <a:ext uri="{FF2B5EF4-FFF2-40B4-BE49-F238E27FC236}">
+                <a16:creationId xmlns:a16="http://schemas.microsoft.com/office/drawing/2014/main" id="{53B62EA4-31B9-978E-703D-47307AA026B2}"/>
+              </a:ext>
+            </a:extLst>
+          </p:cNvPr>
+          <p:cNvCxnSpPr/>
+          <p:nvPr/>
+        </p:nvCxnSpPr>
+        <p:spPr>
+          <a:xfrm>
+            <a:off x="6518940" y="5561396"/>
+            <a:ext cx="2527739" cy="0"/>
+          </a:xfrm>
+          <a:prstGeom prst="straightConnector1">
+            <a:avLst/>
+          </a:prstGeom>
+          <a:ln>
+            <a:tailEnd type="triangle"/>
+          </a:ln>
+        </p:spPr>
+        <p:style>
+          <a:lnRef idx="3">
+            <a:schemeClr val="accent6"/>
+          </a:lnRef>
+          <a:fillRef idx="0">
+            <a:schemeClr val="accent6"/>
+          </a:fillRef>
+          <a:effectRef idx="2">
+            <a:schemeClr val="accent6"/>
+          </a:effectRef>
+          <a:fontRef idx="minor">
+            <a:schemeClr val="tx1"/>
+          </a:fontRef>
+        </p:style>
+      </p:cxnSp>
+      <p:sp>
+        <p:nvSpPr>
+          <p:cNvPr id="48" name="TextBox 47">
+            <a:extLst>
+              <a:ext uri="{FF2B5EF4-FFF2-40B4-BE49-F238E27FC236}">
+                <a16:creationId xmlns:a16="http://schemas.microsoft.com/office/drawing/2014/main" id="{E88E023A-43D6-948D-9968-4114FDB0AAAC}"/>
+              </a:ext>
+            </a:extLst>
+          </p:cNvPr>
+          <p:cNvSpPr txBox="1"/>
+          <p:nvPr/>
+        </p:nvSpPr>
+        <p:spPr>
+          <a:xfrm>
+            <a:off x="7384330" y="3754862"/>
+            <a:ext cx="751487" cy="276999"/>
+          </a:xfrm>
+          <a:prstGeom prst="rect">
+            <a:avLst/>
+          </a:prstGeom>
+        </p:spPr>
+        <p:style>
+          <a:lnRef idx="2">
+            <a:schemeClr val="accent6"/>
+          </a:lnRef>
+          <a:fillRef idx="1">
+            <a:schemeClr val="lt1"/>
+          </a:fillRef>
+          <a:effectRef idx="0">
+            <a:schemeClr val="accent6"/>
+          </a:effectRef>
+          <a:fontRef idx="minor">
+            <a:schemeClr val="dk1"/>
+          </a:fontRef>
+        </p:style>
+        <p:txBody>
+          <a:bodyPr wrap="square" rtlCol="0">
+            <a:spAutoFit/>
+          </a:bodyPr>
+          <a:lstStyle/>
+          <a:p>
+            <a:pPr algn="ctr"/>
+            <a:r>
+              <a:rPr kumimoji="1" lang="ko-KR" altLang="en-US" sz="1200" dirty="0"/>
+              <a:t>연결</a:t>
+            </a:r>
+            <a:endParaRPr kumimoji="1" lang="ko-Kore-KR" altLang="en-US" sz="1200" dirty="0"/>
+          </a:p>
+        </p:txBody>
+      </p:sp>
+      <p:sp>
+        <p:nvSpPr>
+          <p:cNvPr id="49" name="TextBox 48">
+            <a:extLst>
+              <a:ext uri="{FF2B5EF4-FFF2-40B4-BE49-F238E27FC236}">
+                <a16:creationId xmlns:a16="http://schemas.microsoft.com/office/drawing/2014/main" id="{CA01E6EC-307A-A4C3-3E41-AB39A97A54D0}"/>
+              </a:ext>
+            </a:extLst>
+          </p:cNvPr>
+          <p:cNvSpPr txBox="1"/>
+          <p:nvPr/>
+        </p:nvSpPr>
+        <p:spPr>
+          <a:xfrm>
+            <a:off x="7383420" y="4850082"/>
+            <a:ext cx="751487" cy="276999"/>
+          </a:xfrm>
+          <a:prstGeom prst="rect">
+            <a:avLst/>
+          </a:prstGeom>
+        </p:spPr>
+        <p:style>
+          <a:lnRef idx="2">
+            <a:schemeClr val="accent2"/>
+          </a:lnRef>
+          <a:fillRef idx="1">
+            <a:schemeClr val="lt1"/>
+          </a:fillRef>
+          <a:effectRef idx="0">
+            <a:schemeClr val="accent2"/>
+          </a:effectRef>
+          <a:fontRef idx="minor">
+            <a:schemeClr val="dk1"/>
+          </a:fontRef>
+        </p:style>
+        <p:txBody>
+          <a:bodyPr wrap="square" rtlCol="0">
+            <a:spAutoFit/>
+          </a:bodyPr>
+          <a:lstStyle/>
+          <a:p>
+            <a:pPr algn="ctr"/>
+            <a:r>
+              <a:rPr kumimoji="1" lang="ko-KR" altLang="en-US" sz="1200" dirty="0"/>
+              <a:t>응답</a:t>
+            </a:r>
+            <a:endParaRPr kumimoji="1" lang="ko-Kore-KR" altLang="en-US" sz="1200" dirty="0"/>
+          </a:p>
+        </p:txBody>
+      </p:sp>
+      <p:sp>
+        <p:nvSpPr>
+          <p:cNvPr id="50" name="TextBox 49">
+            <a:extLst>
+              <a:ext uri="{FF2B5EF4-FFF2-40B4-BE49-F238E27FC236}">
+                <a16:creationId xmlns:a16="http://schemas.microsoft.com/office/drawing/2014/main" id="{8622C543-7953-B749-5F3E-128DDFA5A908}"/>
+              </a:ext>
+            </a:extLst>
+          </p:cNvPr>
+          <p:cNvSpPr txBox="1"/>
+          <p:nvPr/>
+        </p:nvSpPr>
+        <p:spPr>
+          <a:xfrm>
+            <a:off x="7385240" y="4300256"/>
+            <a:ext cx="751487" cy="276999"/>
+          </a:xfrm>
+          <a:prstGeom prst="rect">
+            <a:avLst/>
+          </a:prstGeom>
+        </p:spPr>
+        <p:style>
+          <a:lnRef idx="2">
+            <a:schemeClr val="accent6"/>
+          </a:lnRef>
+          <a:fillRef idx="1">
+            <a:schemeClr val="lt1"/>
+          </a:fillRef>
+          <a:effectRef idx="0">
+            <a:schemeClr val="accent6"/>
+          </a:effectRef>
+          <a:fontRef idx="minor">
+            <a:schemeClr val="dk1"/>
+          </a:fontRef>
+        </p:style>
+        <p:txBody>
+          <a:bodyPr wrap="square" rtlCol="0">
+            <a:spAutoFit/>
+          </a:bodyPr>
+          <a:lstStyle/>
+          <a:p>
+            <a:pPr algn="ctr"/>
+            <a:r>
+              <a:rPr kumimoji="1" lang="ko-KR" altLang="en-US" sz="1200" dirty="0"/>
+              <a:t>요청</a:t>
+            </a:r>
+            <a:endParaRPr kumimoji="1" lang="ko-Kore-KR" altLang="en-US" sz="1200" dirty="0"/>
+          </a:p>
+        </p:txBody>
+      </p:sp>
+      <p:sp>
+        <p:nvSpPr>
+          <p:cNvPr id="51" name="TextBox 50">
+            <a:extLst>
+              <a:ext uri="{FF2B5EF4-FFF2-40B4-BE49-F238E27FC236}">
+                <a16:creationId xmlns:a16="http://schemas.microsoft.com/office/drawing/2014/main" id="{9BA387D4-5F11-2718-0E15-643C4210B13F}"/>
+              </a:ext>
+            </a:extLst>
+          </p:cNvPr>
+          <p:cNvSpPr txBox="1"/>
+          <p:nvPr/>
+        </p:nvSpPr>
+        <p:spPr>
+          <a:xfrm>
+            <a:off x="7382511" y="5422896"/>
+            <a:ext cx="751487" cy="276999"/>
+          </a:xfrm>
+          <a:prstGeom prst="rect">
+            <a:avLst/>
+          </a:prstGeom>
+        </p:spPr>
+        <p:style>
+          <a:lnRef idx="2">
+            <a:schemeClr val="accent6"/>
+          </a:lnRef>
+          <a:fillRef idx="1">
+            <a:schemeClr val="lt1"/>
+          </a:fillRef>
+          <a:effectRef idx="0">
+            <a:schemeClr val="accent6"/>
+          </a:effectRef>
+          <a:fontRef idx="minor">
+            <a:schemeClr val="dk1"/>
+          </a:fontRef>
+        </p:style>
+        <p:txBody>
+          <a:bodyPr wrap="square" rtlCol="0">
+            <a:spAutoFit/>
+          </a:bodyPr>
+          <a:lstStyle/>
+          <a:p>
+            <a:pPr algn="ctr"/>
+            <a:r>
+              <a:rPr kumimoji="1" lang="ko-Kore-KR" altLang="en-US" sz="1200" dirty="0"/>
+              <a:t>끊기</a:t>
+            </a:r>
+          </a:p>
+        </p:txBody>
+      </p:sp>
+      <p:cxnSp>
+        <p:nvCxnSpPr>
+          <p:cNvPr id="53" name="직선 연결선[R] 52">
+            <a:extLst>
+              <a:ext uri="{FF2B5EF4-FFF2-40B4-BE49-F238E27FC236}">
+                <a16:creationId xmlns:a16="http://schemas.microsoft.com/office/drawing/2014/main" id="{FD769593-47F3-BE96-D9F9-67FC33ED99F6}"/>
+              </a:ext>
+            </a:extLst>
+          </p:cNvPr>
+          <p:cNvCxnSpPr>
+            <a:cxnSpLocks/>
+          </p:cNvCxnSpPr>
+          <p:nvPr/>
+        </p:nvCxnSpPr>
+        <p:spPr>
+          <a:xfrm>
+            <a:off x="6519848" y="3492887"/>
+            <a:ext cx="2526831" cy="1261"/>
+          </a:xfrm>
+          <a:prstGeom prst="line">
+            <a:avLst/>
+          </a:prstGeom>
+        </p:spPr>
+        <p:style>
+          <a:lnRef idx="3">
+            <a:schemeClr val="accent3"/>
+          </a:lnRef>
+          <a:fillRef idx="0">
+            <a:schemeClr val="accent3"/>
+          </a:fillRef>
+          <a:effectRef idx="2">
+            <a:schemeClr val="accent3"/>
+          </a:effectRef>
+          <a:fontRef idx="minor">
+            <a:schemeClr val="tx1"/>
+          </a:fontRef>
+        </p:style>
+      </p:cxnSp>
+      <p:cxnSp>
+        <p:nvCxnSpPr>
+          <p:cNvPr id="57" name="직선 연결선[R] 56">
+            <a:extLst>
+              <a:ext uri="{FF2B5EF4-FFF2-40B4-BE49-F238E27FC236}">
+                <a16:creationId xmlns:a16="http://schemas.microsoft.com/office/drawing/2014/main" id="{B99129FB-3F24-5D69-EDE6-AD1718FAAAEA}"/>
+              </a:ext>
+            </a:extLst>
+          </p:cNvPr>
+          <p:cNvCxnSpPr>
+            <a:cxnSpLocks/>
+          </p:cNvCxnSpPr>
+          <p:nvPr/>
+        </p:nvCxnSpPr>
+        <p:spPr>
+          <a:xfrm>
+            <a:off x="6526820" y="5829921"/>
+            <a:ext cx="2526831" cy="1261"/>
+          </a:xfrm>
+          <a:prstGeom prst="line">
+            <a:avLst/>
+          </a:prstGeom>
+        </p:spPr>
+        <p:style>
+          <a:lnRef idx="3">
+            <a:schemeClr val="accent3"/>
+          </a:lnRef>
+          <a:fillRef idx="0">
+            <a:schemeClr val="accent3"/>
+          </a:fillRef>
+          <a:effectRef idx="2">
+            <a:schemeClr val="accent3"/>
+          </a:effectRef>
+          <a:fontRef idx="minor">
+            <a:schemeClr val="tx1"/>
+          </a:fontRef>
+        </p:style>
+      </p:cxnSp>
+      <p:sp>
+        <p:nvSpPr>
+          <p:cNvPr id="58" name="TextBox 57">
+            <a:extLst>
+              <a:ext uri="{FF2B5EF4-FFF2-40B4-BE49-F238E27FC236}">
+                <a16:creationId xmlns:a16="http://schemas.microsoft.com/office/drawing/2014/main" id="{9B74D9EE-FC2D-0C88-9C8B-F5A92942E0F8}"/>
+              </a:ext>
+            </a:extLst>
+          </p:cNvPr>
+          <p:cNvSpPr txBox="1"/>
+          <p:nvPr/>
+        </p:nvSpPr>
+        <p:spPr>
+          <a:xfrm>
+            <a:off x="7408431" y="5968419"/>
+            <a:ext cx="751487" cy="738664"/>
+          </a:xfrm>
+          <a:prstGeom prst="rect">
+            <a:avLst/>
+          </a:prstGeom>
+        </p:spPr>
+        <p:style>
+          <a:lnRef idx="2">
+            <a:schemeClr val="accent5"/>
+          </a:lnRef>
+          <a:fillRef idx="1">
+            <a:schemeClr val="lt1"/>
+          </a:fillRef>
+          <a:effectRef idx="0">
+            <a:schemeClr val="accent5"/>
+          </a:effectRef>
+          <a:fontRef idx="minor">
+            <a:schemeClr val="dk1"/>
+          </a:fontRef>
+        </p:style>
+        <p:txBody>
+          <a:bodyPr wrap="square" rtlCol="0">
+            <a:spAutoFit/>
+          </a:bodyPr>
+          <a:lstStyle/>
+          <a:p>
+            <a:pPr algn="ctr"/>
+            <a:r>
+              <a:rPr kumimoji="1" lang="en-US" altLang="ko-KR" sz="1400" dirty="0"/>
+              <a:t>.</a:t>
+            </a:r>
+          </a:p>
+          <a:p>
+            <a:pPr algn="ctr"/>
+            <a:r>
+              <a:rPr kumimoji="1" lang="en-US" altLang="ko-KR" sz="1400" dirty="0"/>
+              <a:t>.</a:t>
+            </a:r>
+          </a:p>
+          <a:p>
+            <a:pPr algn="ctr"/>
+            <a:r>
+              <a:rPr kumimoji="1" lang="en-US" altLang="ko-KR" sz="1400" dirty="0"/>
+              <a:t>.</a:t>
+            </a:r>
+            <a:endParaRPr kumimoji="1" lang="ko-Kore-KR" altLang="en-US" sz="1400" dirty="0"/>
+          </a:p>
+        </p:txBody>
+      </p:sp>
+      <p:cxnSp>
+        <p:nvCxnSpPr>
+          <p:cNvPr id="59" name="직선 연결선[R] 58">
+            <a:extLst>
+              <a:ext uri="{FF2B5EF4-FFF2-40B4-BE49-F238E27FC236}">
+                <a16:creationId xmlns:a16="http://schemas.microsoft.com/office/drawing/2014/main" id="{31F84CB7-0594-1F39-CC7F-E151EB1CB7E9}"/>
+              </a:ext>
+            </a:extLst>
+          </p:cNvPr>
+          <p:cNvCxnSpPr>
+            <a:cxnSpLocks/>
+          </p:cNvCxnSpPr>
+          <p:nvPr/>
+        </p:nvCxnSpPr>
+        <p:spPr>
+          <a:xfrm>
+            <a:off x="1089082" y="6464546"/>
+            <a:ext cx="2526831" cy="1261"/>
+          </a:xfrm>
+          <a:prstGeom prst="line">
+            <a:avLst/>
+          </a:prstGeom>
+        </p:spPr>
+        <p:style>
+          <a:lnRef idx="3">
+            <a:schemeClr val="accent3"/>
+          </a:lnRef>
+          <a:fillRef idx="0">
+            <a:schemeClr val="accent3"/>
+          </a:fillRef>
+          <a:effectRef idx="2">
+            <a:schemeClr val="accent3"/>
+          </a:effectRef>
+          <a:fontRef idx="minor">
+            <a:schemeClr val="tx1"/>
+          </a:fontRef>
+        </p:style>
+      </p:cxnSp>
+      <p:sp>
+        <p:nvSpPr>
+          <p:cNvPr id="60" name="TextBox 59">
+            <a:extLst>
+              <a:ext uri="{FF2B5EF4-FFF2-40B4-BE49-F238E27FC236}">
+                <a16:creationId xmlns:a16="http://schemas.microsoft.com/office/drawing/2014/main" id="{647E67C7-F15B-D9B2-357D-2E9E6BCD81E1}"/>
+              </a:ext>
+            </a:extLst>
+          </p:cNvPr>
+          <p:cNvSpPr txBox="1"/>
+          <p:nvPr/>
+        </p:nvSpPr>
+        <p:spPr>
+          <a:xfrm>
+            <a:off x="3660790" y="184429"/>
+            <a:ext cx="2438897" cy="369332"/>
+          </a:xfrm>
+          <a:prstGeom prst="rect">
+            <a:avLst/>
+          </a:prstGeom>
+          <a:ln>
+            <a:solidFill>
+              <a:srgbClr val="FF00A8"/>
+            </a:solidFill>
+          </a:ln>
+        </p:spPr>
+        <p:style>
+          <a:lnRef idx="2">
+            <a:schemeClr val="accent3"/>
+          </a:lnRef>
+          <a:fillRef idx="1">
+            <a:schemeClr val="lt1"/>
+          </a:fillRef>
+          <a:effectRef idx="0">
+            <a:schemeClr val="accent3"/>
+          </a:effectRef>
+          <a:fontRef idx="minor">
+            <a:schemeClr val="dk1"/>
+          </a:fontRef>
+        </p:style>
+        <p:txBody>
+          <a:bodyPr wrap="square" rtlCol="0">
+            <a:spAutoFit/>
+          </a:bodyPr>
+          <a:lstStyle/>
+          <a:p>
+            <a:pPr algn="ctr"/>
+            <a:r>
+              <a:rPr kumimoji="1" lang="en-US" altLang="ko-Kore-KR" dirty="0"/>
+              <a:t>Connection-Oriented</a:t>
+            </a:r>
+            <a:endParaRPr kumimoji="1" lang="ko-Kore-KR" altLang="en-US" dirty="0"/>
+          </a:p>
+        </p:txBody>
+      </p:sp>
+      <p:cxnSp>
+        <p:nvCxnSpPr>
+          <p:cNvPr id="61" name="직선 화살표 연결선 60">
+            <a:extLst>
+              <a:ext uri="{FF2B5EF4-FFF2-40B4-BE49-F238E27FC236}">
+                <a16:creationId xmlns:a16="http://schemas.microsoft.com/office/drawing/2014/main" id="{C398E670-D2E9-05F9-CE3E-B79C04D71EA0}"/>
+              </a:ext>
+            </a:extLst>
+          </p:cNvPr>
+          <p:cNvCxnSpPr>
+            <a:cxnSpLocks/>
+            <a:stCxn id="60" idx="1"/>
+            <a:endCxn id="2" idx="3"/>
+          </p:cNvCxnSpPr>
+          <p:nvPr/>
+        </p:nvCxnSpPr>
+        <p:spPr>
+          <a:xfrm flipH="1">
+            <a:off x="3270335" y="369095"/>
+            <a:ext cx="390455" cy="0"/>
+          </a:xfrm>
+          <a:prstGeom prst="straightConnector1">
+            <a:avLst/>
+          </a:prstGeom>
+          <a:ln>
+            <a:solidFill>
+              <a:srgbClr val="FF00A8"/>
+            </a:solidFill>
+            <a:tailEnd type="triangle"/>
+          </a:ln>
+        </p:spPr>
+        <p:style>
+          <a:lnRef idx="3">
+            <a:schemeClr val="accent1"/>
+          </a:lnRef>
+          <a:fillRef idx="0">
+            <a:schemeClr val="accent1"/>
+          </a:fillRef>
+          <a:effectRef idx="2">
+            <a:schemeClr val="accent1"/>
+          </a:effectRef>
+          <a:fontRef idx="minor">
+            <a:schemeClr val="tx1"/>
+          </a:fontRef>
+        </p:style>
+      </p:cxnSp>
+      <p:cxnSp>
+        <p:nvCxnSpPr>
+          <p:cNvPr id="64" name="직선 화살표 연결선 63">
+            <a:extLst>
+              <a:ext uri="{FF2B5EF4-FFF2-40B4-BE49-F238E27FC236}">
+                <a16:creationId xmlns:a16="http://schemas.microsoft.com/office/drawing/2014/main" id="{04A2C2D8-1D96-2765-1589-FE8148729826}"/>
+              </a:ext>
+            </a:extLst>
+          </p:cNvPr>
+          <p:cNvCxnSpPr>
+            <a:cxnSpLocks/>
+            <a:stCxn id="60" idx="3"/>
+            <a:endCxn id="25" idx="1"/>
+          </p:cNvCxnSpPr>
+          <p:nvPr/>
+        </p:nvCxnSpPr>
+        <p:spPr>
+          <a:xfrm>
+            <a:off x="6099687" y="369095"/>
+            <a:ext cx="395609" cy="0"/>
+          </a:xfrm>
+          <a:prstGeom prst="straightConnector1">
+            <a:avLst/>
+          </a:prstGeom>
+          <a:ln>
+            <a:solidFill>
+              <a:srgbClr val="FF00A8"/>
+            </a:solidFill>
+            <a:tailEnd type="triangle"/>
+          </a:ln>
+        </p:spPr>
+        <p:style>
+          <a:lnRef idx="3">
+            <a:schemeClr val="accent1"/>
+          </a:lnRef>
+          <a:fillRef idx="0">
+            <a:schemeClr val="accent1"/>
+          </a:fillRef>
+          <a:effectRef idx="2">
+            <a:schemeClr val="accent1"/>
+          </a:effectRef>
+          <a:fontRef idx="minor">
+            <a:schemeClr val="tx1"/>
+          </a:fontRef>
+        </p:style>
+      </p:cxnSp>
+      <p:sp>
+        <p:nvSpPr>
+          <p:cNvPr id="69" name="타원 68">
+            <a:extLst>
+              <a:ext uri="{FF2B5EF4-FFF2-40B4-BE49-F238E27FC236}">
+                <a16:creationId xmlns:a16="http://schemas.microsoft.com/office/drawing/2014/main" id="{27AC6487-987A-0226-A69B-A0CA42419269}"/>
+              </a:ext>
+            </a:extLst>
+          </p:cNvPr>
+          <p:cNvSpPr/>
+          <p:nvPr/>
+        </p:nvSpPr>
+        <p:spPr>
+          <a:xfrm>
+            <a:off x="6361385" y="1259826"/>
+            <a:ext cx="2877204" cy="2211063"/>
+          </a:xfrm>
+          <a:prstGeom prst="ellipse">
+            <a:avLst/>
+          </a:prstGeom>
+          <a:noFill/>
+          <a:ln>
+            <a:solidFill>
+              <a:srgbClr val="FF00A8"/>
+            </a:solidFill>
+          </a:ln>
+        </p:spPr>
+        <p:style>
+          <a:lnRef idx="2">
+            <a:schemeClr val="accent1">
+              <a:shade val="50000"/>
+            </a:schemeClr>
+          </a:lnRef>
+          <a:fillRef idx="1">
+            <a:schemeClr val="accent1"/>
+          </a:fillRef>
+          <a:effectRef idx="0">
+            <a:schemeClr val="accent1"/>
+          </a:effectRef>
+          <a:fontRef idx="minor">
+            <a:schemeClr val="lt1"/>
+          </a:fontRef>
+        </p:style>
+        <p:txBody>
+          <a:bodyPr rtlCol="0" anchor="ctr"/>
+          <a:lstStyle/>
+          <a:p>
+            <a:pPr algn="ctr"/>
+            <a:endParaRPr kumimoji="1" lang="ko-Kore-KR" altLang="en-US"/>
+          </a:p>
+        </p:txBody>
+      </p:sp>
+      <p:sp>
+        <p:nvSpPr>
+          <p:cNvPr id="70" name="타원 69">
+            <a:extLst>
+              <a:ext uri="{FF2B5EF4-FFF2-40B4-BE49-F238E27FC236}">
+                <a16:creationId xmlns:a16="http://schemas.microsoft.com/office/drawing/2014/main" id="{2486CD6D-EB04-A747-865D-73AECBE4AA40}"/>
+              </a:ext>
+            </a:extLst>
+          </p:cNvPr>
+          <p:cNvSpPr/>
+          <p:nvPr/>
+        </p:nvSpPr>
+        <p:spPr>
+          <a:xfrm>
+            <a:off x="6361385" y="3654803"/>
+            <a:ext cx="2877204" cy="2211063"/>
+          </a:xfrm>
+          <a:prstGeom prst="ellipse">
+            <a:avLst/>
+          </a:prstGeom>
+          <a:noFill/>
+          <a:ln>
+            <a:solidFill>
+              <a:srgbClr val="FF00A8"/>
+            </a:solidFill>
+          </a:ln>
+        </p:spPr>
+        <p:style>
+          <a:lnRef idx="2">
+            <a:schemeClr val="accent1">
+              <a:shade val="50000"/>
+            </a:schemeClr>
+          </a:lnRef>
+          <a:fillRef idx="1">
+            <a:schemeClr val="accent1"/>
+          </a:fillRef>
+          <a:effectRef idx="0">
+            <a:schemeClr val="accent1"/>
+          </a:effectRef>
+          <a:fontRef idx="minor">
+            <a:schemeClr val="lt1"/>
+          </a:fontRef>
+        </p:style>
+        <p:txBody>
+          <a:bodyPr rtlCol="0" anchor="ctr"/>
+          <a:lstStyle/>
+          <a:p>
+            <a:pPr algn="ctr"/>
+            <a:endParaRPr kumimoji="1" lang="ko-Kore-KR" altLang="en-US"/>
+          </a:p>
+        </p:txBody>
+      </p:sp>
     </p:spTree>
     <p:extLst>
       <p:ext uri="{BB962C8B-B14F-4D97-AF65-F5344CB8AC3E}">
@@ -13306,6 +15658,240 @@
               <a:t>app-client</a:t>
             </a:r>
             <a:endParaRPr kumimoji="1" lang="ko-Kore-KR" altLang="en-US" dirty="0"/>
+          </a:p>
+        </p:txBody>
+      </p:sp>
+      <p:cxnSp>
+        <p:nvCxnSpPr>
+          <p:cNvPr id="26" name="직선 화살표 연결선 25">
+            <a:extLst>
+              <a:ext uri="{FF2B5EF4-FFF2-40B4-BE49-F238E27FC236}">
+                <a16:creationId xmlns:a16="http://schemas.microsoft.com/office/drawing/2014/main" id="{19DDD635-027D-6E6D-B92B-2077CE4F5369}"/>
+              </a:ext>
+            </a:extLst>
+          </p:cNvPr>
+          <p:cNvCxnSpPr/>
+          <p:nvPr/>
+        </p:nvCxnSpPr>
+        <p:spPr>
+          <a:xfrm>
+            <a:off x="9605689" y="1266496"/>
+            <a:ext cx="0" cy="793531"/>
+          </a:xfrm>
+          <a:prstGeom prst="straightConnector1">
+            <a:avLst/>
+          </a:prstGeom>
+          <a:ln>
+            <a:tailEnd type="triangle"/>
+          </a:ln>
+        </p:spPr>
+        <p:style>
+          <a:lnRef idx="3">
+            <a:schemeClr val="accent1"/>
+          </a:lnRef>
+          <a:fillRef idx="0">
+            <a:schemeClr val="accent1"/>
+          </a:fillRef>
+          <a:effectRef idx="2">
+            <a:schemeClr val="accent1"/>
+          </a:effectRef>
+          <a:fontRef idx="minor">
+            <a:schemeClr val="tx1"/>
+          </a:fontRef>
+        </p:style>
+      </p:cxnSp>
+      <p:cxnSp>
+        <p:nvCxnSpPr>
+          <p:cNvPr id="27" name="직선 화살표 연결선 26">
+            <a:extLst>
+              <a:ext uri="{FF2B5EF4-FFF2-40B4-BE49-F238E27FC236}">
+                <a16:creationId xmlns:a16="http://schemas.microsoft.com/office/drawing/2014/main" id="{7D72165C-8AF1-BF95-89B7-E2EF0D4B7190}"/>
+              </a:ext>
+            </a:extLst>
+          </p:cNvPr>
+          <p:cNvCxnSpPr>
+            <a:cxnSpLocks/>
+          </p:cNvCxnSpPr>
+          <p:nvPr/>
+        </p:nvCxnSpPr>
+        <p:spPr>
+          <a:xfrm flipV="1">
+            <a:off x="9494561" y="4219903"/>
+            <a:ext cx="0" cy="641131"/>
+          </a:xfrm>
+          <a:prstGeom prst="straightConnector1">
+            <a:avLst/>
+          </a:prstGeom>
+          <a:ln>
+            <a:tailEnd type="triangle"/>
+          </a:ln>
+        </p:spPr>
+        <p:style>
+          <a:lnRef idx="3">
+            <a:schemeClr val="accent1"/>
+          </a:lnRef>
+          <a:fillRef idx="0">
+            <a:schemeClr val="accent1"/>
+          </a:fillRef>
+          <a:effectRef idx="2">
+            <a:schemeClr val="accent1"/>
+          </a:effectRef>
+          <a:fontRef idx="minor">
+            <a:schemeClr val="tx1"/>
+          </a:fontRef>
+        </p:style>
+      </p:cxnSp>
+      <p:sp>
+        <p:nvSpPr>
+          <p:cNvPr id="28" name="다이아몬드 27">
+            <a:extLst>
+              <a:ext uri="{FF2B5EF4-FFF2-40B4-BE49-F238E27FC236}">
+                <a16:creationId xmlns:a16="http://schemas.microsoft.com/office/drawing/2014/main" id="{E9E97D94-28AA-9FBD-5413-E0A17DCF2D31}"/>
+              </a:ext>
+            </a:extLst>
+          </p:cNvPr>
+          <p:cNvSpPr/>
+          <p:nvPr/>
+        </p:nvSpPr>
+        <p:spPr>
+          <a:xfrm>
+            <a:off x="9484820" y="1282261"/>
+            <a:ext cx="241738" cy="241738"/>
+          </a:xfrm>
+          <a:prstGeom prst="diamond">
+            <a:avLst/>
+          </a:prstGeom>
+        </p:spPr>
+        <p:style>
+          <a:lnRef idx="2">
+            <a:schemeClr val="accent1">
+              <a:shade val="50000"/>
+            </a:schemeClr>
+          </a:lnRef>
+          <a:fillRef idx="1">
+            <a:schemeClr val="accent1"/>
+          </a:fillRef>
+          <a:effectRef idx="0">
+            <a:schemeClr val="accent1"/>
+          </a:effectRef>
+          <a:fontRef idx="minor">
+            <a:schemeClr val="lt1"/>
+          </a:fontRef>
+        </p:style>
+        <p:txBody>
+          <a:bodyPr rtlCol="0" anchor="ctr"/>
+          <a:lstStyle/>
+          <a:p>
+            <a:pPr algn="ctr"/>
+            <a:endParaRPr kumimoji="1" lang="ko-Kore-KR" altLang="en-US"/>
+          </a:p>
+        </p:txBody>
+      </p:sp>
+      <p:sp>
+        <p:nvSpPr>
+          <p:cNvPr id="29" name="다이아몬드 28">
+            <a:extLst>
+              <a:ext uri="{FF2B5EF4-FFF2-40B4-BE49-F238E27FC236}">
+                <a16:creationId xmlns:a16="http://schemas.microsoft.com/office/drawing/2014/main" id="{81EDA827-C2D6-A370-B01D-3A8E18EC720E}"/>
+              </a:ext>
+            </a:extLst>
+          </p:cNvPr>
+          <p:cNvSpPr/>
+          <p:nvPr/>
+        </p:nvSpPr>
+        <p:spPr>
+          <a:xfrm>
+            <a:off x="9373692" y="4619296"/>
+            <a:ext cx="241738" cy="241738"/>
+          </a:xfrm>
+          <a:prstGeom prst="diamond">
+            <a:avLst/>
+          </a:prstGeom>
+        </p:spPr>
+        <p:style>
+          <a:lnRef idx="2">
+            <a:schemeClr val="accent1">
+              <a:shade val="50000"/>
+            </a:schemeClr>
+          </a:lnRef>
+          <a:fillRef idx="1">
+            <a:schemeClr val="accent1"/>
+          </a:fillRef>
+          <a:effectRef idx="0">
+            <a:schemeClr val="accent1"/>
+          </a:effectRef>
+          <a:fontRef idx="minor">
+            <a:schemeClr val="lt1"/>
+          </a:fontRef>
+        </p:style>
+        <p:txBody>
+          <a:bodyPr rtlCol="0" anchor="ctr"/>
+          <a:lstStyle/>
+          <a:p>
+            <a:pPr algn="ctr"/>
+            <a:endParaRPr kumimoji="1" lang="ko-Kore-KR" altLang="en-US"/>
+          </a:p>
+        </p:txBody>
+      </p:sp>
+      <p:sp>
+        <p:nvSpPr>
+          <p:cNvPr id="30" name="TextBox 29">
+            <a:extLst>
+              <a:ext uri="{FF2B5EF4-FFF2-40B4-BE49-F238E27FC236}">
+                <a16:creationId xmlns:a16="http://schemas.microsoft.com/office/drawing/2014/main" id="{8CC8EAE7-0AE4-F7CC-1160-F6BD00796766}"/>
+              </a:ext>
+            </a:extLst>
+          </p:cNvPr>
+          <p:cNvSpPr txBox="1"/>
+          <p:nvPr/>
+        </p:nvSpPr>
+        <p:spPr>
+          <a:xfrm>
+            <a:off x="6192454" y="1062334"/>
+            <a:ext cx="2154621" cy="923330"/>
+          </a:xfrm>
+          <a:prstGeom prst="rect">
+            <a:avLst/>
+          </a:prstGeom>
+        </p:spPr>
+        <p:style>
+          <a:lnRef idx="2">
+            <a:schemeClr val="dk1"/>
+          </a:lnRef>
+          <a:fillRef idx="1">
+            <a:schemeClr val="lt1"/>
+          </a:fillRef>
+          <a:effectRef idx="0">
+            <a:schemeClr val="dk1"/>
+          </a:effectRef>
+          <a:fontRef idx="minor">
+            <a:schemeClr val="dk1"/>
+          </a:fontRef>
+        </p:style>
+        <p:txBody>
+          <a:bodyPr wrap="square" rtlCol="0">
+            <a:spAutoFit/>
+          </a:bodyPr>
+          <a:lstStyle/>
+          <a:p>
+            <a:r>
+              <a:rPr kumimoji="1" lang="ko-Kore-KR" altLang="en-US" dirty="0"/>
+              <a:t>서버</a:t>
+            </a:r>
+            <a:r>
+              <a:rPr kumimoji="1" lang="ko-KR" altLang="en-US" dirty="0"/>
+              <a:t> 개발자가</a:t>
+            </a:r>
+            <a:endParaRPr kumimoji="1" lang="en-US" altLang="ko-KR" dirty="0"/>
+          </a:p>
+          <a:p>
+            <a:r>
+              <a:rPr kumimoji="1" lang="en-US" altLang="ko-KR" dirty="0"/>
+              <a:t>import</a:t>
+            </a:r>
+          </a:p>
+          <a:p>
+            <a:endParaRPr kumimoji="1" lang="en-US" altLang="ko-Kore-KR" dirty="0"/>
           </a:p>
         </p:txBody>
       </p:sp>

--- a/study-note/자바/2022-08-19 내용정리.pptx
+++ b/study-note/자바/2022-08-19 내용정리.pptx
@@ -5,7 +5,7 @@
     <p:sldMasterId id="2147483648" r:id="rId1"/>
   </p:sldMasterIdLst>
   <p:notesMasterIdLst>
-    <p:notesMasterId r:id="rId14"/>
+    <p:notesMasterId r:id="rId15"/>
   </p:notesMasterIdLst>
   <p:sldIdLst>
     <p:sldId id="256" r:id="rId2"/>
@@ -20,6 +20,7 @@
     <p:sldId id="311" r:id="rId11"/>
     <p:sldId id="312" r:id="rId12"/>
     <p:sldId id="313" r:id="rId13"/>
+    <p:sldId id="314" r:id="rId14"/>
   </p:sldIdLst>
   <p:sldSz cx="12192000" cy="6858000"/>
   <p:notesSz cx="6858000" cy="9144000"/>
@@ -211,7 +212,7 @@
           <a:p>
             <a:fld id="{F526C2EA-361D-406E-8534-6CB21787882E}" type="datetimeFigureOut">
               <a:rPr lang="ko-KR" altLang="en-US" smtClean="0"/>
-              <a:t>2022. 8. 19.</a:t>
+              <a:t>2022. 8. 20.</a:t>
             </a:fld>
             <a:endParaRPr lang="ko-KR" altLang="en-US"/>
           </a:p>
@@ -625,7 +626,7 @@
           <a:p>
             <a:fld id="{E429DD96-549C-4464-A555-B392FBD40474}" type="datetimeFigureOut">
               <a:rPr lang="ko-KR" altLang="en-US" smtClean="0"/>
-              <a:t>2022. 8. 19.</a:t>
+              <a:t>2022. 8. 20.</a:t>
             </a:fld>
             <a:endParaRPr lang="ko-KR" altLang="en-US"/>
           </a:p>
@@ -823,7 +824,7 @@
           <a:p>
             <a:fld id="{E429DD96-549C-4464-A555-B392FBD40474}" type="datetimeFigureOut">
               <a:rPr lang="ko-KR" altLang="en-US" smtClean="0"/>
-              <a:t>2022. 8. 19.</a:t>
+              <a:t>2022. 8. 20.</a:t>
             </a:fld>
             <a:endParaRPr lang="ko-KR" altLang="en-US"/>
           </a:p>
@@ -1031,7 +1032,7 @@
           <a:p>
             <a:fld id="{E429DD96-549C-4464-A555-B392FBD40474}" type="datetimeFigureOut">
               <a:rPr lang="ko-KR" altLang="en-US" smtClean="0"/>
-              <a:t>2022. 8. 19.</a:t>
+              <a:t>2022. 8. 20.</a:t>
             </a:fld>
             <a:endParaRPr lang="ko-KR" altLang="en-US"/>
           </a:p>
@@ -1229,7 +1230,7 @@
           <a:p>
             <a:fld id="{E429DD96-549C-4464-A555-B392FBD40474}" type="datetimeFigureOut">
               <a:rPr lang="ko-KR" altLang="en-US" smtClean="0"/>
-              <a:t>2022. 8. 19.</a:t>
+              <a:t>2022. 8. 20.</a:t>
             </a:fld>
             <a:endParaRPr lang="ko-KR" altLang="en-US"/>
           </a:p>
@@ -1504,7 +1505,7 @@
           <a:p>
             <a:fld id="{E429DD96-549C-4464-A555-B392FBD40474}" type="datetimeFigureOut">
               <a:rPr lang="ko-KR" altLang="en-US" smtClean="0"/>
-              <a:t>2022. 8. 19.</a:t>
+              <a:t>2022. 8. 20.</a:t>
             </a:fld>
             <a:endParaRPr lang="ko-KR" altLang="en-US"/>
           </a:p>
@@ -1769,7 +1770,7 @@
           <a:p>
             <a:fld id="{E429DD96-549C-4464-A555-B392FBD40474}" type="datetimeFigureOut">
               <a:rPr lang="ko-KR" altLang="en-US" smtClean="0"/>
-              <a:t>2022. 8. 19.</a:t>
+              <a:t>2022. 8. 20.</a:t>
             </a:fld>
             <a:endParaRPr lang="ko-KR" altLang="en-US"/>
           </a:p>
@@ -2181,7 +2182,7 @@
           <a:p>
             <a:fld id="{E429DD96-549C-4464-A555-B392FBD40474}" type="datetimeFigureOut">
               <a:rPr lang="ko-KR" altLang="en-US" smtClean="0"/>
-              <a:t>2022. 8. 19.</a:t>
+              <a:t>2022. 8. 20.</a:t>
             </a:fld>
             <a:endParaRPr lang="ko-KR" altLang="en-US"/>
           </a:p>
@@ -2322,7 +2323,7 @@
           <a:p>
             <a:fld id="{E429DD96-549C-4464-A555-B392FBD40474}" type="datetimeFigureOut">
               <a:rPr lang="ko-KR" altLang="en-US" smtClean="0"/>
-              <a:t>2022. 8. 19.</a:t>
+              <a:t>2022. 8. 20.</a:t>
             </a:fld>
             <a:endParaRPr lang="ko-KR" altLang="en-US"/>
           </a:p>
@@ -2435,7 +2436,7 @@
           <a:p>
             <a:fld id="{E429DD96-549C-4464-A555-B392FBD40474}" type="datetimeFigureOut">
               <a:rPr lang="ko-KR" altLang="en-US" smtClean="0"/>
-              <a:t>2022. 8. 19.</a:t>
+              <a:t>2022. 8. 20.</a:t>
             </a:fld>
             <a:endParaRPr lang="ko-KR" altLang="en-US"/>
           </a:p>
@@ -2746,7 +2747,7 @@
           <a:p>
             <a:fld id="{E429DD96-549C-4464-A555-B392FBD40474}" type="datetimeFigureOut">
               <a:rPr lang="ko-KR" altLang="en-US" smtClean="0"/>
-              <a:t>2022. 8. 19.</a:t>
+              <a:t>2022. 8. 20.</a:t>
             </a:fld>
             <a:endParaRPr lang="ko-KR" altLang="en-US"/>
           </a:p>
@@ -3034,7 +3035,7 @@
           <a:p>
             <a:fld id="{E429DD96-549C-4464-A555-B392FBD40474}" type="datetimeFigureOut">
               <a:rPr lang="ko-KR" altLang="en-US" smtClean="0"/>
-              <a:t>2022. 8. 19.</a:t>
+              <a:t>2022. 8. 20.</a:t>
             </a:fld>
             <a:endParaRPr lang="ko-KR" altLang="en-US"/>
           </a:p>
@@ -3275,7 +3276,7 @@
           <a:p>
             <a:fld id="{E429DD96-549C-4464-A555-B392FBD40474}" type="datetimeFigureOut">
               <a:rPr lang="ko-KR" altLang="en-US" smtClean="0"/>
-              <a:t>2022. 8. 19.</a:t>
+              <a:t>2022. 8. 20.</a:t>
             </a:fld>
             <a:endParaRPr lang="ko-KR" altLang="en-US"/>
           </a:p>
@@ -6518,10 +6519,5886 @@
           <a:chExt cx="0" cy="0"/>
         </a:xfrm>
       </p:grpSpPr>
+      <p:sp>
+        <p:nvSpPr>
+          <p:cNvPr id="4" name="직사각형 3">
+            <a:extLst>
+              <a:ext uri="{FF2B5EF4-FFF2-40B4-BE49-F238E27FC236}">
+                <a16:creationId xmlns:a16="http://schemas.microsoft.com/office/drawing/2014/main" id="{4DBDA5DC-AD76-A1B8-6E8A-889B31C733EA}"/>
+              </a:ext>
+            </a:extLst>
+          </p:cNvPr>
+          <p:cNvSpPr/>
+          <p:nvPr/>
+        </p:nvSpPr>
+        <p:spPr>
+          <a:xfrm>
+            <a:off x="7462345" y="48653"/>
+            <a:ext cx="1326593" cy="373039"/>
+          </a:xfrm>
+          <a:prstGeom prst="rect">
+            <a:avLst/>
+          </a:prstGeom>
+        </p:spPr>
+        <p:style>
+          <a:lnRef idx="2">
+            <a:schemeClr val="dk1"/>
+          </a:lnRef>
+          <a:fillRef idx="1">
+            <a:schemeClr val="lt1"/>
+          </a:fillRef>
+          <a:effectRef idx="0">
+            <a:schemeClr val="dk1"/>
+          </a:effectRef>
+          <a:fontRef idx="minor">
+            <a:schemeClr val="dk1"/>
+          </a:fontRef>
+        </p:style>
+        <p:txBody>
+          <a:bodyPr rtlCol="0" anchor="ctr"/>
+          <a:lstStyle/>
+          <a:p>
+            <a:pPr algn="ctr"/>
+            <a:r>
+              <a:rPr kumimoji="1" lang="en-US" altLang="ko-Kore-KR" sz="1200" dirty="0" err="1"/>
+              <a:t>BoardHandler</a:t>
+            </a:r>
+            <a:endParaRPr kumimoji="1" lang="en-US" altLang="ko-Kore-KR" sz="1200" dirty="0"/>
+          </a:p>
+          <a:p>
+            <a:pPr algn="ctr"/>
+            <a:r>
+              <a:rPr kumimoji="1" lang="en-US" altLang="ko-Kore-KR" sz="1200" dirty="0"/>
+              <a:t>class</a:t>
+            </a:r>
+            <a:endParaRPr kumimoji="1" lang="ko-Kore-KR" altLang="en-US" sz="1200" dirty="0"/>
+          </a:p>
+        </p:txBody>
+      </p:sp>
+      <p:sp>
+        <p:nvSpPr>
+          <p:cNvPr id="6" name="TextBox 5">
+            <a:extLst>
+              <a:ext uri="{FF2B5EF4-FFF2-40B4-BE49-F238E27FC236}">
+                <a16:creationId xmlns:a16="http://schemas.microsoft.com/office/drawing/2014/main" id="{AB1A9EC0-B9C9-2648-AE13-B49180868738}"/>
+              </a:ext>
+            </a:extLst>
+          </p:cNvPr>
+          <p:cNvSpPr txBox="1"/>
+          <p:nvPr/>
+        </p:nvSpPr>
+        <p:spPr>
+          <a:xfrm>
+            <a:off x="134814" y="320878"/>
+            <a:ext cx="2385648" cy="646331"/>
+          </a:xfrm>
+          <a:prstGeom prst="rect">
+            <a:avLst/>
+          </a:prstGeom>
+        </p:spPr>
+        <p:style>
+          <a:lnRef idx="3">
+            <a:schemeClr val="lt1"/>
+          </a:lnRef>
+          <a:fillRef idx="1">
+            <a:schemeClr val="dk1"/>
+          </a:fillRef>
+          <a:effectRef idx="1">
+            <a:schemeClr val="dk1"/>
+          </a:effectRef>
+          <a:fontRef idx="minor">
+            <a:schemeClr val="lt1"/>
+          </a:fontRef>
+        </p:style>
+        <p:txBody>
+          <a:bodyPr wrap="square" rtlCol="0">
+            <a:spAutoFit/>
+          </a:bodyPr>
+          <a:lstStyle/>
+          <a:p>
+            <a:r>
+              <a:rPr kumimoji="1" lang="en-US" altLang="ko-Kore-KR" dirty="0"/>
+              <a:t>board-app-client</a:t>
+            </a:r>
+          </a:p>
+          <a:p>
+            <a:r>
+              <a:rPr kumimoji="1" lang="en-US" altLang="ko-Kore-KR" dirty="0"/>
+              <a:t>pkg</a:t>
+            </a:r>
+            <a:endParaRPr kumimoji="1" lang="ko-Kore-KR" altLang="en-US" dirty="0"/>
+          </a:p>
+        </p:txBody>
+      </p:sp>
+      <p:sp>
+        <p:nvSpPr>
+          <p:cNvPr id="13" name="직사각형 12">
+            <a:extLst>
+              <a:ext uri="{FF2B5EF4-FFF2-40B4-BE49-F238E27FC236}">
+                <a16:creationId xmlns:a16="http://schemas.microsoft.com/office/drawing/2014/main" id="{07323788-333B-2EBB-6A2E-A6D143CAD3E1}"/>
+              </a:ext>
+            </a:extLst>
+          </p:cNvPr>
+          <p:cNvSpPr/>
+          <p:nvPr/>
+        </p:nvSpPr>
+        <p:spPr>
+          <a:xfrm>
+            <a:off x="2772744" y="20897"/>
+            <a:ext cx="935849" cy="468519"/>
+          </a:xfrm>
+          <a:prstGeom prst="rect">
+            <a:avLst/>
+          </a:prstGeom>
+        </p:spPr>
+        <p:style>
+          <a:lnRef idx="3">
+            <a:schemeClr val="lt1"/>
+          </a:lnRef>
+          <a:fillRef idx="1">
+            <a:schemeClr val="dk1"/>
+          </a:fillRef>
+          <a:effectRef idx="1">
+            <a:schemeClr val="dk1"/>
+          </a:effectRef>
+          <a:fontRef idx="minor">
+            <a:schemeClr val="lt1"/>
+          </a:fontRef>
+        </p:style>
+        <p:txBody>
+          <a:bodyPr rtlCol="0" anchor="ctr"/>
+          <a:lstStyle/>
+          <a:p>
+            <a:pPr algn="ctr"/>
+            <a:r>
+              <a:rPr kumimoji="1" lang="en-US" altLang="ko-Kore-KR" sz="1600" dirty="0"/>
+              <a:t>board</a:t>
+            </a:r>
+          </a:p>
+          <a:p>
+            <a:pPr algn="ctr"/>
+            <a:r>
+              <a:rPr kumimoji="1" lang="en-US" altLang="ko-Kore-KR" sz="1600" dirty="0"/>
+              <a:t>pkg</a:t>
+            </a:r>
+            <a:endParaRPr kumimoji="1" lang="ko-Kore-KR" altLang="en-US" sz="1600" dirty="0"/>
+          </a:p>
+        </p:txBody>
+      </p:sp>
+      <p:sp>
+        <p:nvSpPr>
+          <p:cNvPr id="14" name="직사각형 13">
+            <a:extLst>
+              <a:ext uri="{FF2B5EF4-FFF2-40B4-BE49-F238E27FC236}">
+                <a16:creationId xmlns:a16="http://schemas.microsoft.com/office/drawing/2014/main" id="{B3FCF8A5-C50B-CB47-9642-94FD39DB1B2B}"/>
+              </a:ext>
+            </a:extLst>
+          </p:cNvPr>
+          <p:cNvSpPr/>
+          <p:nvPr/>
+        </p:nvSpPr>
+        <p:spPr>
+          <a:xfrm>
+            <a:off x="2874512" y="1096028"/>
+            <a:ext cx="935849" cy="468519"/>
+          </a:xfrm>
+          <a:prstGeom prst="rect">
+            <a:avLst/>
+          </a:prstGeom>
+        </p:spPr>
+        <p:style>
+          <a:lnRef idx="3">
+            <a:schemeClr val="lt1"/>
+          </a:lnRef>
+          <a:fillRef idx="1">
+            <a:schemeClr val="dk1"/>
+          </a:fillRef>
+          <a:effectRef idx="1">
+            <a:schemeClr val="dk1"/>
+          </a:effectRef>
+          <a:fontRef idx="minor">
+            <a:schemeClr val="lt1"/>
+          </a:fontRef>
+        </p:style>
+        <p:txBody>
+          <a:bodyPr rtlCol="0" anchor="ctr"/>
+          <a:lstStyle/>
+          <a:p>
+            <a:pPr algn="ctr"/>
+            <a:r>
+              <a:rPr kumimoji="1" lang="en-US" altLang="ko-Kore-KR" sz="1600" dirty="0"/>
+              <a:t>handler</a:t>
+            </a:r>
+          </a:p>
+          <a:p>
+            <a:pPr algn="ctr"/>
+            <a:r>
+              <a:rPr kumimoji="1" lang="en-US" altLang="ko-Kore-KR" sz="1600" dirty="0"/>
+              <a:t>pkg</a:t>
+            </a:r>
+            <a:endParaRPr kumimoji="1" lang="ko-Kore-KR" altLang="en-US" sz="1600" dirty="0"/>
+          </a:p>
+        </p:txBody>
+      </p:sp>
+      <p:sp>
+        <p:nvSpPr>
+          <p:cNvPr id="15" name="직사각형 14">
+            <a:extLst>
+              <a:ext uri="{FF2B5EF4-FFF2-40B4-BE49-F238E27FC236}">
+                <a16:creationId xmlns:a16="http://schemas.microsoft.com/office/drawing/2014/main" id="{E644133D-F471-801B-9EA1-9BD8B18E3E9B}"/>
+              </a:ext>
+            </a:extLst>
+          </p:cNvPr>
+          <p:cNvSpPr/>
+          <p:nvPr/>
+        </p:nvSpPr>
+        <p:spPr>
+          <a:xfrm>
+            <a:off x="2859268" y="2101302"/>
+            <a:ext cx="935849" cy="468519"/>
+          </a:xfrm>
+          <a:prstGeom prst="rect">
+            <a:avLst/>
+          </a:prstGeom>
+        </p:spPr>
+        <p:style>
+          <a:lnRef idx="3">
+            <a:schemeClr val="lt1"/>
+          </a:lnRef>
+          <a:fillRef idx="1">
+            <a:schemeClr val="dk1"/>
+          </a:fillRef>
+          <a:effectRef idx="1">
+            <a:schemeClr val="dk1"/>
+          </a:effectRef>
+          <a:fontRef idx="minor">
+            <a:schemeClr val="lt1"/>
+          </a:fontRef>
+        </p:style>
+        <p:txBody>
+          <a:bodyPr rtlCol="0" anchor="ctr"/>
+          <a:lstStyle/>
+          <a:p>
+            <a:pPr algn="ctr"/>
+            <a:r>
+              <a:rPr kumimoji="1" lang="en-US" altLang="ko-Kore-KR" sz="1600" dirty="0"/>
+              <a:t>util</a:t>
+            </a:r>
+          </a:p>
+          <a:p>
+            <a:pPr algn="ctr"/>
+            <a:r>
+              <a:rPr kumimoji="1" lang="en-US" altLang="ko-Kore-KR" sz="1600" dirty="0"/>
+              <a:t>pkg</a:t>
+            </a:r>
+            <a:endParaRPr kumimoji="1" lang="ko-Kore-KR" altLang="en-US" sz="1600" dirty="0"/>
+          </a:p>
+        </p:txBody>
+      </p:sp>
+      <p:sp>
+        <p:nvSpPr>
+          <p:cNvPr id="16" name="TextBox 15">
+            <a:extLst>
+              <a:ext uri="{FF2B5EF4-FFF2-40B4-BE49-F238E27FC236}">
+                <a16:creationId xmlns:a16="http://schemas.microsoft.com/office/drawing/2014/main" id="{76437913-C895-520E-86E5-9208E8ADE2B5}"/>
+              </a:ext>
+            </a:extLst>
+          </p:cNvPr>
+          <p:cNvSpPr txBox="1"/>
+          <p:nvPr/>
+        </p:nvSpPr>
+        <p:spPr>
+          <a:xfrm>
+            <a:off x="110665" y="2892715"/>
+            <a:ext cx="2385648" cy="646331"/>
+          </a:xfrm>
+          <a:prstGeom prst="rect">
+            <a:avLst/>
+          </a:prstGeom>
+        </p:spPr>
+        <p:style>
+          <a:lnRef idx="3">
+            <a:schemeClr val="lt1"/>
+          </a:lnRef>
+          <a:fillRef idx="1">
+            <a:schemeClr val="accent1"/>
+          </a:fillRef>
+          <a:effectRef idx="1">
+            <a:schemeClr val="accent1"/>
+          </a:effectRef>
+          <a:fontRef idx="minor">
+            <a:schemeClr val="lt1"/>
+          </a:fontRef>
+        </p:style>
+        <p:txBody>
+          <a:bodyPr wrap="square" rtlCol="0">
+            <a:spAutoFit/>
+          </a:bodyPr>
+          <a:lstStyle/>
+          <a:p>
+            <a:r>
+              <a:rPr kumimoji="1" lang="en-US" altLang="ko-Kore-KR" dirty="0"/>
+              <a:t>board-app-common</a:t>
+            </a:r>
+          </a:p>
+          <a:p>
+            <a:r>
+              <a:rPr kumimoji="1" lang="en-US" altLang="ko-Kore-KR" dirty="0"/>
+              <a:t>pkg</a:t>
+            </a:r>
+            <a:endParaRPr kumimoji="1" lang="ko-Kore-KR" altLang="en-US" dirty="0"/>
+          </a:p>
+        </p:txBody>
+      </p:sp>
+      <p:sp>
+        <p:nvSpPr>
+          <p:cNvPr id="17" name="TextBox 16">
+            <a:extLst>
+              <a:ext uri="{FF2B5EF4-FFF2-40B4-BE49-F238E27FC236}">
+                <a16:creationId xmlns:a16="http://schemas.microsoft.com/office/drawing/2014/main" id="{B2C6826E-7FEE-1AEA-E2A7-E65AE57E9548}"/>
+              </a:ext>
+            </a:extLst>
+          </p:cNvPr>
+          <p:cNvSpPr txBox="1"/>
+          <p:nvPr/>
+        </p:nvSpPr>
+        <p:spPr>
+          <a:xfrm>
+            <a:off x="110778" y="4637275"/>
+            <a:ext cx="2385648" cy="646331"/>
+          </a:xfrm>
+          <a:prstGeom prst="rect">
+            <a:avLst/>
+          </a:prstGeom>
+        </p:spPr>
+        <p:style>
+          <a:lnRef idx="3">
+            <a:schemeClr val="lt1"/>
+          </a:lnRef>
+          <a:fillRef idx="1">
+            <a:schemeClr val="accent3"/>
+          </a:fillRef>
+          <a:effectRef idx="1">
+            <a:schemeClr val="accent3"/>
+          </a:effectRef>
+          <a:fontRef idx="minor">
+            <a:schemeClr val="lt1"/>
+          </a:fontRef>
+        </p:style>
+        <p:txBody>
+          <a:bodyPr wrap="square" rtlCol="0">
+            <a:spAutoFit/>
+          </a:bodyPr>
+          <a:lstStyle/>
+          <a:p>
+            <a:r>
+              <a:rPr kumimoji="1" lang="en-US" altLang="ko-Kore-KR" dirty="0"/>
+              <a:t>board-app-server</a:t>
+            </a:r>
+          </a:p>
+          <a:p>
+            <a:r>
+              <a:rPr kumimoji="1" lang="en-US" altLang="ko-Kore-KR" dirty="0"/>
+              <a:t>pkg</a:t>
+            </a:r>
+            <a:endParaRPr kumimoji="1" lang="ko-Kore-KR" altLang="en-US" dirty="0"/>
+          </a:p>
+        </p:txBody>
+      </p:sp>
+      <p:sp>
+        <p:nvSpPr>
+          <p:cNvPr id="18" name="직사각형 17">
+            <a:extLst>
+              <a:ext uri="{FF2B5EF4-FFF2-40B4-BE49-F238E27FC236}">
+                <a16:creationId xmlns:a16="http://schemas.microsoft.com/office/drawing/2014/main" id="{11D54802-C7D5-BF28-FB81-7E1E18333D84}"/>
+              </a:ext>
+            </a:extLst>
+          </p:cNvPr>
+          <p:cNvSpPr/>
+          <p:nvPr/>
+        </p:nvSpPr>
+        <p:spPr>
+          <a:xfrm>
+            <a:off x="7462345" y="633539"/>
+            <a:ext cx="1326593" cy="373039"/>
+          </a:xfrm>
+          <a:prstGeom prst="rect">
+            <a:avLst/>
+          </a:prstGeom>
+        </p:spPr>
+        <p:style>
+          <a:lnRef idx="2">
+            <a:schemeClr val="dk1"/>
+          </a:lnRef>
+          <a:fillRef idx="1">
+            <a:schemeClr val="lt1"/>
+          </a:fillRef>
+          <a:effectRef idx="0">
+            <a:schemeClr val="dk1"/>
+          </a:effectRef>
+          <a:fontRef idx="minor">
+            <a:schemeClr val="dk1"/>
+          </a:fontRef>
+        </p:style>
+        <p:txBody>
+          <a:bodyPr rtlCol="0" anchor="ctr"/>
+          <a:lstStyle/>
+          <a:p>
+            <a:pPr algn="ctr"/>
+            <a:r>
+              <a:rPr kumimoji="1" lang="en-US" altLang="ko-Kore-KR" sz="1200" dirty="0" err="1"/>
+              <a:t>MemberHandler</a:t>
+            </a:r>
+            <a:endParaRPr kumimoji="1" lang="en-US" altLang="ko-Kore-KR" sz="1200" dirty="0"/>
+          </a:p>
+          <a:p>
+            <a:pPr algn="ctr"/>
+            <a:r>
+              <a:rPr kumimoji="1" lang="en-US" altLang="ko-Kore-KR" sz="1200" dirty="0"/>
+              <a:t>class</a:t>
+            </a:r>
+            <a:endParaRPr kumimoji="1" lang="ko-Kore-KR" altLang="en-US" sz="1200" dirty="0"/>
+          </a:p>
+        </p:txBody>
+      </p:sp>
+      <p:sp>
+        <p:nvSpPr>
+          <p:cNvPr id="19" name="직사각형 18">
+            <a:extLst>
+              <a:ext uri="{FF2B5EF4-FFF2-40B4-BE49-F238E27FC236}">
+                <a16:creationId xmlns:a16="http://schemas.microsoft.com/office/drawing/2014/main" id="{E25427D4-3714-300B-CDA5-D6B1590F5A45}"/>
+              </a:ext>
+            </a:extLst>
+          </p:cNvPr>
+          <p:cNvSpPr/>
+          <p:nvPr/>
+        </p:nvSpPr>
+        <p:spPr>
+          <a:xfrm>
+            <a:off x="5238331" y="29745"/>
+            <a:ext cx="935849" cy="468519"/>
+          </a:xfrm>
+          <a:prstGeom prst="rect">
+            <a:avLst/>
+          </a:prstGeom>
+        </p:spPr>
+        <p:style>
+          <a:lnRef idx="3">
+            <a:schemeClr val="lt1"/>
+          </a:lnRef>
+          <a:fillRef idx="1">
+            <a:schemeClr val="dk1"/>
+          </a:fillRef>
+          <a:effectRef idx="1">
+            <a:schemeClr val="dk1"/>
+          </a:effectRef>
+          <a:fontRef idx="minor">
+            <a:schemeClr val="lt1"/>
+          </a:fontRef>
+        </p:style>
+        <p:txBody>
+          <a:bodyPr rtlCol="0" anchor="ctr"/>
+          <a:lstStyle/>
+          <a:p>
+            <a:pPr algn="ctr"/>
+            <a:r>
+              <a:rPr kumimoji="1" lang="en-US" altLang="ko-Kore-KR" sz="1600" dirty="0"/>
+              <a:t>handler</a:t>
+            </a:r>
+          </a:p>
+          <a:p>
+            <a:pPr algn="ctr"/>
+            <a:r>
+              <a:rPr kumimoji="1" lang="en-US" altLang="ko-Kore-KR" sz="1600" dirty="0"/>
+              <a:t>pkg</a:t>
+            </a:r>
+            <a:endParaRPr kumimoji="1" lang="ko-Kore-KR" altLang="en-US" sz="1600" dirty="0"/>
+          </a:p>
+        </p:txBody>
+      </p:sp>
+      <p:sp>
+        <p:nvSpPr>
+          <p:cNvPr id="20" name="직사각형 19">
+            <a:extLst>
+              <a:ext uri="{FF2B5EF4-FFF2-40B4-BE49-F238E27FC236}">
+                <a16:creationId xmlns:a16="http://schemas.microsoft.com/office/drawing/2014/main" id="{3FA0393E-FE59-79BB-FEB5-EA338AA2AD1D}"/>
+              </a:ext>
+            </a:extLst>
+          </p:cNvPr>
+          <p:cNvSpPr/>
+          <p:nvPr/>
+        </p:nvSpPr>
+        <p:spPr>
+          <a:xfrm>
+            <a:off x="5219150" y="596175"/>
+            <a:ext cx="1326593" cy="373039"/>
+          </a:xfrm>
+          <a:prstGeom prst="rect">
+            <a:avLst/>
+          </a:prstGeom>
+        </p:spPr>
+        <p:style>
+          <a:lnRef idx="2">
+            <a:schemeClr val="dk1"/>
+          </a:lnRef>
+          <a:fillRef idx="1">
+            <a:schemeClr val="lt1"/>
+          </a:fillRef>
+          <a:effectRef idx="0">
+            <a:schemeClr val="dk1"/>
+          </a:effectRef>
+          <a:fontRef idx="minor">
+            <a:schemeClr val="dk1"/>
+          </a:fontRef>
+        </p:style>
+        <p:txBody>
+          <a:bodyPr rtlCol="0" anchor="ctr"/>
+          <a:lstStyle/>
+          <a:p>
+            <a:pPr algn="ctr"/>
+            <a:r>
+              <a:rPr kumimoji="1" lang="en-US" altLang="ko-Kore-KR" sz="1200" dirty="0" err="1"/>
+              <a:t>ClientApp</a:t>
+            </a:r>
+            <a:endParaRPr kumimoji="1" lang="en-US" altLang="ko-Kore-KR" sz="1200" dirty="0"/>
+          </a:p>
+          <a:p>
+            <a:pPr algn="ctr"/>
+            <a:r>
+              <a:rPr kumimoji="1" lang="en-US" altLang="ko-Kore-KR" sz="1200" dirty="0"/>
+              <a:t>class</a:t>
+            </a:r>
+            <a:endParaRPr kumimoji="1" lang="ko-Kore-KR" altLang="en-US" sz="1200" dirty="0"/>
+          </a:p>
+        </p:txBody>
+      </p:sp>
+      <p:sp>
+        <p:nvSpPr>
+          <p:cNvPr id="21" name="직사각형 20">
+            <a:extLst>
+              <a:ext uri="{FF2B5EF4-FFF2-40B4-BE49-F238E27FC236}">
+                <a16:creationId xmlns:a16="http://schemas.microsoft.com/office/drawing/2014/main" id="{8ABC4BFA-F5FC-9F73-5896-D66434EC82EC}"/>
+              </a:ext>
+            </a:extLst>
+          </p:cNvPr>
+          <p:cNvSpPr/>
+          <p:nvPr/>
+        </p:nvSpPr>
+        <p:spPr>
+          <a:xfrm>
+            <a:off x="5214181" y="1101951"/>
+            <a:ext cx="1326593" cy="373039"/>
+          </a:xfrm>
+          <a:prstGeom prst="rect">
+            <a:avLst/>
+          </a:prstGeom>
+        </p:spPr>
+        <p:style>
+          <a:lnRef idx="2">
+            <a:schemeClr val="dk1"/>
+          </a:lnRef>
+          <a:fillRef idx="1">
+            <a:schemeClr val="lt1"/>
+          </a:fillRef>
+          <a:effectRef idx="0">
+            <a:schemeClr val="dk1"/>
+          </a:effectRef>
+          <a:fontRef idx="minor">
+            <a:schemeClr val="dk1"/>
+          </a:fontRef>
+        </p:style>
+        <p:txBody>
+          <a:bodyPr rtlCol="0" anchor="ctr"/>
+          <a:lstStyle/>
+          <a:p>
+            <a:pPr algn="ctr"/>
+            <a:r>
+              <a:rPr kumimoji="1" lang="en-US" altLang="ko-Kore-KR" sz="1200" dirty="0" err="1"/>
+              <a:t>AbstractHandler</a:t>
+            </a:r>
+            <a:endParaRPr kumimoji="1" lang="en-US" altLang="ko-Kore-KR" sz="1200" dirty="0"/>
+          </a:p>
+          <a:p>
+            <a:pPr algn="ctr"/>
+            <a:r>
+              <a:rPr kumimoji="1" lang="en-US" altLang="ko-Kore-KR" sz="1200" dirty="0"/>
+              <a:t>class</a:t>
+            </a:r>
+            <a:endParaRPr kumimoji="1" lang="ko-Kore-KR" altLang="en-US" sz="1200" dirty="0"/>
+          </a:p>
+        </p:txBody>
+      </p:sp>
+      <p:sp>
+        <p:nvSpPr>
+          <p:cNvPr id="22" name="직사각형 21">
+            <a:extLst>
+              <a:ext uri="{FF2B5EF4-FFF2-40B4-BE49-F238E27FC236}">
+                <a16:creationId xmlns:a16="http://schemas.microsoft.com/office/drawing/2014/main" id="{25C6710D-9037-A7F3-C901-8A9C4BD42419}"/>
+              </a:ext>
+            </a:extLst>
+          </p:cNvPr>
+          <p:cNvSpPr/>
+          <p:nvPr/>
+        </p:nvSpPr>
+        <p:spPr>
+          <a:xfrm>
+            <a:off x="5214181" y="1607726"/>
+            <a:ext cx="1326593" cy="373039"/>
+          </a:xfrm>
+          <a:prstGeom prst="rect">
+            <a:avLst/>
+          </a:prstGeom>
+        </p:spPr>
+        <p:style>
+          <a:lnRef idx="1">
+            <a:schemeClr val="dk1"/>
+          </a:lnRef>
+          <a:fillRef idx="2">
+            <a:schemeClr val="dk1"/>
+          </a:fillRef>
+          <a:effectRef idx="1">
+            <a:schemeClr val="dk1"/>
+          </a:effectRef>
+          <a:fontRef idx="minor">
+            <a:schemeClr val="dk1"/>
+          </a:fontRef>
+        </p:style>
+        <p:txBody>
+          <a:bodyPr rtlCol="0" anchor="ctr"/>
+          <a:lstStyle/>
+          <a:p>
+            <a:pPr algn="ctr"/>
+            <a:r>
+              <a:rPr kumimoji="1" lang="en-US" altLang="ko-Kore-KR" sz="1200" dirty="0"/>
+              <a:t>Handler</a:t>
+            </a:r>
+          </a:p>
+          <a:p>
+            <a:pPr algn="ctr"/>
+            <a:r>
+              <a:rPr kumimoji="1" lang="en-US" altLang="ko-Kore-KR" sz="1200" dirty="0"/>
+              <a:t>interface</a:t>
+            </a:r>
+            <a:endParaRPr kumimoji="1" lang="ko-Kore-KR" altLang="en-US" sz="1200" dirty="0"/>
+          </a:p>
+        </p:txBody>
+      </p:sp>
+      <p:sp>
+        <p:nvSpPr>
+          <p:cNvPr id="23" name="직사각형 22">
+            <a:extLst>
+              <a:ext uri="{FF2B5EF4-FFF2-40B4-BE49-F238E27FC236}">
+                <a16:creationId xmlns:a16="http://schemas.microsoft.com/office/drawing/2014/main" id="{EF120825-BC72-ADB8-754D-D4470B8EBF43}"/>
+              </a:ext>
+            </a:extLst>
+          </p:cNvPr>
+          <p:cNvSpPr/>
+          <p:nvPr/>
+        </p:nvSpPr>
+        <p:spPr>
+          <a:xfrm>
+            <a:off x="5214884" y="2152676"/>
+            <a:ext cx="1326593" cy="373039"/>
+          </a:xfrm>
+          <a:prstGeom prst="rect">
+            <a:avLst/>
+          </a:prstGeom>
+        </p:spPr>
+        <p:style>
+          <a:lnRef idx="2">
+            <a:schemeClr val="dk1"/>
+          </a:lnRef>
+          <a:fillRef idx="1">
+            <a:schemeClr val="lt1"/>
+          </a:fillRef>
+          <a:effectRef idx="0">
+            <a:schemeClr val="dk1"/>
+          </a:effectRef>
+          <a:fontRef idx="minor">
+            <a:schemeClr val="dk1"/>
+          </a:fontRef>
+        </p:style>
+        <p:txBody>
+          <a:bodyPr rtlCol="0" anchor="ctr"/>
+          <a:lstStyle/>
+          <a:p>
+            <a:pPr algn="ctr"/>
+            <a:r>
+              <a:rPr kumimoji="1" lang="en-US" altLang="ko-Kore-KR" sz="1200" dirty="0"/>
+              <a:t>Prompt</a:t>
+            </a:r>
+          </a:p>
+          <a:p>
+            <a:pPr algn="ctr"/>
+            <a:r>
+              <a:rPr kumimoji="1" lang="en-US" altLang="ko-Kore-KR" sz="1200" dirty="0"/>
+              <a:t>class</a:t>
+            </a:r>
+            <a:endParaRPr kumimoji="1" lang="ko-Kore-KR" altLang="en-US" sz="1200" dirty="0"/>
+          </a:p>
+        </p:txBody>
+      </p:sp>
+      <p:cxnSp>
+        <p:nvCxnSpPr>
+          <p:cNvPr id="25" name="직선 연결선[R] 24">
+            <a:extLst>
+              <a:ext uri="{FF2B5EF4-FFF2-40B4-BE49-F238E27FC236}">
+                <a16:creationId xmlns:a16="http://schemas.microsoft.com/office/drawing/2014/main" id="{669CFBBB-3AF5-8C00-3D0D-49BFADE85D2E}"/>
+              </a:ext>
+            </a:extLst>
+          </p:cNvPr>
+          <p:cNvCxnSpPr>
+            <a:cxnSpLocks/>
+            <a:stCxn id="6" idx="3"/>
+            <a:endCxn id="13" idx="1"/>
+          </p:cNvCxnSpPr>
+          <p:nvPr/>
+        </p:nvCxnSpPr>
+        <p:spPr>
+          <a:xfrm flipV="1">
+            <a:off x="2520462" y="255157"/>
+            <a:ext cx="252282" cy="388887"/>
+          </a:xfrm>
+          <a:prstGeom prst="line">
+            <a:avLst/>
+          </a:prstGeom>
+        </p:spPr>
+        <p:style>
+          <a:lnRef idx="3">
+            <a:schemeClr val="lt1"/>
+          </a:lnRef>
+          <a:fillRef idx="1">
+            <a:schemeClr val="dk1"/>
+          </a:fillRef>
+          <a:effectRef idx="1">
+            <a:schemeClr val="dk1"/>
+          </a:effectRef>
+          <a:fontRef idx="minor">
+            <a:schemeClr val="lt1"/>
+          </a:fontRef>
+        </p:style>
+      </p:cxnSp>
+      <p:cxnSp>
+        <p:nvCxnSpPr>
+          <p:cNvPr id="30" name="직선 연결선[R] 29">
+            <a:extLst>
+              <a:ext uri="{FF2B5EF4-FFF2-40B4-BE49-F238E27FC236}">
+                <a16:creationId xmlns:a16="http://schemas.microsoft.com/office/drawing/2014/main" id="{50FBC095-5636-F353-9EE2-53C1A75915E6}"/>
+              </a:ext>
+            </a:extLst>
+          </p:cNvPr>
+          <p:cNvCxnSpPr>
+            <a:cxnSpLocks/>
+            <a:stCxn id="6" idx="3"/>
+            <a:endCxn id="14" idx="1"/>
+          </p:cNvCxnSpPr>
+          <p:nvPr/>
+        </p:nvCxnSpPr>
+        <p:spPr>
+          <a:xfrm>
+            <a:off x="2520462" y="644044"/>
+            <a:ext cx="354050" cy="686244"/>
+          </a:xfrm>
+          <a:prstGeom prst="line">
+            <a:avLst/>
+          </a:prstGeom>
+        </p:spPr>
+        <p:style>
+          <a:lnRef idx="3">
+            <a:schemeClr val="lt1"/>
+          </a:lnRef>
+          <a:fillRef idx="1">
+            <a:schemeClr val="dk1"/>
+          </a:fillRef>
+          <a:effectRef idx="1">
+            <a:schemeClr val="dk1"/>
+          </a:effectRef>
+          <a:fontRef idx="minor">
+            <a:schemeClr val="lt1"/>
+          </a:fontRef>
+        </p:style>
+      </p:cxnSp>
+      <p:cxnSp>
+        <p:nvCxnSpPr>
+          <p:cNvPr id="33" name="직선 연결선[R] 32">
+            <a:extLst>
+              <a:ext uri="{FF2B5EF4-FFF2-40B4-BE49-F238E27FC236}">
+                <a16:creationId xmlns:a16="http://schemas.microsoft.com/office/drawing/2014/main" id="{BC87E713-510D-CD8C-1AC4-AE7E2BD34C52}"/>
+              </a:ext>
+            </a:extLst>
+          </p:cNvPr>
+          <p:cNvCxnSpPr>
+            <a:cxnSpLocks/>
+            <a:stCxn id="6" idx="3"/>
+            <a:endCxn id="15" idx="1"/>
+          </p:cNvCxnSpPr>
+          <p:nvPr/>
+        </p:nvCxnSpPr>
+        <p:spPr>
+          <a:xfrm>
+            <a:off x="2520462" y="644044"/>
+            <a:ext cx="338806" cy="1691518"/>
+          </a:xfrm>
+          <a:prstGeom prst="line">
+            <a:avLst/>
+          </a:prstGeom>
+        </p:spPr>
+        <p:style>
+          <a:lnRef idx="3">
+            <a:schemeClr val="lt1"/>
+          </a:lnRef>
+          <a:fillRef idx="1">
+            <a:schemeClr val="dk1"/>
+          </a:fillRef>
+          <a:effectRef idx="1">
+            <a:schemeClr val="dk1"/>
+          </a:effectRef>
+          <a:fontRef idx="minor">
+            <a:schemeClr val="lt1"/>
+          </a:fontRef>
+        </p:style>
+      </p:cxnSp>
+      <p:cxnSp>
+        <p:nvCxnSpPr>
+          <p:cNvPr id="36" name="직선 연결선[R] 35">
+            <a:extLst>
+              <a:ext uri="{FF2B5EF4-FFF2-40B4-BE49-F238E27FC236}">
+                <a16:creationId xmlns:a16="http://schemas.microsoft.com/office/drawing/2014/main" id="{E9E1E79F-60E5-65DB-6FBE-F6D5E4C64162}"/>
+              </a:ext>
+            </a:extLst>
+          </p:cNvPr>
+          <p:cNvCxnSpPr>
+            <a:cxnSpLocks/>
+            <a:stCxn id="13" idx="3"/>
+            <a:endCxn id="19" idx="1"/>
+          </p:cNvCxnSpPr>
+          <p:nvPr/>
+        </p:nvCxnSpPr>
+        <p:spPr>
+          <a:xfrm>
+            <a:off x="3708593" y="255157"/>
+            <a:ext cx="1529738" cy="8848"/>
+          </a:xfrm>
+          <a:prstGeom prst="line">
+            <a:avLst/>
+          </a:prstGeom>
+        </p:spPr>
+        <p:style>
+          <a:lnRef idx="3">
+            <a:schemeClr val="lt1"/>
+          </a:lnRef>
+          <a:fillRef idx="1">
+            <a:schemeClr val="dk1"/>
+          </a:fillRef>
+          <a:effectRef idx="1">
+            <a:schemeClr val="dk1"/>
+          </a:effectRef>
+          <a:fontRef idx="minor">
+            <a:schemeClr val="lt1"/>
+          </a:fontRef>
+        </p:style>
+      </p:cxnSp>
+      <p:cxnSp>
+        <p:nvCxnSpPr>
+          <p:cNvPr id="39" name="직선 연결선[R] 38">
+            <a:extLst>
+              <a:ext uri="{FF2B5EF4-FFF2-40B4-BE49-F238E27FC236}">
+                <a16:creationId xmlns:a16="http://schemas.microsoft.com/office/drawing/2014/main" id="{FEE80177-F8B0-DC15-212D-1A81003F588E}"/>
+              </a:ext>
+            </a:extLst>
+          </p:cNvPr>
+          <p:cNvCxnSpPr>
+            <a:cxnSpLocks/>
+            <a:stCxn id="13" idx="3"/>
+            <a:endCxn id="20" idx="1"/>
+          </p:cNvCxnSpPr>
+          <p:nvPr/>
+        </p:nvCxnSpPr>
+        <p:spPr>
+          <a:xfrm>
+            <a:off x="3708593" y="255157"/>
+            <a:ext cx="1510557" cy="527538"/>
+          </a:xfrm>
+          <a:prstGeom prst="line">
+            <a:avLst/>
+          </a:prstGeom>
+        </p:spPr>
+        <p:style>
+          <a:lnRef idx="3">
+            <a:schemeClr val="lt1"/>
+          </a:lnRef>
+          <a:fillRef idx="1">
+            <a:schemeClr val="dk1"/>
+          </a:fillRef>
+          <a:effectRef idx="1">
+            <a:schemeClr val="dk1"/>
+          </a:effectRef>
+          <a:fontRef idx="minor">
+            <a:schemeClr val="lt1"/>
+          </a:fontRef>
+        </p:style>
+      </p:cxnSp>
+      <p:cxnSp>
+        <p:nvCxnSpPr>
+          <p:cNvPr id="42" name="직선 연결선[R] 41">
+            <a:extLst>
+              <a:ext uri="{FF2B5EF4-FFF2-40B4-BE49-F238E27FC236}">
+                <a16:creationId xmlns:a16="http://schemas.microsoft.com/office/drawing/2014/main" id="{FABFC05A-0169-2280-655B-C5E444CC0661}"/>
+              </a:ext>
+            </a:extLst>
+          </p:cNvPr>
+          <p:cNvCxnSpPr>
+            <a:cxnSpLocks/>
+            <a:stCxn id="19" idx="3"/>
+            <a:endCxn id="4" idx="1"/>
+          </p:cNvCxnSpPr>
+          <p:nvPr/>
+        </p:nvCxnSpPr>
+        <p:spPr>
+          <a:xfrm flipV="1">
+            <a:off x="6174180" y="235173"/>
+            <a:ext cx="1288165" cy="28832"/>
+          </a:xfrm>
+          <a:prstGeom prst="line">
+            <a:avLst/>
+          </a:prstGeom>
+        </p:spPr>
+        <p:style>
+          <a:lnRef idx="3">
+            <a:schemeClr val="lt1"/>
+          </a:lnRef>
+          <a:fillRef idx="1">
+            <a:schemeClr val="dk1"/>
+          </a:fillRef>
+          <a:effectRef idx="1">
+            <a:schemeClr val="dk1"/>
+          </a:effectRef>
+          <a:fontRef idx="minor">
+            <a:schemeClr val="lt1"/>
+          </a:fontRef>
+        </p:style>
+      </p:cxnSp>
+      <p:cxnSp>
+        <p:nvCxnSpPr>
+          <p:cNvPr id="45" name="직선 연결선[R] 44">
+            <a:extLst>
+              <a:ext uri="{FF2B5EF4-FFF2-40B4-BE49-F238E27FC236}">
+                <a16:creationId xmlns:a16="http://schemas.microsoft.com/office/drawing/2014/main" id="{72FF7101-90FE-DED1-A1E3-3B7BEF65AFC8}"/>
+              </a:ext>
+            </a:extLst>
+          </p:cNvPr>
+          <p:cNvCxnSpPr>
+            <a:cxnSpLocks/>
+            <a:stCxn id="19" idx="3"/>
+            <a:endCxn id="18" idx="1"/>
+          </p:cNvCxnSpPr>
+          <p:nvPr/>
+        </p:nvCxnSpPr>
+        <p:spPr>
+          <a:xfrm>
+            <a:off x="6174180" y="264005"/>
+            <a:ext cx="1288165" cy="556054"/>
+          </a:xfrm>
+          <a:prstGeom prst="line">
+            <a:avLst/>
+          </a:prstGeom>
+        </p:spPr>
+        <p:style>
+          <a:lnRef idx="3">
+            <a:schemeClr val="lt1"/>
+          </a:lnRef>
+          <a:fillRef idx="1">
+            <a:schemeClr val="dk1"/>
+          </a:fillRef>
+          <a:effectRef idx="1">
+            <a:schemeClr val="dk1"/>
+          </a:effectRef>
+          <a:fontRef idx="minor">
+            <a:schemeClr val="lt1"/>
+          </a:fontRef>
+        </p:style>
+      </p:cxnSp>
+      <p:cxnSp>
+        <p:nvCxnSpPr>
+          <p:cNvPr id="48" name="직선 연결선[R] 47">
+            <a:extLst>
+              <a:ext uri="{FF2B5EF4-FFF2-40B4-BE49-F238E27FC236}">
+                <a16:creationId xmlns:a16="http://schemas.microsoft.com/office/drawing/2014/main" id="{A5DACE05-9AE4-1B7F-6FA2-4938589E197F}"/>
+              </a:ext>
+            </a:extLst>
+          </p:cNvPr>
+          <p:cNvCxnSpPr>
+            <a:cxnSpLocks/>
+            <a:stCxn id="14" idx="3"/>
+            <a:endCxn id="21" idx="1"/>
+          </p:cNvCxnSpPr>
+          <p:nvPr/>
+        </p:nvCxnSpPr>
+        <p:spPr>
+          <a:xfrm flipV="1">
+            <a:off x="3810361" y="1288471"/>
+            <a:ext cx="1403820" cy="41817"/>
+          </a:xfrm>
+          <a:prstGeom prst="line">
+            <a:avLst/>
+          </a:prstGeom>
+        </p:spPr>
+        <p:style>
+          <a:lnRef idx="3">
+            <a:schemeClr val="lt1"/>
+          </a:lnRef>
+          <a:fillRef idx="1">
+            <a:schemeClr val="dk1"/>
+          </a:fillRef>
+          <a:effectRef idx="1">
+            <a:schemeClr val="dk1"/>
+          </a:effectRef>
+          <a:fontRef idx="minor">
+            <a:schemeClr val="lt1"/>
+          </a:fontRef>
+        </p:style>
+      </p:cxnSp>
+      <p:cxnSp>
+        <p:nvCxnSpPr>
+          <p:cNvPr id="53" name="직선 연결선[R] 52">
+            <a:extLst>
+              <a:ext uri="{FF2B5EF4-FFF2-40B4-BE49-F238E27FC236}">
+                <a16:creationId xmlns:a16="http://schemas.microsoft.com/office/drawing/2014/main" id="{94F4470C-E86F-4412-87BC-2E6A85D1C0EC}"/>
+              </a:ext>
+            </a:extLst>
+          </p:cNvPr>
+          <p:cNvCxnSpPr>
+            <a:cxnSpLocks/>
+            <a:stCxn id="14" idx="3"/>
+            <a:endCxn id="22" idx="1"/>
+          </p:cNvCxnSpPr>
+          <p:nvPr/>
+        </p:nvCxnSpPr>
+        <p:spPr>
+          <a:xfrm>
+            <a:off x="3810361" y="1330288"/>
+            <a:ext cx="1403820" cy="463958"/>
+          </a:xfrm>
+          <a:prstGeom prst="line">
+            <a:avLst/>
+          </a:prstGeom>
+        </p:spPr>
+        <p:style>
+          <a:lnRef idx="3">
+            <a:schemeClr val="lt1"/>
+          </a:lnRef>
+          <a:fillRef idx="1">
+            <a:schemeClr val="dk1"/>
+          </a:fillRef>
+          <a:effectRef idx="1">
+            <a:schemeClr val="dk1"/>
+          </a:effectRef>
+          <a:fontRef idx="minor">
+            <a:schemeClr val="lt1"/>
+          </a:fontRef>
+        </p:style>
+      </p:cxnSp>
+      <p:cxnSp>
+        <p:nvCxnSpPr>
+          <p:cNvPr id="57" name="직선 연결선[R] 56">
+            <a:extLst>
+              <a:ext uri="{FF2B5EF4-FFF2-40B4-BE49-F238E27FC236}">
+                <a16:creationId xmlns:a16="http://schemas.microsoft.com/office/drawing/2014/main" id="{A5C13CB6-4EDA-5903-822C-9F5B8D15C6E7}"/>
+              </a:ext>
+            </a:extLst>
+          </p:cNvPr>
+          <p:cNvCxnSpPr>
+            <a:cxnSpLocks/>
+            <a:stCxn id="15" idx="3"/>
+            <a:endCxn id="23" idx="1"/>
+          </p:cNvCxnSpPr>
+          <p:nvPr/>
+        </p:nvCxnSpPr>
+        <p:spPr>
+          <a:xfrm>
+            <a:off x="3795117" y="2335562"/>
+            <a:ext cx="1419767" cy="3634"/>
+          </a:xfrm>
+          <a:prstGeom prst="line">
+            <a:avLst/>
+          </a:prstGeom>
+        </p:spPr>
+        <p:style>
+          <a:lnRef idx="3">
+            <a:schemeClr val="lt1"/>
+          </a:lnRef>
+          <a:fillRef idx="1">
+            <a:schemeClr val="dk1"/>
+          </a:fillRef>
+          <a:effectRef idx="1">
+            <a:schemeClr val="dk1"/>
+          </a:effectRef>
+          <a:fontRef idx="minor">
+            <a:schemeClr val="lt1"/>
+          </a:fontRef>
+        </p:style>
+      </p:cxnSp>
+      <p:sp>
+        <p:nvSpPr>
+          <p:cNvPr id="88" name="직사각형 87">
+            <a:extLst>
+              <a:ext uri="{FF2B5EF4-FFF2-40B4-BE49-F238E27FC236}">
+                <a16:creationId xmlns:a16="http://schemas.microsoft.com/office/drawing/2014/main" id="{5292EF17-EE6E-4195-2ED5-311D73664E36}"/>
+              </a:ext>
+            </a:extLst>
+          </p:cNvPr>
+          <p:cNvSpPr/>
+          <p:nvPr/>
+        </p:nvSpPr>
+        <p:spPr>
+          <a:xfrm>
+            <a:off x="2859268" y="2737112"/>
+            <a:ext cx="935849" cy="468519"/>
+          </a:xfrm>
+          <a:prstGeom prst="rect">
+            <a:avLst/>
+          </a:prstGeom>
+        </p:spPr>
+        <p:style>
+          <a:lnRef idx="3">
+            <a:schemeClr val="lt1"/>
+          </a:lnRef>
+          <a:fillRef idx="1">
+            <a:schemeClr val="accent1"/>
+          </a:fillRef>
+          <a:effectRef idx="1">
+            <a:schemeClr val="accent1"/>
+          </a:effectRef>
+          <a:fontRef idx="minor">
+            <a:schemeClr val="lt1"/>
+          </a:fontRef>
+        </p:style>
+        <p:txBody>
+          <a:bodyPr rtlCol="0" anchor="ctr"/>
+          <a:lstStyle/>
+          <a:p>
+            <a:pPr algn="ctr"/>
+            <a:r>
+              <a:rPr kumimoji="1" lang="en-US" altLang="ko-Kore-KR" sz="1600" dirty="0" err="1"/>
+              <a:t>dao</a:t>
+            </a:r>
+            <a:endParaRPr kumimoji="1" lang="en-US" altLang="ko-Kore-KR" sz="1600" dirty="0"/>
+          </a:p>
+          <a:p>
+            <a:pPr algn="ctr"/>
+            <a:r>
+              <a:rPr kumimoji="1" lang="en-US" altLang="ko-Kore-KR" sz="1600" dirty="0"/>
+              <a:t>pkg</a:t>
+            </a:r>
+            <a:endParaRPr kumimoji="1" lang="ko-Kore-KR" altLang="en-US" sz="1600" dirty="0"/>
+          </a:p>
+        </p:txBody>
+      </p:sp>
+      <p:sp>
+        <p:nvSpPr>
+          <p:cNvPr id="89" name="직사각형 88">
+            <a:extLst>
+              <a:ext uri="{FF2B5EF4-FFF2-40B4-BE49-F238E27FC236}">
+                <a16:creationId xmlns:a16="http://schemas.microsoft.com/office/drawing/2014/main" id="{04CAECA1-0B52-BF69-A61C-0AAAF9E01957}"/>
+              </a:ext>
+            </a:extLst>
+          </p:cNvPr>
+          <p:cNvSpPr/>
+          <p:nvPr/>
+        </p:nvSpPr>
+        <p:spPr>
+          <a:xfrm>
+            <a:off x="2874511" y="3571012"/>
+            <a:ext cx="935849" cy="468519"/>
+          </a:xfrm>
+          <a:prstGeom prst="rect">
+            <a:avLst/>
+          </a:prstGeom>
+        </p:spPr>
+        <p:style>
+          <a:lnRef idx="3">
+            <a:schemeClr val="lt1"/>
+          </a:lnRef>
+          <a:fillRef idx="1">
+            <a:schemeClr val="accent1"/>
+          </a:fillRef>
+          <a:effectRef idx="1">
+            <a:schemeClr val="accent1"/>
+          </a:effectRef>
+          <a:fontRef idx="minor">
+            <a:schemeClr val="lt1"/>
+          </a:fontRef>
+        </p:style>
+        <p:txBody>
+          <a:bodyPr rtlCol="0" anchor="ctr"/>
+          <a:lstStyle/>
+          <a:p>
+            <a:pPr algn="ctr"/>
+            <a:r>
+              <a:rPr kumimoji="1" lang="en-US" altLang="ko-Kore-KR" sz="1600" dirty="0"/>
+              <a:t>domain</a:t>
+            </a:r>
+          </a:p>
+          <a:p>
+            <a:pPr algn="ctr"/>
+            <a:r>
+              <a:rPr kumimoji="1" lang="en-US" altLang="ko-Kore-KR" sz="1600" dirty="0"/>
+              <a:t>pkg</a:t>
+            </a:r>
+            <a:endParaRPr kumimoji="1" lang="ko-Kore-KR" altLang="en-US" sz="1600" dirty="0"/>
+          </a:p>
+        </p:txBody>
+      </p:sp>
+      <p:cxnSp>
+        <p:nvCxnSpPr>
+          <p:cNvPr id="90" name="직선 연결선[R] 89">
+            <a:extLst>
+              <a:ext uri="{FF2B5EF4-FFF2-40B4-BE49-F238E27FC236}">
+                <a16:creationId xmlns:a16="http://schemas.microsoft.com/office/drawing/2014/main" id="{6CF86560-AE04-DFF2-C2A8-23EAFBD0EF86}"/>
+              </a:ext>
+            </a:extLst>
+          </p:cNvPr>
+          <p:cNvCxnSpPr>
+            <a:cxnSpLocks/>
+            <a:stCxn id="16" idx="3"/>
+            <a:endCxn id="88" idx="1"/>
+          </p:cNvCxnSpPr>
+          <p:nvPr/>
+        </p:nvCxnSpPr>
+        <p:spPr>
+          <a:xfrm flipV="1">
+            <a:off x="2496313" y="2971372"/>
+            <a:ext cx="362955" cy="244509"/>
+          </a:xfrm>
+          <a:prstGeom prst="line">
+            <a:avLst/>
+          </a:prstGeom>
+        </p:spPr>
+        <p:style>
+          <a:lnRef idx="3">
+            <a:schemeClr val="accent1"/>
+          </a:lnRef>
+          <a:fillRef idx="0">
+            <a:schemeClr val="accent1"/>
+          </a:fillRef>
+          <a:effectRef idx="2">
+            <a:schemeClr val="accent1"/>
+          </a:effectRef>
+          <a:fontRef idx="minor">
+            <a:schemeClr val="tx1"/>
+          </a:fontRef>
+        </p:style>
+      </p:cxnSp>
+      <p:cxnSp>
+        <p:nvCxnSpPr>
+          <p:cNvPr id="91" name="직선 연결선[R] 90">
+            <a:extLst>
+              <a:ext uri="{FF2B5EF4-FFF2-40B4-BE49-F238E27FC236}">
+                <a16:creationId xmlns:a16="http://schemas.microsoft.com/office/drawing/2014/main" id="{4F33D460-EC18-017C-F2A0-8FB0AAEC8426}"/>
+              </a:ext>
+            </a:extLst>
+          </p:cNvPr>
+          <p:cNvCxnSpPr>
+            <a:cxnSpLocks/>
+            <a:stCxn id="16" idx="3"/>
+            <a:endCxn id="89" idx="1"/>
+          </p:cNvCxnSpPr>
+          <p:nvPr/>
+        </p:nvCxnSpPr>
+        <p:spPr>
+          <a:xfrm>
+            <a:off x="2496313" y="3215881"/>
+            <a:ext cx="378198" cy="589391"/>
+          </a:xfrm>
+          <a:prstGeom prst="line">
+            <a:avLst/>
+          </a:prstGeom>
+        </p:spPr>
+        <p:style>
+          <a:lnRef idx="3">
+            <a:schemeClr val="accent1"/>
+          </a:lnRef>
+          <a:fillRef idx="0">
+            <a:schemeClr val="accent1"/>
+          </a:fillRef>
+          <a:effectRef idx="2">
+            <a:schemeClr val="accent1"/>
+          </a:effectRef>
+          <a:fontRef idx="minor">
+            <a:schemeClr val="tx1"/>
+          </a:fontRef>
+        </p:style>
+      </p:cxnSp>
+      <p:sp>
+        <p:nvSpPr>
+          <p:cNvPr id="94" name="직사각형 93">
+            <a:extLst>
+              <a:ext uri="{FF2B5EF4-FFF2-40B4-BE49-F238E27FC236}">
+                <a16:creationId xmlns:a16="http://schemas.microsoft.com/office/drawing/2014/main" id="{D754325C-A05E-4F55-4FCC-DE2D29FB4216}"/>
+              </a:ext>
+            </a:extLst>
+          </p:cNvPr>
+          <p:cNvSpPr/>
+          <p:nvPr/>
+        </p:nvSpPr>
+        <p:spPr>
+          <a:xfrm>
+            <a:off x="5214181" y="2640303"/>
+            <a:ext cx="1326593" cy="373039"/>
+          </a:xfrm>
+          <a:prstGeom prst="rect">
+            <a:avLst/>
+          </a:prstGeom>
+        </p:spPr>
+        <p:style>
+          <a:lnRef idx="2">
+            <a:schemeClr val="accent1"/>
+          </a:lnRef>
+          <a:fillRef idx="1">
+            <a:schemeClr val="lt1"/>
+          </a:fillRef>
+          <a:effectRef idx="0">
+            <a:schemeClr val="accent1"/>
+          </a:effectRef>
+          <a:fontRef idx="minor">
+            <a:schemeClr val="dk1"/>
+          </a:fontRef>
+        </p:style>
+        <p:txBody>
+          <a:bodyPr rtlCol="0" anchor="ctr"/>
+          <a:lstStyle/>
+          <a:p>
+            <a:pPr algn="ctr"/>
+            <a:r>
+              <a:rPr kumimoji="1" lang="en-US" altLang="ko-Kore-KR" sz="1200" dirty="0" err="1"/>
+              <a:t>BoardDaoProxy</a:t>
+            </a:r>
+            <a:endParaRPr kumimoji="1" lang="en-US" altLang="ko-Kore-KR" sz="1200" dirty="0"/>
+          </a:p>
+          <a:p>
+            <a:pPr algn="ctr"/>
+            <a:r>
+              <a:rPr kumimoji="1" lang="en-US" altLang="ko-Kore-KR" sz="1200" dirty="0"/>
+              <a:t>class</a:t>
+            </a:r>
+            <a:endParaRPr kumimoji="1" lang="ko-Kore-KR" altLang="en-US" sz="1200" dirty="0"/>
+          </a:p>
+        </p:txBody>
+      </p:sp>
+      <p:sp>
+        <p:nvSpPr>
+          <p:cNvPr id="95" name="직사각형 94">
+            <a:extLst>
+              <a:ext uri="{FF2B5EF4-FFF2-40B4-BE49-F238E27FC236}">
+                <a16:creationId xmlns:a16="http://schemas.microsoft.com/office/drawing/2014/main" id="{6E6201C7-B687-8BF7-C3B1-FC5456494B03}"/>
+              </a:ext>
+            </a:extLst>
+          </p:cNvPr>
+          <p:cNvSpPr/>
+          <p:nvPr/>
+        </p:nvSpPr>
+        <p:spPr>
+          <a:xfrm>
+            <a:off x="5212296" y="3167109"/>
+            <a:ext cx="1469241" cy="373039"/>
+          </a:xfrm>
+          <a:prstGeom prst="rect">
+            <a:avLst/>
+          </a:prstGeom>
+        </p:spPr>
+        <p:style>
+          <a:lnRef idx="2">
+            <a:schemeClr val="accent1"/>
+          </a:lnRef>
+          <a:fillRef idx="1">
+            <a:schemeClr val="lt1"/>
+          </a:fillRef>
+          <a:effectRef idx="0">
+            <a:schemeClr val="accent1"/>
+          </a:effectRef>
+          <a:fontRef idx="minor">
+            <a:schemeClr val="dk1"/>
+          </a:fontRef>
+        </p:style>
+        <p:txBody>
+          <a:bodyPr rtlCol="0" anchor="ctr"/>
+          <a:lstStyle/>
+          <a:p>
+            <a:pPr algn="ctr"/>
+            <a:r>
+              <a:rPr kumimoji="1" lang="en-US" altLang="ko-Kore-KR" sz="1200" dirty="0" err="1"/>
+              <a:t>MemberDaoProxy</a:t>
+            </a:r>
+            <a:endParaRPr kumimoji="1" lang="en-US" altLang="ko-Kore-KR" sz="1200" dirty="0"/>
+          </a:p>
+          <a:p>
+            <a:pPr algn="ctr"/>
+            <a:r>
+              <a:rPr kumimoji="1" lang="en-US" altLang="ko-Kore-KR" sz="1200" dirty="0"/>
+              <a:t>class</a:t>
+            </a:r>
+            <a:endParaRPr kumimoji="1" lang="ko-Kore-KR" altLang="en-US" sz="1200" dirty="0"/>
+          </a:p>
+        </p:txBody>
+      </p:sp>
+      <p:sp>
+        <p:nvSpPr>
+          <p:cNvPr id="96" name="직사각형 95">
+            <a:extLst>
+              <a:ext uri="{FF2B5EF4-FFF2-40B4-BE49-F238E27FC236}">
+                <a16:creationId xmlns:a16="http://schemas.microsoft.com/office/drawing/2014/main" id="{A927FD82-2C7D-3237-4D5F-E35D97745C9A}"/>
+              </a:ext>
+            </a:extLst>
+          </p:cNvPr>
+          <p:cNvSpPr/>
+          <p:nvPr/>
+        </p:nvSpPr>
+        <p:spPr>
+          <a:xfrm>
+            <a:off x="5214181" y="3629241"/>
+            <a:ext cx="1326593" cy="373039"/>
+          </a:xfrm>
+          <a:prstGeom prst="rect">
+            <a:avLst/>
+          </a:prstGeom>
+        </p:spPr>
+        <p:style>
+          <a:lnRef idx="2">
+            <a:schemeClr val="accent1"/>
+          </a:lnRef>
+          <a:fillRef idx="1">
+            <a:schemeClr val="lt1"/>
+          </a:fillRef>
+          <a:effectRef idx="0">
+            <a:schemeClr val="accent1"/>
+          </a:effectRef>
+          <a:fontRef idx="minor">
+            <a:schemeClr val="dk1"/>
+          </a:fontRef>
+        </p:style>
+        <p:txBody>
+          <a:bodyPr rtlCol="0" anchor="ctr"/>
+          <a:lstStyle/>
+          <a:p>
+            <a:pPr algn="ctr"/>
+            <a:r>
+              <a:rPr kumimoji="1" lang="en-US" altLang="ko-Kore-KR" sz="1200" dirty="0"/>
+              <a:t>Board</a:t>
+            </a:r>
+          </a:p>
+          <a:p>
+            <a:pPr algn="ctr"/>
+            <a:r>
+              <a:rPr kumimoji="1" lang="en-US" altLang="ko-Kore-KR" sz="1200" dirty="0"/>
+              <a:t>class</a:t>
+            </a:r>
+            <a:endParaRPr kumimoji="1" lang="ko-Kore-KR" altLang="en-US" sz="1200" dirty="0"/>
+          </a:p>
+        </p:txBody>
+      </p:sp>
+      <p:sp>
+        <p:nvSpPr>
+          <p:cNvPr id="97" name="직사각형 96">
+            <a:extLst>
+              <a:ext uri="{FF2B5EF4-FFF2-40B4-BE49-F238E27FC236}">
+                <a16:creationId xmlns:a16="http://schemas.microsoft.com/office/drawing/2014/main" id="{6E8F68F6-B510-B4B1-8161-6890CEBDDECF}"/>
+              </a:ext>
+            </a:extLst>
+          </p:cNvPr>
+          <p:cNvSpPr/>
+          <p:nvPr/>
+        </p:nvSpPr>
+        <p:spPr>
+          <a:xfrm>
+            <a:off x="5214181" y="4164052"/>
+            <a:ext cx="1326593" cy="373039"/>
+          </a:xfrm>
+          <a:prstGeom prst="rect">
+            <a:avLst/>
+          </a:prstGeom>
+        </p:spPr>
+        <p:style>
+          <a:lnRef idx="2">
+            <a:schemeClr val="accent1"/>
+          </a:lnRef>
+          <a:fillRef idx="1">
+            <a:schemeClr val="lt1"/>
+          </a:fillRef>
+          <a:effectRef idx="0">
+            <a:schemeClr val="accent1"/>
+          </a:effectRef>
+          <a:fontRef idx="minor">
+            <a:schemeClr val="dk1"/>
+          </a:fontRef>
+        </p:style>
+        <p:txBody>
+          <a:bodyPr rtlCol="0" anchor="ctr"/>
+          <a:lstStyle/>
+          <a:p>
+            <a:pPr algn="ctr"/>
+            <a:r>
+              <a:rPr kumimoji="1" lang="en-US" altLang="ko-Kore-KR" sz="1200" dirty="0"/>
+              <a:t>Member</a:t>
+            </a:r>
+          </a:p>
+          <a:p>
+            <a:pPr algn="ctr"/>
+            <a:r>
+              <a:rPr kumimoji="1" lang="en-US" altLang="ko-Kore-KR" sz="1200" dirty="0"/>
+              <a:t>class</a:t>
+            </a:r>
+            <a:endParaRPr kumimoji="1" lang="ko-Kore-KR" altLang="en-US" sz="1200" dirty="0"/>
+          </a:p>
+        </p:txBody>
+      </p:sp>
+      <p:cxnSp>
+        <p:nvCxnSpPr>
+          <p:cNvPr id="98" name="직선 연결선[R] 97">
+            <a:extLst>
+              <a:ext uri="{FF2B5EF4-FFF2-40B4-BE49-F238E27FC236}">
+                <a16:creationId xmlns:a16="http://schemas.microsoft.com/office/drawing/2014/main" id="{6597C69E-EA3E-8ACD-8230-E12FEA5D07A8}"/>
+              </a:ext>
+            </a:extLst>
+          </p:cNvPr>
+          <p:cNvCxnSpPr>
+            <a:cxnSpLocks/>
+            <a:stCxn id="88" idx="3"/>
+            <a:endCxn id="94" idx="1"/>
+          </p:cNvCxnSpPr>
+          <p:nvPr/>
+        </p:nvCxnSpPr>
+        <p:spPr>
+          <a:xfrm flipV="1">
+            <a:off x="3795117" y="2826823"/>
+            <a:ext cx="1419064" cy="144549"/>
+          </a:xfrm>
+          <a:prstGeom prst="line">
+            <a:avLst/>
+          </a:prstGeom>
+        </p:spPr>
+        <p:style>
+          <a:lnRef idx="3">
+            <a:schemeClr val="accent1"/>
+          </a:lnRef>
+          <a:fillRef idx="0">
+            <a:schemeClr val="accent1"/>
+          </a:fillRef>
+          <a:effectRef idx="2">
+            <a:schemeClr val="accent1"/>
+          </a:effectRef>
+          <a:fontRef idx="minor">
+            <a:schemeClr val="tx1"/>
+          </a:fontRef>
+        </p:style>
+      </p:cxnSp>
+      <p:cxnSp>
+        <p:nvCxnSpPr>
+          <p:cNvPr id="101" name="직선 연결선[R] 100">
+            <a:extLst>
+              <a:ext uri="{FF2B5EF4-FFF2-40B4-BE49-F238E27FC236}">
+                <a16:creationId xmlns:a16="http://schemas.microsoft.com/office/drawing/2014/main" id="{E034775C-17B1-C221-897D-8B51C387E4EC}"/>
+              </a:ext>
+            </a:extLst>
+          </p:cNvPr>
+          <p:cNvCxnSpPr>
+            <a:cxnSpLocks/>
+            <a:stCxn id="88" idx="3"/>
+            <a:endCxn id="95" idx="1"/>
+          </p:cNvCxnSpPr>
+          <p:nvPr/>
+        </p:nvCxnSpPr>
+        <p:spPr>
+          <a:xfrm>
+            <a:off x="3795117" y="2971372"/>
+            <a:ext cx="1417179" cy="382257"/>
+          </a:xfrm>
+          <a:prstGeom prst="line">
+            <a:avLst/>
+          </a:prstGeom>
+        </p:spPr>
+        <p:style>
+          <a:lnRef idx="3">
+            <a:schemeClr val="accent1"/>
+          </a:lnRef>
+          <a:fillRef idx="0">
+            <a:schemeClr val="accent1"/>
+          </a:fillRef>
+          <a:effectRef idx="2">
+            <a:schemeClr val="accent1"/>
+          </a:effectRef>
+          <a:fontRef idx="minor">
+            <a:schemeClr val="tx1"/>
+          </a:fontRef>
+        </p:style>
+      </p:cxnSp>
+      <p:cxnSp>
+        <p:nvCxnSpPr>
+          <p:cNvPr id="104" name="직선 연결선[R] 103">
+            <a:extLst>
+              <a:ext uri="{FF2B5EF4-FFF2-40B4-BE49-F238E27FC236}">
+                <a16:creationId xmlns:a16="http://schemas.microsoft.com/office/drawing/2014/main" id="{459AFF53-017E-5A78-3320-56671CD43A68}"/>
+              </a:ext>
+            </a:extLst>
+          </p:cNvPr>
+          <p:cNvCxnSpPr>
+            <a:cxnSpLocks/>
+            <a:stCxn id="89" idx="3"/>
+            <a:endCxn id="96" idx="1"/>
+          </p:cNvCxnSpPr>
+          <p:nvPr/>
+        </p:nvCxnSpPr>
+        <p:spPr>
+          <a:xfrm>
+            <a:off x="3810360" y="3805272"/>
+            <a:ext cx="1403821" cy="10489"/>
+          </a:xfrm>
+          <a:prstGeom prst="line">
+            <a:avLst/>
+          </a:prstGeom>
+        </p:spPr>
+        <p:style>
+          <a:lnRef idx="3">
+            <a:schemeClr val="accent1"/>
+          </a:lnRef>
+          <a:fillRef idx="0">
+            <a:schemeClr val="accent1"/>
+          </a:fillRef>
+          <a:effectRef idx="2">
+            <a:schemeClr val="accent1"/>
+          </a:effectRef>
+          <a:fontRef idx="minor">
+            <a:schemeClr val="tx1"/>
+          </a:fontRef>
+        </p:style>
+      </p:cxnSp>
+      <p:cxnSp>
+        <p:nvCxnSpPr>
+          <p:cNvPr id="107" name="직선 연결선[R] 106">
+            <a:extLst>
+              <a:ext uri="{FF2B5EF4-FFF2-40B4-BE49-F238E27FC236}">
+                <a16:creationId xmlns:a16="http://schemas.microsoft.com/office/drawing/2014/main" id="{233BB7BA-E69F-9F45-0EDF-0398E196ECE3}"/>
+              </a:ext>
+            </a:extLst>
+          </p:cNvPr>
+          <p:cNvCxnSpPr>
+            <a:cxnSpLocks/>
+            <a:stCxn id="89" idx="3"/>
+            <a:endCxn id="97" idx="1"/>
+          </p:cNvCxnSpPr>
+          <p:nvPr/>
+        </p:nvCxnSpPr>
+        <p:spPr>
+          <a:xfrm>
+            <a:off x="3810360" y="3805272"/>
+            <a:ext cx="1403821" cy="545300"/>
+          </a:xfrm>
+          <a:prstGeom prst="line">
+            <a:avLst/>
+          </a:prstGeom>
+        </p:spPr>
+        <p:style>
+          <a:lnRef idx="3">
+            <a:schemeClr val="accent1"/>
+          </a:lnRef>
+          <a:fillRef idx="0">
+            <a:schemeClr val="accent1"/>
+          </a:fillRef>
+          <a:effectRef idx="2">
+            <a:schemeClr val="accent1"/>
+          </a:effectRef>
+          <a:fontRef idx="minor">
+            <a:schemeClr val="tx1"/>
+          </a:fontRef>
+        </p:style>
+      </p:cxnSp>
+      <p:sp>
+        <p:nvSpPr>
+          <p:cNvPr id="121" name="직사각형 120">
+            <a:extLst>
+              <a:ext uri="{FF2B5EF4-FFF2-40B4-BE49-F238E27FC236}">
+                <a16:creationId xmlns:a16="http://schemas.microsoft.com/office/drawing/2014/main" id="{ED0959F0-EA79-2BAD-5E85-CBC2F67666E4}"/>
+              </a:ext>
+            </a:extLst>
+          </p:cNvPr>
+          <p:cNvSpPr/>
+          <p:nvPr/>
+        </p:nvSpPr>
+        <p:spPr>
+          <a:xfrm>
+            <a:off x="2874510" y="4676181"/>
+            <a:ext cx="935849" cy="468519"/>
+          </a:xfrm>
+          <a:prstGeom prst="rect">
+            <a:avLst/>
+          </a:prstGeom>
+        </p:spPr>
+        <p:style>
+          <a:lnRef idx="3">
+            <a:schemeClr val="lt1"/>
+          </a:lnRef>
+          <a:fillRef idx="1">
+            <a:schemeClr val="accent3"/>
+          </a:fillRef>
+          <a:effectRef idx="1">
+            <a:schemeClr val="accent3"/>
+          </a:effectRef>
+          <a:fontRef idx="minor">
+            <a:schemeClr val="lt1"/>
+          </a:fontRef>
+        </p:style>
+        <p:txBody>
+          <a:bodyPr rtlCol="0" anchor="ctr"/>
+          <a:lstStyle/>
+          <a:p>
+            <a:pPr algn="ctr"/>
+            <a:r>
+              <a:rPr kumimoji="1" lang="en-US" altLang="ko-Kore-KR" sz="1600" dirty="0"/>
+              <a:t>board</a:t>
+            </a:r>
+          </a:p>
+          <a:p>
+            <a:pPr algn="ctr"/>
+            <a:r>
+              <a:rPr kumimoji="1" lang="en-US" altLang="ko-Kore-KR" sz="1600" dirty="0"/>
+              <a:t>pkg</a:t>
+            </a:r>
+            <a:endParaRPr kumimoji="1" lang="ko-Kore-KR" altLang="en-US" sz="1600" dirty="0"/>
+          </a:p>
+        </p:txBody>
+      </p:sp>
+      <p:sp>
+        <p:nvSpPr>
+          <p:cNvPr id="122" name="직사각형 121">
+            <a:extLst>
+              <a:ext uri="{FF2B5EF4-FFF2-40B4-BE49-F238E27FC236}">
+                <a16:creationId xmlns:a16="http://schemas.microsoft.com/office/drawing/2014/main" id="{6FBD2B14-E808-9F59-520B-CA94DCEA51D3}"/>
+              </a:ext>
+            </a:extLst>
+          </p:cNvPr>
+          <p:cNvSpPr/>
+          <p:nvPr/>
+        </p:nvSpPr>
+        <p:spPr>
+          <a:xfrm>
+            <a:off x="2883073" y="6417208"/>
+            <a:ext cx="935849" cy="468519"/>
+          </a:xfrm>
+          <a:prstGeom prst="rect">
+            <a:avLst/>
+          </a:prstGeom>
+        </p:spPr>
+        <p:style>
+          <a:lnRef idx="3">
+            <a:schemeClr val="lt1"/>
+          </a:lnRef>
+          <a:fillRef idx="1">
+            <a:schemeClr val="accent3"/>
+          </a:fillRef>
+          <a:effectRef idx="1">
+            <a:schemeClr val="accent3"/>
+          </a:effectRef>
+          <a:fontRef idx="minor">
+            <a:schemeClr val="lt1"/>
+          </a:fontRef>
+        </p:style>
+        <p:txBody>
+          <a:bodyPr rtlCol="0" anchor="ctr"/>
+          <a:lstStyle/>
+          <a:p>
+            <a:pPr algn="ctr"/>
+            <a:r>
+              <a:rPr kumimoji="1" lang="en-US" altLang="ko-Kore-KR" sz="1600" dirty="0"/>
+              <a:t>servlet</a:t>
+            </a:r>
+          </a:p>
+          <a:p>
+            <a:pPr algn="ctr"/>
+            <a:r>
+              <a:rPr kumimoji="1" lang="en-US" altLang="ko-Kore-KR" sz="1600" dirty="0"/>
+              <a:t>pkg</a:t>
+            </a:r>
+            <a:endParaRPr kumimoji="1" lang="ko-Kore-KR" altLang="en-US" sz="1600" dirty="0"/>
+          </a:p>
+        </p:txBody>
+      </p:sp>
+      <p:cxnSp>
+        <p:nvCxnSpPr>
+          <p:cNvPr id="123" name="직선 연결선[R] 122">
+            <a:extLst>
+              <a:ext uri="{FF2B5EF4-FFF2-40B4-BE49-F238E27FC236}">
+                <a16:creationId xmlns:a16="http://schemas.microsoft.com/office/drawing/2014/main" id="{F9BE407B-40A1-4B68-8B62-E24171FF4C7F}"/>
+              </a:ext>
+            </a:extLst>
+          </p:cNvPr>
+          <p:cNvCxnSpPr>
+            <a:cxnSpLocks/>
+            <a:stCxn id="17" idx="3"/>
+            <a:endCxn id="121" idx="1"/>
+          </p:cNvCxnSpPr>
+          <p:nvPr/>
+        </p:nvCxnSpPr>
+        <p:spPr>
+          <a:xfrm flipV="1">
+            <a:off x="2496426" y="4910441"/>
+            <a:ext cx="378084" cy="50000"/>
+          </a:xfrm>
+          <a:prstGeom prst="line">
+            <a:avLst/>
+          </a:prstGeom>
+        </p:spPr>
+        <p:style>
+          <a:lnRef idx="3">
+            <a:schemeClr val="accent3"/>
+          </a:lnRef>
+          <a:fillRef idx="0">
+            <a:schemeClr val="accent3"/>
+          </a:fillRef>
+          <a:effectRef idx="2">
+            <a:schemeClr val="accent3"/>
+          </a:effectRef>
+          <a:fontRef idx="minor">
+            <a:schemeClr val="tx1"/>
+          </a:fontRef>
+        </p:style>
+      </p:cxnSp>
+      <p:cxnSp>
+        <p:nvCxnSpPr>
+          <p:cNvPr id="126" name="직선 연결선[R] 125">
+            <a:extLst>
+              <a:ext uri="{FF2B5EF4-FFF2-40B4-BE49-F238E27FC236}">
+                <a16:creationId xmlns:a16="http://schemas.microsoft.com/office/drawing/2014/main" id="{4D65B6DF-776B-A1D4-D0A5-689FD69D8804}"/>
+              </a:ext>
+            </a:extLst>
+          </p:cNvPr>
+          <p:cNvCxnSpPr>
+            <a:cxnSpLocks/>
+            <a:stCxn id="17" idx="3"/>
+            <a:endCxn id="122" idx="1"/>
+          </p:cNvCxnSpPr>
+          <p:nvPr/>
+        </p:nvCxnSpPr>
+        <p:spPr>
+          <a:xfrm>
+            <a:off x="2496426" y="4960441"/>
+            <a:ext cx="386647" cy="1691027"/>
+          </a:xfrm>
+          <a:prstGeom prst="line">
+            <a:avLst/>
+          </a:prstGeom>
+        </p:spPr>
+        <p:style>
+          <a:lnRef idx="3">
+            <a:schemeClr val="accent3"/>
+          </a:lnRef>
+          <a:fillRef idx="0">
+            <a:schemeClr val="accent3"/>
+          </a:fillRef>
+          <a:effectRef idx="2">
+            <a:schemeClr val="accent3"/>
+          </a:effectRef>
+          <a:fontRef idx="minor">
+            <a:schemeClr val="tx1"/>
+          </a:fontRef>
+        </p:style>
+      </p:cxnSp>
+      <p:sp>
+        <p:nvSpPr>
+          <p:cNvPr id="131" name="직사각형 130">
+            <a:extLst>
+              <a:ext uri="{FF2B5EF4-FFF2-40B4-BE49-F238E27FC236}">
+                <a16:creationId xmlns:a16="http://schemas.microsoft.com/office/drawing/2014/main" id="{E1C16A87-F8DF-2E4F-C255-B36947248FB7}"/>
+              </a:ext>
+            </a:extLst>
+          </p:cNvPr>
+          <p:cNvSpPr/>
+          <p:nvPr/>
+        </p:nvSpPr>
+        <p:spPr>
+          <a:xfrm>
+            <a:off x="5212295" y="6464948"/>
+            <a:ext cx="1326593" cy="373039"/>
+          </a:xfrm>
+          <a:prstGeom prst="rect">
+            <a:avLst/>
+          </a:prstGeom>
+        </p:spPr>
+        <p:style>
+          <a:lnRef idx="1">
+            <a:schemeClr val="accent3"/>
+          </a:lnRef>
+          <a:fillRef idx="2">
+            <a:schemeClr val="accent3"/>
+          </a:fillRef>
+          <a:effectRef idx="1">
+            <a:schemeClr val="accent3"/>
+          </a:effectRef>
+          <a:fontRef idx="minor">
+            <a:schemeClr val="dk1"/>
+          </a:fontRef>
+        </p:style>
+        <p:txBody>
+          <a:bodyPr rtlCol="0" anchor="ctr"/>
+          <a:lstStyle/>
+          <a:p>
+            <a:pPr algn="ctr"/>
+            <a:r>
+              <a:rPr kumimoji="1" lang="en-US" altLang="ko-Kore-KR" sz="1200" dirty="0"/>
+              <a:t>Servlet</a:t>
+            </a:r>
+          </a:p>
+          <a:p>
+            <a:pPr algn="ctr"/>
+            <a:r>
+              <a:rPr kumimoji="1" lang="en-US" altLang="ko-Kore-KR" sz="1200" dirty="0"/>
+              <a:t>interface</a:t>
+            </a:r>
+            <a:endParaRPr kumimoji="1" lang="ko-Kore-KR" altLang="en-US" sz="1200" dirty="0"/>
+          </a:p>
+        </p:txBody>
+      </p:sp>
+      <p:cxnSp>
+        <p:nvCxnSpPr>
+          <p:cNvPr id="132" name="직선 연결선[R] 131">
+            <a:extLst>
+              <a:ext uri="{FF2B5EF4-FFF2-40B4-BE49-F238E27FC236}">
+                <a16:creationId xmlns:a16="http://schemas.microsoft.com/office/drawing/2014/main" id="{47ACC659-3406-DBCB-0CDB-B850FA90B113}"/>
+              </a:ext>
+            </a:extLst>
+          </p:cNvPr>
+          <p:cNvCxnSpPr>
+            <a:cxnSpLocks/>
+            <a:stCxn id="122" idx="3"/>
+            <a:endCxn id="131" idx="1"/>
+          </p:cNvCxnSpPr>
+          <p:nvPr/>
+        </p:nvCxnSpPr>
+        <p:spPr>
+          <a:xfrm>
+            <a:off x="3818922" y="6651468"/>
+            <a:ext cx="1393373" cy="0"/>
+          </a:xfrm>
+          <a:prstGeom prst="line">
+            <a:avLst/>
+          </a:prstGeom>
+        </p:spPr>
+        <p:style>
+          <a:lnRef idx="3">
+            <a:schemeClr val="accent3"/>
+          </a:lnRef>
+          <a:fillRef idx="0">
+            <a:schemeClr val="accent3"/>
+          </a:fillRef>
+          <a:effectRef idx="2">
+            <a:schemeClr val="accent3"/>
+          </a:effectRef>
+          <a:fontRef idx="minor">
+            <a:schemeClr val="tx1"/>
+          </a:fontRef>
+        </p:style>
+      </p:cxnSp>
+      <p:sp>
+        <p:nvSpPr>
+          <p:cNvPr id="139" name="직사각형 138">
+            <a:extLst>
+              <a:ext uri="{FF2B5EF4-FFF2-40B4-BE49-F238E27FC236}">
+                <a16:creationId xmlns:a16="http://schemas.microsoft.com/office/drawing/2014/main" id="{F64AE111-6DE3-17FB-3FE9-279F48E8C8FD}"/>
+              </a:ext>
+            </a:extLst>
+          </p:cNvPr>
+          <p:cNvSpPr/>
+          <p:nvPr/>
+        </p:nvSpPr>
+        <p:spPr>
+          <a:xfrm>
+            <a:off x="5212297" y="4664393"/>
+            <a:ext cx="935849" cy="468519"/>
+          </a:xfrm>
+          <a:prstGeom prst="rect">
+            <a:avLst/>
+          </a:prstGeom>
+        </p:spPr>
+        <p:style>
+          <a:lnRef idx="3">
+            <a:schemeClr val="lt1"/>
+          </a:lnRef>
+          <a:fillRef idx="1">
+            <a:schemeClr val="accent3"/>
+          </a:fillRef>
+          <a:effectRef idx="1">
+            <a:schemeClr val="accent3"/>
+          </a:effectRef>
+          <a:fontRef idx="minor">
+            <a:schemeClr val="lt1"/>
+          </a:fontRef>
+        </p:style>
+        <p:txBody>
+          <a:bodyPr rtlCol="0" anchor="ctr"/>
+          <a:lstStyle/>
+          <a:p>
+            <a:pPr algn="ctr"/>
+            <a:r>
+              <a:rPr kumimoji="1" lang="en-US" altLang="ko-Kore-KR" sz="1600" dirty="0" err="1"/>
+              <a:t>dao</a:t>
+            </a:r>
+            <a:endParaRPr kumimoji="1" lang="en-US" altLang="ko-Kore-KR" sz="1600" dirty="0"/>
+          </a:p>
+          <a:p>
+            <a:pPr algn="ctr"/>
+            <a:r>
+              <a:rPr kumimoji="1" lang="en-US" altLang="ko-Kore-KR" sz="1600" dirty="0"/>
+              <a:t>pkg</a:t>
+            </a:r>
+            <a:endParaRPr kumimoji="1" lang="ko-Kore-KR" altLang="en-US" sz="1600" dirty="0"/>
+          </a:p>
+        </p:txBody>
+      </p:sp>
+      <p:sp>
+        <p:nvSpPr>
+          <p:cNvPr id="140" name="직사각형 139">
+            <a:extLst>
+              <a:ext uri="{FF2B5EF4-FFF2-40B4-BE49-F238E27FC236}">
+                <a16:creationId xmlns:a16="http://schemas.microsoft.com/office/drawing/2014/main" id="{C78B59CE-1BC7-F31A-3BC4-A9FF4D0AAB0F}"/>
+              </a:ext>
+            </a:extLst>
+          </p:cNvPr>
+          <p:cNvSpPr/>
+          <p:nvPr/>
+        </p:nvSpPr>
+        <p:spPr>
+          <a:xfrm>
+            <a:off x="5212296" y="5355407"/>
+            <a:ext cx="935849" cy="468519"/>
+          </a:xfrm>
+          <a:prstGeom prst="rect">
+            <a:avLst/>
+          </a:prstGeom>
+        </p:spPr>
+        <p:style>
+          <a:lnRef idx="3">
+            <a:schemeClr val="lt1"/>
+          </a:lnRef>
+          <a:fillRef idx="1">
+            <a:schemeClr val="accent3"/>
+          </a:fillRef>
+          <a:effectRef idx="1">
+            <a:schemeClr val="accent3"/>
+          </a:effectRef>
+          <a:fontRef idx="minor">
+            <a:schemeClr val="lt1"/>
+          </a:fontRef>
+        </p:style>
+        <p:txBody>
+          <a:bodyPr rtlCol="0" anchor="ctr"/>
+          <a:lstStyle/>
+          <a:p>
+            <a:pPr algn="ctr"/>
+            <a:r>
+              <a:rPr kumimoji="1" lang="en-US" altLang="ko-Kore-KR" sz="1600" dirty="0"/>
+              <a:t>servlet</a:t>
+            </a:r>
+          </a:p>
+          <a:p>
+            <a:pPr algn="ctr"/>
+            <a:r>
+              <a:rPr kumimoji="1" lang="en-US" altLang="ko-Kore-KR" sz="1600" dirty="0"/>
+              <a:t>pkg</a:t>
+            </a:r>
+            <a:endParaRPr kumimoji="1" lang="ko-Kore-KR" altLang="en-US" sz="1600" dirty="0"/>
+          </a:p>
+        </p:txBody>
+      </p:sp>
+      <p:cxnSp>
+        <p:nvCxnSpPr>
+          <p:cNvPr id="141" name="직선 연결선[R] 140">
+            <a:extLst>
+              <a:ext uri="{FF2B5EF4-FFF2-40B4-BE49-F238E27FC236}">
+                <a16:creationId xmlns:a16="http://schemas.microsoft.com/office/drawing/2014/main" id="{EE734B69-98FE-F672-74CC-C93FA958A989}"/>
+              </a:ext>
+            </a:extLst>
+          </p:cNvPr>
+          <p:cNvCxnSpPr>
+            <a:cxnSpLocks/>
+            <a:stCxn id="121" idx="3"/>
+            <a:endCxn id="139" idx="1"/>
+          </p:cNvCxnSpPr>
+          <p:nvPr/>
+        </p:nvCxnSpPr>
+        <p:spPr>
+          <a:xfrm flipV="1">
+            <a:off x="3810359" y="4898653"/>
+            <a:ext cx="1401938" cy="11788"/>
+          </a:xfrm>
+          <a:prstGeom prst="line">
+            <a:avLst/>
+          </a:prstGeom>
+        </p:spPr>
+        <p:style>
+          <a:lnRef idx="3">
+            <a:schemeClr val="accent3"/>
+          </a:lnRef>
+          <a:fillRef idx="0">
+            <a:schemeClr val="accent3"/>
+          </a:fillRef>
+          <a:effectRef idx="2">
+            <a:schemeClr val="accent3"/>
+          </a:effectRef>
+          <a:fontRef idx="minor">
+            <a:schemeClr val="tx1"/>
+          </a:fontRef>
+        </p:style>
+      </p:cxnSp>
+      <p:cxnSp>
+        <p:nvCxnSpPr>
+          <p:cNvPr id="144" name="직선 연결선[R] 143">
+            <a:extLst>
+              <a:ext uri="{FF2B5EF4-FFF2-40B4-BE49-F238E27FC236}">
+                <a16:creationId xmlns:a16="http://schemas.microsoft.com/office/drawing/2014/main" id="{70244B0F-ADD3-C19F-2818-91080EA1B1E9}"/>
+              </a:ext>
+            </a:extLst>
+          </p:cNvPr>
+          <p:cNvCxnSpPr>
+            <a:cxnSpLocks/>
+            <a:stCxn id="121" idx="3"/>
+            <a:endCxn id="140" idx="1"/>
+          </p:cNvCxnSpPr>
+          <p:nvPr/>
+        </p:nvCxnSpPr>
+        <p:spPr>
+          <a:xfrm>
+            <a:off x="3810359" y="4910441"/>
+            <a:ext cx="1401937" cy="679226"/>
+          </a:xfrm>
+          <a:prstGeom prst="line">
+            <a:avLst/>
+          </a:prstGeom>
+        </p:spPr>
+        <p:style>
+          <a:lnRef idx="3">
+            <a:schemeClr val="accent3"/>
+          </a:lnRef>
+          <a:fillRef idx="0">
+            <a:schemeClr val="accent3"/>
+          </a:fillRef>
+          <a:effectRef idx="2">
+            <a:schemeClr val="accent3"/>
+          </a:effectRef>
+          <a:fontRef idx="minor">
+            <a:schemeClr val="tx1"/>
+          </a:fontRef>
+        </p:style>
+      </p:cxnSp>
+      <p:sp>
+        <p:nvSpPr>
+          <p:cNvPr id="148" name="직사각형 147">
+            <a:extLst>
+              <a:ext uri="{FF2B5EF4-FFF2-40B4-BE49-F238E27FC236}">
+                <a16:creationId xmlns:a16="http://schemas.microsoft.com/office/drawing/2014/main" id="{19FA3B51-A01B-A16D-C9DD-6692CFF940D5}"/>
+              </a:ext>
+            </a:extLst>
+          </p:cNvPr>
+          <p:cNvSpPr/>
+          <p:nvPr/>
+        </p:nvSpPr>
+        <p:spPr>
+          <a:xfrm>
+            <a:off x="5212296" y="6011081"/>
+            <a:ext cx="1326593" cy="373039"/>
+          </a:xfrm>
+          <a:prstGeom prst="rect">
+            <a:avLst/>
+          </a:prstGeom>
+        </p:spPr>
+        <p:style>
+          <a:lnRef idx="2">
+            <a:schemeClr val="accent3"/>
+          </a:lnRef>
+          <a:fillRef idx="1">
+            <a:schemeClr val="lt1"/>
+          </a:fillRef>
+          <a:effectRef idx="0">
+            <a:schemeClr val="accent3"/>
+          </a:effectRef>
+          <a:fontRef idx="minor">
+            <a:schemeClr val="dk1"/>
+          </a:fontRef>
+        </p:style>
+        <p:txBody>
+          <a:bodyPr rtlCol="0" anchor="ctr"/>
+          <a:lstStyle/>
+          <a:p>
+            <a:pPr algn="ctr"/>
+            <a:r>
+              <a:rPr kumimoji="1" lang="en-US" altLang="ko-Kore-KR" sz="1200" dirty="0" err="1"/>
+              <a:t>ServerApp</a:t>
+            </a:r>
+            <a:endParaRPr kumimoji="1" lang="en-US" altLang="ko-Kore-KR" sz="1200" dirty="0"/>
+          </a:p>
+          <a:p>
+            <a:pPr algn="ctr"/>
+            <a:r>
+              <a:rPr kumimoji="1" lang="en-US" altLang="ko-Kore-KR" sz="1200" dirty="0"/>
+              <a:t>class</a:t>
+            </a:r>
+            <a:endParaRPr kumimoji="1" lang="ko-Kore-KR" altLang="en-US" sz="1200" dirty="0"/>
+          </a:p>
+        </p:txBody>
+      </p:sp>
+      <p:cxnSp>
+        <p:nvCxnSpPr>
+          <p:cNvPr id="149" name="직선 연결선[R] 148">
+            <a:extLst>
+              <a:ext uri="{FF2B5EF4-FFF2-40B4-BE49-F238E27FC236}">
+                <a16:creationId xmlns:a16="http://schemas.microsoft.com/office/drawing/2014/main" id="{E907F69A-90D7-E18E-1997-13480395C01A}"/>
+              </a:ext>
+            </a:extLst>
+          </p:cNvPr>
+          <p:cNvCxnSpPr>
+            <a:cxnSpLocks/>
+            <a:stCxn id="121" idx="3"/>
+            <a:endCxn id="148" idx="1"/>
+          </p:cNvCxnSpPr>
+          <p:nvPr/>
+        </p:nvCxnSpPr>
+        <p:spPr>
+          <a:xfrm>
+            <a:off x="3810359" y="4910441"/>
+            <a:ext cx="1401937" cy="1287160"/>
+          </a:xfrm>
+          <a:prstGeom prst="line">
+            <a:avLst/>
+          </a:prstGeom>
+        </p:spPr>
+        <p:style>
+          <a:lnRef idx="3">
+            <a:schemeClr val="accent3"/>
+          </a:lnRef>
+          <a:fillRef idx="0">
+            <a:schemeClr val="accent3"/>
+          </a:fillRef>
+          <a:effectRef idx="2">
+            <a:schemeClr val="accent3"/>
+          </a:effectRef>
+          <a:fontRef idx="minor">
+            <a:schemeClr val="tx1"/>
+          </a:fontRef>
+        </p:style>
+      </p:cxnSp>
+      <p:sp>
+        <p:nvSpPr>
+          <p:cNvPr id="156" name="직사각형 155">
+            <a:extLst>
+              <a:ext uri="{FF2B5EF4-FFF2-40B4-BE49-F238E27FC236}">
+                <a16:creationId xmlns:a16="http://schemas.microsoft.com/office/drawing/2014/main" id="{0C22CB62-446E-ACC2-ADF5-68C9202F002D}"/>
+              </a:ext>
+            </a:extLst>
+          </p:cNvPr>
+          <p:cNvSpPr/>
+          <p:nvPr/>
+        </p:nvSpPr>
+        <p:spPr>
+          <a:xfrm>
+            <a:off x="7466624" y="4350017"/>
+            <a:ext cx="1326593" cy="373039"/>
+          </a:xfrm>
+          <a:prstGeom prst="rect">
+            <a:avLst/>
+          </a:prstGeom>
+        </p:spPr>
+        <p:style>
+          <a:lnRef idx="2">
+            <a:schemeClr val="accent3"/>
+          </a:lnRef>
+          <a:fillRef idx="1">
+            <a:schemeClr val="lt1"/>
+          </a:fillRef>
+          <a:effectRef idx="0">
+            <a:schemeClr val="accent3"/>
+          </a:effectRef>
+          <a:fontRef idx="minor">
+            <a:schemeClr val="dk1"/>
+          </a:fontRef>
+        </p:style>
+        <p:txBody>
+          <a:bodyPr rtlCol="0" anchor="ctr"/>
+          <a:lstStyle/>
+          <a:p>
+            <a:pPr algn="ctr"/>
+            <a:r>
+              <a:rPr kumimoji="1" lang="en-US" altLang="ko-Kore-KR" sz="1200" dirty="0" err="1"/>
+              <a:t>BoardDao</a:t>
+            </a:r>
+            <a:endParaRPr kumimoji="1" lang="en-US" altLang="ko-Kore-KR" sz="1200" dirty="0"/>
+          </a:p>
+          <a:p>
+            <a:pPr algn="ctr"/>
+            <a:r>
+              <a:rPr kumimoji="1" lang="en-US" altLang="ko-Kore-KR" sz="1200" dirty="0"/>
+              <a:t>class</a:t>
+            </a:r>
+            <a:endParaRPr kumimoji="1" lang="ko-Kore-KR" altLang="en-US" sz="1200" dirty="0"/>
+          </a:p>
+        </p:txBody>
+      </p:sp>
+      <p:sp>
+        <p:nvSpPr>
+          <p:cNvPr id="157" name="직사각형 156">
+            <a:extLst>
+              <a:ext uri="{FF2B5EF4-FFF2-40B4-BE49-F238E27FC236}">
+                <a16:creationId xmlns:a16="http://schemas.microsoft.com/office/drawing/2014/main" id="{03CE4FAF-81AE-BBD7-A987-C22C0D0C88D7}"/>
+              </a:ext>
+            </a:extLst>
+          </p:cNvPr>
+          <p:cNvSpPr/>
+          <p:nvPr/>
+        </p:nvSpPr>
+        <p:spPr>
+          <a:xfrm>
+            <a:off x="7468685" y="4937347"/>
+            <a:ext cx="1326593" cy="373039"/>
+          </a:xfrm>
+          <a:prstGeom prst="rect">
+            <a:avLst/>
+          </a:prstGeom>
+        </p:spPr>
+        <p:style>
+          <a:lnRef idx="2">
+            <a:schemeClr val="accent3"/>
+          </a:lnRef>
+          <a:fillRef idx="1">
+            <a:schemeClr val="lt1"/>
+          </a:fillRef>
+          <a:effectRef idx="0">
+            <a:schemeClr val="accent3"/>
+          </a:effectRef>
+          <a:fontRef idx="minor">
+            <a:schemeClr val="dk1"/>
+          </a:fontRef>
+        </p:style>
+        <p:txBody>
+          <a:bodyPr rtlCol="0" anchor="ctr"/>
+          <a:lstStyle/>
+          <a:p>
+            <a:pPr algn="ctr"/>
+            <a:r>
+              <a:rPr kumimoji="1" lang="en-US" altLang="ko-Kore-KR" sz="1200" dirty="0" err="1"/>
+              <a:t>MemberDao</a:t>
+            </a:r>
+            <a:endParaRPr kumimoji="1" lang="en-US" altLang="ko-Kore-KR" sz="1200" dirty="0"/>
+          </a:p>
+          <a:p>
+            <a:pPr algn="ctr"/>
+            <a:r>
+              <a:rPr kumimoji="1" lang="en-US" altLang="ko-Kore-KR" sz="1200" dirty="0"/>
+              <a:t>class</a:t>
+            </a:r>
+            <a:endParaRPr kumimoji="1" lang="ko-Kore-KR" altLang="en-US" sz="1200" dirty="0"/>
+          </a:p>
+        </p:txBody>
+      </p:sp>
+      <p:sp>
+        <p:nvSpPr>
+          <p:cNvPr id="159" name="직사각형 158">
+            <a:extLst>
+              <a:ext uri="{FF2B5EF4-FFF2-40B4-BE49-F238E27FC236}">
+                <a16:creationId xmlns:a16="http://schemas.microsoft.com/office/drawing/2014/main" id="{14AA4A61-ED5F-0E5D-EDD0-02FA7235479C}"/>
+              </a:ext>
+            </a:extLst>
+          </p:cNvPr>
+          <p:cNvSpPr/>
+          <p:nvPr/>
+        </p:nvSpPr>
+        <p:spPr>
+          <a:xfrm>
+            <a:off x="7462345" y="5467691"/>
+            <a:ext cx="1326593" cy="373039"/>
+          </a:xfrm>
+          <a:prstGeom prst="rect">
+            <a:avLst/>
+          </a:prstGeom>
+        </p:spPr>
+        <p:style>
+          <a:lnRef idx="2">
+            <a:schemeClr val="accent3"/>
+          </a:lnRef>
+          <a:fillRef idx="1">
+            <a:schemeClr val="lt1"/>
+          </a:fillRef>
+          <a:effectRef idx="0">
+            <a:schemeClr val="accent3"/>
+          </a:effectRef>
+          <a:fontRef idx="minor">
+            <a:schemeClr val="dk1"/>
+          </a:fontRef>
+        </p:style>
+        <p:txBody>
+          <a:bodyPr rtlCol="0" anchor="ctr"/>
+          <a:lstStyle/>
+          <a:p>
+            <a:pPr algn="ctr"/>
+            <a:r>
+              <a:rPr kumimoji="1" lang="en-US" altLang="ko-Kore-KR" sz="1200" dirty="0" err="1"/>
+              <a:t>BoardServlet</a:t>
+            </a:r>
+            <a:endParaRPr kumimoji="1" lang="en-US" altLang="ko-Kore-KR" sz="1200" dirty="0"/>
+          </a:p>
+          <a:p>
+            <a:pPr algn="ctr"/>
+            <a:r>
+              <a:rPr kumimoji="1" lang="en-US" altLang="ko-Kore-KR" sz="1200" dirty="0"/>
+              <a:t>class</a:t>
+            </a:r>
+            <a:endParaRPr kumimoji="1" lang="ko-Kore-KR" altLang="en-US" sz="1200" dirty="0"/>
+          </a:p>
+        </p:txBody>
+      </p:sp>
+      <p:sp>
+        <p:nvSpPr>
+          <p:cNvPr id="160" name="직사각형 159">
+            <a:extLst>
+              <a:ext uri="{FF2B5EF4-FFF2-40B4-BE49-F238E27FC236}">
+                <a16:creationId xmlns:a16="http://schemas.microsoft.com/office/drawing/2014/main" id="{54EB473D-32BC-3E1D-37D6-860541722FA1}"/>
+              </a:ext>
+            </a:extLst>
+          </p:cNvPr>
+          <p:cNvSpPr/>
+          <p:nvPr/>
+        </p:nvSpPr>
+        <p:spPr>
+          <a:xfrm>
+            <a:off x="7462345" y="5962706"/>
+            <a:ext cx="1326593" cy="373039"/>
+          </a:xfrm>
+          <a:prstGeom prst="rect">
+            <a:avLst/>
+          </a:prstGeom>
+        </p:spPr>
+        <p:style>
+          <a:lnRef idx="2">
+            <a:schemeClr val="accent3"/>
+          </a:lnRef>
+          <a:fillRef idx="1">
+            <a:schemeClr val="lt1"/>
+          </a:fillRef>
+          <a:effectRef idx="0">
+            <a:schemeClr val="accent3"/>
+          </a:effectRef>
+          <a:fontRef idx="minor">
+            <a:schemeClr val="dk1"/>
+          </a:fontRef>
+        </p:style>
+        <p:txBody>
+          <a:bodyPr rtlCol="0" anchor="ctr"/>
+          <a:lstStyle/>
+          <a:p>
+            <a:pPr algn="ctr"/>
+            <a:r>
+              <a:rPr kumimoji="1" lang="en-US" altLang="ko-Kore-KR" sz="1200" dirty="0" err="1"/>
+              <a:t>MemberServlet</a:t>
+            </a:r>
+            <a:endParaRPr kumimoji="1" lang="en-US" altLang="ko-Kore-KR" sz="1200" dirty="0"/>
+          </a:p>
+          <a:p>
+            <a:pPr algn="ctr"/>
+            <a:r>
+              <a:rPr kumimoji="1" lang="en-US" altLang="ko-Kore-KR" sz="1200" dirty="0"/>
+              <a:t>class</a:t>
+            </a:r>
+            <a:endParaRPr kumimoji="1" lang="ko-Kore-KR" altLang="en-US" sz="1200" dirty="0"/>
+          </a:p>
+        </p:txBody>
+      </p:sp>
+      <p:cxnSp>
+        <p:nvCxnSpPr>
+          <p:cNvPr id="161" name="직선 연결선[R] 160">
+            <a:extLst>
+              <a:ext uri="{FF2B5EF4-FFF2-40B4-BE49-F238E27FC236}">
+                <a16:creationId xmlns:a16="http://schemas.microsoft.com/office/drawing/2014/main" id="{549C9C23-63D5-7D9D-FE8C-D14BC046D2D4}"/>
+              </a:ext>
+            </a:extLst>
+          </p:cNvPr>
+          <p:cNvCxnSpPr>
+            <a:cxnSpLocks/>
+            <a:stCxn id="139" idx="3"/>
+            <a:endCxn id="156" idx="1"/>
+          </p:cNvCxnSpPr>
+          <p:nvPr/>
+        </p:nvCxnSpPr>
+        <p:spPr>
+          <a:xfrm flipV="1">
+            <a:off x="6148146" y="4536537"/>
+            <a:ext cx="1318478" cy="362116"/>
+          </a:xfrm>
+          <a:prstGeom prst="line">
+            <a:avLst/>
+          </a:prstGeom>
+        </p:spPr>
+        <p:style>
+          <a:lnRef idx="3">
+            <a:schemeClr val="accent3"/>
+          </a:lnRef>
+          <a:fillRef idx="0">
+            <a:schemeClr val="accent3"/>
+          </a:fillRef>
+          <a:effectRef idx="2">
+            <a:schemeClr val="accent3"/>
+          </a:effectRef>
+          <a:fontRef idx="minor">
+            <a:schemeClr val="tx1"/>
+          </a:fontRef>
+        </p:style>
+      </p:cxnSp>
+      <p:cxnSp>
+        <p:nvCxnSpPr>
+          <p:cNvPr id="164" name="직선 연결선[R] 163">
+            <a:extLst>
+              <a:ext uri="{FF2B5EF4-FFF2-40B4-BE49-F238E27FC236}">
+                <a16:creationId xmlns:a16="http://schemas.microsoft.com/office/drawing/2014/main" id="{275CCAA5-AF94-F5D7-29CF-787051AE2164}"/>
+              </a:ext>
+            </a:extLst>
+          </p:cNvPr>
+          <p:cNvCxnSpPr>
+            <a:cxnSpLocks/>
+            <a:stCxn id="139" idx="3"/>
+            <a:endCxn id="157" idx="1"/>
+          </p:cNvCxnSpPr>
+          <p:nvPr/>
+        </p:nvCxnSpPr>
+        <p:spPr>
+          <a:xfrm>
+            <a:off x="6148146" y="4898653"/>
+            <a:ext cx="1320539" cy="225214"/>
+          </a:xfrm>
+          <a:prstGeom prst="line">
+            <a:avLst/>
+          </a:prstGeom>
+        </p:spPr>
+        <p:style>
+          <a:lnRef idx="3">
+            <a:schemeClr val="accent3"/>
+          </a:lnRef>
+          <a:fillRef idx="0">
+            <a:schemeClr val="accent3"/>
+          </a:fillRef>
+          <a:effectRef idx="2">
+            <a:schemeClr val="accent3"/>
+          </a:effectRef>
+          <a:fontRef idx="minor">
+            <a:schemeClr val="tx1"/>
+          </a:fontRef>
+        </p:style>
+      </p:cxnSp>
+      <p:cxnSp>
+        <p:nvCxnSpPr>
+          <p:cNvPr id="167" name="직선 연결선[R] 166">
+            <a:extLst>
+              <a:ext uri="{FF2B5EF4-FFF2-40B4-BE49-F238E27FC236}">
+                <a16:creationId xmlns:a16="http://schemas.microsoft.com/office/drawing/2014/main" id="{0D7FDB59-51FC-8E5E-F0DC-F484DE18ECE3}"/>
+              </a:ext>
+            </a:extLst>
+          </p:cNvPr>
+          <p:cNvCxnSpPr>
+            <a:cxnSpLocks/>
+            <a:stCxn id="140" idx="3"/>
+            <a:endCxn id="159" idx="1"/>
+          </p:cNvCxnSpPr>
+          <p:nvPr/>
+        </p:nvCxnSpPr>
+        <p:spPr>
+          <a:xfrm>
+            <a:off x="6148145" y="5589667"/>
+            <a:ext cx="1314200" cy="64544"/>
+          </a:xfrm>
+          <a:prstGeom prst="line">
+            <a:avLst/>
+          </a:prstGeom>
+        </p:spPr>
+        <p:style>
+          <a:lnRef idx="3">
+            <a:schemeClr val="accent3"/>
+          </a:lnRef>
+          <a:fillRef idx="0">
+            <a:schemeClr val="accent3"/>
+          </a:fillRef>
+          <a:effectRef idx="2">
+            <a:schemeClr val="accent3"/>
+          </a:effectRef>
+          <a:fontRef idx="minor">
+            <a:schemeClr val="tx1"/>
+          </a:fontRef>
+        </p:style>
+      </p:cxnSp>
+      <p:cxnSp>
+        <p:nvCxnSpPr>
+          <p:cNvPr id="170" name="직선 연결선[R] 169">
+            <a:extLst>
+              <a:ext uri="{FF2B5EF4-FFF2-40B4-BE49-F238E27FC236}">
+                <a16:creationId xmlns:a16="http://schemas.microsoft.com/office/drawing/2014/main" id="{7D8CF72D-73EA-D7AD-AFF4-EB51BBE9A37F}"/>
+              </a:ext>
+            </a:extLst>
+          </p:cNvPr>
+          <p:cNvCxnSpPr>
+            <a:cxnSpLocks/>
+            <a:stCxn id="140" idx="3"/>
+            <a:endCxn id="160" idx="1"/>
+          </p:cNvCxnSpPr>
+          <p:nvPr/>
+        </p:nvCxnSpPr>
+        <p:spPr>
+          <a:xfrm>
+            <a:off x="6148145" y="5589667"/>
+            <a:ext cx="1314200" cy="559559"/>
+          </a:xfrm>
+          <a:prstGeom prst="line">
+            <a:avLst/>
+          </a:prstGeom>
+        </p:spPr>
+        <p:style>
+          <a:lnRef idx="3">
+            <a:schemeClr val="accent3"/>
+          </a:lnRef>
+          <a:fillRef idx="0">
+            <a:schemeClr val="accent3"/>
+          </a:fillRef>
+          <a:effectRef idx="2">
+            <a:schemeClr val="accent3"/>
+          </a:effectRef>
+          <a:fontRef idx="minor">
+            <a:schemeClr val="tx1"/>
+          </a:fontRef>
+        </p:style>
+      </p:cxnSp>
     </p:spTree>
     <p:extLst>
       <p:ext uri="{BB962C8B-B14F-4D97-AF65-F5344CB8AC3E}">
         <p14:creationId xmlns:p14="http://schemas.microsoft.com/office/powerpoint/2010/main" val="1413197154"/>
+      </p:ext>
+    </p:extLst>
+  </p:cSld>
+  <p:clrMapOvr>
+    <a:masterClrMapping/>
+  </p:clrMapOvr>
+</p:sld>
+</file>
+
+<file path=ppt/slides/slide13.xml><?xml version="1.0" encoding="utf-8"?>
+<p:sld xmlns:a="http://schemas.openxmlformats.org/drawingml/2006/main" xmlns:r="http://schemas.openxmlformats.org/officeDocument/2006/relationships" xmlns:p="http://schemas.openxmlformats.org/presentationml/2006/main">
+  <p:cSld>
+    <p:spTree>
+      <p:nvGrpSpPr>
+        <p:cNvPr id="1" name=""/>
+        <p:cNvGrpSpPr/>
+        <p:nvPr/>
+      </p:nvGrpSpPr>
+      <p:grpSpPr>
+        <a:xfrm>
+          <a:off x="0" y="0"/>
+          <a:ext cx="0" cy="0"/>
+          <a:chOff x="0" y="0"/>
+          <a:chExt cx="0" cy="0"/>
+        </a:xfrm>
+      </p:grpSpPr>
+      <p:sp>
+        <p:nvSpPr>
+          <p:cNvPr id="4" name="직사각형 3">
+            <a:extLst>
+              <a:ext uri="{FF2B5EF4-FFF2-40B4-BE49-F238E27FC236}">
+                <a16:creationId xmlns:a16="http://schemas.microsoft.com/office/drawing/2014/main" id="{4DBDA5DC-AD76-A1B8-6E8A-889B31C733EA}"/>
+              </a:ext>
+            </a:extLst>
+          </p:cNvPr>
+          <p:cNvSpPr/>
+          <p:nvPr/>
+        </p:nvSpPr>
+        <p:spPr>
+          <a:xfrm>
+            <a:off x="7462345" y="48653"/>
+            <a:ext cx="1326593" cy="373039"/>
+          </a:xfrm>
+          <a:prstGeom prst="rect">
+            <a:avLst/>
+          </a:prstGeom>
+        </p:spPr>
+        <p:style>
+          <a:lnRef idx="2">
+            <a:schemeClr val="dk1"/>
+          </a:lnRef>
+          <a:fillRef idx="1">
+            <a:schemeClr val="lt1"/>
+          </a:fillRef>
+          <a:effectRef idx="0">
+            <a:schemeClr val="dk1"/>
+          </a:effectRef>
+          <a:fontRef idx="minor">
+            <a:schemeClr val="dk1"/>
+          </a:fontRef>
+        </p:style>
+        <p:txBody>
+          <a:bodyPr rtlCol="0" anchor="ctr"/>
+          <a:lstStyle/>
+          <a:p>
+            <a:pPr algn="ctr"/>
+            <a:r>
+              <a:rPr kumimoji="1" lang="en-US" altLang="ko-Kore-KR" sz="1200" dirty="0" err="1"/>
+              <a:t>BoardHandler</a:t>
+            </a:r>
+            <a:endParaRPr kumimoji="1" lang="en-US" altLang="ko-Kore-KR" sz="1200" dirty="0"/>
+          </a:p>
+          <a:p>
+            <a:pPr algn="ctr"/>
+            <a:r>
+              <a:rPr kumimoji="1" lang="en-US" altLang="ko-Kore-KR" sz="1200" dirty="0"/>
+              <a:t>class</a:t>
+            </a:r>
+            <a:endParaRPr kumimoji="1" lang="ko-Kore-KR" altLang="en-US" sz="1200" dirty="0"/>
+          </a:p>
+        </p:txBody>
+      </p:sp>
+      <p:sp>
+        <p:nvSpPr>
+          <p:cNvPr id="6" name="TextBox 5">
+            <a:extLst>
+              <a:ext uri="{FF2B5EF4-FFF2-40B4-BE49-F238E27FC236}">
+                <a16:creationId xmlns:a16="http://schemas.microsoft.com/office/drawing/2014/main" id="{AB1A9EC0-B9C9-2648-AE13-B49180868738}"/>
+              </a:ext>
+            </a:extLst>
+          </p:cNvPr>
+          <p:cNvSpPr txBox="1"/>
+          <p:nvPr/>
+        </p:nvSpPr>
+        <p:spPr>
+          <a:xfrm>
+            <a:off x="134814" y="320878"/>
+            <a:ext cx="2385648" cy="646331"/>
+          </a:xfrm>
+          <a:prstGeom prst="rect">
+            <a:avLst/>
+          </a:prstGeom>
+        </p:spPr>
+        <p:style>
+          <a:lnRef idx="3">
+            <a:schemeClr val="lt1"/>
+          </a:lnRef>
+          <a:fillRef idx="1">
+            <a:schemeClr val="dk1"/>
+          </a:fillRef>
+          <a:effectRef idx="1">
+            <a:schemeClr val="dk1"/>
+          </a:effectRef>
+          <a:fontRef idx="minor">
+            <a:schemeClr val="lt1"/>
+          </a:fontRef>
+        </p:style>
+        <p:txBody>
+          <a:bodyPr wrap="square" rtlCol="0">
+            <a:spAutoFit/>
+          </a:bodyPr>
+          <a:lstStyle/>
+          <a:p>
+            <a:r>
+              <a:rPr kumimoji="1" lang="en-US" altLang="ko-Kore-KR" dirty="0"/>
+              <a:t>board-app-client</a:t>
+            </a:r>
+          </a:p>
+          <a:p>
+            <a:r>
+              <a:rPr kumimoji="1" lang="en-US" altLang="ko-Kore-KR" dirty="0"/>
+              <a:t>pkg</a:t>
+            </a:r>
+            <a:endParaRPr kumimoji="1" lang="ko-Kore-KR" altLang="en-US" dirty="0"/>
+          </a:p>
+        </p:txBody>
+      </p:sp>
+      <p:sp>
+        <p:nvSpPr>
+          <p:cNvPr id="13" name="직사각형 12">
+            <a:extLst>
+              <a:ext uri="{FF2B5EF4-FFF2-40B4-BE49-F238E27FC236}">
+                <a16:creationId xmlns:a16="http://schemas.microsoft.com/office/drawing/2014/main" id="{07323788-333B-2EBB-6A2E-A6D143CAD3E1}"/>
+              </a:ext>
+            </a:extLst>
+          </p:cNvPr>
+          <p:cNvSpPr/>
+          <p:nvPr/>
+        </p:nvSpPr>
+        <p:spPr>
+          <a:xfrm>
+            <a:off x="2772744" y="20897"/>
+            <a:ext cx="935849" cy="468519"/>
+          </a:xfrm>
+          <a:prstGeom prst="rect">
+            <a:avLst/>
+          </a:prstGeom>
+        </p:spPr>
+        <p:style>
+          <a:lnRef idx="3">
+            <a:schemeClr val="lt1"/>
+          </a:lnRef>
+          <a:fillRef idx="1">
+            <a:schemeClr val="dk1"/>
+          </a:fillRef>
+          <a:effectRef idx="1">
+            <a:schemeClr val="dk1"/>
+          </a:effectRef>
+          <a:fontRef idx="minor">
+            <a:schemeClr val="lt1"/>
+          </a:fontRef>
+        </p:style>
+        <p:txBody>
+          <a:bodyPr rtlCol="0" anchor="ctr"/>
+          <a:lstStyle/>
+          <a:p>
+            <a:pPr algn="ctr"/>
+            <a:r>
+              <a:rPr kumimoji="1" lang="en-US" altLang="ko-Kore-KR" sz="1600" dirty="0"/>
+              <a:t>board</a:t>
+            </a:r>
+          </a:p>
+          <a:p>
+            <a:pPr algn="ctr"/>
+            <a:r>
+              <a:rPr kumimoji="1" lang="en-US" altLang="ko-Kore-KR" sz="1600" dirty="0"/>
+              <a:t>pkg</a:t>
+            </a:r>
+            <a:endParaRPr kumimoji="1" lang="ko-Kore-KR" altLang="en-US" sz="1600" dirty="0"/>
+          </a:p>
+        </p:txBody>
+      </p:sp>
+      <p:sp>
+        <p:nvSpPr>
+          <p:cNvPr id="14" name="직사각형 13">
+            <a:extLst>
+              <a:ext uri="{FF2B5EF4-FFF2-40B4-BE49-F238E27FC236}">
+                <a16:creationId xmlns:a16="http://schemas.microsoft.com/office/drawing/2014/main" id="{B3FCF8A5-C50B-CB47-9642-94FD39DB1B2B}"/>
+              </a:ext>
+            </a:extLst>
+          </p:cNvPr>
+          <p:cNvSpPr/>
+          <p:nvPr/>
+        </p:nvSpPr>
+        <p:spPr>
+          <a:xfrm>
+            <a:off x="2874512" y="1096028"/>
+            <a:ext cx="935849" cy="468519"/>
+          </a:xfrm>
+          <a:prstGeom prst="rect">
+            <a:avLst/>
+          </a:prstGeom>
+        </p:spPr>
+        <p:style>
+          <a:lnRef idx="3">
+            <a:schemeClr val="lt1"/>
+          </a:lnRef>
+          <a:fillRef idx="1">
+            <a:schemeClr val="dk1"/>
+          </a:fillRef>
+          <a:effectRef idx="1">
+            <a:schemeClr val="dk1"/>
+          </a:effectRef>
+          <a:fontRef idx="minor">
+            <a:schemeClr val="lt1"/>
+          </a:fontRef>
+        </p:style>
+        <p:txBody>
+          <a:bodyPr rtlCol="0" anchor="ctr"/>
+          <a:lstStyle/>
+          <a:p>
+            <a:pPr algn="ctr"/>
+            <a:r>
+              <a:rPr kumimoji="1" lang="en-US" altLang="ko-Kore-KR" sz="1600" dirty="0"/>
+              <a:t>handler</a:t>
+            </a:r>
+          </a:p>
+          <a:p>
+            <a:pPr algn="ctr"/>
+            <a:r>
+              <a:rPr kumimoji="1" lang="en-US" altLang="ko-Kore-KR" sz="1600" dirty="0"/>
+              <a:t>pkg</a:t>
+            </a:r>
+            <a:endParaRPr kumimoji="1" lang="ko-Kore-KR" altLang="en-US" sz="1600" dirty="0"/>
+          </a:p>
+        </p:txBody>
+      </p:sp>
+      <p:sp>
+        <p:nvSpPr>
+          <p:cNvPr id="15" name="직사각형 14">
+            <a:extLst>
+              <a:ext uri="{FF2B5EF4-FFF2-40B4-BE49-F238E27FC236}">
+                <a16:creationId xmlns:a16="http://schemas.microsoft.com/office/drawing/2014/main" id="{E644133D-F471-801B-9EA1-9BD8B18E3E9B}"/>
+              </a:ext>
+            </a:extLst>
+          </p:cNvPr>
+          <p:cNvSpPr/>
+          <p:nvPr/>
+        </p:nvSpPr>
+        <p:spPr>
+          <a:xfrm>
+            <a:off x="2859268" y="2101302"/>
+            <a:ext cx="935849" cy="468519"/>
+          </a:xfrm>
+          <a:prstGeom prst="rect">
+            <a:avLst/>
+          </a:prstGeom>
+        </p:spPr>
+        <p:style>
+          <a:lnRef idx="3">
+            <a:schemeClr val="lt1"/>
+          </a:lnRef>
+          <a:fillRef idx="1">
+            <a:schemeClr val="dk1"/>
+          </a:fillRef>
+          <a:effectRef idx="1">
+            <a:schemeClr val="dk1"/>
+          </a:effectRef>
+          <a:fontRef idx="minor">
+            <a:schemeClr val="lt1"/>
+          </a:fontRef>
+        </p:style>
+        <p:txBody>
+          <a:bodyPr rtlCol="0" anchor="ctr"/>
+          <a:lstStyle/>
+          <a:p>
+            <a:pPr algn="ctr"/>
+            <a:r>
+              <a:rPr kumimoji="1" lang="en-US" altLang="ko-Kore-KR" sz="1600" dirty="0"/>
+              <a:t>util</a:t>
+            </a:r>
+          </a:p>
+          <a:p>
+            <a:pPr algn="ctr"/>
+            <a:r>
+              <a:rPr kumimoji="1" lang="en-US" altLang="ko-Kore-KR" sz="1600" dirty="0"/>
+              <a:t>pkg</a:t>
+            </a:r>
+            <a:endParaRPr kumimoji="1" lang="ko-Kore-KR" altLang="en-US" sz="1600" dirty="0"/>
+          </a:p>
+        </p:txBody>
+      </p:sp>
+      <p:sp>
+        <p:nvSpPr>
+          <p:cNvPr id="16" name="TextBox 15">
+            <a:extLst>
+              <a:ext uri="{FF2B5EF4-FFF2-40B4-BE49-F238E27FC236}">
+                <a16:creationId xmlns:a16="http://schemas.microsoft.com/office/drawing/2014/main" id="{76437913-C895-520E-86E5-9208E8ADE2B5}"/>
+              </a:ext>
+            </a:extLst>
+          </p:cNvPr>
+          <p:cNvSpPr txBox="1"/>
+          <p:nvPr/>
+        </p:nvSpPr>
+        <p:spPr>
+          <a:xfrm>
+            <a:off x="110665" y="2892715"/>
+            <a:ext cx="2385648" cy="646331"/>
+          </a:xfrm>
+          <a:prstGeom prst="rect">
+            <a:avLst/>
+          </a:prstGeom>
+        </p:spPr>
+        <p:style>
+          <a:lnRef idx="3">
+            <a:schemeClr val="lt1"/>
+          </a:lnRef>
+          <a:fillRef idx="1">
+            <a:schemeClr val="accent1"/>
+          </a:fillRef>
+          <a:effectRef idx="1">
+            <a:schemeClr val="accent1"/>
+          </a:effectRef>
+          <a:fontRef idx="minor">
+            <a:schemeClr val="lt1"/>
+          </a:fontRef>
+        </p:style>
+        <p:txBody>
+          <a:bodyPr wrap="square" rtlCol="0">
+            <a:spAutoFit/>
+          </a:bodyPr>
+          <a:lstStyle/>
+          <a:p>
+            <a:r>
+              <a:rPr kumimoji="1" lang="en-US" altLang="ko-Kore-KR" dirty="0"/>
+              <a:t>board-app-common</a:t>
+            </a:r>
+          </a:p>
+          <a:p>
+            <a:r>
+              <a:rPr kumimoji="1" lang="en-US" altLang="ko-Kore-KR" dirty="0"/>
+              <a:t>pkg</a:t>
+            </a:r>
+            <a:endParaRPr kumimoji="1" lang="ko-Kore-KR" altLang="en-US" dirty="0"/>
+          </a:p>
+        </p:txBody>
+      </p:sp>
+      <p:sp>
+        <p:nvSpPr>
+          <p:cNvPr id="17" name="TextBox 16">
+            <a:extLst>
+              <a:ext uri="{FF2B5EF4-FFF2-40B4-BE49-F238E27FC236}">
+                <a16:creationId xmlns:a16="http://schemas.microsoft.com/office/drawing/2014/main" id="{B2C6826E-7FEE-1AEA-E2A7-E65AE57E9548}"/>
+              </a:ext>
+            </a:extLst>
+          </p:cNvPr>
+          <p:cNvSpPr txBox="1"/>
+          <p:nvPr/>
+        </p:nvSpPr>
+        <p:spPr>
+          <a:xfrm>
+            <a:off x="110778" y="4637275"/>
+            <a:ext cx="2385648" cy="646331"/>
+          </a:xfrm>
+          <a:prstGeom prst="rect">
+            <a:avLst/>
+          </a:prstGeom>
+        </p:spPr>
+        <p:style>
+          <a:lnRef idx="3">
+            <a:schemeClr val="lt1"/>
+          </a:lnRef>
+          <a:fillRef idx="1">
+            <a:schemeClr val="accent3"/>
+          </a:fillRef>
+          <a:effectRef idx="1">
+            <a:schemeClr val="accent3"/>
+          </a:effectRef>
+          <a:fontRef idx="minor">
+            <a:schemeClr val="lt1"/>
+          </a:fontRef>
+        </p:style>
+        <p:txBody>
+          <a:bodyPr wrap="square" rtlCol="0">
+            <a:spAutoFit/>
+          </a:bodyPr>
+          <a:lstStyle/>
+          <a:p>
+            <a:r>
+              <a:rPr kumimoji="1" lang="en-US" altLang="ko-Kore-KR" dirty="0"/>
+              <a:t>board-app-server</a:t>
+            </a:r>
+          </a:p>
+          <a:p>
+            <a:r>
+              <a:rPr kumimoji="1" lang="en-US" altLang="ko-Kore-KR" dirty="0"/>
+              <a:t>pkg</a:t>
+            </a:r>
+            <a:endParaRPr kumimoji="1" lang="ko-Kore-KR" altLang="en-US" dirty="0"/>
+          </a:p>
+        </p:txBody>
+      </p:sp>
+      <p:sp>
+        <p:nvSpPr>
+          <p:cNvPr id="18" name="직사각형 17">
+            <a:extLst>
+              <a:ext uri="{FF2B5EF4-FFF2-40B4-BE49-F238E27FC236}">
+                <a16:creationId xmlns:a16="http://schemas.microsoft.com/office/drawing/2014/main" id="{11D54802-C7D5-BF28-FB81-7E1E18333D84}"/>
+              </a:ext>
+            </a:extLst>
+          </p:cNvPr>
+          <p:cNvSpPr/>
+          <p:nvPr/>
+        </p:nvSpPr>
+        <p:spPr>
+          <a:xfrm>
+            <a:off x="7462345" y="633539"/>
+            <a:ext cx="1326593" cy="373039"/>
+          </a:xfrm>
+          <a:prstGeom prst="rect">
+            <a:avLst/>
+          </a:prstGeom>
+        </p:spPr>
+        <p:style>
+          <a:lnRef idx="2">
+            <a:schemeClr val="dk1"/>
+          </a:lnRef>
+          <a:fillRef idx="1">
+            <a:schemeClr val="lt1"/>
+          </a:fillRef>
+          <a:effectRef idx="0">
+            <a:schemeClr val="dk1"/>
+          </a:effectRef>
+          <a:fontRef idx="minor">
+            <a:schemeClr val="dk1"/>
+          </a:fontRef>
+        </p:style>
+        <p:txBody>
+          <a:bodyPr rtlCol="0" anchor="ctr"/>
+          <a:lstStyle/>
+          <a:p>
+            <a:pPr algn="ctr"/>
+            <a:r>
+              <a:rPr kumimoji="1" lang="en-US" altLang="ko-Kore-KR" sz="1200" dirty="0" err="1"/>
+              <a:t>MemberHandler</a:t>
+            </a:r>
+            <a:endParaRPr kumimoji="1" lang="en-US" altLang="ko-Kore-KR" sz="1200" dirty="0"/>
+          </a:p>
+          <a:p>
+            <a:pPr algn="ctr"/>
+            <a:r>
+              <a:rPr kumimoji="1" lang="en-US" altLang="ko-Kore-KR" sz="1200" dirty="0"/>
+              <a:t>class</a:t>
+            </a:r>
+            <a:endParaRPr kumimoji="1" lang="ko-Kore-KR" altLang="en-US" sz="1200" dirty="0"/>
+          </a:p>
+        </p:txBody>
+      </p:sp>
+      <p:sp>
+        <p:nvSpPr>
+          <p:cNvPr id="19" name="직사각형 18">
+            <a:extLst>
+              <a:ext uri="{FF2B5EF4-FFF2-40B4-BE49-F238E27FC236}">
+                <a16:creationId xmlns:a16="http://schemas.microsoft.com/office/drawing/2014/main" id="{E25427D4-3714-300B-CDA5-D6B1590F5A45}"/>
+              </a:ext>
+            </a:extLst>
+          </p:cNvPr>
+          <p:cNvSpPr/>
+          <p:nvPr/>
+        </p:nvSpPr>
+        <p:spPr>
+          <a:xfrm>
+            <a:off x="5238331" y="29745"/>
+            <a:ext cx="935849" cy="468519"/>
+          </a:xfrm>
+          <a:prstGeom prst="rect">
+            <a:avLst/>
+          </a:prstGeom>
+        </p:spPr>
+        <p:style>
+          <a:lnRef idx="3">
+            <a:schemeClr val="lt1"/>
+          </a:lnRef>
+          <a:fillRef idx="1">
+            <a:schemeClr val="dk1"/>
+          </a:fillRef>
+          <a:effectRef idx="1">
+            <a:schemeClr val="dk1"/>
+          </a:effectRef>
+          <a:fontRef idx="minor">
+            <a:schemeClr val="lt1"/>
+          </a:fontRef>
+        </p:style>
+        <p:txBody>
+          <a:bodyPr rtlCol="0" anchor="ctr"/>
+          <a:lstStyle/>
+          <a:p>
+            <a:pPr algn="ctr"/>
+            <a:r>
+              <a:rPr kumimoji="1" lang="en-US" altLang="ko-Kore-KR" sz="1600" dirty="0"/>
+              <a:t>handler</a:t>
+            </a:r>
+          </a:p>
+          <a:p>
+            <a:pPr algn="ctr"/>
+            <a:r>
+              <a:rPr kumimoji="1" lang="en-US" altLang="ko-Kore-KR" sz="1600" dirty="0"/>
+              <a:t>pkg</a:t>
+            </a:r>
+            <a:endParaRPr kumimoji="1" lang="ko-Kore-KR" altLang="en-US" sz="1600" dirty="0"/>
+          </a:p>
+        </p:txBody>
+      </p:sp>
+      <p:sp>
+        <p:nvSpPr>
+          <p:cNvPr id="20" name="직사각형 19">
+            <a:extLst>
+              <a:ext uri="{FF2B5EF4-FFF2-40B4-BE49-F238E27FC236}">
+                <a16:creationId xmlns:a16="http://schemas.microsoft.com/office/drawing/2014/main" id="{3FA0393E-FE59-79BB-FEB5-EA338AA2AD1D}"/>
+              </a:ext>
+            </a:extLst>
+          </p:cNvPr>
+          <p:cNvSpPr/>
+          <p:nvPr/>
+        </p:nvSpPr>
+        <p:spPr>
+          <a:xfrm>
+            <a:off x="5219150" y="596175"/>
+            <a:ext cx="1326593" cy="373039"/>
+          </a:xfrm>
+          <a:prstGeom prst="rect">
+            <a:avLst/>
+          </a:prstGeom>
+        </p:spPr>
+        <p:style>
+          <a:lnRef idx="2">
+            <a:schemeClr val="dk1"/>
+          </a:lnRef>
+          <a:fillRef idx="1">
+            <a:schemeClr val="lt1"/>
+          </a:fillRef>
+          <a:effectRef idx="0">
+            <a:schemeClr val="dk1"/>
+          </a:effectRef>
+          <a:fontRef idx="minor">
+            <a:schemeClr val="dk1"/>
+          </a:fontRef>
+        </p:style>
+        <p:txBody>
+          <a:bodyPr rtlCol="0" anchor="ctr"/>
+          <a:lstStyle/>
+          <a:p>
+            <a:pPr algn="ctr"/>
+            <a:r>
+              <a:rPr kumimoji="1" lang="en-US" altLang="ko-Kore-KR" sz="1200" dirty="0" err="1"/>
+              <a:t>ClientApp</a:t>
+            </a:r>
+            <a:endParaRPr kumimoji="1" lang="en-US" altLang="ko-Kore-KR" sz="1200" dirty="0"/>
+          </a:p>
+          <a:p>
+            <a:pPr algn="ctr"/>
+            <a:r>
+              <a:rPr kumimoji="1" lang="en-US" altLang="ko-Kore-KR" sz="1200" dirty="0"/>
+              <a:t>class</a:t>
+            </a:r>
+            <a:endParaRPr kumimoji="1" lang="ko-Kore-KR" altLang="en-US" sz="1200" dirty="0"/>
+          </a:p>
+        </p:txBody>
+      </p:sp>
+      <p:sp>
+        <p:nvSpPr>
+          <p:cNvPr id="21" name="직사각형 20">
+            <a:extLst>
+              <a:ext uri="{FF2B5EF4-FFF2-40B4-BE49-F238E27FC236}">
+                <a16:creationId xmlns:a16="http://schemas.microsoft.com/office/drawing/2014/main" id="{8ABC4BFA-F5FC-9F73-5896-D66434EC82EC}"/>
+              </a:ext>
+            </a:extLst>
+          </p:cNvPr>
+          <p:cNvSpPr/>
+          <p:nvPr/>
+        </p:nvSpPr>
+        <p:spPr>
+          <a:xfrm>
+            <a:off x="5214181" y="1101951"/>
+            <a:ext cx="1326593" cy="373039"/>
+          </a:xfrm>
+          <a:prstGeom prst="rect">
+            <a:avLst/>
+          </a:prstGeom>
+        </p:spPr>
+        <p:style>
+          <a:lnRef idx="2">
+            <a:schemeClr val="dk1"/>
+          </a:lnRef>
+          <a:fillRef idx="1">
+            <a:schemeClr val="lt1"/>
+          </a:fillRef>
+          <a:effectRef idx="0">
+            <a:schemeClr val="dk1"/>
+          </a:effectRef>
+          <a:fontRef idx="minor">
+            <a:schemeClr val="dk1"/>
+          </a:fontRef>
+        </p:style>
+        <p:txBody>
+          <a:bodyPr rtlCol="0" anchor="ctr"/>
+          <a:lstStyle/>
+          <a:p>
+            <a:pPr algn="ctr"/>
+            <a:r>
+              <a:rPr kumimoji="1" lang="en-US" altLang="ko-Kore-KR" sz="1200" dirty="0" err="1"/>
+              <a:t>AbstractHandler</a:t>
+            </a:r>
+            <a:endParaRPr kumimoji="1" lang="en-US" altLang="ko-Kore-KR" sz="1200" dirty="0"/>
+          </a:p>
+          <a:p>
+            <a:pPr algn="ctr"/>
+            <a:r>
+              <a:rPr kumimoji="1" lang="en-US" altLang="ko-Kore-KR" sz="1200" dirty="0"/>
+              <a:t>class</a:t>
+            </a:r>
+            <a:endParaRPr kumimoji="1" lang="ko-Kore-KR" altLang="en-US" sz="1200" dirty="0"/>
+          </a:p>
+        </p:txBody>
+      </p:sp>
+      <p:sp>
+        <p:nvSpPr>
+          <p:cNvPr id="22" name="직사각형 21">
+            <a:extLst>
+              <a:ext uri="{FF2B5EF4-FFF2-40B4-BE49-F238E27FC236}">
+                <a16:creationId xmlns:a16="http://schemas.microsoft.com/office/drawing/2014/main" id="{25C6710D-9037-A7F3-C901-8A9C4BD42419}"/>
+              </a:ext>
+            </a:extLst>
+          </p:cNvPr>
+          <p:cNvSpPr/>
+          <p:nvPr/>
+        </p:nvSpPr>
+        <p:spPr>
+          <a:xfrm>
+            <a:off x="5214181" y="1607726"/>
+            <a:ext cx="1326593" cy="373039"/>
+          </a:xfrm>
+          <a:prstGeom prst="rect">
+            <a:avLst/>
+          </a:prstGeom>
+        </p:spPr>
+        <p:style>
+          <a:lnRef idx="1">
+            <a:schemeClr val="dk1"/>
+          </a:lnRef>
+          <a:fillRef idx="2">
+            <a:schemeClr val="dk1"/>
+          </a:fillRef>
+          <a:effectRef idx="1">
+            <a:schemeClr val="dk1"/>
+          </a:effectRef>
+          <a:fontRef idx="minor">
+            <a:schemeClr val="dk1"/>
+          </a:fontRef>
+        </p:style>
+        <p:txBody>
+          <a:bodyPr rtlCol="0" anchor="ctr"/>
+          <a:lstStyle/>
+          <a:p>
+            <a:pPr algn="ctr"/>
+            <a:r>
+              <a:rPr kumimoji="1" lang="en-US" altLang="ko-Kore-KR" sz="1200" dirty="0"/>
+              <a:t>Handler</a:t>
+            </a:r>
+          </a:p>
+          <a:p>
+            <a:pPr algn="ctr"/>
+            <a:r>
+              <a:rPr kumimoji="1" lang="en-US" altLang="ko-Kore-KR" sz="1200" dirty="0"/>
+              <a:t>interface</a:t>
+            </a:r>
+            <a:endParaRPr kumimoji="1" lang="ko-Kore-KR" altLang="en-US" sz="1200" dirty="0"/>
+          </a:p>
+        </p:txBody>
+      </p:sp>
+      <p:sp>
+        <p:nvSpPr>
+          <p:cNvPr id="23" name="직사각형 22">
+            <a:extLst>
+              <a:ext uri="{FF2B5EF4-FFF2-40B4-BE49-F238E27FC236}">
+                <a16:creationId xmlns:a16="http://schemas.microsoft.com/office/drawing/2014/main" id="{EF120825-BC72-ADB8-754D-D4470B8EBF43}"/>
+              </a:ext>
+            </a:extLst>
+          </p:cNvPr>
+          <p:cNvSpPr/>
+          <p:nvPr/>
+        </p:nvSpPr>
+        <p:spPr>
+          <a:xfrm>
+            <a:off x="5214884" y="2152676"/>
+            <a:ext cx="1326593" cy="373039"/>
+          </a:xfrm>
+          <a:prstGeom prst="rect">
+            <a:avLst/>
+          </a:prstGeom>
+        </p:spPr>
+        <p:style>
+          <a:lnRef idx="2">
+            <a:schemeClr val="dk1"/>
+          </a:lnRef>
+          <a:fillRef idx="1">
+            <a:schemeClr val="lt1"/>
+          </a:fillRef>
+          <a:effectRef idx="0">
+            <a:schemeClr val="dk1"/>
+          </a:effectRef>
+          <a:fontRef idx="minor">
+            <a:schemeClr val="dk1"/>
+          </a:fontRef>
+        </p:style>
+        <p:txBody>
+          <a:bodyPr rtlCol="0" anchor="ctr"/>
+          <a:lstStyle/>
+          <a:p>
+            <a:pPr algn="ctr"/>
+            <a:r>
+              <a:rPr kumimoji="1" lang="en-US" altLang="ko-Kore-KR" sz="1200" dirty="0"/>
+              <a:t>Prompt</a:t>
+            </a:r>
+          </a:p>
+          <a:p>
+            <a:pPr algn="ctr"/>
+            <a:r>
+              <a:rPr kumimoji="1" lang="en-US" altLang="ko-Kore-KR" sz="1200" dirty="0"/>
+              <a:t>class</a:t>
+            </a:r>
+            <a:endParaRPr kumimoji="1" lang="ko-Kore-KR" altLang="en-US" sz="1200" dirty="0"/>
+          </a:p>
+        </p:txBody>
+      </p:sp>
+      <p:cxnSp>
+        <p:nvCxnSpPr>
+          <p:cNvPr id="25" name="직선 연결선[R] 24">
+            <a:extLst>
+              <a:ext uri="{FF2B5EF4-FFF2-40B4-BE49-F238E27FC236}">
+                <a16:creationId xmlns:a16="http://schemas.microsoft.com/office/drawing/2014/main" id="{669CFBBB-3AF5-8C00-3D0D-49BFADE85D2E}"/>
+              </a:ext>
+            </a:extLst>
+          </p:cNvPr>
+          <p:cNvCxnSpPr>
+            <a:cxnSpLocks/>
+            <a:stCxn id="6" idx="3"/>
+            <a:endCxn id="13" idx="1"/>
+          </p:cNvCxnSpPr>
+          <p:nvPr/>
+        </p:nvCxnSpPr>
+        <p:spPr>
+          <a:xfrm flipV="1">
+            <a:off x="2520462" y="255157"/>
+            <a:ext cx="252282" cy="388887"/>
+          </a:xfrm>
+          <a:prstGeom prst="line">
+            <a:avLst/>
+          </a:prstGeom>
+        </p:spPr>
+        <p:style>
+          <a:lnRef idx="3">
+            <a:schemeClr val="lt1"/>
+          </a:lnRef>
+          <a:fillRef idx="1">
+            <a:schemeClr val="dk1"/>
+          </a:fillRef>
+          <a:effectRef idx="1">
+            <a:schemeClr val="dk1"/>
+          </a:effectRef>
+          <a:fontRef idx="minor">
+            <a:schemeClr val="lt1"/>
+          </a:fontRef>
+        </p:style>
+      </p:cxnSp>
+      <p:cxnSp>
+        <p:nvCxnSpPr>
+          <p:cNvPr id="30" name="직선 연결선[R] 29">
+            <a:extLst>
+              <a:ext uri="{FF2B5EF4-FFF2-40B4-BE49-F238E27FC236}">
+                <a16:creationId xmlns:a16="http://schemas.microsoft.com/office/drawing/2014/main" id="{50FBC095-5636-F353-9EE2-53C1A75915E6}"/>
+              </a:ext>
+            </a:extLst>
+          </p:cNvPr>
+          <p:cNvCxnSpPr>
+            <a:cxnSpLocks/>
+            <a:stCxn id="6" idx="3"/>
+            <a:endCxn id="14" idx="1"/>
+          </p:cNvCxnSpPr>
+          <p:nvPr/>
+        </p:nvCxnSpPr>
+        <p:spPr>
+          <a:xfrm>
+            <a:off x="2520462" y="644044"/>
+            <a:ext cx="354050" cy="686244"/>
+          </a:xfrm>
+          <a:prstGeom prst="line">
+            <a:avLst/>
+          </a:prstGeom>
+        </p:spPr>
+        <p:style>
+          <a:lnRef idx="3">
+            <a:schemeClr val="lt1"/>
+          </a:lnRef>
+          <a:fillRef idx="1">
+            <a:schemeClr val="dk1"/>
+          </a:fillRef>
+          <a:effectRef idx="1">
+            <a:schemeClr val="dk1"/>
+          </a:effectRef>
+          <a:fontRef idx="minor">
+            <a:schemeClr val="lt1"/>
+          </a:fontRef>
+        </p:style>
+      </p:cxnSp>
+      <p:cxnSp>
+        <p:nvCxnSpPr>
+          <p:cNvPr id="33" name="직선 연결선[R] 32">
+            <a:extLst>
+              <a:ext uri="{FF2B5EF4-FFF2-40B4-BE49-F238E27FC236}">
+                <a16:creationId xmlns:a16="http://schemas.microsoft.com/office/drawing/2014/main" id="{BC87E713-510D-CD8C-1AC4-AE7E2BD34C52}"/>
+              </a:ext>
+            </a:extLst>
+          </p:cNvPr>
+          <p:cNvCxnSpPr>
+            <a:cxnSpLocks/>
+            <a:stCxn id="6" idx="3"/>
+            <a:endCxn id="15" idx="1"/>
+          </p:cNvCxnSpPr>
+          <p:nvPr/>
+        </p:nvCxnSpPr>
+        <p:spPr>
+          <a:xfrm>
+            <a:off x="2520462" y="644044"/>
+            <a:ext cx="338806" cy="1691518"/>
+          </a:xfrm>
+          <a:prstGeom prst="line">
+            <a:avLst/>
+          </a:prstGeom>
+        </p:spPr>
+        <p:style>
+          <a:lnRef idx="3">
+            <a:schemeClr val="lt1"/>
+          </a:lnRef>
+          <a:fillRef idx="1">
+            <a:schemeClr val="dk1"/>
+          </a:fillRef>
+          <a:effectRef idx="1">
+            <a:schemeClr val="dk1"/>
+          </a:effectRef>
+          <a:fontRef idx="minor">
+            <a:schemeClr val="lt1"/>
+          </a:fontRef>
+        </p:style>
+      </p:cxnSp>
+      <p:cxnSp>
+        <p:nvCxnSpPr>
+          <p:cNvPr id="36" name="직선 연결선[R] 35">
+            <a:extLst>
+              <a:ext uri="{FF2B5EF4-FFF2-40B4-BE49-F238E27FC236}">
+                <a16:creationId xmlns:a16="http://schemas.microsoft.com/office/drawing/2014/main" id="{E9E1E79F-60E5-65DB-6FBE-F6D5E4C64162}"/>
+              </a:ext>
+            </a:extLst>
+          </p:cNvPr>
+          <p:cNvCxnSpPr>
+            <a:cxnSpLocks/>
+            <a:stCxn id="13" idx="3"/>
+            <a:endCxn id="19" idx="1"/>
+          </p:cNvCxnSpPr>
+          <p:nvPr/>
+        </p:nvCxnSpPr>
+        <p:spPr>
+          <a:xfrm>
+            <a:off x="3708593" y="255157"/>
+            <a:ext cx="1529738" cy="8848"/>
+          </a:xfrm>
+          <a:prstGeom prst="line">
+            <a:avLst/>
+          </a:prstGeom>
+        </p:spPr>
+        <p:style>
+          <a:lnRef idx="3">
+            <a:schemeClr val="lt1"/>
+          </a:lnRef>
+          <a:fillRef idx="1">
+            <a:schemeClr val="dk1"/>
+          </a:fillRef>
+          <a:effectRef idx="1">
+            <a:schemeClr val="dk1"/>
+          </a:effectRef>
+          <a:fontRef idx="minor">
+            <a:schemeClr val="lt1"/>
+          </a:fontRef>
+        </p:style>
+      </p:cxnSp>
+      <p:cxnSp>
+        <p:nvCxnSpPr>
+          <p:cNvPr id="39" name="직선 연결선[R] 38">
+            <a:extLst>
+              <a:ext uri="{FF2B5EF4-FFF2-40B4-BE49-F238E27FC236}">
+                <a16:creationId xmlns:a16="http://schemas.microsoft.com/office/drawing/2014/main" id="{FEE80177-F8B0-DC15-212D-1A81003F588E}"/>
+              </a:ext>
+            </a:extLst>
+          </p:cNvPr>
+          <p:cNvCxnSpPr>
+            <a:cxnSpLocks/>
+            <a:stCxn id="13" idx="3"/>
+            <a:endCxn id="20" idx="1"/>
+          </p:cNvCxnSpPr>
+          <p:nvPr/>
+        </p:nvCxnSpPr>
+        <p:spPr>
+          <a:xfrm>
+            <a:off x="3708593" y="255157"/>
+            <a:ext cx="1510557" cy="527538"/>
+          </a:xfrm>
+          <a:prstGeom prst="line">
+            <a:avLst/>
+          </a:prstGeom>
+        </p:spPr>
+        <p:style>
+          <a:lnRef idx="3">
+            <a:schemeClr val="lt1"/>
+          </a:lnRef>
+          <a:fillRef idx="1">
+            <a:schemeClr val="dk1"/>
+          </a:fillRef>
+          <a:effectRef idx="1">
+            <a:schemeClr val="dk1"/>
+          </a:effectRef>
+          <a:fontRef idx="minor">
+            <a:schemeClr val="lt1"/>
+          </a:fontRef>
+        </p:style>
+      </p:cxnSp>
+      <p:cxnSp>
+        <p:nvCxnSpPr>
+          <p:cNvPr id="42" name="직선 연결선[R] 41">
+            <a:extLst>
+              <a:ext uri="{FF2B5EF4-FFF2-40B4-BE49-F238E27FC236}">
+                <a16:creationId xmlns:a16="http://schemas.microsoft.com/office/drawing/2014/main" id="{FABFC05A-0169-2280-655B-C5E444CC0661}"/>
+              </a:ext>
+            </a:extLst>
+          </p:cNvPr>
+          <p:cNvCxnSpPr>
+            <a:cxnSpLocks/>
+            <a:stCxn id="19" idx="3"/>
+            <a:endCxn id="4" idx="1"/>
+          </p:cNvCxnSpPr>
+          <p:nvPr/>
+        </p:nvCxnSpPr>
+        <p:spPr>
+          <a:xfrm flipV="1">
+            <a:off x="6174180" y="235173"/>
+            <a:ext cx="1288165" cy="28832"/>
+          </a:xfrm>
+          <a:prstGeom prst="line">
+            <a:avLst/>
+          </a:prstGeom>
+        </p:spPr>
+        <p:style>
+          <a:lnRef idx="3">
+            <a:schemeClr val="lt1"/>
+          </a:lnRef>
+          <a:fillRef idx="1">
+            <a:schemeClr val="dk1"/>
+          </a:fillRef>
+          <a:effectRef idx="1">
+            <a:schemeClr val="dk1"/>
+          </a:effectRef>
+          <a:fontRef idx="minor">
+            <a:schemeClr val="lt1"/>
+          </a:fontRef>
+        </p:style>
+      </p:cxnSp>
+      <p:cxnSp>
+        <p:nvCxnSpPr>
+          <p:cNvPr id="45" name="직선 연결선[R] 44">
+            <a:extLst>
+              <a:ext uri="{FF2B5EF4-FFF2-40B4-BE49-F238E27FC236}">
+                <a16:creationId xmlns:a16="http://schemas.microsoft.com/office/drawing/2014/main" id="{72FF7101-90FE-DED1-A1E3-3B7BEF65AFC8}"/>
+              </a:ext>
+            </a:extLst>
+          </p:cNvPr>
+          <p:cNvCxnSpPr>
+            <a:cxnSpLocks/>
+            <a:stCxn id="19" idx="3"/>
+            <a:endCxn id="18" idx="1"/>
+          </p:cNvCxnSpPr>
+          <p:nvPr/>
+        </p:nvCxnSpPr>
+        <p:spPr>
+          <a:xfrm>
+            <a:off x="6174180" y="264005"/>
+            <a:ext cx="1288165" cy="556054"/>
+          </a:xfrm>
+          <a:prstGeom prst="line">
+            <a:avLst/>
+          </a:prstGeom>
+        </p:spPr>
+        <p:style>
+          <a:lnRef idx="3">
+            <a:schemeClr val="lt1"/>
+          </a:lnRef>
+          <a:fillRef idx="1">
+            <a:schemeClr val="dk1"/>
+          </a:fillRef>
+          <a:effectRef idx="1">
+            <a:schemeClr val="dk1"/>
+          </a:effectRef>
+          <a:fontRef idx="minor">
+            <a:schemeClr val="lt1"/>
+          </a:fontRef>
+        </p:style>
+      </p:cxnSp>
+      <p:cxnSp>
+        <p:nvCxnSpPr>
+          <p:cNvPr id="48" name="직선 연결선[R] 47">
+            <a:extLst>
+              <a:ext uri="{FF2B5EF4-FFF2-40B4-BE49-F238E27FC236}">
+                <a16:creationId xmlns:a16="http://schemas.microsoft.com/office/drawing/2014/main" id="{A5DACE05-9AE4-1B7F-6FA2-4938589E197F}"/>
+              </a:ext>
+            </a:extLst>
+          </p:cNvPr>
+          <p:cNvCxnSpPr>
+            <a:cxnSpLocks/>
+            <a:stCxn id="14" idx="3"/>
+            <a:endCxn id="21" idx="1"/>
+          </p:cNvCxnSpPr>
+          <p:nvPr/>
+        </p:nvCxnSpPr>
+        <p:spPr>
+          <a:xfrm flipV="1">
+            <a:off x="3810361" y="1288471"/>
+            <a:ext cx="1403820" cy="41817"/>
+          </a:xfrm>
+          <a:prstGeom prst="line">
+            <a:avLst/>
+          </a:prstGeom>
+        </p:spPr>
+        <p:style>
+          <a:lnRef idx="3">
+            <a:schemeClr val="lt1"/>
+          </a:lnRef>
+          <a:fillRef idx="1">
+            <a:schemeClr val="dk1"/>
+          </a:fillRef>
+          <a:effectRef idx="1">
+            <a:schemeClr val="dk1"/>
+          </a:effectRef>
+          <a:fontRef idx="minor">
+            <a:schemeClr val="lt1"/>
+          </a:fontRef>
+        </p:style>
+      </p:cxnSp>
+      <p:cxnSp>
+        <p:nvCxnSpPr>
+          <p:cNvPr id="53" name="직선 연결선[R] 52">
+            <a:extLst>
+              <a:ext uri="{FF2B5EF4-FFF2-40B4-BE49-F238E27FC236}">
+                <a16:creationId xmlns:a16="http://schemas.microsoft.com/office/drawing/2014/main" id="{94F4470C-E86F-4412-87BC-2E6A85D1C0EC}"/>
+              </a:ext>
+            </a:extLst>
+          </p:cNvPr>
+          <p:cNvCxnSpPr>
+            <a:cxnSpLocks/>
+            <a:stCxn id="14" idx="3"/>
+            <a:endCxn id="22" idx="1"/>
+          </p:cNvCxnSpPr>
+          <p:nvPr/>
+        </p:nvCxnSpPr>
+        <p:spPr>
+          <a:xfrm>
+            <a:off x="3810361" y="1330288"/>
+            <a:ext cx="1403820" cy="463958"/>
+          </a:xfrm>
+          <a:prstGeom prst="line">
+            <a:avLst/>
+          </a:prstGeom>
+        </p:spPr>
+        <p:style>
+          <a:lnRef idx="3">
+            <a:schemeClr val="lt1"/>
+          </a:lnRef>
+          <a:fillRef idx="1">
+            <a:schemeClr val="dk1"/>
+          </a:fillRef>
+          <a:effectRef idx="1">
+            <a:schemeClr val="dk1"/>
+          </a:effectRef>
+          <a:fontRef idx="minor">
+            <a:schemeClr val="lt1"/>
+          </a:fontRef>
+        </p:style>
+      </p:cxnSp>
+      <p:cxnSp>
+        <p:nvCxnSpPr>
+          <p:cNvPr id="57" name="직선 연결선[R] 56">
+            <a:extLst>
+              <a:ext uri="{FF2B5EF4-FFF2-40B4-BE49-F238E27FC236}">
+                <a16:creationId xmlns:a16="http://schemas.microsoft.com/office/drawing/2014/main" id="{A5C13CB6-4EDA-5903-822C-9F5B8D15C6E7}"/>
+              </a:ext>
+            </a:extLst>
+          </p:cNvPr>
+          <p:cNvCxnSpPr>
+            <a:cxnSpLocks/>
+            <a:stCxn id="15" idx="3"/>
+            <a:endCxn id="23" idx="1"/>
+          </p:cNvCxnSpPr>
+          <p:nvPr/>
+        </p:nvCxnSpPr>
+        <p:spPr>
+          <a:xfrm>
+            <a:off x="3795117" y="2335562"/>
+            <a:ext cx="1419767" cy="3634"/>
+          </a:xfrm>
+          <a:prstGeom prst="line">
+            <a:avLst/>
+          </a:prstGeom>
+        </p:spPr>
+        <p:style>
+          <a:lnRef idx="3">
+            <a:schemeClr val="lt1"/>
+          </a:lnRef>
+          <a:fillRef idx="1">
+            <a:schemeClr val="dk1"/>
+          </a:fillRef>
+          <a:effectRef idx="1">
+            <a:schemeClr val="dk1"/>
+          </a:effectRef>
+          <a:fontRef idx="minor">
+            <a:schemeClr val="lt1"/>
+          </a:fontRef>
+        </p:style>
+      </p:cxnSp>
+      <p:sp>
+        <p:nvSpPr>
+          <p:cNvPr id="88" name="직사각형 87">
+            <a:extLst>
+              <a:ext uri="{FF2B5EF4-FFF2-40B4-BE49-F238E27FC236}">
+                <a16:creationId xmlns:a16="http://schemas.microsoft.com/office/drawing/2014/main" id="{5292EF17-EE6E-4195-2ED5-311D73664E36}"/>
+              </a:ext>
+            </a:extLst>
+          </p:cNvPr>
+          <p:cNvSpPr/>
+          <p:nvPr/>
+        </p:nvSpPr>
+        <p:spPr>
+          <a:xfrm>
+            <a:off x="2859268" y="2737112"/>
+            <a:ext cx="935849" cy="468519"/>
+          </a:xfrm>
+          <a:prstGeom prst="rect">
+            <a:avLst/>
+          </a:prstGeom>
+        </p:spPr>
+        <p:style>
+          <a:lnRef idx="3">
+            <a:schemeClr val="lt1"/>
+          </a:lnRef>
+          <a:fillRef idx="1">
+            <a:schemeClr val="accent1"/>
+          </a:fillRef>
+          <a:effectRef idx="1">
+            <a:schemeClr val="accent1"/>
+          </a:effectRef>
+          <a:fontRef idx="minor">
+            <a:schemeClr val="lt1"/>
+          </a:fontRef>
+        </p:style>
+        <p:txBody>
+          <a:bodyPr rtlCol="0" anchor="ctr"/>
+          <a:lstStyle/>
+          <a:p>
+            <a:pPr algn="ctr"/>
+            <a:r>
+              <a:rPr kumimoji="1" lang="en-US" altLang="ko-Kore-KR" sz="1600" dirty="0" err="1"/>
+              <a:t>dao</a:t>
+            </a:r>
+            <a:endParaRPr kumimoji="1" lang="en-US" altLang="ko-Kore-KR" sz="1600" dirty="0"/>
+          </a:p>
+          <a:p>
+            <a:pPr algn="ctr"/>
+            <a:r>
+              <a:rPr kumimoji="1" lang="en-US" altLang="ko-Kore-KR" sz="1600" dirty="0"/>
+              <a:t>pkg</a:t>
+            </a:r>
+            <a:endParaRPr kumimoji="1" lang="ko-Kore-KR" altLang="en-US" sz="1600" dirty="0"/>
+          </a:p>
+        </p:txBody>
+      </p:sp>
+      <p:sp>
+        <p:nvSpPr>
+          <p:cNvPr id="89" name="직사각형 88">
+            <a:extLst>
+              <a:ext uri="{FF2B5EF4-FFF2-40B4-BE49-F238E27FC236}">
+                <a16:creationId xmlns:a16="http://schemas.microsoft.com/office/drawing/2014/main" id="{04CAECA1-0B52-BF69-A61C-0AAAF9E01957}"/>
+              </a:ext>
+            </a:extLst>
+          </p:cNvPr>
+          <p:cNvSpPr/>
+          <p:nvPr/>
+        </p:nvSpPr>
+        <p:spPr>
+          <a:xfrm>
+            <a:off x="2874511" y="3571012"/>
+            <a:ext cx="935849" cy="468519"/>
+          </a:xfrm>
+          <a:prstGeom prst="rect">
+            <a:avLst/>
+          </a:prstGeom>
+        </p:spPr>
+        <p:style>
+          <a:lnRef idx="3">
+            <a:schemeClr val="lt1"/>
+          </a:lnRef>
+          <a:fillRef idx="1">
+            <a:schemeClr val="accent1"/>
+          </a:fillRef>
+          <a:effectRef idx="1">
+            <a:schemeClr val="accent1"/>
+          </a:effectRef>
+          <a:fontRef idx="minor">
+            <a:schemeClr val="lt1"/>
+          </a:fontRef>
+        </p:style>
+        <p:txBody>
+          <a:bodyPr rtlCol="0" anchor="ctr"/>
+          <a:lstStyle/>
+          <a:p>
+            <a:pPr algn="ctr"/>
+            <a:r>
+              <a:rPr kumimoji="1" lang="en-US" altLang="ko-Kore-KR" sz="1600" dirty="0"/>
+              <a:t>domain</a:t>
+            </a:r>
+          </a:p>
+          <a:p>
+            <a:pPr algn="ctr"/>
+            <a:r>
+              <a:rPr kumimoji="1" lang="en-US" altLang="ko-Kore-KR" sz="1600" dirty="0"/>
+              <a:t>pkg</a:t>
+            </a:r>
+            <a:endParaRPr kumimoji="1" lang="ko-Kore-KR" altLang="en-US" sz="1600" dirty="0"/>
+          </a:p>
+        </p:txBody>
+      </p:sp>
+      <p:cxnSp>
+        <p:nvCxnSpPr>
+          <p:cNvPr id="90" name="직선 연결선[R] 89">
+            <a:extLst>
+              <a:ext uri="{FF2B5EF4-FFF2-40B4-BE49-F238E27FC236}">
+                <a16:creationId xmlns:a16="http://schemas.microsoft.com/office/drawing/2014/main" id="{6CF86560-AE04-DFF2-C2A8-23EAFBD0EF86}"/>
+              </a:ext>
+            </a:extLst>
+          </p:cNvPr>
+          <p:cNvCxnSpPr>
+            <a:cxnSpLocks/>
+            <a:stCxn id="16" idx="3"/>
+            <a:endCxn id="88" idx="1"/>
+          </p:cNvCxnSpPr>
+          <p:nvPr/>
+        </p:nvCxnSpPr>
+        <p:spPr>
+          <a:xfrm flipV="1">
+            <a:off x="2496313" y="2971372"/>
+            <a:ext cx="362955" cy="244509"/>
+          </a:xfrm>
+          <a:prstGeom prst="line">
+            <a:avLst/>
+          </a:prstGeom>
+        </p:spPr>
+        <p:style>
+          <a:lnRef idx="3">
+            <a:schemeClr val="accent1"/>
+          </a:lnRef>
+          <a:fillRef idx="0">
+            <a:schemeClr val="accent1"/>
+          </a:fillRef>
+          <a:effectRef idx="2">
+            <a:schemeClr val="accent1"/>
+          </a:effectRef>
+          <a:fontRef idx="minor">
+            <a:schemeClr val="tx1"/>
+          </a:fontRef>
+        </p:style>
+      </p:cxnSp>
+      <p:cxnSp>
+        <p:nvCxnSpPr>
+          <p:cNvPr id="91" name="직선 연결선[R] 90">
+            <a:extLst>
+              <a:ext uri="{FF2B5EF4-FFF2-40B4-BE49-F238E27FC236}">
+                <a16:creationId xmlns:a16="http://schemas.microsoft.com/office/drawing/2014/main" id="{4F33D460-EC18-017C-F2A0-8FB0AAEC8426}"/>
+              </a:ext>
+            </a:extLst>
+          </p:cNvPr>
+          <p:cNvCxnSpPr>
+            <a:cxnSpLocks/>
+            <a:stCxn id="16" idx="3"/>
+            <a:endCxn id="89" idx="1"/>
+          </p:cNvCxnSpPr>
+          <p:nvPr/>
+        </p:nvCxnSpPr>
+        <p:spPr>
+          <a:xfrm>
+            <a:off x="2496313" y="3215881"/>
+            <a:ext cx="378198" cy="589391"/>
+          </a:xfrm>
+          <a:prstGeom prst="line">
+            <a:avLst/>
+          </a:prstGeom>
+        </p:spPr>
+        <p:style>
+          <a:lnRef idx="3">
+            <a:schemeClr val="accent1"/>
+          </a:lnRef>
+          <a:fillRef idx="0">
+            <a:schemeClr val="accent1"/>
+          </a:fillRef>
+          <a:effectRef idx="2">
+            <a:schemeClr val="accent1"/>
+          </a:effectRef>
+          <a:fontRef idx="minor">
+            <a:schemeClr val="tx1"/>
+          </a:fontRef>
+        </p:style>
+      </p:cxnSp>
+      <p:sp>
+        <p:nvSpPr>
+          <p:cNvPr id="94" name="직사각형 93">
+            <a:extLst>
+              <a:ext uri="{FF2B5EF4-FFF2-40B4-BE49-F238E27FC236}">
+                <a16:creationId xmlns:a16="http://schemas.microsoft.com/office/drawing/2014/main" id="{D754325C-A05E-4F55-4FCC-DE2D29FB4216}"/>
+              </a:ext>
+            </a:extLst>
+          </p:cNvPr>
+          <p:cNvSpPr/>
+          <p:nvPr/>
+        </p:nvSpPr>
+        <p:spPr>
+          <a:xfrm>
+            <a:off x="5214181" y="2640303"/>
+            <a:ext cx="1326593" cy="373039"/>
+          </a:xfrm>
+          <a:prstGeom prst="rect">
+            <a:avLst/>
+          </a:prstGeom>
+        </p:spPr>
+        <p:style>
+          <a:lnRef idx="2">
+            <a:schemeClr val="accent1"/>
+          </a:lnRef>
+          <a:fillRef idx="1">
+            <a:schemeClr val="lt1"/>
+          </a:fillRef>
+          <a:effectRef idx="0">
+            <a:schemeClr val="accent1"/>
+          </a:effectRef>
+          <a:fontRef idx="minor">
+            <a:schemeClr val="dk1"/>
+          </a:fontRef>
+        </p:style>
+        <p:txBody>
+          <a:bodyPr rtlCol="0" anchor="ctr"/>
+          <a:lstStyle/>
+          <a:p>
+            <a:pPr algn="ctr"/>
+            <a:r>
+              <a:rPr kumimoji="1" lang="en-US" altLang="ko-Kore-KR" sz="1200" dirty="0" err="1"/>
+              <a:t>BoardDaoProxy</a:t>
+            </a:r>
+            <a:endParaRPr kumimoji="1" lang="en-US" altLang="ko-Kore-KR" sz="1200" dirty="0"/>
+          </a:p>
+          <a:p>
+            <a:pPr algn="ctr"/>
+            <a:r>
+              <a:rPr kumimoji="1" lang="en-US" altLang="ko-Kore-KR" sz="1200" dirty="0"/>
+              <a:t>class</a:t>
+            </a:r>
+            <a:endParaRPr kumimoji="1" lang="ko-Kore-KR" altLang="en-US" sz="1200" dirty="0"/>
+          </a:p>
+        </p:txBody>
+      </p:sp>
+      <p:sp>
+        <p:nvSpPr>
+          <p:cNvPr id="95" name="직사각형 94">
+            <a:extLst>
+              <a:ext uri="{FF2B5EF4-FFF2-40B4-BE49-F238E27FC236}">
+                <a16:creationId xmlns:a16="http://schemas.microsoft.com/office/drawing/2014/main" id="{6E6201C7-B687-8BF7-C3B1-FC5456494B03}"/>
+              </a:ext>
+            </a:extLst>
+          </p:cNvPr>
+          <p:cNvSpPr/>
+          <p:nvPr/>
+        </p:nvSpPr>
+        <p:spPr>
+          <a:xfrm>
+            <a:off x="5212296" y="3167109"/>
+            <a:ext cx="1469241" cy="373039"/>
+          </a:xfrm>
+          <a:prstGeom prst="rect">
+            <a:avLst/>
+          </a:prstGeom>
+        </p:spPr>
+        <p:style>
+          <a:lnRef idx="2">
+            <a:schemeClr val="accent1"/>
+          </a:lnRef>
+          <a:fillRef idx="1">
+            <a:schemeClr val="lt1"/>
+          </a:fillRef>
+          <a:effectRef idx="0">
+            <a:schemeClr val="accent1"/>
+          </a:effectRef>
+          <a:fontRef idx="minor">
+            <a:schemeClr val="dk1"/>
+          </a:fontRef>
+        </p:style>
+        <p:txBody>
+          <a:bodyPr rtlCol="0" anchor="ctr"/>
+          <a:lstStyle/>
+          <a:p>
+            <a:pPr algn="ctr"/>
+            <a:r>
+              <a:rPr kumimoji="1" lang="en-US" altLang="ko-Kore-KR" sz="1200" dirty="0" err="1"/>
+              <a:t>MemberDaoProxy</a:t>
+            </a:r>
+            <a:endParaRPr kumimoji="1" lang="en-US" altLang="ko-Kore-KR" sz="1200" dirty="0"/>
+          </a:p>
+          <a:p>
+            <a:pPr algn="ctr"/>
+            <a:r>
+              <a:rPr kumimoji="1" lang="en-US" altLang="ko-Kore-KR" sz="1200" dirty="0"/>
+              <a:t>class</a:t>
+            </a:r>
+            <a:endParaRPr kumimoji="1" lang="ko-Kore-KR" altLang="en-US" sz="1200" dirty="0"/>
+          </a:p>
+        </p:txBody>
+      </p:sp>
+      <p:sp>
+        <p:nvSpPr>
+          <p:cNvPr id="96" name="직사각형 95">
+            <a:extLst>
+              <a:ext uri="{FF2B5EF4-FFF2-40B4-BE49-F238E27FC236}">
+                <a16:creationId xmlns:a16="http://schemas.microsoft.com/office/drawing/2014/main" id="{A927FD82-2C7D-3237-4D5F-E35D97745C9A}"/>
+              </a:ext>
+            </a:extLst>
+          </p:cNvPr>
+          <p:cNvSpPr/>
+          <p:nvPr/>
+        </p:nvSpPr>
+        <p:spPr>
+          <a:xfrm>
+            <a:off x="5214181" y="3629241"/>
+            <a:ext cx="1326593" cy="373039"/>
+          </a:xfrm>
+          <a:prstGeom prst="rect">
+            <a:avLst/>
+          </a:prstGeom>
+        </p:spPr>
+        <p:style>
+          <a:lnRef idx="2">
+            <a:schemeClr val="accent1"/>
+          </a:lnRef>
+          <a:fillRef idx="1">
+            <a:schemeClr val="lt1"/>
+          </a:fillRef>
+          <a:effectRef idx="0">
+            <a:schemeClr val="accent1"/>
+          </a:effectRef>
+          <a:fontRef idx="minor">
+            <a:schemeClr val="dk1"/>
+          </a:fontRef>
+        </p:style>
+        <p:txBody>
+          <a:bodyPr rtlCol="0" anchor="ctr"/>
+          <a:lstStyle/>
+          <a:p>
+            <a:pPr algn="ctr"/>
+            <a:r>
+              <a:rPr kumimoji="1" lang="en-US" altLang="ko-Kore-KR" sz="1200" dirty="0"/>
+              <a:t>Board</a:t>
+            </a:r>
+          </a:p>
+          <a:p>
+            <a:pPr algn="ctr"/>
+            <a:r>
+              <a:rPr kumimoji="1" lang="en-US" altLang="ko-Kore-KR" sz="1200" dirty="0"/>
+              <a:t>class</a:t>
+            </a:r>
+            <a:endParaRPr kumimoji="1" lang="ko-Kore-KR" altLang="en-US" sz="1200" dirty="0"/>
+          </a:p>
+        </p:txBody>
+      </p:sp>
+      <p:sp>
+        <p:nvSpPr>
+          <p:cNvPr id="97" name="직사각형 96">
+            <a:extLst>
+              <a:ext uri="{FF2B5EF4-FFF2-40B4-BE49-F238E27FC236}">
+                <a16:creationId xmlns:a16="http://schemas.microsoft.com/office/drawing/2014/main" id="{6E8F68F6-B510-B4B1-8161-6890CEBDDECF}"/>
+              </a:ext>
+            </a:extLst>
+          </p:cNvPr>
+          <p:cNvSpPr/>
+          <p:nvPr/>
+        </p:nvSpPr>
+        <p:spPr>
+          <a:xfrm>
+            <a:off x="5214181" y="4164052"/>
+            <a:ext cx="1326593" cy="373039"/>
+          </a:xfrm>
+          <a:prstGeom prst="rect">
+            <a:avLst/>
+          </a:prstGeom>
+        </p:spPr>
+        <p:style>
+          <a:lnRef idx="2">
+            <a:schemeClr val="accent1"/>
+          </a:lnRef>
+          <a:fillRef idx="1">
+            <a:schemeClr val="lt1"/>
+          </a:fillRef>
+          <a:effectRef idx="0">
+            <a:schemeClr val="accent1"/>
+          </a:effectRef>
+          <a:fontRef idx="minor">
+            <a:schemeClr val="dk1"/>
+          </a:fontRef>
+        </p:style>
+        <p:txBody>
+          <a:bodyPr rtlCol="0" anchor="ctr"/>
+          <a:lstStyle/>
+          <a:p>
+            <a:pPr algn="ctr"/>
+            <a:r>
+              <a:rPr kumimoji="1" lang="en-US" altLang="ko-Kore-KR" sz="1200" dirty="0"/>
+              <a:t>Member</a:t>
+            </a:r>
+          </a:p>
+          <a:p>
+            <a:pPr algn="ctr"/>
+            <a:r>
+              <a:rPr kumimoji="1" lang="en-US" altLang="ko-Kore-KR" sz="1200" dirty="0"/>
+              <a:t>class</a:t>
+            </a:r>
+            <a:endParaRPr kumimoji="1" lang="ko-Kore-KR" altLang="en-US" sz="1200" dirty="0"/>
+          </a:p>
+        </p:txBody>
+      </p:sp>
+      <p:cxnSp>
+        <p:nvCxnSpPr>
+          <p:cNvPr id="98" name="직선 연결선[R] 97">
+            <a:extLst>
+              <a:ext uri="{FF2B5EF4-FFF2-40B4-BE49-F238E27FC236}">
+                <a16:creationId xmlns:a16="http://schemas.microsoft.com/office/drawing/2014/main" id="{6597C69E-EA3E-8ACD-8230-E12FEA5D07A8}"/>
+              </a:ext>
+            </a:extLst>
+          </p:cNvPr>
+          <p:cNvCxnSpPr>
+            <a:cxnSpLocks/>
+            <a:stCxn id="88" idx="3"/>
+            <a:endCxn id="94" idx="1"/>
+          </p:cNvCxnSpPr>
+          <p:nvPr/>
+        </p:nvCxnSpPr>
+        <p:spPr>
+          <a:xfrm flipV="1">
+            <a:off x="3795117" y="2826823"/>
+            <a:ext cx="1419064" cy="144549"/>
+          </a:xfrm>
+          <a:prstGeom prst="line">
+            <a:avLst/>
+          </a:prstGeom>
+        </p:spPr>
+        <p:style>
+          <a:lnRef idx="3">
+            <a:schemeClr val="accent1"/>
+          </a:lnRef>
+          <a:fillRef idx="0">
+            <a:schemeClr val="accent1"/>
+          </a:fillRef>
+          <a:effectRef idx="2">
+            <a:schemeClr val="accent1"/>
+          </a:effectRef>
+          <a:fontRef idx="minor">
+            <a:schemeClr val="tx1"/>
+          </a:fontRef>
+        </p:style>
+      </p:cxnSp>
+      <p:cxnSp>
+        <p:nvCxnSpPr>
+          <p:cNvPr id="101" name="직선 연결선[R] 100">
+            <a:extLst>
+              <a:ext uri="{FF2B5EF4-FFF2-40B4-BE49-F238E27FC236}">
+                <a16:creationId xmlns:a16="http://schemas.microsoft.com/office/drawing/2014/main" id="{E034775C-17B1-C221-897D-8B51C387E4EC}"/>
+              </a:ext>
+            </a:extLst>
+          </p:cNvPr>
+          <p:cNvCxnSpPr>
+            <a:cxnSpLocks/>
+            <a:stCxn id="88" idx="3"/>
+            <a:endCxn id="95" idx="1"/>
+          </p:cNvCxnSpPr>
+          <p:nvPr/>
+        </p:nvCxnSpPr>
+        <p:spPr>
+          <a:xfrm>
+            <a:off x="3795117" y="2971372"/>
+            <a:ext cx="1417179" cy="382257"/>
+          </a:xfrm>
+          <a:prstGeom prst="line">
+            <a:avLst/>
+          </a:prstGeom>
+        </p:spPr>
+        <p:style>
+          <a:lnRef idx="3">
+            <a:schemeClr val="accent1"/>
+          </a:lnRef>
+          <a:fillRef idx="0">
+            <a:schemeClr val="accent1"/>
+          </a:fillRef>
+          <a:effectRef idx="2">
+            <a:schemeClr val="accent1"/>
+          </a:effectRef>
+          <a:fontRef idx="minor">
+            <a:schemeClr val="tx1"/>
+          </a:fontRef>
+        </p:style>
+      </p:cxnSp>
+      <p:cxnSp>
+        <p:nvCxnSpPr>
+          <p:cNvPr id="104" name="직선 연결선[R] 103">
+            <a:extLst>
+              <a:ext uri="{FF2B5EF4-FFF2-40B4-BE49-F238E27FC236}">
+                <a16:creationId xmlns:a16="http://schemas.microsoft.com/office/drawing/2014/main" id="{459AFF53-017E-5A78-3320-56671CD43A68}"/>
+              </a:ext>
+            </a:extLst>
+          </p:cNvPr>
+          <p:cNvCxnSpPr>
+            <a:cxnSpLocks/>
+            <a:stCxn id="89" idx="3"/>
+            <a:endCxn id="96" idx="1"/>
+          </p:cNvCxnSpPr>
+          <p:nvPr/>
+        </p:nvCxnSpPr>
+        <p:spPr>
+          <a:xfrm>
+            <a:off x="3810360" y="3805272"/>
+            <a:ext cx="1403821" cy="10489"/>
+          </a:xfrm>
+          <a:prstGeom prst="line">
+            <a:avLst/>
+          </a:prstGeom>
+        </p:spPr>
+        <p:style>
+          <a:lnRef idx="3">
+            <a:schemeClr val="accent1"/>
+          </a:lnRef>
+          <a:fillRef idx="0">
+            <a:schemeClr val="accent1"/>
+          </a:fillRef>
+          <a:effectRef idx="2">
+            <a:schemeClr val="accent1"/>
+          </a:effectRef>
+          <a:fontRef idx="minor">
+            <a:schemeClr val="tx1"/>
+          </a:fontRef>
+        </p:style>
+      </p:cxnSp>
+      <p:cxnSp>
+        <p:nvCxnSpPr>
+          <p:cNvPr id="107" name="직선 연결선[R] 106">
+            <a:extLst>
+              <a:ext uri="{FF2B5EF4-FFF2-40B4-BE49-F238E27FC236}">
+                <a16:creationId xmlns:a16="http://schemas.microsoft.com/office/drawing/2014/main" id="{233BB7BA-E69F-9F45-0EDF-0398E196ECE3}"/>
+              </a:ext>
+            </a:extLst>
+          </p:cNvPr>
+          <p:cNvCxnSpPr>
+            <a:cxnSpLocks/>
+            <a:stCxn id="89" idx="3"/>
+            <a:endCxn id="97" idx="1"/>
+          </p:cNvCxnSpPr>
+          <p:nvPr/>
+        </p:nvCxnSpPr>
+        <p:spPr>
+          <a:xfrm>
+            <a:off x="3810360" y="3805272"/>
+            <a:ext cx="1403821" cy="545300"/>
+          </a:xfrm>
+          <a:prstGeom prst="line">
+            <a:avLst/>
+          </a:prstGeom>
+        </p:spPr>
+        <p:style>
+          <a:lnRef idx="3">
+            <a:schemeClr val="accent1"/>
+          </a:lnRef>
+          <a:fillRef idx="0">
+            <a:schemeClr val="accent1"/>
+          </a:fillRef>
+          <a:effectRef idx="2">
+            <a:schemeClr val="accent1"/>
+          </a:effectRef>
+          <a:fontRef idx="minor">
+            <a:schemeClr val="tx1"/>
+          </a:fontRef>
+        </p:style>
+      </p:cxnSp>
+      <p:sp>
+        <p:nvSpPr>
+          <p:cNvPr id="121" name="직사각형 120">
+            <a:extLst>
+              <a:ext uri="{FF2B5EF4-FFF2-40B4-BE49-F238E27FC236}">
+                <a16:creationId xmlns:a16="http://schemas.microsoft.com/office/drawing/2014/main" id="{ED0959F0-EA79-2BAD-5E85-CBC2F67666E4}"/>
+              </a:ext>
+            </a:extLst>
+          </p:cNvPr>
+          <p:cNvSpPr/>
+          <p:nvPr/>
+        </p:nvSpPr>
+        <p:spPr>
+          <a:xfrm>
+            <a:off x="2874510" y="4676181"/>
+            <a:ext cx="935849" cy="468519"/>
+          </a:xfrm>
+          <a:prstGeom prst="rect">
+            <a:avLst/>
+          </a:prstGeom>
+        </p:spPr>
+        <p:style>
+          <a:lnRef idx="3">
+            <a:schemeClr val="lt1"/>
+          </a:lnRef>
+          <a:fillRef idx="1">
+            <a:schemeClr val="accent3"/>
+          </a:fillRef>
+          <a:effectRef idx="1">
+            <a:schemeClr val="accent3"/>
+          </a:effectRef>
+          <a:fontRef idx="minor">
+            <a:schemeClr val="lt1"/>
+          </a:fontRef>
+        </p:style>
+        <p:txBody>
+          <a:bodyPr rtlCol="0" anchor="ctr"/>
+          <a:lstStyle/>
+          <a:p>
+            <a:pPr algn="ctr"/>
+            <a:r>
+              <a:rPr kumimoji="1" lang="en-US" altLang="ko-Kore-KR" sz="1600" dirty="0"/>
+              <a:t>board</a:t>
+            </a:r>
+          </a:p>
+          <a:p>
+            <a:pPr algn="ctr"/>
+            <a:r>
+              <a:rPr kumimoji="1" lang="en-US" altLang="ko-Kore-KR" sz="1600" dirty="0"/>
+              <a:t>pkg</a:t>
+            </a:r>
+            <a:endParaRPr kumimoji="1" lang="ko-Kore-KR" altLang="en-US" sz="1600" dirty="0"/>
+          </a:p>
+        </p:txBody>
+      </p:sp>
+      <p:sp>
+        <p:nvSpPr>
+          <p:cNvPr id="122" name="직사각형 121">
+            <a:extLst>
+              <a:ext uri="{FF2B5EF4-FFF2-40B4-BE49-F238E27FC236}">
+                <a16:creationId xmlns:a16="http://schemas.microsoft.com/office/drawing/2014/main" id="{6FBD2B14-E808-9F59-520B-CA94DCEA51D3}"/>
+              </a:ext>
+            </a:extLst>
+          </p:cNvPr>
+          <p:cNvSpPr/>
+          <p:nvPr/>
+        </p:nvSpPr>
+        <p:spPr>
+          <a:xfrm>
+            <a:off x="2883073" y="6417208"/>
+            <a:ext cx="935849" cy="468519"/>
+          </a:xfrm>
+          <a:prstGeom prst="rect">
+            <a:avLst/>
+          </a:prstGeom>
+        </p:spPr>
+        <p:style>
+          <a:lnRef idx="3">
+            <a:schemeClr val="lt1"/>
+          </a:lnRef>
+          <a:fillRef idx="1">
+            <a:schemeClr val="accent3"/>
+          </a:fillRef>
+          <a:effectRef idx="1">
+            <a:schemeClr val="accent3"/>
+          </a:effectRef>
+          <a:fontRef idx="minor">
+            <a:schemeClr val="lt1"/>
+          </a:fontRef>
+        </p:style>
+        <p:txBody>
+          <a:bodyPr rtlCol="0" anchor="ctr"/>
+          <a:lstStyle/>
+          <a:p>
+            <a:pPr algn="ctr"/>
+            <a:r>
+              <a:rPr kumimoji="1" lang="en-US" altLang="ko-Kore-KR" sz="1600" dirty="0"/>
+              <a:t>servlet</a:t>
+            </a:r>
+          </a:p>
+          <a:p>
+            <a:pPr algn="ctr"/>
+            <a:r>
+              <a:rPr kumimoji="1" lang="en-US" altLang="ko-Kore-KR" sz="1600" dirty="0"/>
+              <a:t>pkg</a:t>
+            </a:r>
+            <a:endParaRPr kumimoji="1" lang="ko-Kore-KR" altLang="en-US" sz="1600" dirty="0"/>
+          </a:p>
+        </p:txBody>
+      </p:sp>
+      <p:cxnSp>
+        <p:nvCxnSpPr>
+          <p:cNvPr id="123" name="직선 연결선[R] 122">
+            <a:extLst>
+              <a:ext uri="{FF2B5EF4-FFF2-40B4-BE49-F238E27FC236}">
+                <a16:creationId xmlns:a16="http://schemas.microsoft.com/office/drawing/2014/main" id="{F9BE407B-40A1-4B68-8B62-E24171FF4C7F}"/>
+              </a:ext>
+            </a:extLst>
+          </p:cNvPr>
+          <p:cNvCxnSpPr>
+            <a:cxnSpLocks/>
+            <a:stCxn id="17" idx="3"/>
+            <a:endCxn id="121" idx="1"/>
+          </p:cNvCxnSpPr>
+          <p:nvPr/>
+        </p:nvCxnSpPr>
+        <p:spPr>
+          <a:xfrm flipV="1">
+            <a:off x="2496426" y="4910441"/>
+            <a:ext cx="378084" cy="50000"/>
+          </a:xfrm>
+          <a:prstGeom prst="line">
+            <a:avLst/>
+          </a:prstGeom>
+        </p:spPr>
+        <p:style>
+          <a:lnRef idx="3">
+            <a:schemeClr val="accent3"/>
+          </a:lnRef>
+          <a:fillRef idx="0">
+            <a:schemeClr val="accent3"/>
+          </a:fillRef>
+          <a:effectRef idx="2">
+            <a:schemeClr val="accent3"/>
+          </a:effectRef>
+          <a:fontRef idx="minor">
+            <a:schemeClr val="tx1"/>
+          </a:fontRef>
+        </p:style>
+      </p:cxnSp>
+      <p:cxnSp>
+        <p:nvCxnSpPr>
+          <p:cNvPr id="126" name="직선 연결선[R] 125">
+            <a:extLst>
+              <a:ext uri="{FF2B5EF4-FFF2-40B4-BE49-F238E27FC236}">
+                <a16:creationId xmlns:a16="http://schemas.microsoft.com/office/drawing/2014/main" id="{4D65B6DF-776B-A1D4-D0A5-689FD69D8804}"/>
+              </a:ext>
+            </a:extLst>
+          </p:cNvPr>
+          <p:cNvCxnSpPr>
+            <a:cxnSpLocks/>
+            <a:stCxn id="17" idx="3"/>
+            <a:endCxn id="122" idx="1"/>
+          </p:cNvCxnSpPr>
+          <p:nvPr/>
+        </p:nvCxnSpPr>
+        <p:spPr>
+          <a:xfrm>
+            <a:off x="2496426" y="4960441"/>
+            <a:ext cx="386647" cy="1691027"/>
+          </a:xfrm>
+          <a:prstGeom prst="line">
+            <a:avLst/>
+          </a:prstGeom>
+        </p:spPr>
+        <p:style>
+          <a:lnRef idx="3">
+            <a:schemeClr val="accent3"/>
+          </a:lnRef>
+          <a:fillRef idx="0">
+            <a:schemeClr val="accent3"/>
+          </a:fillRef>
+          <a:effectRef idx="2">
+            <a:schemeClr val="accent3"/>
+          </a:effectRef>
+          <a:fontRef idx="minor">
+            <a:schemeClr val="tx1"/>
+          </a:fontRef>
+        </p:style>
+      </p:cxnSp>
+      <p:sp>
+        <p:nvSpPr>
+          <p:cNvPr id="131" name="직사각형 130">
+            <a:extLst>
+              <a:ext uri="{FF2B5EF4-FFF2-40B4-BE49-F238E27FC236}">
+                <a16:creationId xmlns:a16="http://schemas.microsoft.com/office/drawing/2014/main" id="{E1C16A87-F8DF-2E4F-C255-B36947248FB7}"/>
+              </a:ext>
+            </a:extLst>
+          </p:cNvPr>
+          <p:cNvSpPr/>
+          <p:nvPr/>
+        </p:nvSpPr>
+        <p:spPr>
+          <a:xfrm>
+            <a:off x="5212295" y="6464948"/>
+            <a:ext cx="1326593" cy="373039"/>
+          </a:xfrm>
+          <a:prstGeom prst="rect">
+            <a:avLst/>
+          </a:prstGeom>
+        </p:spPr>
+        <p:style>
+          <a:lnRef idx="1">
+            <a:schemeClr val="accent3"/>
+          </a:lnRef>
+          <a:fillRef idx="2">
+            <a:schemeClr val="accent3"/>
+          </a:fillRef>
+          <a:effectRef idx="1">
+            <a:schemeClr val="accent3"/>
+          </a:effectRef>
+          <a:fontRef idx="minor">
+            <a:schemeClr val="dk1"/>
+          </a:fontRef>
+        </p:style>
+        <p:txBody>
+          <a:bodyPr rtlCol="0" anchor="ctr"/>
+          <a:lstStyle/>
+          <a:p>
+            <a:pPr algn="ctr"/>
+            <a:r>
+              <a:rPr kumimoji="1" lang="en-US" altLang="ko-Kore-KR" sz="1200" dirty="0"/>
+              <a:t>Servlet</a:t>
+            </a:r>
+          </a:p>
+          <a:p>
+            <a:pPr algn="ctr"/>
+            <a:r>
+              <a:rPr kumimoji="1" lang="en-US" altLang="ko-Kore-KR" sz="1200" dirty="0"/>
+              <a:t>interface</a:t>
+            </a:r>
+            <a:endParaRPr kumimoji="1" lang="ko-Kore-KR" altLang="en-US" sz="1200" dirty="0"/>
+          </a:p>
+        </p:txBody>
+      </p:sp>
+      <p:cxnSp>
+        <p:nvCxnSpPr>
+          <p:cNvPr id="132" name="직선 연결선[R] 131">
+            <a:extLst>
+              <a:ext uri="{FF2B5EF4-FFF2-40B4-BE49-F238E27FC236}">
+                <a16:creationId xmlns:a16="http://schemas.microsoft.com/office/drawing/2014/main" id="{47ACC659-3406-DBCB-0CDB-B850FA90B113}"/>
+              </a:ext>
+            </a:extLst>
+          </p:cNvPr>
+          <p:cNvCxnSpPr>
+            <a:cxnSpLocks/>
+            <a:stCxn id="122" idx="3"/>
+            <a:endCxn id="131" idx="1"/>
+          </p:cNvCxnSpPr>
+          <p:nvPr/>
+        </p:nvCxnSpPr>
+        <p:spPr>
+          <a:xfrm>
+            <a:off x="3818922" y="6651468"/>
+            <a:ext cx="1393373" cy="0"/>
+          </a:xfrm>
+          <a:prstGeom prst="line">
+            <a:avLst/>
+          </a:prstGeom>
+        </p:spPr>
+        <p:style>
+          <a:lnRef idx="3">
+            <a:schemeClr val="accent3"/>
+          </a:lnRef>
+          <a:fillRef idx="0">
+            <a:schemeClr val="accent3"/>
+          </a:fillRef>
+          <a:effectRef idx="2">
+            <a:schemeClr val="accent3"/>
+          </a:effectRef>
+          <a:fontRef idx="minor">
+            <a:schemeClr val="tx1"/>
+          </a:fontRef>
+        </p:style>
+      </p:cxnSp>
+      <p:sp>
+        <p:nvSpPr>
+          <p:cNvPr id="139" name="직사각형 138">
+            <a:extLst>
+              <a:ext uri="{FF2B5EF4-FFF2-40B4-BE49-F238E27FC236}">
+                <a16:creationId xmlns:a16="http://schemas.microsoft.com/office/drawing/2014/main" id="{F64AE111-6DE3-17FB-3FE9-279F48E8C8FD}"/>
+              </a:ext>
+            </a:extLst>
+          </p:cNvPr>
+          <p:cNvSpPr/>
+          <p:nvPr/>
+        </p:nvSpPr>
+        <p:spPr>
+          <a:xfrm>
+            <a:off x="5212297" y="4664393"/>
+            <a:ext cx="935849" cy="468519"/>
+          </a:xfrm>
+          <a:prstGeom prst="rect">
+            <a:avLst/>
+          </a:prstGeom>
+        </p:spPr>
+        <p:style>
+          <a:lnRef idx="3">
+            <a:schemeClr val="lt1"/>
+          </a:lnRef>
+          <a:fillRef idx="1">
+            <a:schemeClr val="accent3"/>
+          </a:fillRef>
+          <a:effectRef idx="1">
+            <a:schemeClr val="accent3"/>
+          </a:effectRef>
+          <a:fontRef idx="minor">
+            <a:schemeClr val="lt1"/>
+          </a:fontRef>
+        </p:style>
+        <p:txBody>
+          <a:bodyPr rtlCol="0" anchor="ctr"/>
+          <a:lstStyle/>
+          <a:p>
+            <a:pPr algn="ctr"/>
+            <a:r>
+              <a:rPr kumimoji="1" lang="en-US" altLang="ko-Kore-KR" sz="1600" dirty="0" err="1"/>
+              <a:t>dao</a:t>
+            </a:r>
+            <a:endParaRPr kumimoji="1" lang="en-US" altLang="ko-Kore-KR" sz="1600" dirty="0"/>
+          </a:p>
+          <a:p>
+            <a:pPr algn="ctr"/>
+            <a:r>
+              <a:rPr kumimoji="1" lang="en-US" altLang="ko-Kore-KR" sz="1600" dirty="0"/>
+              <a:t>pkg</a:t>
+            </a:r>
+            <a:endParaRPr kumimoji="1" lang="ko-Kore-KR" altLang="en-US" sz="1600" dirty="0"/>
+          </a:p>
+        </p:txBody>
+      </p:sp>
+      <p:sp>
+        <p:nvSpPr>
+          <p:cNvPr id="140" name="직사각형 139">
+            <a:extLst>
+              <a:ext uri="{FF2B5EF4-FFF2-40B4-BE49-F238E27FC236}">
+                <a16:creationId xmlns:a16="http://schemas.microsoft.com/office/drawing/2014/main" id="{C78B59CE-1BC7-F31A-3BC4-A9FF4D0AAB0F}"/>
+              </a:ext>
+            </a:extLst>
+          </p:cNvPr>
+          <p:cNvSpPr/>
+          <p:nvPr/>
+        </p:nvSpPr>
+        <p:spPr>
+          <a:xfrm>
+            <a:off x="5212296" y="5355407"/>
+            <a:ext cx="935849" cy="468519"/>
+          </a:xfrm>
+          <a:prstGeom prst="rect">
+            <a:avLst/>
+          </a:prstGeom>
+        </p:spPr>
+        <p:style>
+          <a:lnRef idx="3">
+            <a:schemeClr val="lt1"/>
+          </a:lnRef>
+          <a:fillRef idx="1">
+            <a:schemeClr val="accent3"/>
+          </a:fillRef>
+          <a:effectRef idx="1">
+            <a:schemeClr val="accent3"/>
+          </a:effectRef>
+          <a:fontRef idx="minor">
+            <a:schemeClr val="lt1"/>
+          </a:fontRef>
+        </p:style>
+        <p:txBody>
+          <a:bodyPr rtlCol="0" anchor="ctr"/>
+          <a:lstStyle/>
+          <a:p>
+            <a:pPr algn="ctr"/>
+            <a:r>
+              <a:rPr kumimoji="1" lang="en-US" altLang="ko-Kore-KR" sz="1600" dirty="0"/>
+              <a:t>servlet</a:t>
+            </a:r>
+          </a:p>
+          <a:p>
+            <a:pPr algn="ctr"/>
+            <a:r>
+              <a:rPr kumimoji="1" lang="en-US" altLang="ko-Kore-KR" sz="1600" dirty="0"/>
+              <a:t>pkg</a:t>
+            </a:r>
+            <a:endParaRPr kumimoji="1" lang="ko-Kore-KR" altLang="en-US" sz="1600" dirty="0"/>
+          </a:p>
+        </p:txBody>
+      </p:sp>
+      <p:cxnSp>
+        <p:nvCxnSpPr>
+          <p:cNvPr id="141" name="직선 연결선[R] 140">
+            <a:extLst>
+              <a:ext uri="{FF2B5EF4-FFF2-40B4-BE49-F238E27FC236}">
+                <a16:creationId xmlns:a16="http://schemas.microsoft.com/office/drawing/2014/main" id="{EE734B69-98FE-F672-74CC-C93FA958A989}"/>
+              </a:ext>
+            </a:extLst>
+          </p:cNvPr>
+          <p:cNvCxnSpPr>
+            <a:cxnSpLocks/>
+            <a:stCxn id="121" idx="3"/>
+            <a:endCxn id="139" idx="1"/>
+          </p:cNvCxnSpPr>
+          <p:nvPr/>
+        </p:nvCxnSpPr>
+        <p:spPr>
+          <a:xfrm flipV="1">
+            <a:off x="3810359" y="4898653"/>
+            <a:ext cx="1401938" cy="11788"/>
+          </a:xfrm>
+          <a:prstGeom prst="line">
+            <a:avLst/>
+          </a:prstGeom>
+        </p:spPr>
+        <p:style>
+          <a:lnRef idx="3">
+            <a:schemeClr val="accent3"/>
+          </a:lnRef>
+          <a:fillRef idx="0">
+            <a:schemeClr val="accent3"/>
+          </a:fillRef>
+          <a:effectRef idx="2">
+            <a:schemeClr val="accent3"/>
+          </a:effectRef>
+          <a:fontRef idx="minor">
+            <a:schemeClr val="tx1"/>
+          </a:fontRef>
+        </p:style>
+      </p:cxnSp>
+      <p:cxnSp>
+        <p:nvCxnSpPr>
+          <p:cNvPr id="144" name="직선 연결선[R] 143">
+            <a:extLst>
+              <a:ext uri="{FF2B5EF4-FFF2-40B4-BE49-F238E27FC236}">
+                <a16:creationId xmlns:a16="http://schemas.microsoft.com/office/drawing/2014/main" id="{70244B0F-ADD3-C19F-2818-91080EA1B1E9}"/>
+              </a:ext>
+            </a:extLst>
+          </p:cNvPr>
+          <p:cNvCxnSpPr>
+            <a:cxnSpLocks/>
+            <a:stCxn id="121" idx="3"/>
+            <a:endCxn id="140" idx="1"/>
+          </p:cNvCxnSpPr>
+          <p:nvPr/>
+        </p:nvCxnSpPr>
+        <p:spPr>
+          <a:xfrm>
+            <a:off x="3810359" y="4910441"/>
+            <a:ext cx="1401937" cy="679226"/>
+          </a:xfrm>
+          <a:prstGeom prst="line">
+            <a:avLst/>
+          </a:prstGeom>
+        </p:spPr>
+        <p:style>
+          <a:lnRef idx="3">
+            <a:schemeClr val="accent3"/>
+          </a:lnRef>
+          <a:fillRef idx="0">
+            <a:schemeClr val="accent3"/>
+          </a:fillRef>
+          <a:effectRef idx="2">
+            <a:schemeClr val="accent3"/>
+          </a:effectRef>
+          <a:fontRef idx="minor">
+            <a:schemeClr val="tx1"/>
+          </a:fontRef>
+        </p:style>
+      </p:cxnSp>
+      <p:sp>
+        <p:nvSpPr>
+          <p:cNvPr id="148" name="직사각형 147">
+            <a:extLst>
+              <a:ext uri="{FF2B5EF4-FFF2-40B4-BE49-F238E27FC236}">
+                <a16:creationId xmlns:a16="http://schemas.microsoft.com/office/drawing/2014/main" id="{19FA3B51-A01B-A16D-C9DD-6692CFF940D5}"/>
+              </a:ext>
+            </a:extLst>
+          </p:cNvPr>
+          <p:cNvSpPr/>
+          <p:nvPr/>
+        </p:nvSpPr>
+        <p:spPr>
+          <a:xfrm>
+            <a:off x="5212296" y="6011081"/>
+            <a:ext cx="1326593" cy="373039"/>
+          </a:xfrm>
+          <a:prstGeom prst="rect">
+            <a:avLst/>
+          </a:prstGeom>
+        </p:spPr>
+        <p:style>
+          <a:lnRef idx="2">
+            <a:schemeClr val="accent3"/>
+          </a:lnRef>
+          <a:fillRef idx="1">
+            <a:schemeClr val="lt1"/>
+          </a:fillRef>
+          <a:effectRef idx="0">
+            <a:schemeClr val="accent3"/>
+          </a:effectRef>
+          <a:fontRef idx="minor">
+            <a:schemeClr val="dk1"/>
+          </a:fontRef>
+        </p:style>
+        <p:txBody>
+          <a:bodyPr rtlCol="0" anchor="ctr"/>
+          <a:lstStyle/>
+          <a:p>
+            <a:pPr algn="ctr"/>
+            <a:r>
+              <a:rPr kumimoji="1" lang="en-US" altLang="ko-Kore-KR" sz="1200" dirty="0" err="1"/>
+              <a:t>ServerApp</a:t>
+            </a:r>
+            <a:endParaRPr kumimoji="1" lang="en-US" altLang="ko-Kore-KR" sz="1200" dirty="0"/>
+          </a:p>
+          <a:p>
+            <a:pPr algn="ctr"/>
+            <a:r>
+              <a:rPr kumimoji="1" lang="en-US" altLang="ko-Kore-KR" sz="1200" dirty="0"/>
+              <a:t>class</a:t>
+            </a:r>
+            <a:endParaRPr kumimoji="1" lang="ko-Kore-KR" altLang="en-US" sz="1200" dirty="0"/>
+          </a:p>
+        </p:txBody>
+      </p:sp>
+      <p:cxnSp>
+        <p:nvCxnSpPr>
+          <p:cNvPr id="149" name="직선 연결선[R] 148">
+            <a:extLst>
+              <a:ext uri="{FF2B5EF4-FFF2-40B4-BE49-F238E27FC236}">
+                <a16:creationId xmlns:a16="http://schemas.microsoft.com/office/drawing/2014/main" id="{E907F69A-90D7-E18E-1997-13480395C01A}"/>
+              </a:ext>
+            </a:extLst>
+          </p:cNvPr>
+          <p:cNvCxnSpPr>
+            <a:cxnSpLocks/>
+            <a:stCxn id="121" idx="3"/>
+            <a:endCxn id="148" idx="1"/>
+          </p:cNvCxnSpPr>
+          <p:nvPr/>
+        </p:nvCxnSpPr>
+        <p:spPr>
+          <a:xfrm>
+            <a:off x="3810359" y="4910441"/>
+            <a:ext cx="1401937" cy="1287160"/>
+          </a:xfrm>
+          <a:prstGeom prst="line">
+            <a:avLst/>
+          </a:prstGeom>
+        </p:spPr>
+        <p:style>
+          <a:lnRef idx="3">
+            <a:schemeClr val="accent3"/>
+          </a:lnRef>
+          <a:fillRef idx="0">
+            <a:schemeClr val="accent3"/>
+          </a:fillRef>
+          <a:effectRef idx="2">
+            <a:schemeClr val="accent3"/>
+          </a:effectRef>
+          <a:fontRef idx="minor">
+            <a:schemeClr val="tx1"/>
+          </a:fontRef>
+        </p:style>
+      </p:cxnSp>
+      <p:sp>
+        <p:nvSpPr>
+          <p:cNvPr id="156" name="직사각형 155">
+            <a:extLst>
+              <a:ext uri="{FF2B5EF4-FFF2-40B4-BE49-F238E27FC236}">
+                <a16:creationId xmlns:a16="http://schemas.microsoft.com/office/drawing/2014/main" id="{0C22CB62-446E-ACC2-ADF5-68C9202F002D}"/>
+              </a:ext>
+            </a:extLst>
+          </p:cNvPr>
+          <p:cNvSpPr/>
+          <p:nvPr/>
+        </p:nvSpPr>
+        <p:spPr>
+          <a:xfrm>
+            <a:off x="7466624" y="4350017"/>
+            <a:ext cx="1326593" cy="373039"/>
+          </a:xfrm>
+          <a:prstGeom prst="rect">
+            <a:avLst/>
+          </a:prstGeom>
+        </p:spPr>
+        <p:style>
+          <a:lnRef idx="2">
+            <a:schemeClr val="accent3"/>
+          </a:lnRef>
+          <a:fillRef idx="1">
+            <a:schemeClr val="lt1"/>
+          </a:fillRef>
+          <a:effectRef idx="0">
+            <a:schemeClr val="accent3"/>
+          </a:effectRef>
+          <a:fontRef idx="minor">
+            <a:schemeClr val="dk1"/>
+          </a:fontRef>
+        </p:style>
+        <p:txBody>
+          <a:bodyPr rtlCol="0" anchor="ctr"/>
+          <a:lstStyle/>
+          <a:p>
+            <a:pPr algn="ctr"/>
+            <a:r>
+              <a:rPr kumimoji="1" lang="en-US" altLang="ko-Kore-KR" sz="1200" dirty="0" err="1"/>
+              <a:t>BoardDao</a:t>
+            </a:r>
+            <a:endParaRPr kumimoji="1" lang="en-US" altLang="ko-Kore-KR" sz="1200" dirty="0"/>
+          </a:p>
+          <a:p>
+            <a:pPr algn="ctr"/>
+            <a:r>
+              <a:rPr kumimoji="1" lang="en-US" altLang="ko-Kore-KR" sz="1200" dirty="0"/>
+              <a:t>class</a:t>
+            </a:r>
+            <a:endParaRPr kumimoji="1" lang="ko-Kore-KR" altLang="en-US" sz="1200" dirty="0"/>
+          </a:p>
+        </p:txBody>
+      </p:sp>
+      <p:sp>
+        <p:nvSpPr>
+          <p:cNvPr id="157" name="직사각형 156">
+            <a:extLst>
+              <a:ext uri="{FF2B5EF4-FFF2-40B4-BE49-F238E27FC236}">
+                <a16:creationId xmlns:a16="http://schemas.microsoft.com/office/drawing/2014/main" id="{03CE4FAF-81AE-BBD7-A987-C22C0D0C88D7}"/>
+              </a:ext>
+            </a:extLst>
+          </p:cNvPr>
+          <p:cNvSpPr/>
+          <p:nvPr/>
+        </p:nvSpPr>
+        <p:spPr>
+          <a:xfrm>
+            <a:off x="7468685" y="4937347"/>
+            <a:ext cx="1326593" cy="373039"/>
+          </a:xfrm>
+          <a:prstGeom prst="rect">
+            <a:avLst/>
+          </a:prstGeom>
+        </p:spPr>
+        <p:style>
+          <a:lnRef idx="2">
+            <a:schemeClr val="accent3"/>
+          </a:lnRef>
+          <a:fillRef idx="1">
+            <a:schemeClr val="lt1"/>
+          </a:fillRef>
+          <a:effectRef idx="0">
+            <a:schemeClr val="accent3"/>
+          </a:effectRef>
+          <a:fontRef idx="minor">
+            <a:schemeClr val="dk1"/>
+          </a:fontRef>
+        </p:style>
+        <p:txBody>
+          <a:bodyPr rtlCol="0" anchor="ctr"/>
+          <a:lstStyle/>
+          <a:p>
+            <a:pPr algn="ctr"/>
+            <a:r>
+              <a:rPr kumimoji="1" lang="en-US" altLang="ko-Kore-KR" sz="1200" dirty="0" err="1"/>
+              <a:t>MemberDao</a:t>
+            </a:r>
+            <a:endParaRPr kumimoji="1" lang="en-US" altLang="ko-Kore-KR" sz="1200" dirty="0"/>
+          </a:p>
+          <a:p>
+            <a:pPr algn="ctr"/>
+            <a:r>
+              <a:rPr kumimoji="1" lang="en-US" altLang="ko-Kore-KR" sz="1200" dirty="0"/>
+              <a:t>class</a:t>
+            </a:r>
+            <a:endParaRPr kumimoji="1" lang="ko-Kore-KR" altLang="en-US" sz="1200" dirty="0"/>
+          </a:p>
+        </p:txBody>
+      </p:sp>
+      <p:sp>
+        <p:nvSpPr>
+          <p:cNvPr id="159" name="직사각형 158">
+            <a:extLst>
+              <a:ext uri="{FF2B5EF4-FFF2-40B4-BE49-F238E27FC236}">
+                <a16:creationId xmlns:a16="http://schemas.microsoft.com/office/drawing/2014/main" id="{14AA4A61-ED5F-0E5D-EDD0-02FA7235479C}"/>
+              </a:ext>
+            </a:extLst>
+          </p:cNvPr>
+          <p:cNvSpPr/>
+          <p:nvPr/>
+        </p:nvSpPr>
+        <p:spPr>
+          <a:xfrm>
+            <a:off x="7462345" y="5467691"/>
+            <a:ext cx="1326593" cy="373039"/>
+          </a:xfrm>
+          <a:prstGeom prst="rect">
+            <a:avLst/>
+          </a:prstGeom>
+        </p:spPr>
+        <p:style>
+          <a:lnRef idx="2">
+            <a:schemeClr val="accent3"/>
+          </a:lnRef>
+          <a:fillRef idx="1">
+            <a:schemeClr val="lt1"/>
+          </a:fillRef>
+          <a:effectRef idx="0">
+            <a:schemeClr val="accent3"/>
+          </a:effectRef>
+          <a:fontRef idx="minor">
+            <a:schemeClr val="dk1"/>
+          </a:fontRef>
+        </p:style>
+        <p:txBody>
+          <a:bodyPr rtlCol="0" anchor="ctr"/>
+          <a:lstStyle/>
+          <a:p>
+            <a:pPr algn="ctr"/>
+            <a:r>
+              <a:rPr kumimoji="1" lang="en-US" altLang="ko-Kore-KR" sz="1200" dirty="0" err="1"/>
+              <a:t>BoardServlet</a:t>
+            </a:r>
+            <a:endParaRPr kumimoji="1" lang="en-US" altLang="ko-Kore-KR" sz="1200" dirty="0"/>
+          </a:p>
+          <a:p>
+            <a:pPr algn="ctr"/>
+            <a:r>
+              <a:rPr kumimoji="1" lang="en-US" altLang="ko-Kore-KR" sz="1200" dirty="0"/>
+              <a:t>class</a:t>
+            </a:r>
+            <a:endParaRPr kumimoji="1" lang="ko-Kore-KR" altLang="en-US" sz="1200" dirty="0"/>
+          </a:p>
+        </p:txBody>
+      </p:sp>
+      <p:sp>
+        <p:nvSpPr>
+          <p:cNvPr id="160" name="직사각형 159">
+            <a:extLst>
+              <a:ext uri="{FF2B5EF4-FFF2-40B4-BE49-F238E27FC236}">
+                <a16:creationId xmlns:a16="http://schemas.microsoft.com/office/drawing/2014/main" id="{54EB473D-32BC-3E1D-37D6-860541722FA1}"/>
+              </a:ext>
+            </a:extLst>
+          </p:cNvPr>
+          <p:cNvSpPr/>
+          <p:nvPr/>
+        </p:nvSpPr>
+        <p:spPr>
+          <a:xfrm>
+            <a:off x="7462345" y="5962706"/>
+            <a:ext cx="1326593" cy="373039"/>
+          </a:xfrm>
+          <a:prstGeom prst="rect">
+            <a:avLst/>
+          </a:prstGeom>
+        </p:spPr>
+        <p:style>
+          <a:lnRef idx="2">
+            <a:schemeClr val="accent3"/>
+          </a:lnRef>
+          <a:fillRef idx="1">
+            <a:schemeClr val="lt1"/>
+          </a:fillRef>
+          <a:effectRef idx="0">
+            <a:schemeClr val="accent3"/>
+          </a:effectRef>
+          <a:fontRef idx="minor">
+            <a:schemeClr val="dk1"/>
+          </a:fontRef>
+        </p:style>
+        <p:txBody>
+          <a:bodyPr rtlCol="0" anchor="ctr"/>
+          <a:lstStyle/>
+          <a:p>
+            <a:pPr algn="ctr"/>
+            <a:r>
+              <a:rPr kumimoji="1" lang="en-US" altLang="ko-Kore-KR" sz="1200" dirty="0" err="1"/>
+              <a:t>MemberServlet</a:t>
+            </a:r>
+            <a:endParaRPr kumimoji="1" lang="en-US" altLang="ko-Kore-KR" sz="1200" dirty="0"/>
+          </a:p>
+          <a:p>
+            <a:pPr algn="ctr"/>
+            <a:r>
+              <a:rPr kumimoji="1" lang="en-US" altLang="ko-Kore-KR" sz="1200" dirty="0"/>
+              <a:t>class</a:t>
+            </a:r>
+            <a:endParaRPr kumimoji="1" lang="ko-Kore-KR" altLang="en-US" sz="1200" dirty="0"/>
+          </a:p>
+        </p:txBody>
+      </p:sp>
+      <p:cxnSp>
+        <p:nvCxnSpPr>
+          <p:cNvPr id="161" name="직선 연결선[R] 160">
+            <a:extLst>
+              <a:ext uri="{FF2B5EF4-FFF2-40B4-BE49-F238E27FC236}">
+                <a16:creationId xmlns:a16="http://schemas.microsoft.com/office/drawing/2014/main" id="{549C9C23-63D5-7D9D-FE8C-D14BC046D2D4}"/>
+              </a:ext>
+            </a:extLst>
+          </p:cNvPr>
+          <p:cNvCxnSpPr>
+            <a:cxnSpLocks/>
+            <a:stCxn id="139" idx="3"/>
+            <a:endCxn id="156" idx="1"/>
+          </p:cNvCxnSpPr>
+          <p:nvPr/>
+        </p:nvCxnSpPr>
+        <p:spPr>
+          <a:xfrm flipV="1">
+            <a:off x="6148146" y="4536537"/>
+            <a:ext cx="1318478" cy="362116"/>
+          </a:xfrm>
+          <a:prstGeom prst="line">
+            <a:avLst/>
+          </a:prstGeom>
+        </p:spPr>
+        <p:style>
+          <a:lnRef idx="3">
+            <a:schemeClr val="accent3"/>
+          </a:lnRef>
+          <a:fillRef idx="0">
+            <a:schemeClr val="accent3"/>
+          </a:fillRef>
+          <a:effectRef idx="2">
+            <a:schemeClr val="accent3"/>
+          </a:effectRef>
+          <a:fontRef idx="minor">
+            <a:schemeClr val="tx1"/>
+          </a:fontRef>
+        </p:style>
+      </p:cxnSp>
+      <p:cxnSp>
+        <p:nvCxnSpPr>
+          <p:cNvPr id="164" name="직선 연결선[R] 163">
+            <a:extLst>
+              <a:ext uri="{FF2B5EF4-FFF2-40B4-BE49-F238E27FC236}">
+                <a16:creationId xmlns:a16="http://schemas.microsoft.com/office/drawing/2014/main" id="{275CCAA5-AF94-F5D7-29CF-787051AE2164}"/>
+              </a:ext>
+            </a:extLst>
+          </p:cNvPr>
+          <p:cNvCxnSpPr>
+            <a:cxnSpLocks/>
+            <a:stCxn id="139" idx="3"/>
+            <a:endCxn id="157" idx="1"/>
+          </p:cNvCxnSpPr>
+          <p:nvPr/>
+        </p:nvCxnSpPr>
+        <p:spPr>
+          <a:xfrm>
+            <a:off x="6148146" y="4898653"/>
+            <a:ext cx="1320539" cy="225214"/>
+          </a:xfrm>
+          <a:prstGeom prst="line">
+            <a:avLst/>
+          </a:prstGeom>
+        </p:spPr>
+        <p:style>
+          <a:lnRef idx="3">
+            <a:schemeClr val="accent3"/>
+          </a:lnRef>
+          <a:fillRef idx="0">
+            <a:schemeClr val="accent3"/>
+          </a:fillRef>
+          <a:effectRef idx="2">
+            <a:schemeClr val="accent3"/>
+          </a:effectRef>
+          <a:fontRef idx="minor">
+            <a:schemeClr val="tx1"/>
+          </a:fontRef>
+        </p:style>
+      </p:cxnSp>
+      <p:cxnSp>
+        <p:nvCxnSpPr>
+          <p:cNvPr id="167" name="직선 연결선[R] 166">
+            <a:extLst>
+              <a:ext uri="{FF2B5EF4-FFF2-40B4-BE49-F238E27FC236}">
+                <a16:creationId xmlns:a16="http://schemas.microsoft.com/office/drawing/2014/main" id="{0D7FDB59-51FC-8E5E-F0DC-F484DE18ECE3}"/>
+              </a:ext>
+            </a:extLst>
+          </p:cNvPr>
+          <p:cNvCxnSpPr>
+            <a:cxnSpLocks/>
+            <a:stCxn id="140" idx="3"/>
+            <a:endCxn id="159" idx="1"/>
+          </p:cNvCxnSpPr>
+          <p:nvPr/>
+        </p:nvCxnSpPr>
+        <p:spPr>
+          <a:xfrm>
+            <a:off x="6148145" y="5589667"/>
+            <a:ext cx="1314200" cy="64544"/>
+          </a:xfrm>
+          <a:prstGeom prst="line">
+            <a:avLst/>
+          </a:prstGeom>
+        </p:spPr>
+        <p:style>
+          <a:lnRef idx="3">
+            <a:schemeClr val="accent3"/>
+          </a:lnRef>
+          <a:fillRef idx="0">
+            <a:schemeClr val="accent3"/>
+          </a:fillRef>
+          <a:effectRef idx="2">
+            <a:schemeClr val="accent3"/>
+          </a:effectRef>
+          <a:fontRef idx="minor">
+            <a:schemeClr val="tx1"/>
+          </a:fontRef>
+        </p:style>
+      </p:cxnSp>
+      <p:cxnSp>
+        <p:nvCxnSpPr>
+          <p:cNvPr id="170" name="직선 연결선[R] 169">
+            <a:extLst>
+              <a:ext uri="{FF2B5EF4-FFF2-40B4-BE49-F238E27FC236}">
+                <a16:creationId xmlns:a16="http://schemas.microsoft.com/office/drawing/2014/main" id="{7D8CF72D-73EA-D7AD-AFF4-EB51BBE9A37F}"/>
+              </a:ext>
+            </a:extLst>
+          </p:cNvPr>
+          <p:cNvCxnSpPr>
+            <a:cxnSpLocks/>
+            <a:stCxn id="140" idx="3"/>
+            <a:endCxn id="160" idx="1"/>
+          </p:cNvCxnSpPr>
+          <p:nvPr/>
+        </p:nvCxnSpPr>
+        <p:spPr>
+          <a:xfrm>
+            <a:off x="6148145" y="5589667"/>
+            <a:ext cx="1314200" cy="559559"/>
+          </a:xfrm>
+          <a:prstGeom prst="line">
+            <a:avLst/>
+          </a:prstGeom>
+        </p:spPr>
+        <p:style>
+          <a:lnRef idx="3">
+            <a:schemeClr val="accent3"/>
+          </a:lnRef>
+          <a:fillRef idx="0">
+            <a:schemeClr val="accent3"/>
+          </a:fillRef>
+          <a:effectRef idx="2">
+            <a:schemeClr val="accent3"/>
+          </a:effectRef>
+          <a:fontRef idx="minor">
+            <a:schemeClr val="tx1"/>
+          </a:fontRef>
+        </p:style>
+      </p:cxnSp>
+      <p:sp>
+        <p:nvSpPr>
+          <p:cNvPr id="2" name="TextBox 1">
+            <a:extLst>
+              <a:ext uri="{FF2B5EF4-FFF2-40B4-BE49-F238E27FC236}">
+                <a16:creationId xmlns:a16="http://schemas.microsoft.com/office/drawing/2014/main" id="{B0D9562B-B555-4B06-9773-D0FE96C26043}"/>
+              </a:ext>
+            </a:extLst>
+          </p:cNvPr>
+          <p:cNvSpPr txBox="1"/>
+          <p:nvPr/>
+        </p:nvSpPr>
+        <p:spPr>
+          <a:xfrm>
+            <a:off x="4935247" y="5754538"/>
+            <a:ext cx="358943" cy="261610"/>
+          </a:xfrm>
+          <a:prstGeom prst="rect">
+            <a:avLst/>
+          </a:prstGeom>
+        </p:spPr>
+        <p:style>
+          <a:lnRef idx="3">
+            <a:schemeClr val="lt1"/>
+          </a:lnRef>
+          <a:fillRef idx="1">
+            <a:schemeClr val="accent4"/>
+          </a:fillRef>
+          <a:effectRef idx="1">
+            <a:schemeClr val="accent4"/>
+          </a:effectRef>
+          <a:fontRef idx="minor">
+            <a:schemeClr val="lt1"/>
+          </a:fontRef>
+        </p:style>
+        <p:txBody>
+          <a:bodyPr wrap="square" rtlCol="0">
+            <a:spAutoFit/>
+          </a:bodyPr>
+          <a:lstStyle/>
+          <a:p>
+            <a:pPr algn="ctr"/>
+            <a:r>
+              <a:rPr kumimoji="1" lang="en-US" altLang="ko-Kore-KR" sz="1100" dirty="0"/>
+              <a:t>1</a:t>
+            </a:r>
+            <a:endParaRPr kumimoji="1" lang="ko-Kore-KR" altLang="en-US" sz="1100" dirty="0"/>
+          </a:p>
+        </p:txBody>
+      </p:sp>
+      <p:sp>
+        <p:nvSpPr>
+          <p:cNvPr id="3" name="TextBox 2">
+            <a:extLst>
+              <a:ext uri="{FF2B5EF4-FFF2-40B4-BE49-F238E27FC236}">
+                <a16:creationId xmlns:a16="http://schemas.microsoft.com/office/drawing/2014/main" id="{1D031CB5-18DE-1433-45BA-09AE78775226}"/>
+              </a:ext>
+            </a:extLst>
+          </p:cNvPr>
+          <p:cNvSpPr txBox="1"/>
+          <p:nvPr/>
+        </p:nvSpPr>
+        <p:spPr>
+          <a:xfrm>
+            <a:off x="5032823" y="637394"/>
+            <a:ext cx="358943" cy="261610"/>
+          </a:xfrm>
+          <a:prstGeom prst="rect">
+            <a:avLst/>
+          </a:prstGeom>
+        </p:spPr>
+        <p:style>
+          <a:lnRef idx="3">
+            <a:schemeClr val="lt1"/>
+          </a:lnRef>
+          <a:fillRef idx="1">
+            <a:schemeClr val="accent4"/>
+          </a:fillRef>
+          <a:effectRef idx="1">
+            <a:schemeClr val="accent4"/>
+          </a:effectRef>
+          <a:fontRef idx="minor">
+            <a:schemeClr val="lt1"/>
+          </a:fontRef>
+        </p:style>
+        <p:txBody>
+          <a:bodyPr wrap="square" rtlCol="0">
+            <a:spAutoFit/>
+          </a:bodyPr>
+          <a:lstStyle/>
+          <a:p>
+            <a:pPr algn="ctr"/>
+            <a:r>
+              <a:rPr kumimoji="1" lang="en-US" altLang="ko-Kore-KR" sz="1100" dirty="0"/>
+              <a:t>2</a:t>
+            </a:r>
+            <a:endParaRPr kumimoji="1" lang="ko-Kore-KR" altLang="en-US" sz="1100" dirty="0"/>
+          </a:p>
+        </p:txBody>
+      </p:sp>
+      <p:sp>
+        <p:nvSpPr>
+          <p:cNvPr id="5" name="TextBox 4">
+            <a:extLst>
+              <a:ext uri="{FF2B5EF4-FFF2-40B4-BE49-F238E27FC236}">
+                <a16:creationId xmlns:a16="http://schemas.microsoft.com/office/drawing/2014/main" id="{9CB8491D-E703-807C-ED35-7F632BCC42DA}"/>
+              </a:ext>
+            </a:extLst>
+          </p:cNvPr>
+          <p:cNvSpPr txBox="1"/>
+          <p:nvPr/>
+        </p:nvSpPr>
+        <p:spPr>
+          <a:xfrm>
+            <a:off x="7266148" y="113853"/>
+            <a:ext cx="358943" cy="261610"/>
+          </a:xfrm>
+          <a:prstGeom prst="rect">
+            <a:avLst/>
+          </a:prstGeom>
+        </p:spPr>
+        <p:style>
+          <a:lnRef idx="3">
+            <a:schemeClr val="lt1"/>
+          </a:lnRef>
+          <a:fillRef idx="1">
+            <a:schemeClr val="accent4"/>
+          </a:fillRef>
+          <a:effectRef idx="1">
+            <a:schemeClr val="accent4"/>
+          </a:effectRef>
+          <a:fontRef idx="minor">
+            <a:schemeClr val="lt1"/>
+          </a:fontRef>
+        </p:style>
+        <p:txBody>
+          <a:bodyPr wrap="square" rtlCol="0">
+            <a:spAutoFit/>
+          </a:bodyPr>
+          <a:lstStyle/>
+          <a:p>
+            <a:pPr algn="ctr"/>
+            <a:r>
+              <a:rPr kumimoji="1" lang="en-US" altLang="ko-Kore-KR" sz="1100" dirty="0"/>
+              <a:t>3</a:t>
+            </a:r>
+            <a:endParaRPr kumimoji="1" lang="ko-Kore-KR" altLang="en-US" sz="1100" dirty="0"/>
+          </a:p>
+        </p:txBody>
+      </p:sp>
+      <p:sp>
+        <p:nvSpPr>
+          <p:cNvPr id="7" name="TextBox 6">
+            <a:extLst>
+              <a:ext uri="{FF2B5EF4-FFF2-40B4-BE49-F238E27FC236}">
+                <a16:creationId xmlns:a16="http://schemas.microsoft.com/office/drawing/2014/main" id="{E3882D03-0900-630D-A5F8-151EBE6A6A88}"/>
+              </a:ext>
+            </a:extLst>
+          </p:cNvPr>
+          <p:cNvSpPr txBox="1"/>
+          <p:nvPr/>
+        </p:nvSpPr>
+        <p:spPr>
+          <a:xfrm>
+            <a:off x="4917084" y="2557166"/>
+            <a:ext cx="358943" cy="261610"/>
+          </a:xfrm>
+          <a:prstGeom prst="rect">
+            <a:avLst/>
+          </a:prstGeom>
+        </p:spPr>
+        <p:style>
+          <a:lnRef idx="3">
+            <a:schemeClr val="lt1"/>
+          </a:lnRef>
+          <a:fillRef idx="1">
+            <a:schemeClr val="accent4"/>
+          </a:fillRef>
+          <a:effectRef idx="1">
+            <a:schemeClr val="accent4"/>
+          </a:effectRef>
+          <a:fontRef idx="minor">
+            <a:schemeClr val="lt1"/>
+          </a:fontRef>
+        </p:style>
+        <p:txBody>
+          <a:bodyPr wrap="square" rtlCol="0">
+            <a:spAutoFit/>
+          </a:bodyPr>
+          <a:lstStyle/>
+          <a:p>
+            <a:pPr algn="ctr"/>
+            <a:r>
+              <a:rPr kumimoji="1" lang="en-US" altLang="ko-Kore-KR" sz="1100" dirty="0"/>
+              <a:t>4</a:t>
+            </a:r>
+            <a:endParaRPr kumimoji="1" lang="ko-Kore-KR" altLang="en-US" sz="1100" dirty="0"/>
+          </a:p>
+        </p:txBody>
+      </p:sp>
+      <p:sp>
+        <p:nvSpPr>
+          <p:cNvPr id="8" name="TextBox 7">
+            <a:extLst>
+              <a:ext uri="{FF2B5EF4-FFF2-40B4-BE49-F238E27FC236}">
+                <a16:creationId xmlns:a16="http://schemas.microsoft.com/office/drawing/2014/main" id="{D8307A1F-9954-D03B-E3BA-FB04D5FBC893}"/>
+              </a:ext>
+            </a:extLst>
+          </p:cNvPr>
+          <p:cNvSpPr txBox="1"/>
+          <p:nvPr/>
+        </p:nvSpPr>
+        <p:spPr>
+          <a:xfrm>
+            <a:off x="4935246" y="6066796"/>
+            <a:ext cx="358943" cy="261610"/>
+          </a:xfrm>
+          <a:prstGeom prst="rect">
+            <a:avLst/>
+          </a:prstGeom>
+        </p:spPr>
+        <p:style>
+          <a:lnRef idx="3">
+            <a:schemeClr val="lt1"/>
+          </a:lnRef>
+          <a:fillRef idx="1">
+            <a:schemeClr val="accent4"/>
+          </a:fillRef>
+          <a:effectRef idx="1">
+            <a:schemeClr val="accent4"/>
+          </a:effectRef>
+          <a:fontRef idx="minor">
+            <a:schemeClr val="lt1"/>
+          </a:fontRef>
+        </p:style>
+        <p:txBody>
+          <a:bodyPr wrap="square" rtlCol="0">
+            <a:spAutoFit/>
+          </a:bodyPr>
+          <a:lstStyle/>
+          <a:p>
+            <a:pPr algn="ctr"/>
+            <a:r>
+              <a:rPr kumimoji="1" lang="en-US" altLang="ko-Kore-KR" sz="1100" dirty="0"/>
+              <a:t>5</a:t>
+            </a:r>
+            <a:endParaRPr kumimoji="1" lang="ko-Kore-KR" altLang="en-US" sz="1100" dirty="0"/>
+          </a:p>
+        </p:txBody>
+      </p:sp>
+      <p:sp>
+        <p:nvSpPr>
+          <p:cNvPr id="10" name="TextBox 9">
+            <a:extLst>
+              <a:ext uri="{FF2B5EF4-FFF2-40B4-BE49-F238E27FC236}">
+                <a16:creationId xmlns:a16="http://schemas.microsoft.com/office/drawing/2014/main" id="{99113655-3EFD-A849-EE27-A2216EC5F878}"/>
+              </a:ext>
+            </a:extLst>
+          </p:cNvPr>
+          <p:cNvSpPr txBox="1"/>
+          <p:nvPr/>
+        </p:nvSpPr>
+        <p:spPr>
+          <a:xfrm>
+            <a:off x="7210518" y="5376647"/>
+            <a:ext cx="358943" cy="261610"/>
+          </a:xfrm>
+          <a:prstGeom prst="rect">
+            <a:avLst/>
+          </a:prstGeom>
+        </p:spPr>
+        <p:style>
+          <a:lnRef idx="3">
+            <a:schemeClr val="lt1"/>
+          </a:lnRef>
+          <a:fillRef idx="1">
+            <a:schemeClr val="accent4"/>
+          </a:fillRef>
+          <a:effectRef idx="1">
+            <a:schemeClr val="accent4"/>
+          </a:effectRef>
+          <a:fontRef idx="minor">
+            <a:schemeClr val="lt1"/>
+          </a:fontRef>
+        </p:style>
+        <p:txBody>
+          <a:bodyPr wrap="square" rtlCol="0">
+            <a:spAutoFit/>
+          </a:bodyPr>
+          <a:lstStyle/>
+          <a:p>
+            <a:pPr algn="ctr"/>
+            <a:r>
+              <a:rPr kumimoji="1" lang="en-US" altLang="ko-KR" sz="1100" dirty="0"/>
+              <a:t>6</a:t>
+            </a:r>
+            <a:endParaRPr kumimoji="1" lang="ko-Kore-KR" altLang="en-US" sz="1100" dirty="0"/>
+          </a:p>
+        </p:txBody>
+      </p:sp>
+      <p:sp>
+        <p:nvSpPr>
+          <p:cNvPr id="11" name="TextBox 10">
+            <a:extLst>
+              <a:ext uri="{FF2B5EF4-FFF2-40B4-BE49-F238E27FC236}">
+                <a16:creationId xmlns:a16="http://schemas.microsoft.com/office/drawing/2014/main" id="{0D3413D1-3E3F-EC8A-9744-8BC54D466DB2}"/>
+              </a:ext>
+            </a:extLst>
+          </p:cNvPr>
+          <p:cNvSpPr txBox="1"/>
+          <p:nvPr/>
+        </p:nvSpPr>
+        <p:spPr>
+          <a:xfrm>
+            <a:off x="7225458" y="4377139"/>
+            <a:ext cx="358943" cy="261610"/>
+          </a:xfrm>
+          <a:prstGeom prst="rect">
+            <a:avLst/>
+          </a:prstGeom>
+        </p:spPr>
+        <p:style>
+          <a:lnRef idx="3">
+            <a:schemeClr val="lt1"/>
+          </a:lnRef>
+          <a:fillRef idx="1">
+            <a:schemeClr val="accent4"/>
+          </a:fillRef>
+          <a:effectRef idx="1">
+            <a:schemeClr val="accent4"/>
+          </a:effectRef>
+          <a:fontRef idx="minor">
+            <a:schemeClr val="lt1"/>
+          </a:fontRef>
+        </p:style>
+        <p:txBody>
+          <a:bodyPr wrap="square" rtlCol="0">
+            <a:spAutoFit/>
+          </a:bodyPr>
+          <a:lstStyle/>
+          <a:p>
+            <a:pPr algn="ctr"/>
+            <a:r>
+              <a:rPr kumimoji="1" lang="en-US" altLang="ko-KR" sz="1100" dirty="0"/>
+              <a:t>7</a:t>
+            </a:r>
+            <a:endParaRPr kumimoji="1" lang="ko-Kore-KR" altLang="en-US" sz="1100" dirty="0"/>
+          </a:p>
+        </p:txBody>
+      </p:sp>
+      <p:sp>
+        <p:nvSpPr>
+          <p:cNvPr id="12" name="TextBox 11">
+            <a:extLst>
+              <a:ext uri="{FF2B5EF4-FFF2-40B4-BE49-F238E27FC236}">
+                <a16:creationId xmlns:a16="http://schemas.microsoft.com/office/drawing/2014/main" id="{192BC026-99B5-4901-4E31-B12D4A6555C3}"/>
+              </a:ext>
+            </a:extLst>
+          </p:cNvPr>
+          <p:cNvSpPr txBox="1"/>
+          <p:nvPr/>
+        </p:nvSpPr>
+        <p:spPr>
+          <a:xfrm>
+            <a:off x="7217096" y="5645381"/>
+            <a:ext cx="358943" cy="261610"/>
+          </a:xfrm>
+          <a:prstGeom prst="rect">
+            <a:avLst/>
+          </a:prstGeom>
+        </p:spPr>
+        <p:style>
+          <a:lnRef idx="3">
+            <a:schemeClr val="lt1"/>
+          </a:lnRef>
+          <a:fillRef idx="1">
+            <a:schemeClr val="accent4"/>
+          </a:fillRef>
+          <a:effectRef idx="1">
+            <a:schemeClr val="accent4"/>
+          </a:effectRef>
+          <a:fontRef idx="minor">
+            <a:schemeClr val="lt1"/>
+          </a:fontRef>
+        </p:style>
+        <p:txBody>
+          <a:bodyPr wrap="square" rtlCol="0">
+            <a:spAutoFit/>
+          </a:bodyPr>
+          <a:lstStyle/>
+          <a:p>
+            <a:pPr algn="ctr"/>
+            <a:r>
+              <a:rPr kumimoji="1" lang="en-US" altLang="ko-KR" sz="1100" dirty="0"/>
+              <a:t>8</a:t>
+            </a:r>
+            <a:endParaRPr kumimoji="1" lang="ko-Kore-KR" altLang="en-US" sz="1100" dirty="0"/>
+          </a:p>
+        </p:txBody>
+      </p:sp>
+      <p:sp>
+        <p:nvSpPr>
+          <p:cNvPr id="24" name="TextBox 23">
+            <a:extLst>
+              <a:ext uri="{FF2B5EF4-FFF2-40B4-BE49-F238E27FC236}">
+                <a16:creationId xmlns:a16="http://schemas.microsoft.com/office/drawing/2014/main" id="{9B7CFC02-6FCF-9AC7-80BF-41C6CC4C1C01}"/>
+              </a:ext>
+            </a:extLst>
+          </p:cNvPr>
+          <p:cNvSpPr txBox="1"/>
+          <p:nvPr/>
+        </p:nvSpPr>
+        <p:spPr>
+          <a:xfrm>
+            <a:off x="4909618" y="2829007"/>
+            <a:ext cx="358943" cy="261610"/>
+          </a:xfrm>
+          <a:prstGeom prst="rect">
+            <a:avLst/>
+          </a:prstGeom>
+        </p:spPr>
+        <p:style>
+          <a:lnRef idx="3">
+            <a:schemeClr val="lt1"/>
+          </a:lnRef>
+          <a:fillRef idx="1">
+            <a:schemeClr val="accent4"/>
+          </a:fillRef>
+          <a:effectRef idx="1">
+            <a:schemeClr val="accent4"/>
+          </a:effectRef>
+          <a:fontRef idx="minor">
+            <a:schemeClr val="lt1"/>
+          </a:fontRef>
+        </p:style>
+        <p:txBody>
+          <a:bodyPr wrap="square" rtlCol="0">
+            <a:spAutoFit/>
+          </a:bodyPr>
+          <a:lstStyle/>
+          <a:p>
+            <a:pPr algn="ctr"/>
+            <a:r>
+              <a:rPr kumimoji="1" lang="en-US" altLang="ko-KR" sz="1100" dirty="0"/>
+              <a:t>9</a:t>
+            </a:r>
+            <a:endParaRPr kumimoji="1" lang="ko-Kore-KR" altLang="en-US" sz="1100" dirty="0"/>
+          </a:p>
+        </p:txBody>
+      </p:sp>
+      <p:sp>
+        <p:nvSpPr>
+          <p:cNvPr id="26" name="TextBox 25">
+            <a:extLst>
+              <a:ext uri="{FF2B5EF4-FFF2-40B4-BE49-F238E27FC236}">
+                <a16:creationId xmlns:a16="http://schemas.microsoft.com/office/drawing/2014/main" id="{69908F21-FC5A-6682-B2A2-C463716F5562}"/>
+              </a:ext>
+            </a:extLst>
+          </p:cNvPr>
+          <p:cNvSpPr txBox="1"/>
+          <p:nvPr/>
+        </p:nvSpPr>
+        <p:spPr>
+          <a:xfrm>
+            <a:off x="7266148" y="344072"/>
+            <a:ext cx="358943" cy="261610"/>
+          </a:xfrm>
+          <a:prstGeom prst="rect">
+            <a:avLst/>
+          </a:prstGeom>
+        </p:spPr>
+        <p:style>
+          <a:lnRef idx="3">
+            <a:schemeClr val="lt1"/>
+          </a:lnRef>
+          <a:fillRef idx="1">
+            <a:schemeClr val="accent4"/>
+          </a:fillRef>
+          <a:effectRef idx="1">
+            <a:schemeClr val="accent4"/>
+          </a:effectRef>
+          <a:fontRef idx="minor">
+            <a:schemeClr val="lt1"/>
+          </a:fontRef>
+        </p:style>
+        <p:txBody>
+          <a:bodyPr wrap="square" rtlCol="0">
+            <a:spAutoFit/>
+          </a:bodyPr>
+          <a:lstStyle/>
+          <a:p>
+            <a:pPr algn="ctr"/>
+            <a:r>
+              <a:rPr kumimoji="1" lang="en-US" altLang="ko-KR" sz="1100" dirty="0"/>
+              <a:t>10</a:t>
+            </a:r>
+            <a:endParaRPr kumimoji="1" lang="ko-Kore-KR" altLang="en-US" sz="1100" dirty="0"/>
+          </a:p>
+        </p:txBody>
+      </p:sp>
+      <p:sp>
+        <p:nvSpPr>
+          <p:cNvPr id="27" name="TextBox 26">
+            <a:extLst>
+              <a:ext uri="{FF2B5EF4-FFF2-40B4-BE49-F238E27FC236}">
+                <a16:creationId xmlns:a16="http://schemas.microsoft.com/office/drawing/2014/main" id="{991A0B1D-729A-F409-9BDC-426878B9F9E4}"/>
+              </a:ext>
+            </a:extLst>
+          </p:cNvPr>
+          <p:cNvSpPr txBox="1"/>
+          <p:nvPr/>
+        </p:nvSpPr>
+        <p:spPr>
+          <a:xfrm>
+            <a:off x="4938238" y="6347819"/>
+            <a:ext cx="358943" cy="261610"/>
+          </a:xfrm>
+          <a:prstGeom prst="rect">
+            <a:avLst/>
+          </a:prstGeom>
+        </p:spPr>
+        <p:style>
+          <a:lnRef idx="3">
+            <a:schemeClr val="lt1"/>
+          </a:lnRef>
+          <a:fillRef idx="1">
+            <a:schemeClr val="accent4"/>
+          </a:fillRef>
+          <a:effectRef idx="1">
+            <a:schemeClr val="accent4"/>
+          </a:effectRef>
+          <a:fontRef idx="minor">
+            <a:schemeClr val="lt1"/>
+          </a:fontRef>
+        </p:style>
+        <p:txBody>
+          <a:bodyPr wrap="square" rtlCol="0">
+            <a:spAutoFit/>
+          </a:bodyPr>
+          <a:lstStyle/>
+          <a:p>
+            <a:pPr algn="ctr"/>
+            <a:r>
+              <a:rPr kumimoji="1" lang="en-US" altLang="ko-KR" sz="1100" dirty="0"/>
+              <a:t>9</a:t>
+            </a:r>
+            <a:endParaRPr kumimoji="1" lang="ko-Kore-KR" altLang="en-US" sz="1100" dirty="0"/>
+          </a:p>
+        </p:txBody>
+      </p:sp>
+    </p:spTree>
+    <p:extLst>
+      <p:ext uri="{BB962C8B-B14F-4D97-AF65-F5344CB8AC3E}">
+        <p14:creationId xmlns:p14="http://schemas.microsoft.com/office/powerpoint/2010/main" val="2985244158"/>
       </p:ext>
     </p:extLst>
   </p:cSld>

--- a/study-note/자바/2022-08-19 내용정리.pptx
+++ b/study-note/자바/2022-08-19 내용정리.pptx
@@ -212,7 +212,7 @@
           <a:p>
             <a:fld id="{F526C2EA-361D-406E-8534-6CB21787882E}" type="datetimeFigureOut">
               <a:rPr lang="ko-KR" altLang="en-US" smtClean="0"/>
-              <a:t>2022. 8. 20.</a:t>
+              <a:t>2022. 8. 22.</a:t>
             </a:fld>
             <a:endParaRPr lang="ko-KR" altLang="en-US"/>
           </a:p>
@@ -626,7 +626,7 @@
           <a:p>
             <a:fld id="{E429DD96-549C-4464-A555-B392FBD40474}" type="datetimeFigureOut">
               <a:rPr lang="ko-KR" altLang="en-US" smtClean="0"/>
-              <a:t>2022. 8. 20.</a:t>
+              <a:t>2022. 8. 22.</a:t>
             </a:fld>
             <a:endParaRPr lang="ko-KR" altLang="en-US"/>
           </a:p>
@@ -824,7 +824,7 @@
           <a:p>
             <a:fld id="{E429DD96-549C-4464-A555-B392FBD40474}" type="datetimeFigureOut">
               <a:rPr lang="ko-KR" altLang="en-US" smtClean="0"/>
-              <a:t>2022. 8. 20.</a:t>
+              <a:t>2022. 8. 22.</a:t>
             </a:fld>
             <a:endParaRPr lang="ko-KR" altLang="en-US"/>
           </a:p>
@@ -1032,7 +1032,7 @@
           <a:p>
             <a:fld id="{E429DD96-549C-4464-A555-B392FBD40474}" type="datetimeFigureOut">
               <a:rPr lang="ko-KR" altLang="en-US" smtClean="0"/>
-              <a:t>2022. 8. 20.</a:t>
+              <a:t>2022. 8. 22.</a:t>
             </a:fld>
             <a:endParaRPr lang="ko-KR" altLang="en-US"/>
           </a:p>
@@ -1230,7 +1230,7 @@
           <a:p>
             <a:fld id="{E429DD96-549C-4464-A555-B392FBD40474}" type="datetimeFigureOut">
               <a:rPr lang="ko-KR" altLang="en-US" smtClean="0"/>
-              <a:t>2022. 8. 20.</a:t>
+              <a:t>2022. 8. 22.</a:t>
             </a:fld>
             <a:endParaRPr lang="ko-KR" altLang="en-US"/>
           </a:p>
@@ -1505,7 +1505,7 @@
           <a:p>
             <a:fld id="{E429DD96-549C-4464-A555-B392FBD40474}" type="datetimeFigureOut">
               <a:rPr lang="ko-KR" altLang="en-US" smtClean="0"/>
-              <a:t>2022. 8. 20.</a:t>
+              <a:t>2022. 8. 22.</a:t>
             </a:fld>
             <a:endParaRPr lang="ko-KR" altLang="en-US"/>
           </a:p>
@@ -1770,7 +1770,7 @@
           <a:p>
             <a:fld id="{E429DD96-549C-4464-A555-B392FBD40474}" type="datetimeFigureOut">
               <a:rPr lang="ko-KR" altLang="en-US" smtClean="0"/>
-              <a:t>2022. 8. 20.</a:t>
+              <a:t>2022. 8. 22.</a:t>
             </a:fld>
             <a:endParaRPr lang="ko-KR" altLang="en-US"/>
           </a:p>
@@ -2182,7 +2182,7 @@
           <a:p>
             <a:fld id="{E429DD96-549C-4464-A555-B392FBD40474}" type="datetimeFigureOut">
               <a:rPr lang="ko-KR" altLang="en-US" smtClean="0"/>
-              <a:t>2022. 8. 20.</a:t>
+              <a:t>2022. 8. 22.</a:t>
             </a:fld>
             <a:endParaRPr lang="ko-KR" altLang="en-US"/>
           </a:p>
@@ -2323,7 +2323,7 @@
           <a:p>
             <a:fld id="{E429DD96-549C-4464-A555-B392FBD40474}" type="datetimeFigureOut">
               <a:rPr lang="ko-KR" altLang="en-US" smtClean="0"/>
-              <a:t>2022. 8. 20.</a:t>
+              <a:t>2022. 8. 22.</a:t>
             </a:fld>
             <a:endParaRPr lang="ko-KR" altLang="en-US"/>
           </a:p>
@@ -2436,7 +2436,7 @@
           <a:p>
             <a:fld id="{E429DD96-549C-4464-A555-B392FBD40474}" type="datetimeFigureOut">
               <a:rPr lang="ko-KR" altLang="en-US" smtClean="0"/>
-              <a:t>2022. 8. 20.</a:t>
+              <a:t>2022. 8. 22.</a:t>
             </a:fld>
             <a:endParaRPr lang="ko-KR" altLang="en-US"/>
           </a:p>
@@ -2747,7 +2747,7 @@
           <a:p>
             <a:fld id="{E429DD96-549C-4464-A555-B392FBD40474}" type="datetimeFigureOut">
               <a:rPr lang="ko-KR" altLang="en-US" smtClean="0"/>
-              <a:t>2022. 8. 20.</a:t>
+              <a:t>2022. 8. 22.</a:t>
             </a:fld>
             <a:endParaRPr lang="ko-KR" altLang="en-US"/>
           </a:p>
@@ -3035,7 +3035,7 @@
           <a:p>
             <a:fld id="{E429DD96-549C-4464-A555-B392FBD40474}" type="datetimeFigureOut">
               <a:rPr lang="ko-KR" altLang="en-US" smtClean="0"/>
-              <a:t>2022. 8. 20.</a:t>
+              <a:t>2022. 8. 22.</a:t>
             </a:fld>
             <a:endParaRPr lang="ko-KR" altLang="en-US"/>
           </a:p>
@@ -3276,7 +3276,7 @@
           <a:p>
             <a:fld id="{E429DD96-549C-4464-A555-B392FBD40474}" type="datetimeFigureOut">
               <a:rPr lang="ko-KR" altLang="en-US" smtClean="0"/>
-              <a:t>2022. 8. 20.</a:t>
+              <a:t>2022. 8. 22.</a:t>
             </a:fld>
             <a:endParaRPr lang="ko-KR" altLang="en-US"/>
           </a:p>
@@ -20911,7 +20911,7 @@
         </p:nvSpPr>
         <p:spPr>
           <a:xfrm>
-            <a:off x="1229710" y="1639614"/>
+            <a:off x="0" y="80991"/>
             <a:ext cx="1713187" cy="893379"/>
           </a:xfrm>
           <a:prstGeom prst="rect">
@@ -20961,7 +20961,7 @@
         </p:nvSpPr>
         <p:spPr>
           <a:xfrm>
-            <a:off x="1229710" y="3967655"/>
+            <a:off x="0" y="4108331"/>
             <a:ext cx="1713187" cy="893379"/>
           </a:xfrm>
           <a:prstGeom prst="rect">
@@ -21011,7 +21011,7 @@
         </p:nvSpPr>
         <p:spPr>
           <a:xfrm>
-            <a:off x="2291255" y="2785241"/>
+            <a:off x="1236038" y="1434416"/>
             <a:ext cx="2154621" cy="923330"/>
           </a:xfrm>
           <a:prstGeom prst="rect">
@@ -21093,7 +21093,7 @@
         </p:nvSpPr>
         <p:spPr>
           <a:xfrm>
-            <a:off x="2086303" y="5218386"/>
+            <a:off x="856593" y="5359062"/>
             <a:ext cx="2154621" cy="923330"/>
           </a:xfrm>
           <a:prstGeom prst="rect">
@@ -21179,9 +21179,9 @@
           <p:nvPr/>
         </p:nvCxnSpPr>
         <p:spPr>
-          <a:xfrm flipV="1">
-            <a:off x="4445876" y="2532993"/>
-            <a:ext cx="4312961" cy="713913"/>
+          <a:xfrm>
+            <a:off x="3390659" y="1896081"/>
+            <a:ext cx="4138468" cy="777588"/>
           </a:xfrm>
           <a:prstGeom prst="straightConnector1">
             <a:avLst/>
@@ -21226,7 +21226,7 @@
         </p:nvCxnSpPr>
         <p:spPr>
           <a:xfrm flipV="1">
-            <a:off x="4240924" y="2532993"/>
+            <a:off x="3011214" y="2673669"/>
             <a:ext cx="4517913" cy="3147058"/>
           </a:xfrm>
           <a:prstGeom prst="straightConnector1">
@@ -21268,7 +21268,7 @@
         </p:nvSpPr>
         <p:spPr>
           <a:xfrm>
-            <a:off x="8758837" y="2086303"/>
+            <a:off x="7529127" y="2226979"/>
             <a:ext cx="1713187" cy="893379"/>
           </a:xfrm>
           <a:prstGeom prst="rect">
@@ -21318,7 +21318,7 @@
         </p:nvSpPr>
         <p:spPr>
           <a:xfrm>
-            <a:off x="4821949" y="3180848"/>
+            <a:off x="3513477" y="2660732"/>
             <a:ext cx="2954940" cy="646331"/>
           </a:xfrm>
           <a:prstGeom prst="rect">
@@ -21380,7 +21380,7 @@
         </p:nvSpPr>
         <p:spPr>
           <a:xfrm>
-            <a:off x="8758837" y="3416654"/>
+            <a:off x="9478796" y="2350502"/>
             <a:ext cx="2154621" cy="646331"/>
           </a:xfrm>
           <a:prstGeom prst="rect">
@@ -21452,7 +21452,7 @@
         </p:nvSpPr>
         <p:spPr>
           <a:xfrm>
-            <a:off x="8778322" y="388882"/>
+            <a:off x="7529127" y="143894"/>
             <a:ext cx="1713187" cy="893379"/>
           </a:xfrm>
           <a:prstGeom prst="rect">
@@ -21502,7 +21502,7 @@
         </p:nvSpPr>
         <p:spPr>
           <a:xfrm>
-            <a:off x="8773453" y="4861034"/>
+            <a:off x="7529127" y="5405393"/>
             <a:ext cx="1713187" cy="893379"/>
           </a:xfrm>
           <a:prstGeom prst="rect">
@@ -21547,13 +21547,16 @@
               </a:ext>
             </a:extLst>
           </p:cNvPr>
-          <p:cNvCxnSpPr/>
+          <p:cNvCxnSpPr>
+            <a:cxnSpLocks/>
+            <a:stCxn id="28" idx="0"/>
+          </p:cNvCxnSpPr>
           <p:nvPr/>
         </p:nvCxnSpPr>
         <p:spPr>
           <a:xfrm>
-            <a:off x="9605689" y="1266496"/>
-            <a:ext cx="0" cy="793531"/>
+            <a:off x="8375979" y="1037273"/>
+            <a:ext cx="0" cy="1163430"/>
           </a:xfrm>
           <a:prstGeom prst="straightConnector1">
             <a:avLst/>
@@ -21588,13 +21591,15 @@
           </p:cNvPr>
           <p:cNvCxnSpPr>
             <a:cxnSpLocks/>
+            <a:stCxn id="22" idx="0"/>
+            <a:endCxn id="11" idx="2"/>
           </p:cNvCxnSpPr>
           <p:nvPr/>
         </p:nvCxnSpPr>
         <p:spPr>
           <a:xfrm flipV="1">
-            <a:off x="9494561" y="4219903"/>
-            <a:ext cx="0" cy="641131"/>
+            <a:off x="8385721" y="3120358"/>
+            <a:ext cx="0" cy="2285035"/>
           </a:xfrm>
           <a:prstGeom prst="straightConnector1">
             <a:avLst/>
@@ -21632,7 +21637,7 @@
         </p:nvSpPr>
         <p:spPr>
           <a:xfrm>
-            <a:off x="9484820" y="1282261"/>
+            <a:off x="8255110" y="1037273"/>
             <a:ext cx="241738" cy="241738"/>
           </a:xfrm>
           <a:prstGeom prst="diamond">
@@ -21678,7 +21683,7 @@
         </p:nvSpPr>
         <p:spPr>
           <a:xfrm>
-            <a:off x="9373692" y="4619296"/>
+            <a:off x="8269337" y="5125682"/>
             <a:ext cx="241738" cy="241738"/>
           </a:xfrm>
           <a:prstGeom prst="diamond">
@@ -21724,8 +21729,8 @@
         </p:nvSpPr>
         <p:spPr>
           <a:xfrm>
-            <a:off x="6192454" y="1062334"/>
-            <a:ext cx="2154621" cy="923330"/>
+            <a:off x="5325351" y="1262687"/>
+            <a:ext cx="2154621" cy="646331"/>
           </a:xfrm>
           <a:prstGeom prst="rect">
             <a:avLst/>
@@ -21752,8 +21757,8 @@
           <a:lstStyle/>
           <a:p>
             <a:r>
-              <a:rPr kumimoji="1" lang="ko-Kore-KR" altLang="en-US" dirty="0"/>
-              <a:t>서버</a:t>
+              <a:rPr kumimoji="1" lang="en-US" altLang="ko-Kore-KR" dirty="0"/>
+              <a:t>Server</a:t>
             </a:r>
             <a:r>
               <a:rPr kumimoji="1" lang="ko-KR" altLang="en-US" dirty="0"/>
@@ -21767,8 +21772,64 @@
               <a:t>import</a:t>
             </a:r>
           </a:p>
-          <a:p>
-            <a:endParaRPr kumimoji="1" lang="en-US" altLang="ko-Kore-KR" dirty="0"/>
+        </p:txBody>
+      </p:sp>
+      <p:sp>
+        <p:nvSpPr>
+          <p:cNvPr id="17" name="TextBox 16">
+            <a:extLst>
+              <a:ext uri="{FF2B5EF4-FFF2-40B4-BE49-F238E27FC236}">
+                <a16:creationId xmlns:a16="http://schemas.microsoft.com/office/drawing/2014/main" id="{4793F494-4B56-3657-19C0-59FDFF297295}"/>
+              </a:ext>
+            </a:extLst>
+          </p:cNvPr>
+          <p:cNvSpPr txBox="1"/>
+          <p:nvPr/>
+        </p:nvSpPr>
+        <p:spPr>
+          <a:xfrm>
+            <a:off x="5582087" y="4270554"/>
+            <a:ext cx="2154621" cy="646331"/>
+          </a:xfrm>
+          <a:prstGeom prst="rect">
+            <a:avLst/>
+          </a:prstGeom>
+        </p:spPr>
+        <p:style>
+          <a:lnRef idx="2">
+            <a:schemeClr val="dk1"/>
+          </a:lnRef>
+          <a:fillRef idx="1">
+            <a:schemeClr val="lt1"/>
+          </a:fillRef>
+          <a:effectRef idx="0">
+            <a:schemeClr val="dk1"/>
+          </a:effectRef>
+          <a:fontRef idx="minor">
+            <a:schemeClr val="dk1"/>
+          </a:fontRef>
+        </p:style>
+        <p:txBody>
+          <a:bodyPr wrap="square" rtlCol="0">
+            <a:spAutoFit/>
+          </a:bodyPr>
+          <a:lstStyle/>
+          <a:p>
+            <a:r>
+              <a:rPr kumimoji="1" lang="en-US" altLang="ko-KR" dirty="0"/>
+              <a:t>Client</a:t>
+            </a:r>
+            <a:r>
+              <a:rPr kumimoji="1" lang="ko-KR" altLang="en-US" dirty="0"/>
+              <a:t> 개발자가</a:t>
+            </a:r>
+            <a:endParaRPr kumimoji="1" lang="en-US" altLang="ko-KR" dirty="0"/>
+          </a:p>
+          <a:p>
+            <a:r>
+              <a:rPr kumimoji="1" lang="en-US" altLang="ko-KR" dirty="0"/>
+              <a:t>import</a:t>
+            </a:r>
           </a:p>
         </p:txBody>
       </p:sp>
